--- a/微波谐振腔.pptx
+++ b/微波谐振腔.pptx
@@ -2,7 +2,7 @@
 <file path=ppt/presentation.xml><?xml version="1.0" encoding="utf-8"?>
 <p:presentation xmlns:a="http://schemas.openxmlformats.org/drawingml/2006/main" xmlns:r="http://schemas.openxmlformats.org/officeDocument/2006/relationships" xmlns:p="http://schemas.openxmlformats.org/presentationml/2006/main" saveSubsetFonts="1">
   <p:sldMasterIdLst>
-    <p:sldMasterId id="2147483648" r:id="rId1"/>
+    <p:sldMasterId id="2147483744" r:id="rId1"/>
   </p:sldMasterIdLst>
   <p:sldIdLst>
     <p:sldId id="256" r:id="rId2"/>
@@ -18,19 +18,18 @@
     <p:sldId id="264" r:id="rId12"/>
     <p:sldId id="265" r:id="rId13"/>
     <p:sldId id="275" r:id="rId14"/>
-    <p:sldId id="273" r:id="rId15"/>
-    <p:sldId id="276" r:id="rId16"/>
-    <p:sldId id="278" r:id="rId17"/>
-    <p:sldId id="268" r:id="rId18"/>
-    <p:sldId id="272" r:id="rId19"/>
+    <p:sldId id="267" r:id="rId15"/>
+    <p:sldId id="273" r:id="rId16"/>
+    <p:sldId id="268" r:id="rId17"/>
+    <p:sldId id="272" r:id="rId18"/>
   </p:sldIdLst>
   <p:sldSz cx="12192000" cy="6858000"/>
   <p:notesSz cx="6858000" cy="9144000"/>
   <p:defaultTextStyle>
     <a:defPPr>
-      <a:defRPr lang="zh-CN"/>
+      <a:defRPr lang="en-US"/>
     </a:defPPr>
-    <a:lvl1pPr marL="0" algn="l" defTabSz="914400" rtl="0" eaLnBrk="1" latinLnBrk="0" hangingPunct="1">
+    <a:lvl1pPr marL="0" algn="l" defTabSz="457200" rtl="0" eaLnBrk="1" latinLnBrk="0" hangingPunct="1">
       <a:defRPr sz="1800" kern="1200">
         <a:solidFill>
           <a:schemeClr val="tx1"/>
@@ -40,7 +39,7 @@
         <a:cs typeface="+mn-cs"/>
       </a:defRPr>
     </a:lvl1pPr>
-    <a:lvl2pPr marL="457200" algn="l" defTabSz="914400" rtl="0" eaLnBrk="1" latinLnBrk="0" hangingPunct="1">
+    <a:lvl2pPr marL="457200" algn="l" defTabSz="457200" rtl="0" eaLnBrk="1" latinLnBrk="0" hangingPunct="1">
       <a:defRPr sz="1800" kern="1200">
         <a:solidFill>
           <a:schemeClr val="tx1"/>
@@ -50,7 +49,7 @@
         <a:cs typeface="+mn-cs"/>
       </a:defRPr>
     </a:lvl2pPr>
-    <a:lvl3pPr marL="914400" algn="l" defTabSz="914400" rtl="0" eaLnBrk="1" latinLnBrk="0" hangingPunct="1">
+    <a:lvl3pPr marL="914400" algn="l" defTabSz="457200" rtl="0" eaLnBrk="1" latinLnBrk="0" hangingPunct="1">
       <a:defRPr sz="1800" kern="1200">
         <a:solidFill>
           <a:schemeClr val="tx1"/>
@@ -60,7 +59,7 @@
         <a:cs typeface="+mn-cs"/>
       </a:defRPr>
     </a:lvl3pPr>
-    <a:lvl4pPr marL="1371600" algn="l" defTabSz="914400" rtl="0" eaLnBrk="1" latinLnBrk="0" hangingPunct="1">
+    <a:lvl4pPr marL="1371600" algn="l" defTabSz="457200" rtl="0" eaLnBrk="1" latinLnBrk="0" hangingPunct="1">
       <a:defRPr sz="1800" kern="1200">
         <a:solidFill>
           <a:schemeClr val="tx1"/>
@@ -70,7 +69,7 @@
         <a:cs typeface="+mn-cs"/>
       </a:defRPr>
     </a:lvl4pPr>
-    <a:lvl5pPr marL="1828800" algn="l" defTabSz="914400" rtl="0" eaLnBrk="1" latinLnBrk="0" hangingPunct="1">
+    <a:lvl5pPr marL="1828800" algn="l" defTabSz="457200" rtl="0" eaLnBrk="1" latinLnBrk="0" hangingPunct="1">
       <a:defRPr sz="1800" kern="1200">
         <a:solidFill>
           <a:schemeClr val="tx1"/>
@@ -80,7 +79,7 @@
         <a:cs typeface="+mn-cs"/>
       </a:defRPr>
     </a:lvl5pPr>
-    <a:lvl6pPr marL="2286000" algn="l" defTabSz="914400" rtl="0" eaLnBrk="1" latinLnBrk="0" hangingPunct="1">
+    <a:lvl6pPr marL="2286000" algn="l" defTabSz="457200" rtl="0" eaLnBrk="1" latinLnBrk="0" hangingPunct="1">
       <a:defRPr sz="1800" kern="1200">
         <a:solidFill>
           <a:schemeClr val="tx1"/>
@@ -90,7 +89,7 @@
         <a:cs typeface="+mn-cs"/>
       </a:defRPr>
     </a:lvl6pPr>
-    <a:lvl7pPr marL="2743200" algn="l" defTabSz="914400" rtl="0" eaLnBrk="1" latinLnBrk="0" hangingPunct="1">
+    <a:lvl7pPr marL="2743200" algn="l" defTabSz="457200" rtl="0" eaLnBrk="1" latinLnBrk="0" hangingPunct="1">
       <a:defRPr sz="1800" kern="1200">
         <a:solidFill>
           <a:schemeClr val="tx1"/>
@@ -100,7 +99,7 @@
         <a:cs typeface="+mn-cs"/>
       </a:defRPr>
     </a:lvl7pPr>
-    <a:lvl8pPr marL="3200400" algn="l" defTabSz="914400" rtl="0" eaLnBrk="1" latinLnBrk="0" hangingPunct="1">
+    <a:lvl8pPr marL="3200400" algn="l" defTabSz="457200" rtl="0" eaLnBrk="1" latinLnBrk="0" hangingPunct="1">
       <a:defRPr sz="1800" kern="1200">
         <a:solidFill>
           <a:schemeClr val="tx1"/>
@@ -110,7 +109,7 @@
         <a:cs typeface="+mn-cs"/>
       </a:defRPr>
     </a:lvl8pPr>
-    <a:lvl9pPr marL="3657600" algn="l" defTabSz="914400" rtl="0" eaLnBrk="1" latinLnBrk="0" hangingPunct="1">
+    <a:lvl9pPr marL="3657600" algn="l" defTabSz="457200" rtl="0" eaLnBrk="1" latinLnBrk="0" hangingPunct="1">
       <a:defRPr sz="1800" kern="1200">
         <a:solidFill>
           <a:schemeClr val="tx1"/>
@@ -148,13 +147,7 @@
       </p:grpSpPr>
       <p:sp>
         <p:nvSpPr>
-          <p:cNvPr id="2" name="标题 1">
-            <a:extLst>
-              <a:ext uri="{FF2B5EF4-FFF2-40B4-BE49-F238E27FC236}">
-                <a16:creationId xmlns:a16="http://schemas.microsoft.com/office/drawing/2014/main" id="{9BBAFE41-0955-4809-981B-0611904921D4}"/>
-              </a:ext>
-            </a:extLst>
-          </p:cNvPr>
+          <p:cNvPr id="2" name="Title 1"/>
           <p:cNvSpPr>
             <a:spLocks noGrp="1"/>
           </p:cNvSpPr>
@@ -164,15 +157,15 @@
         </p:nvSpPr>
         <p:spPr>
           <a:xfrm>
-            <a:off x="1524000" y="1122363"/>
-            <a:ext cx="9144000" cy="2387600"/>
+            <a:off x="1154955" y="1447800"/>
+            <a:ext cx="8825658" cy="3329581"/>
           </a:xfrm>
         </p:spPr>
         <p:txBody>
           <a:bodyPr anchor="b"/>
           <a:lstStyle>
-            <a:lvl1pPr algn="ctr">
-              <a:defRPr sz="6000"/>
+            <a:lvl1pPr>
+              <a:defRPr sz="7200"/>
             </a:lvl1pPr>
           </a:lstStyle>
           <a:p>
@@ -180,18 +173,13 @@
               <a:rPr lang="zh-CN" altLang="en-US"/>
               <a:t>单击此处编辑母版标题样式</a:t>
             </a:r>
+            <a:endParaRPr lang="en-US" dirty="0"/>
           </a:p>
         </p:txBody>
       </p:sp>
       <p:sp>
         <p:nvSpPr>
-          <p:cNvPr id="3" name="副标题 2">
-            <a:extLst>
-              <a:ext uri="{FF2B5EF4-FFF2-40B4-BE49-F238E27FC236}">
-                <a16:creationId xmlns:a16="http://schemas.microsoft.com/office/drawing/2014/main" id="{3B7E5F5A-22C5-4FA2-B2A1-5F56A166E394}"/>
-              </a:ext>
-            </a:extLst>
-          </p:cNvPr>
+          <p:cNvPr id="3" name="Subtitle 2"/>
           <p:cNvSpPr>
             <a:spLocks noGrp="1"/>
           </p:cNvSpPr>
@@ -201,48 +189,103 @@
         </p:nvSpPr>
         <p:spPr>
           <a:xfrm>
-            <a:off x="1524000" y="3602038"/>
-            <a:ext cx="9144000" cy="1655762"/>
+            <a:off x="1154955" y="4777380"/>
+            <a:ext cx="8825658" cy="861420"/>
           </a:xfrm>
         </p:spPr>
         <p:txBody>
-          <a:bodyPr/>
+          <a:bodyPr anchor="t"/>
           <a:lstStyle>
-            <a:lvl1pPr marL="0" indent="0" algn="ctr">
-              <a:buNone/>
-              <a:defRPr sz="2400"/>
+            <a:lvl1pPr marL="0" indent="0" algn="l">
+              <a:buNone/>
+              <a:defRPr cap="all">
+                <a:solidFill>
+                  <a:schemeClr val="bg2">
+                    <a:lumMod val="40000"/>
+                    <a:lumOff val="60000"/>
+                  </a:schemeClr>
+                </a:solidFill>
+              </a:defRPr>
             </a:lvl1pPr>
             <a:lvl2pPr marL="457200" indent="0" algn="ctr">
               <a:buNone/>
-              <a:defRPr sz="2000"/>
+              <a:defRPr>
+                <a:solidFill>
+                  <a:schemeClr val="tx1">
+                    <a:tint val="75000"/>
+                  </a:schemeClr>
+                </a:solidFill>
+              </a:defRPr>
             </a:lvl2pPr>
             <a:lvl3pPr marL="914400" indent="0" algn="ctr">
               <a:buNone/>
-              <a:defRPr sz="1800"/>
+              <a:defRPr>
+                <a:solidFill>
+                  <a:schemeClr val="tx1">
+                    <a:tint val="75000"/>
+                  </a:schemeClr>
+                </a:solidFill>
+              </a:defRPr>
             </a:lvl3pPr>
             <a:lvl4pPr marL="1371600" indent="0" algn="ctr">
               <a:buNone/>
-              <a:defRPr sz="1600"/>
+              <a:defRPr>
+                <a:solidFill>
+                  <a:schemeClr val="tx1">
+                    <a:tint val="75000"/>
+                  </a:schemeClr>
+                </a:solidFill>
+              </a:defRPr>
             </a:lvl4pPr>
             <a:lvl5pPr marL="1828800" indent="0" algn="ctr">
               <a:buNone/>
-              <a:defRPr sz="1600"/>
+              <a:defRPr>
+                <a:solidFill>
+                  <a:schemeClr val="tx1">
+                    <a:tint val="75000"/>
+                  </a:schemeClr>
+                </a:solidFill>
+              </a:defRPr>
             </a:lvl5pPr>
             <a:lvl6pPr marL="2286000" indent="0" algn="ctr">
               <a:buNone/>
-              <a:defRPr sz="1600"/>
+              <a:defRPr>
+                <a:solidFill>
+                  <a:schemeClr val="tx1">
+                    <a:tint val="75000"/>
+                  </a:schemeClr>
+                </a:solidFill>
+              </a:defRPr>
             </a:lvl6pPr>
             <a:lvl7pPr marL="2743200" indent="0" algn="ctr">
               <a:buNone/>
-              <a:defRPr sz="1600"/>
+              <a:defRPr>
+                <a:solidFill>
+                  <a:schemeClr val="tx1">
+                    <a:tint val="75000"/>
+                  </a:schemeClr>
+                </a:solidFill>
+              </a:defRPr>
             </a:lvl7pPr>
             <a:lvl8pPr marL="3200400" indent="0" algn="ctr">
               <a:buNone/>
-              <a:defRPr sz="1600"/>
+              <a:defRPr>
+                <a:solidFill>
+                  <a:schemeClr val="tx1">
+                    <a:tint val="75000"/>
+                  </a:schemeClr>
+                </a:solidFill>
+              </a:defRPr>
             </a:lvl8pPr>
             <a:lvl9pPr marL="3657600" indent="0" algn="ctr">
               <a:buNone/>
-              <a:defRPr sz="1600"/>
+              <a:defRPr>
+                <a:solidFill>
+                  <a:schemeClr val="tx1">
+                    <a:tint val="75000"/>
+                  </a:schemeClr>
+                </a:solidFill>
+              </a:defRPr>
             </a:lvl9pPr>
           </a:lstStyle>
           <a:p>
@@ -250,18 +293,13 @@
               <a:rPr lang="zh-CN" altLang="en-US"/>
               <a:t>单击此处编辑母版副标题样式</a:t>
             </a:r>
+            <a:endParaRPr lang="en-US" dirty="0"/>
           </a:p>
         </p:txBody>
       </p:sp>
       <p:sp>
         <p:nvSpPr>
-          <p:cNvPr id="4" name="日期占位符 3">
-            <a:extLst>
-              <a:ext uri="{FF2B5EF4-FFF2-40B4-BE49-F238E27FC236}">
-                <a16:creationId xmlns:a16="http://schemas.microsoft.com/office/drawing/2014/main" id="{725DCBB8-0970-40F4-ADC9-AC2E89800D89}"/>
-              </a:ext>
-            </a:extLst>
-          </p:cNvPr>
+          <p:cNvPr id="4" name="Date Placeholder 3"/>
           <p:cNvSpPr>
             <a:spLocks noGrp="1"/>
           </p:cNvSpPr>
@@ -284,13 +322,7 @@
       </p:sp>
       <p:sp>
         <p:nvSpPr>
-          <p:cNvPr id="5" name="页脚占位符 4">
-            <a:extLst>
-              <a:ext uri="{FF2B5EF4-FFF2-40B4-BE49-F238E27FC236}">
-                <a16:creationId xmlns:a16="http://schemas.microsoft.com/office/drawing/2014/main" id="{4A7D8D51-68CE-4C33-A2EC-4D526C40B930}"/>
-              </a:ext>
-            </a:extLst>
-          </p:cNvPr>
+          <p:cNvPr id="5" name="Footer Placeholder 4"/>
           <p:cNvSpPr>
             <a:spLocks noGrp="1"/>
           </p:cNvSpPr>
@@ -309,13 +341,7 @@
       </p:sp>
       <p:sp>
         <p:nvSpPr>
-          <p:cNvPr id="6" name="灯片编号占位符 5">
-            <a:extLst>
-              <a:ext uri="{FF2B5EF4-FFF2-40B4-BE49-F238E27FC236}">
-                <a16:creationId xmlns:a16="http://schemas.microsoft.com/office/drawing/2014/main" id="{03B725C5-54D4-4E5D-85EC-A03BA0A01BE9}"/>
-              </a:ext>
-            </a:extLst>
-          </p:cNvPr>
+          <p:cNvPr id="6" name="Slide Number Placeholder 5"/>
           <p:cNvSpPr>
             <a:spLocks noGrp="1"/>
           </p:cNvSpPr>
@@ -339,7 +365,7 @@
     </p:spTree>
     <p:extLst>
       <p:ext uri="{BB962C8B-B14F-4D97-AF65-F5344CB8AC3E}">
-        <p14:creationId xmlns:p14="http://schemas.microsoft.com/office/powerpoint/2010/main" val="4080720479"/>
+        <p14:creationId xmlns:p14="http://schemas.microsoft.com/office/powerpoint/2010/main" val="1568107495"/>
       </p:ext>
     </p:extLst>
   </p:cSld>
@@ -350,6 +376,2572 @@
 </file>
 
 <file path=ppt/slideLayouts/slideLayout10.xml><?xml version="1.0" encoding="utf-8"?>
+<p:sldLayout xmlns:a="http://schemas.openxmlformats.org/drawingml/2006/main" xmlns:r="http://schemas.openxmlformats.org/officeDocument/2006/relationships" xmlns:p="http://schemas.openxmlformats.org/presentationml/2006/main" preserve="1">
+  <p:cSld name="带描述的全景图片">
+    <p:spTree>
+      <p:nvGrpSpPr>
+        <p:cNvPr id="1" name=""/>
+        <p:cNvGrpSpPr/>
+        <p:nvPr/>
+      </p:nvGrpSpPr>
+      <p:grpSpPr>
+        <a:xfrm>
+          <a:off x="0" y="0"/>
+          <a:ext cx="0" cy="0"/>
+          <a:chOff x="0" y="0"/>
+          <a:chExt cx="0" cy="0"/>
+        </a:xfrm>
+      </p:grpSpPr>
+      <p:sp>
+        <p:nvSpPr>
+          <p:cNvPr id="2" name="Title 1"/>
+          <p:cNvSpPr>
+            <a:spLocks noGrp="1"/>
+          </p:cNvSpPr>
+          <p:nvPr>
+            <p:ph type="title"/>
+          </p:nvPr>
+        </p:nvSpPr>
+        <p:spPr>
+          <a:xfrm>
+            <a:off x="1154956" y="4800587"/>
+            <a:ext cx="8825657" cy="566738"/>
+          </a:xfrm>
+        </p:spPr>
+        <p:txBody>
+          <a:bodyPr anchor="b">
+            <a:normAutofit/>
+          </a:bodyPr>
+          <a:lstStyle>
+            <a:lvl1pPr algn="l">
+              <a:defRPr sz="2400" b="0"/>
+            </a:lvl1pPr>
+          </a:lstStyle>
+          <a:p>
+            <a:r>
+              <a:rPr lang="zh-CN" altLang="en-US"/>
+              <a:t>单击此处编辑母版标题样式</a:t>
+            </a:r>
+            <a:endParaRPr lang="en-US" dirty="0"/>
+          </a:p>
+        </p:txBody>
+      </p:sp>
+      <p:sp>
+        <p:nvSpPr>
+          <p:cNvPr id="3" name="Picture Placeholder 2"/>
+          <p:cNvSpPr>
+            <a:spLocks noGrp="1" noChangeAspect="1"/>
+          </p:cNvSpPr>
+          <p:nvPr>
+            <p:ph type="pic" idx="1"/>
+          </p:nvPr>
+        </p:nvSpPr>
+        <p:spPr>
+          <a:xfrm>
+            <a:off x="1154955" y="685800"/>
+            <a:ext cx="8825658" cy="3640666"/>
+          </a:xfrm>
+          <a:prstGeom prst="roundRect">
+            <a:avLst>
+              <a:gd name="adj" fmla="val 1858"/>
+            </a:avLst>
+          </a:prstGeom>
+          <a:effectLst>
+            <a:outerShdw blurRad="50800" dist="50800" dir="5400000" algn="tl" rotWithShape="0">
+              <a:srgbClr val="000000">
+                <a:alpha val="43000"/>
+              </a:srgbClr>
+            </a:outerShdw>
+          </a:effectLst>
+        </p:spPr>
+        <p:txBody>
+          <a:bodyPr anchor="t">
+            <a:normAutofit/>
+          </a:bodyPr>
+          <a:lstStyle>
+            <a:lvl1pPr marL="0" indent="0" algn="ctr">
+              <a:buNone/>
+              <a:defRPr sz="1600"/>
+            </a:lvl1pPr>
+            <a:lvl2pPr marL="457200" indent="0">
+              <a:buNone/>
+              <a:defRPr sz="1600"/>
+            </a:lvl2pPr>
+            <a:lvl3pPr marL="914400" indent="0">
+              <a:buNone/>
+              <a:defRPr sz="1600"/>
+            </a:lvl3pPr>
+            <a:lvl4pPr marL="1371600" indent="0">
+              <a:buNone/>
+              <a:defRPr sz="1600"/>
+            </a:lvl4pPr>
+            <a:lvl5pPr marL="1828800" indent="0">
+              <a:buNone/>
+              <a:defRPr sz="1600"/>
+            </a:lvl5pPr>
+            <a:lvl6pPr marL="2286000" indent="0">
+              <a:buNone/>
+              <a:defRPr sz="1600"/>
+            </a:lvl6pPr>
+            <a:lvl7pPr marL="2743200" indent="0">
+              <a:buNone/>
+              <a:defRPr sz="1600"/>
+            </a:lvl7pPr>
+            <a:lvl8pPr marL="3200400" indent="0">
+              <a:buNone/>
+              <a:defRPr sz="1600"/>
+            </a:lvl8pPr>
+            <a:lvl9pPr marL="3657600" indent="0">
+              <a:buNone/>
+              <a:defRPr sz="1600"/>
+            </a:lvl9pPr>
+          </a:lstStyle>
+          <a:p>
+            <a:r>
+              <a:rPr lang="zh-CN" altLang="en-US"/>
+              <a:t>单击图标添加图片</a:t>
+            </a:r>
+            <a:endParaRPr lang="en-US" dirty="0"/>
+          </a:p>
+        </p:txBody>
+      </p:sp>
+      <p:sp>
+        <p:nvSpPr>
+          <p:cNvPr id="4" name="Text Placeholder 3"/>
+          <p:cNvSpPr>
+            <a:spLocks noGrp="1"/>
+          </p:cNvSpPr>
+          <p:nvPr>
+            <p:ph type="body" sz="half" idx="2"/>
+          </p:nvPr>
+        </p:nvSpPr>
+        <p:spPr>
+          <a:xfrm>
+            <a:off x="1154956" y="5367325"/>
+            <a:ext cx="8825656" cy="493712"/>
+          </a:xfrm>
+        </p:spPr>
+        <p:txBody>
+          <a:bodyPr>
+            <a:normAutofit/>
+          </a:bodyPr>
+          <a:lstStyle>
+            <a:lvl1pPr marL="0" indent="0">
+              <a:buNone/>
+              <a:defRPr sz="1200"/>
+            </a:lvl1pPr>
+            <a:lvl2pPr marL="457200" indent="0">
+              <a:buNone/>
+              <a:defRPr sz="1200"/>
+            </a:lvl2pPr>
+            <a:lvl3pPr marL="914400" indent="0">
+              <a:buNone/>
+              <a:defRPr sz="1000"/>
+            </a:lvl3pPr>
+            <a:lvl4pPr marL="1371600" indent="0">
+              <a:buNone/>
+              <a:defRPr sz="900"/>
+            </a:lvl4pPr>
+            <a:lvl5pPr marL="1828800" indent="0">
+              <a:buNone/>
+              <a:defRPr sz="900"/>
+            </a:lvl5pPr>
+            <a:lvl6pPr marL="2286000" indent="0">
+              <a:buNone/>
+              <a:defRPr sz="900"/>
+            </a:lvl6pPr>
+            <a:lvl7pPr marL="2743200" indent="0">
+              <a:buNone/>
+              <a:defRPr sz="900"/>
+            </a:lvl7pPr>
+            <a:lvl8pPr marL="3200400" indent="0">
+              <a:buNone/>
+              <a:defRPr sz="900"/>
+            </a:lvl8pPr>
+            <a:lvl9pPr marL="3657600" indent="0">
+              <a:buNone/>
+              <a:defRPr sz="900"/>
+            </a:lvl9pPr>
+          </a:lstStyle>
+          <a:p>
+            <a:pPr lvl="0"/>
+            <a:r>
+              <a:rPr lang="zh-CN" altLang="en-US"/>
+              <a:t>单击此处编辑母版文本样式</a:t>
+            </a:r>
+          </a:p>
+        </p:txBody>
+      </p:sp>
+      <p:sp>
+        <p:nvSpPr>
+          <p:cNvPr id="5" name="Date Placeholder 4"/>
+          <p:cNvSpPr>
+            <a:spLocks noGrp="1"/>
+          </p:cNvSpPr>
+          <p:nvPr>
+            <p:ph type="dt" sz="half" idx="10"/>
+          </p:nvPr>
+        </p:nvSpPr>
+        <p:spPr/>
+        <p:txBody>
+          <a:bodyPr/>
+          <a:lstStyle/>
+          <a:p>
+            <a:fld id="{692AD3C9-44F0-4AE7-B19F-33A7A90EAD82}" type="datetimeFigureOut">
+              <a:rPr lang="zh-CN" altLang="en-US" smtClean="0"/>
+              <a:t>2019/12/6</a:t>
+            </a:fld>
+            <a:endParaRPr lang="zh-CN" altLang="en-US"/>
+          </a:p>
+        </p:txBody>
+      </p:sp>
+      <p:sp>
+        <p:nvSpPr>
+          <p:cNvPr id="6" name="Footer Placeholder 5"/>
+          <p:cNvSpPr>
+            <a:spLocks noGrp="1"/>
+          </p:cNvSpPr>
+          <p:nvPr>
+            <p:ph type="ftr" sz="quarter" idx="11"/>
+          </p:nvPr>
+        </p:nvSpPr>
+        <p:spPr/>
+        <p:txBody>
+          <a:bodyPr/>
+          <a:lstStyle/>
+          <a:p>
+            <a:endParaRPr lang="zh-CN" altLang="en-US"/>
+          </a:p>
+        </p:txBody>
+      </p:sp>
+      <p:sp>
+        <p:nvSpPr>
+          <p:cNvPr id="7" name="Slide Number Placeholder 6"/>
+          <p:cNvSpPr>
+            <a:spLocks noGrp="1"/>
+          </p:cNvSpPr>
+          <p:nvPr>
+            <p:ph type="sldNum" sz="quarter" idx="12"/>
+          </p:nvPr>
+        </p:nvSpPr>
+        <p:spPr/>
+        <p:txBody>
+          <a:bodyPr/>
+          <a:lstStyle/>
+          <a:p>
+            <a:fld id="{C7BF277C-4796-4FC3-A772-27635493D84E}" type="slidenum">
+              <a:rPr lang="zh-CN" altLang="en-US" smtClean="0"/>
+              <a:t>‹#›</a:t>
+            </a:fld>
+            <a:endParaRPr lang="zh-CN" altLang="en-US"/>
+          </a:p>
+        </p:txBody>
+      </p:sp>
+    </p:spTree>
+    <p:extLst>
+      <p:ext uri="{BB962C8B-B14F-4D97-AF65-F5344CB8AC3E}">
+        <p14:creationId xmlns:p14="http://schemas.microsoft.com/office/powerpoint/2010/main" val="4027624081"/>
+      </p:ext>
+    </p:extLst>
+  </p:cSld>
+  <p:clrMapOvr>
+    <a:masterClrMapping/>
+  </p:clrMapOvr>
+</p:sldLayout>
+</file>
+
+<file path=ppt/slideLayouts/slideLayout11.xml><?xml version="1.0" encoding="utf-8"?>
+<p:sldLayout xmlns:a="http://schemas.openxmlformats.org/drawingml/2006/main" xmlns:r="http://schemas.openxmlformats.org/officeDocument/2006/relationships" xmlns:p="http://schemas.openxmlformats.org/presentationml/2006/main" preserve="1">
+  <p:cSld name="标题和描述">
+    <p:spTree>
+      <p:nvGrpSpPr>
+        <p:cNvPr id="1" name=""/>
+        <p:cNvGrpSpPr/>
+        <p:nvPr/>
+      </p:nvGrpSpPr>
+      <p:grpSpPr>
+        <a:xfrm>
+          <a:off x="0" y="0"/>
+          <a:ext cx="0" cy="0"/>
+          <a:chOff x="0" y="0"/>
+          <a:chExt cx="0" cy="0"/>
+        </a:xfrm>
+      </p:grpSpPr>
+      <p:sp>
+        <p:nvSpPr>
+          <p:cNvPr id="2" name="Title 1"/>
+          <p:cNvSpPr>
+            <a:spLocks noGrp="1"/>
+          </p:cNvSpPr>
+          <p:nvPr>
+            <p:ph type="title"/>
+          </p:nvPr>
+        </p:nvSpPr>
+        <p:spPr>
+          <a:xfrm>
+            <a:off x="1154954" y="1447800"/>
+            <a:ext cx="8825659" cy="1981200"/>
+          </a:xfrm>
+        </p:spPr>
+        <p:txBody>
+          <a:bodyPr/>
+          <a:lstStyle>
+            <a:lvl1pPr>
+              <a:defRPr sz="4800"/>
+            </a:lvl1pPr>
+          </a:lstStyle>
+          <a:p>
+            <a:r>
+              <a:rPr lang="zh-CN" altLang="en-US"/>
+              <a:t>单击此处编辑母版标题样式</a:t>
+            </a:r>
+            <a:endParaRPr lang="en-US" dirty="0"/>
+          </a:p>
+        </p:txBody>
+      </p:sp>
+      <p:sp>
+        <p:nvSpPr>
+          <p:cNvPr id="8" name="Text Placeholder 3"/>
+          <p:cNvSpPr>
+            <a:spLocks noGrp="1"/>
+          </p:cNvSpPr>
+          <p:nvPr>
+            <p:ph type="body" sz="half" idx="2"/>
+          </p:nvPr>
+        </p:nvSpPr>
+        <p:spPr>
+          <a:xfrm>
+            <a:off x="1154954" y="3657600"/>
+            <a:ext cx="8825659" cy="2362200"/>
+          </a:xfrm>
+        </p:spPr>
+        <p:txBody>
+          <a:bodyPr anchor="ctr">
+            <a:normAutofit/>
+          </a:bodyPr>
+          <a:lstStyle>
+            <a:lvl1pPr marL="0" indent="0">
+              <a:buNone/>
+              <a:defRPr sz="1800"/>
+            </a:lvl1pPr>
+            <a:lvl2pPr marL="457200" indent="0">
+              <a:buNone/>
+              <a:defRPr sz="1200"/>
+            </a:lvl2pPr>
+            <a:lvl3pPr marL="914400" indent="0">
+              <a:buNone/>
+              <a:defRPr sz="1000"/>
+            </a:lvl3pPr>
+            <a:lvl4pPr marL="1371600" indent="0">
+              <a:buNone/>
+              <a:defRPr sz="900"/>
+            </a:lvl4pPr>
+            <a:lvl5pPr marL="1828800" indent="0">
+              <a:buNone/>
+              <a:defRPr sz="900"/>
+            </a:lvl5pPr>
+            <a:lvl6pPr marL="2286000" indent="0">
+              <a:buNone/>
+              <a:defRPr sz="900"/>
+            </a:lvl6pPr>
+            <a:lvl7pPr marL="2743200" indent="0">
+              <a:buNone/>
+              <a:defRPr sz="900"/>
+            </a:lvl7pPr>
+            <a:lvl8pPr marL="3200400" indent="0">
+              <a:buNone/>
+              <a:defRPr sz="900"/>
+            </a:lvl8pPr>
+            <a:lvl9pPr marL="3657600" indent="0">
+              <a:buNone/>
+              <a:defRPr sz="900"/>
+            </a:lvl9pPr>
+          </a:lstStyle>
+          <a:p>
+            <a:pPr lvl="0"/>
+            <a:r>
+              <a:rPr lang="zh-CN" altLang="en-US"/>
+              <a:t>单击此处编辑母版文本样式</a:t>
+            </a:r>
+          </a:p>
+        </p:txBody>
+      </p:sp>
+      <p:sp>
+        <p:nvSpPr>
+          <p:cNvPr id="4" name="Date Placeholder 3"/>
+          <p:cNvSpPr>
+            <a:spLocks noGrp="1"/>
+          </p:cNvSpPr>
+          <p:nvPr>
+            <p:ph type="dt" sz="half" idx="10"/>
+          </p:nvPr>
+        </p:nvSpPr>
+        <p:spPr/>
+        <p:txBody>
+          <a:bodyPr/>
+          <a:lstStyle/>
+          <a:p>
+            <a:fld id="{692AD3C9-44F0-4AE7-B19F-33A7A90EAD82}" type="datetimeFigureOut">
+              <a:rPr lang="zh-CN" altLang="en-US" smtClean="0"/>
+              <a:t>2019/12/6</a:t>
+            </a:fld>
+            <a:endParaRPr lang="zh-CN" altLang="en-US"/>
+          </a:p>
+        </p:txBody>
+      </p:sp>
+      <p:sp>
+        <p:nvSpPr>
+          <p:cNvPr id="5" name="Footer Placeholder 4"/>
+          <p:cNvSpPr>
+            <a:spLocks noGrp="1"/>
+          </p:cNvSpPr>
+          <p:nvPr>
+            <p:ph type="ftr" sz="quarter" idx="11"/>
+          </p:nvPr>
+        </p:nvSpPr>
+        <p:spPr/>
+        <p:txBody>
+          <a:bodyPr/>
+          <a:lstStyle/>
+          <a:p>
+            <a:endParaRPr lang="zh-CN" altLang="en-US"/>
+          </a:p>
+        </p:txBody>
+      </p:sp>
+      <p:sp>
+        <p:nvSpPr>
+          <p:cNvPr id="6" name="Slide Number Placeholder 5"/>
+          <p:cNvSpPr>
+            <a:spLocks noGrp="1"/>
+          </p:cNvSpPr>
+          <p:nvPr>
+            <p:ph type="sldNum" sz="quarter" idx="12"/>
+          </p:nvPr>
+        </p:nvSpPr>
+        <p:spPr/>
+        <p:txBody>
+          <a:bodyPr/>
+          <a:lstStyle/>
+          <a:p>
+            <a:fld id="{C7BF277C-4796-4FC3-A772-27635493D84E}" type="slidenum">
+              <a:rPr lang="zh-CN" altLang="en-US" smtClean="0"/>
+              <a:t>‹#›</a:t>
+            </a:fld>
+            <a:endParaRPr lang="zh-CN" altLang="en-US"/>
+          </a:p>
+        </p:txBody>
+      </p:sp>
+    </p:spTree>
+    <p:extLst>
+      <p:ext uri="{BB962C8B-B14F-4D97-AF65-F5344CB8AC3E}">
+        <p14:creationId xmlns:p14="http://schemas.microsoft.com/office/powerpoint/2010/main" val="1974667506"/>
+      </p:ext>
+    </p:extLst>
+  </p:cSld>
+  <p:clrMapOvr>
+    <a:masterClrMapping/>
+  </p:clrMapOvr>
+</p:sldLayout>
+</file>
+
+<file path=ppt/slideLayouts/slideLayout12.xml><?xml version="1.0" encoding="utf-8"?>
+<p:sldLayout xmlns:a="http://schemas.openxmlformats.org/drawingml/2006/main" xmlns:r="http://schemas.openxmlformats.org/officeDocument/2006/relationships" xmlns:p="http://schemas.openxmlformats.org/presentationml/2006/main" preserve="1">
+  <p:cSld name="带描述的引言">
+    <p:spTree>
+      <p:nvGrpSpPr>
+        <p:cNvPr id="1" name=""/>
+        <p:cNvGrpSpPr/>
+        <p:nvPr/>
+      </p:nvGrpSpPr>
+      <p:grpSpPr>
+        <a:xfrm>
+          <a:off x="0" y="0"/>
+          <a:ext cx="0" cy="0"/>
+          <a:chOff x="0" y="0"/>
+          <a:chExt cx="0" cy="0"/>
+        </a:xfrm>
+      </p:grpSpPr>
+      <p:sp>
+        <p:nvSpPr>
+          <p:cNvPr id="2" name="Title 1"/>
+          <p:cNvSpPr>
+            <a:spLocks noGrp="1"/>
+          </p:cNvSpPr>
+          <p:nvPr>
+            <p:ph type="title"/>
+          </p:nvPr>
+        </p:nvSpPr>
+        <p:spPr>
+          <a:xfrm>
+            <a:off x="1574801" y="1447800"/>
+            <a:ext cx="7999315" cy="2323374"/>
+          </a:xfrm>
+        </p:spPr>
+        <p:txBody>
+          <a:bodyPr/>
+          <a:lstStyle>
+            <a:lvl1pPr>
+              <a:defRPr sz="4800"/>
+            </a:lvl1pPr>
+          </a:lstStyle>
+          <a:p>
+            <a:r>
+              <a:rPr lang="zh-CN" altLang="en-US"/>
+              <a:t>单击此处编辑母版标题样式</a:t>
+            </a:r>
+            <a:endParaRPr lang="en-US" dirty="0"/>
+          </a:p>
+        </p:txBody>
+      </p:sp>
+      <p:sp>
+        <p:nvSpPr>
+          <p:cNvPr id="11" name="Text Placeholder 3"/>
+          <p:cNvSpPr>
+            <a:spLocks noGrp="1"/>
+          </p:cNvSpPr>
+          <p:nvPr>
+            <p:ph type="body" sz="half" idx="14"/>
+          </p:nvPr>
+        </p:nvSpPr>
+        <p:spPr>
+          <a:xfrm>
+            <a:off x="1930400" y="3771174"/>
+            <a:ext cx="7279649" cy="342174"/>
+          </a:xfrm>
+        </p:spPr>
+        <p:txBody>
+          <a:bodyPr vert="horz" lIns="91440" tIns="45720" rIns="91440" bIns="45720" rtlCol="0" anchor="t">
+            <a:normAutofit/>
+          </a:bodyPr>
+          <a:lstStyle>
+            <a:lvl1pPr marL="0" indent="0">
+              <a:buNone/>
+              <a:defRPr lang="en-US" sz="1400" b="0" i="0" kern="1200" cap="small" dirty="0">
+                <a:solidFill>
+                  <a:schemeClr val="bg2">
+                    <a:lumMod val="40000"/>
+                    <a:lumOff val="60000"/>
+                  </a:schemeClr>
+                </a:solidFill>
+                <a:latin typeface="+mj-lt"/>
+                <a:ea typeface="+mj-ea"/>
+                <a:cs typeface="+mj-cs"/>
+              </a:defRPr>
+            </a:lvl1pPr>
+            <a:lvl2pPr marL="457200" indent="0">
+              <a:buNone/>
+              <a:defRPr sz="1200"/>
+            </a:lvl2pPr>
+            <a:lvl3pPr marL="914400" indent="0">
+              <a:buNone/>
+              <a:defRPr sz="1000"/>
+            </a:lvl3pPr>
+            <a:lvl4pPr marL="1371600" indent="0">
+              <a:buNone/>
+              <a:defRPr sz="900"/>
+            </a:lvl4pPr>
+            <a:lvl5pPr marL="1828800" indent="0">
+              <a:buNone/>
+              <a:defRPr sz="900"/>
+            </a:lvl5pPr>
+            <a:lvl6pPr marL="2286000" indent="0">
+              <a:buNone/>
+              <a:defRPr sz="900"/>
+            </a:lvl6pPr>
+            <a:lvl7pPr marL="2743200" indent="0">
+              <a:buNone/>
+              <a:defRPr sz="900"/>
+            </a:lvl7pPr>
+            <a:lvl8pPr marL="3200400" indent="0">
+              <a:buNone/>
+              <a:defRPr sz="900"/>
+            </a:lvl8pPr>
+            <a:lvl9pPr marL="3657600" indent="0">
+              <a:buNone/>
+              <a:defRPr sz="900"/>
+            </a:lvl9pPr>
+          </a:lstStyle>
+          <a:p>
+            <a:pPr marL="0" lvl="0" indent="0">
+              <a:buNone/>
+            </a:pPr>
+            <a:r>
+              <a:rPr lang="zh-CN" altLang="en-US"/>
+              <a:t>单击此处编辑母版文本样式</a:t>
+            </a:r>
+          </a:p>
+        </p:txBody>
+      </p:sp>
+      <p:sp>
+        <p:nvSpPr>
+          <p:cNvPr id="10" name="Text Placeholder 3"/>
+          <p:cNvSpPr>
+            <a:spLocks noGrp="1"/>
+          </p:cNvSpPr>
+          <p:nvPr>
+            <p:ph type="body" sz="half" idx="2"/>
+          </p:nvPr>
+        </p:nvSpPr>
+        <p:spPr>
+          <a:xfrm>
+            <a:off x="1154954" y="4350657"/>
+            <a:ext cx="8825659" cy="1676400"/>
+          </a:xfrm>
+        </p:spPr>
+        <p:txBody>
+          <a:bodyPr anchor="ctr">
+            <a:normAutofit/>
+          </a:bodyPr>
+          <a:lstStyle>
+            <a:lvl1pPr marL="0" indent="0">
+              <a:buNone/>
+              <a:defRPr sz="1800"/>
+            </a:lvl1pPr>
+            <a:lvl2pPr marL="457200" indent="0">
+              <a:buNone/>
+              <a:defRPr sz="1200"/>
+            </a:lvl2pPr>
+            <a:lvl3pPr marL="914400" indent="0">
+              <a:buNone/>
+              <a:defRPr sz="1000"/>
+            </a:lvl3pPr>
+            <a:lvl4pPr marL="1371600" indent="0">
+              <a:buNone/>
+              <a:defRPr sz="900"/>
+            </a:lvl4pPr>
+            <a:lvl5pPr marL="1828800" indent="0">
+              <a:buNone/>
+              <a:defRPr sz="900"/>
+            </a:lvl5pPr>
+            <a:lvl6pPr marL="2286000" indent="0">
+              <a:buNone/>
+              <a:defRPr sz="900"/>
+            </a:lvl6pPr>
+            <a:lvl7pPr marL="2743200" indent="0">
+              <a:buNone/>
+              <a:defRPr sz="900"/>
+            </a:lvl7pPr>
+            <a:lvl8pPr marL="3200400" indent="0">
+              <a:buNone/>
+              <a:defRPr sz="900"/>
+            </a:lvl8pPr>
+            <a:lvl9pPr marL="3657600" indent="0">
+              <a:buNone/>
+              <a:defRPr sz="900"/>
+            </a:lvl9pPr>
+          </a:lstStyle>
+          <a:p>
+            <a:pPr lvl="0"/>
+            <a:r>
+              <a:rPr lang="zh-CN" altLang="en-US"/>
+              <a:t>单击此处编辑母版文本样式</a:t>
+            </a:r>
+          </a:p>
+        </p:txBody>
+      </p:sp>
+      <p:sp>
+        <p:nvSpPr>
+          <p:cNvPr id="4" name="Date Placeholder 3"/>
+          <p:cNvSpPr>
+            <a:spLocks noGrp="1"/>
+          </p:cNvSpPr>
+          <p:nvPr>
+            <p:ph type="dt" sz="half" idx="10"/>
+          </p:nvPr>
+        </p:nvSpPr>
+        <p:spPr/>
+        <p:txBody>
+          <a:bodyPr/>
+          <a:lstStyle/>
+          <a:p>
+            <a:fld id="{692AD3C9-44F0-4AE7-B19F-33A7A90EAD82}" type="datetimeFigureOut">
+              <a:rPr lang="zh-CN" altLang="en-US" smtClean="0"/>
+              <a:t>2019/12/6</a:t>
+            </a:fld>
+            <a:endParaRPr lang="zh-CN" altLang="en-US"/>
+          </a:p>
+        </p:txBody>
+      </p:sp>
+      <p:sp>
+        <p:nvSpPr>
+          <p:cNvPr id="5" name="Footer Placeholder 4"/>
+          <p:cNvSpPr>
+            <a:spLocks noGrp="1"/>
+          </p:cNvSpPr>
+          <p:nvPr>
+            <p:ph type="ftr" sz="quarter" idx="11"/>
+          </p:nvPr>
+        </p:nvSpPr>
+        <p:spPr/>
+        <p:txBody>
+          <a:bodyPr/>
+          <a:lstStyle/>
+          <a:p>
+            <a:endParaRPr lang="zh-CN" altLang="en-US"/>
+          </a:p>
+        </p:txBody>
+      </p:sp>
+      <p:sp>
+        <p:nvSpPr>
+          <p:cNvPr id="6" name="Slide Number Placeholder 5"/>
+          <p:cNvSpPr>
+            <a:spLocks noGrp="1"/>
+          </p:cNvSpPr>
+          <p:nvPr>
+            <p:ph type="sldNum" sz="quarter" idx="12"/>
+          </p:nvPr>
+        </p:nvSpPr>
+        <p:spPr/>
+        <p:txBody>
+          <a:bodyPr/>
+          <a:lstStyle/>
+          <a:p>
+            <a:fld id="{C7BF277C-4796-4FC3-A772-27635493D84E}" type="slidenum">
+              <a:rPr lang="zh-CN" altLang="en-US" smtClean="0"/>
+              <a:t>‹#›</a:t>
+            </a:fld>
+            <a:endParaRPr lang="zh-CN" altLang="en-US"/>
+          </a:p>
+        </p:txBody>
+      </p:sp>
+      <p:sp>
+        <p:nvSpPr>
+          <p:cNvPr id="12" name="TextBox 11"/>
+          <p:cNvSpPr txBox="1"/>
+          <p:nvPr/>
+        </p:nvSpPr>
+        <p:spPr>
+          <a:xfrm>
+            <a:off x="898295" y="971253"/>
+            <a:ext cx="801912" cy="1969770"/>
+          </a:xfrm>
+          <a:prstGeom prst="rect">
+            <a:avLst/>
+          </a:prstGeom>
+          <a:noFill/>
+        </p:spPr>
+        <p:txBody>
+          <a:bodyPr wrap="square" rtlCol="0">
+            <a:spAutoFit/>
+          </a:bodyPr>
+          <a:lstStyle>
+            <a:defPPr>
+              <a:defRPr lang="en-US"/>
+            </a:defPPr>
+            <a:lvl1pPr algn="r">
+              <a:defRPr sz="12200" b="0" i="0">
+                <a:solidFill>
+                  <a:schemeClr val="bg2">
+                    <a:lumMod val="40000"/>
+                    <a:lumOff val="60000"/>
+                  </a:schemeClr>
+                </a:solidFill>
+                <a:latin typeface="Arial"/>
+                <a:ea typeface="+mj-ea"/>
+                <a:cs typeface="+mj-cs"/>
+              </a:defRPr>
+            </a:lvl1pPr>
+          </a:lstStyle>
+          <a:p>
+            <a:pPr lvl="0"/>
+            <a:r>
+              <a:rPr lang="en-US" dirty="0"/>
+              <a:t>“</a:t>
+            </a:r>
+          </a:p>
+        </p:txBody>
+      </p:sp>
+      <p:sp>
+        <p:nvSpPr>
+          <p:cNvPr id="15" name="TextBox 14"/>
+          <p:cNvSpPr txBox="1"/>
+          <p:nvPr/>
+        </p:nvSpPr>
+        <p:spPr>
+          <a:xfrm>
+            <a:off x="9330490" y="2613787"/>
+            <a:ext cx="801912" cy="1969770"/>
+          </a:xfrm>
+          <a:prstGeom prst="rect">
+            <a:avLst/>
+          </a:prstGeom>
+          <a:noFill/>
+        </p:spPr>
+        <p:txBody>
+          <a:bodyPr wrap="square" rtlCol="0">
+            <a:spAutoFit/>
+          </a:bodyPr>
+          <a:lstStyle>
+            <a:defPPr>
+              <a:defRPr lang="en-US"/>
+            </a:defPPr>
+            <a:lvl1pPr algn="r">
+              <a:defRPr sz="12200" b="0" i="0">
+                <a:solidFill>
+                  <a:schemeClr val="bg2">
+                    <a:lumMod val="40000"/>
+                    <a:lumOff val="60000"/>
+                  </a:schemeClr>
+                </a:solidFill>
+                <a:latin typeface="Arial"/>
+                <a:ea typeface="+mj-ea"/>
+                <a:cs typeface="+mj-cs"/>
+              </a:defRPr>
+            </a:lvl1pPr>
+          </a:lstStyle>
+          <a:p>
+            <a:pPr lvl="0"/>
+            <a:r>
+              <a:rPr lang="en-US" dirty="0"/>
+              <a:t>”</a:t>
+            </a:r>
+          </a:p>
+        </p:txBody>
+      </p:sp>
+    </p:spTree>
+    <p:extLst>
+      <p:ext uri="{BB962C8B-B14F-4D97-AF65-F5344CB8AC3E}">
+        <p14:creationId xmlns:p14="http://schemas.microsoft.com/office/powerpoint/2010/main" val="4168712462"/>
+      </p:ext>
+    </p:extLst>
+  </p:cSld>
+  <p:clrMapOvr>
+    <a:masterClrMapping/>
+  </p:clrMapOvr>
+</p:sldLayout>
+</file>
+
+<file path=ppt/slideLayouts/slideLayout13.xml><?xml version="1.0" encoding="utf-8"?>
+<p:sldLayout xmlns:a="http://schemas.openxmlformats.org/drawingml/2006/main" xmlns:r="http://schemas.openxmlformats.org/officeDocument/2006/relationships" xmlns:p="http://schemas.openxmlformats.org/presentationml/2006/main" preserve="1">
+  <p:cSld name="名片">
+    <p:spTree>
+      <p:nvGrpSpPr>
+        <p:cNvPr id="1" name=""/>
+        <p:cNvGrpSpPr/>
+        <p:nvPr/>
+      </p:nvGrpSpPr>
+      <p:grpSpPr>
+        <a:xfrm>
+          <a:off x="0" y="0"/>
+          <a:ext cx="0" cy="0"/>
+          <a:chOff x="0" y="0"/>
+          <a:chExt cx="0" cy="0"/>
+        </a:xfrm>
+      </p:grpSpPr>
+      <p:sp>
+        <p:nvSpPr>
+          <p:cNvPr id="2" name="Title 1"/>
+          <p:cNvSpPr>
+            <a:spLocks noGrp="1"/>
+          </p:cNvSpPr>
+          <p:nvPr>
+            <p:ph type="title"/>
+          </p:nvPr>
+        </p:nvSpPr>
+        <p:spPr>
+          <a:xfrm>
+            <a:off x="1154954" y="3124201"/>
+            <a:ext cx="8825660" cy="1653180"/>
+          </a:xfrm>
+        </p:spPr>
+        <p:txBody>
+          <a:bodyPr anchor="b"/>
+          <a:lstStyle>
+            <a:lvl1pPr algn="l">
+              <a:defRPr sz="4000" b="0" cap="none"/>
+            </a:lvl1pPr>
+          </a:lstStyle>
+          <a:p>
+            <a:r>
+              <a:rPr lang="zh-CN" altLang="en-US"/>
+              <a:t>单击此处编辑母版标题样式</a:t>
+            </a:r>
+            <a:endParaRPr lang="en-US" dirty="0"/>
+          </a:p>
+        </p:txBody>
+      </p:sp>
+      <p:sp>
+        <p:nvSpPr>
+          <p:cNvPr id="3" name="Text Placeholder 2"/>
+          <p:cNvSpPr>
+            <a:spLocks noGrp="1"/>
+          </p:cNvSpPr>
+          <p:nvPr>
+            <p:ph type="body" idx="1"/>
+          </p:nvPr>
+        </p:nvSpPr>
+        <p:spPr>
+          <a:xfrm>
+            <a:off x="1154954" y="4777381"/>
+            <a:ext cx="8825659" cy="860400"/>
+          </a:xfrm>
+        </p:spPr>
+        <p:txBody>
+          <a:bodyPr anchor="t"/>
+          <a:lstStyle>
+            <a:lvl1pPr marL="0" indent="0" algn="l">
+              <a:buNone/>
+              <a:defRPr sz="2000" cap="none">
+                <a:solidFill>
+                  <a:schemeClr val="bg2">
+                    <a:lumMod val="40000"/>
+                    <a:lumOff val="60000"/>
+                  </a:schemeClr>
+                </a:solidFill>
+              </a:defRPr>
+            </a:lvl1pPr>
+            <a:lvl2pPr marL="457200" indent="0">
+              <a:buNone/>
+              <a:defRPr sz="1800">
+                <a:solidFill>
+                  <a:schemeClr val="tx1">
+                    <a:tint val="75000"/>
+                  </a:schemeClr>
+                </a:solidFill>
+              </a:defRPr>
+            </a:lvl2pPr>
+            <a:lvl3pPr marL="914400" indent="0">
+              <a:buNone/>
+              <a:defRPr sz="1600">
+                <a:solidFill>
+                  <a:schemeClr val="tx1">
+                    <a:tint val="75000"/>
+                  </a:schemeClr>
+                </a:solidFill>
+              </a:defRPr>
+            </a:lvl3pPr>
+            <a:lvl4pPr marL="1371600" indent="0">
+              <a:buNone/>
+              <a:defRPr sz="1400">
+                <a:solidFill>
+                  <a:schemeClr val="tx1">
+                    <a:tint val="75000"/>
+                  </a:schemeClr>
+                </a:solidFill>
+              </a:defRPr>
+            </a:lvl4pPr>
+            <a:lvl5pPr marL="1828800" indent="0">
+              <a:buNone/>
+              <a:defRPr sz="1400">
+                <a:solidFill>
+                  <a:schemeClr val="tx1">
+                    <a:tint val="75000"/>
+                  </a:schemeClr>
+                </a:solidFill>
+              </a:defRPr>
+            </a:lvl5pPr>
+            <a:lvl6pPr marL="2286000" indent="0">
+              <a:buNone/>
+              <a:defRPr sz="1400">
+                <a:solidFill>
+                  <a:schemeClr val="tx1">
+                    <a:tint val="75000"/>
+                  </a:schemeClr>
+                </a:solidFill>
+              </a:defRPr>
+            </a:lvl6pPr>
+            <a:lvl7pPr marL="2743200" indent="0">
+              <a:buNone/>
+              <a:defRPr sz="1400">
+                <a:solidFill>
+                  <a:schemeClr val="tx1">
+                    <a:tint val="75000"/>
+                  </a:schemeClr>
+                </a:solidFill>
+              </a:defRPr>
+            </a:lvl7pPr>
+            <a:lvl8pPr marL="3200400" indent="0">
+              <a:buNone/>
+              <a:defRPr sz="1400">
+                <a:solidFill>
+                  <a:schemeClr val="tx1">
+                    <a:tint val="75000"/>
+                  </a:schemeClr>
+                </a:solidFill>
+              </a:defRPr>
+            </a:lvl8pPr>
+            <a:lvl9pPr marL="3657600" indent="0">
+              <a:buNone/>
+              <a:defRPr sz="1400">
+                <a:solidFill>
+                  <a:schemeClr val="tx1">
+                    <a:tint val="75000"/>
+                  </a:schemeClr>
+                </a:solidFill>
+              </a:defRPr>
+            </a:lvl9pPr>
+          </a:lstStyle>
+          <a:p>
+            <a:pPr lvl="0"/>
+            <a:r>
+              <a:rPr lang="zh-CN" altLang="en-US"/>
+              <a:t>单击此处编辑母版文本样式</a:t>
+            </a:r>
+          </a:p>
+        </p:txBody>
+      </p:sp>
+      <p:sp>
+        <p:nvSpPr>
+          <p:cNvPr id="4" name="Date Placeholder 3"/>
+          <p:cNvSpPr>
+            <a:spLocks noGrp="1"/>
+          </p:cNvSpPr>
+          <p:nvPr>
+            <p:ph type="dt" sz="half" idx="10"/>
+          </p:nvPr>
+        </p:nvSpPr>
+        <p:spPr/>
+        <p:txBody>
+          <a:bodyPr/>
+          <a:lstStyle/>
+          <a:p>
+            <a:fld id="{692AD3C9-44F0-4AE7-B19F-33A7A90EAD82}" type="datetimeFigureOut">
+              <a:rPr lang="zh-CN" altLang="en-US" smtClean="0"/>
+              <a:t>2019/12/6</a:t>
+            </a:fld>
+            <a:endParaRPr lang="zh-CN" altLang="en-US"/>
+          </a:p>
+        </p:txBody>
+      </p:sp>
+      <p:sp>
+        <p:nvSpPr>
+          <p:cNvPr id="5" name="Footer Placeholder 4"/>
+          <p:cNvSpPr>
+            <a:spLocks noGrp="1"/>
+          </p:cNvSpPr>
+          <p:nvPr>
+            <p:ph type="ftr" sz="quarter" idx="11"/>
+          </p:nvPr>
+        </p:nvSpPr>
+        <p:spPr/>
+        <p:txBody>
+          <a:bodyPr/>
+          <a:lstStyle/>
+          <a:p>
+            <a:endParaRPr lang="zh-CN" altLang="en-US"/>
+          </a:p>
+        </p:txBody>
+      </p:sp>
+      <p:sp>
+        <p:nvSpPr>
+          <p:cNvPr id="6" name="Slide Number Placeholder 5"/>
+          <p:cNvSpPr>
+            <a:spLocks noGrp="1"/>
+          </p:cNvSpPr>
+          <p:nvPr>
+            <p:ph type="sldNum" sz="quarter" idx="12"/>
+          </p:nvPr>
+        </p:nvSpPr>
+        <p:spPr/>
+        <p:txBody>
+          <a:bodyPr/>
+          <a:lstStyle/>
+          <a:p>
+            <a:fld id="{C7BF277C-4796-4FC3-A772-27635493D84E}" type="slidenum">
+              <a:rPr lang="zh-CN" altLang="en-US" smtClean="0"/>
+              <a:t>‹#›</a:t>
+            </a:fld>
+            <a:endParaRPr lang="zh-CN" altLang="en-US"/>
+          </a:p>
+        </p:txBody>
+      </p:sp>
+    </p:spTree>
+    <p:extLst>
+      <p:ext uri="{BB962C8B-B14F-4D97-AF65-F5344CB8AC3E}">
+        <p14:creationId xmlns:p14="http://schemas.microsoft.com/office/powerpoint/2010/main" val="634154299"/>
+      </p:ext>
+    </p:extLst>
+  </p:cSld>
+  <p:clrMapOvr>
+    <a:masterClrMapping/>
+  </p:clrMapOvr>
+</p:sldLayout>
+</file>
+
+<file path=ppt/slideLayouts/slideLayout14.xml><?xml version="1.0" encoding="utf-8"?>
+<p:sldLayout xmlns:a="http://schemas.openxmlformats.org/drawingml/2006/main" xmlns:r="http://schemas.openxmlformats.org/officeDocument/2006/relationships" xmlns:p="http://schemas.openxmlformats.org/presentationml/2006/main" preserve="1">
+  <p:cSld name="3 栏">
+    <p:spTree>
+      <p:nvGrpSpPr>
+        <p:cNvPr id="1" name=""/>
+        <p:cNvGrpSpPr/>
+        <p:nvPr/>
+      </p:nvGrpSpPr>
+      <p:grpSpPr>
+        <a:xfrm>
+          <a:off x="0" y="0"/>
+          <a:ext cx="0" cy="0"/>
+          <a:chOff x="0" y="0"/>
+          <a:chExt cx="0" cy="0"/>
+        </a:xfrm>
+      </p:grpSpPr>
+      <p:sp>
+        <p:nvSpPr>
+          <p:cNvPr id="2" name="Title 1"/>
+          <p:cNvSpPr>
+            <a:spLocks noGrp="1"/>
+          </p:cNvSpPr>
+          <p:nvPr>
+            <p:ph type="title"/>
+          </p:nvPr>
+        </p:nvSpPr>
+        <p:spPr/>
+        <p:txBody>
+          <a:bodyPr/>
+          <a:lstStyle>
+            <a:lvl1pPr>
+              <a:defRPr sz="4200"/>
+            </a:lvl1pPr>
+          </a:lstStyle>
+          <a:p>
+            <a:r>
+              <a:rPr lang="zh-CN" altLang="en-US"/>
+              <a:t>单击此处编辑母版标题样式</a:t>
+            </a:r>
+            <a:endParaRPr lang="en-US" dirty="0"/>
+          </a:p>
+        </p:txBody>
+      </p:sp>
+      <p:sp>
+        <p:nvSpPr>
+          <p:cNvPr id="3" name="Text Placeholder 2"/>
+          <p:cNvSpPr>
+            <a:spLocks noGrp="1"/>
+          </p:cNvSpPr>
+          <p:nvPr>
+            <p:ph type="body" idx="1"/>
+          </p:nvPr>
+        </p:nvSpPr>
+        <p:spPr>
+          <a:xfrm>
+            <a:off x="632947" y="1981200"/>
+            <a:ext cx="2946866" cy="576262"/>
+          </a:xfrm>
+        </p:spPr>
+        <p:txBody>
+          <a:bodyPr anchor="b">
+            <a:noAutofit/>
+          </a:bodyPr>
+          <a:lstStyle>
+            <a:lvl1pPr marL="0" indent="0">
+              <a:buNone/>
+              <a:defRPr sz="2400" b="0">
+                <a:solidFill>
+                  <a:schemeClr val="bg2">
+                    <a:lumMod val="40000"/>
+                    <a:lumOff val="60000"/>
+                  </a:schemeClr>
+                </a:solidFill>
+              </a:defRPr>
+            </a:lvl1pPr>
+            <a:lvl2pPr marL="457200" indent="0">
+              <a:buNone/>
+              <a:defRPr sz="2000" b="1"/>
+            </a:lvl2pPr>
+            <a:lvl3pPr marL="914400" indent="0">
+              <a:buNone/>
+              <a:defRPr sz="1800" b="1"/>
+            </a:lvl3pPr>
+            <a:lvl4pPr marL="1371600" indent="0">
+              <a:buNone/>
+              <a:defRPr sz="1600" b="1"/>
+            </a:lvl4pPr>
+            <a:lvl5pPr marL="1828800" indent="0">
+              <a:buNone/>
+              <a:defRPr sz="1600" b="1"/>
+            </a:lvl5pPr>
+            <a:lvl6pPr marL="2286000" indent="0">
+              <a:buNone/>
+              <a:defRPr sz="1600" b="1"/>
+            </a:lvl6pPr>
+            <a:lvl7pPr marL="2743200" indent="0">
+              <a:buNone/>
+              <a:defRPr sz="1600" b="1"/>
+            </a:lvl7pPr>
+            <a:lvl8pPr marL="3200400" indent="0">
+              <a:buNone/>
+              <a:defRPr sz="1600" b="1"/>
+            </a:lvl8pPr>
+            <a:lvl9pPr marL="3657600" indent="0">
+              <a:buNone/>
+              <a:defRPr sz="1600" b="1"/>
+            </a:lvl9pPr>
+          </a:lstStyle>
+          <a:p>
+            <a:pPr lvl="0"/>
+            <a:r>
+              <a:rPr lang="zh-CN" altLang="en-US"/>
+              <a:t>单击此处编辑母版文本样式</a:t>
+            </a:r>
+          </a:p>
+        </p:txBody>
+      </p:sp>
+      <p:sp>
+        <p:nvSpPr>
+          <p:cNvPr id="16" name="Text Placeholder 3"/>
+          <p:cNvSpPr>
+            <a:spLocks noGrp="1"/>
+          </p:cNvSpPr>
+          <p:nvPr>
+            <p:ph type="body" sz="half" idx="15"/>
+          </p:nvPr>
+        </p:nvSpPr>
+        <p:spPr>
+          <a:xfrm>
+            <a:off x="652463" y="2667000"/>
+            <a:ext cx="2927350" cy="3589338"/>
+          </a:xfrm>
+        </p:spPr>
+        <p:txBody>
+          <a:bodyPr anchor="t">
+            <a:normAutofit/>
+          </a:bodyPr>
+          <a:lstStyle>
+            <a:lvl1pPr marL="0" indent="0">
+              <a:buNone/>
+              <a:defRPr sz="1400"/>
+            </a:lvl1pPr>
+            <a:lvl2pPr marL="457200" indent="0">
+              <a:buNone/>
+              <a:defRPr sz="1200"/>
+            </a:lvl2pPr>
+            <a:lvl3pPr marL="914400" indent="0">
+              <a:buNone/>
+              <a:defRPr sz="1000"/>
+            </a:lvl3pPr>
+            <a:lvl4pPr marL="1371600" indent="0">
+              <a:buNone/>
+              <a:defRPr sz="900"/>
+            </a:lvl4pPr>
+            <a:lvl5pPr marL="1828800" indent="0">
+              <a:buNone/>
+              <a:defRPr sz="900"/>
+            </a:lvl5pPr>
+            <a:lvl6pPr marL="2286000" indent="0">
+              <a:buNone/>
+              <a:defRPr sz="900"/>
+            </a:lvl6pPr>
+            <a:lvl7pPr marL="2743200" indent="0">
+              <a:buNone/>
+              <a:defRPr sz="900"/>
+            </a:lvl7pPr>
+            <a:lvl8pPr marL="3200400" indent="0">
+              <a:buNone/>
+              <a:defRPr sz="900"/>
+            </a:lvl8pPr>
+            <a:lvl9pPr marL="3657600" indent="0">
+              <a:buNone/>
+              <a:defRPr sz="900"/>
+            </a:lvl9pPr>
+          </a:lstStyle>
+          <a:p>
+            <a:pPr lvl="0"/>
+            <a:r>
+              <a:rPr lang="zh-CN" altLang="en-US"/>
+              <a:t>单击此处编辑母版文本样式</a:t>
+            </a:r>
+          </a:p>
+        </p:txBody>
+      </p:sp>
+      <p:sp>
+        <p:nvSpPr>
+          <p:cNvPr id="5" name="Text Placeholder 4"/>
+          <p:cNvSpPr>
+            <a:spLocks noGrp="1"/>
+          </p:cNvSpPr>
+          <p:nvPr>
+            <p:ph type="body" sz="quarter" idx="3"/>
+          </p:nvPr>
+        </p:nvSpPr>
+        <p:spPr>
+          <a:xfrm>
+            <a:off x="3883659" y="1981200"/>
+            <a:ext cx="2936241" cy="576262"/>
+          </a:xfrm>
+        </p:spPr>
+        <p:txBody>
+          <a:bodyPr anchor="b">
+            <a:noAutofit/>
+          </a:bodyPr>
+          <a:lstStyle>
+            <a:lvl1pPr marL="0" indent="0">
+              <a:buNone/>
+              <a:defRPr sz="2400" b="0">
+                <a:solidFill>
+                  <a:schemeClr val="bg2">
+                    <a:lumMod val="40000"/>
+                    <a:lumOff val="60000"/>
+                  </a:schemeClr>
+                </a:solidFill>
+              </a:defRPr>
+            </a:lvl1pPr>
+            <a:lvl2pPr marL="457200" indent="0">
+              <a:buNone/>
+              <a:defRPr sz="2000" b="1"/>
+            </a:lvl2pPr>
+            <a:lvl3pPr marL="914400" indent="0">
+              <a:buNone/>
+              <a:defRPr sz="1800" b="1"/>
+            </a:lvl3pPr>
+            <a:lvl4pPr marL="1371600" indent="0">
+              <a:buNone/>
+              <a:defRPr sz="1600" b="1"/>
+            </a:lvl4pPr>
+            <a:lvl5pPr marL="1828800" indent="0">
+              <a:buNone/>
+              <a:defRPr sz="1600" b="1"/>
+            </a:lvl5pPr>
+            <a:lvl6pPr marL="2286000" indent="0">
+              <a:buNone/>
+              <a:defRPr sz="1600" b="1"/>
+            </a:lvl6pPr>
+            <a:lvl7pPr marL="2743200" indent="0">
+              <a:buNone/>
+              <a:defRPr sz="1600" b="1"/>
+            </a:lvl7pPr>
+            <a:lvl8pPr marL="3200400" indent="0">
+              <a:buNone/>
+              <a:defRPr sz="1600" b="1"/>
+            </a:lvl8pPr>
+            <a:lvl9pPr marL="3657600" indent="0">
+              <a:buNone/>
+              <a:defRPr sz="1600" b="1"/>
+            </a:lvl9pPr>
+          </a:lstStyle>
+          <a:p>
+            <a:pPr lvl="0"/>
+            <a:r>
+              <a:rPr lang="zh-CN" altLang="en-US"/>
+              <a:t>单击此处编辑母版文本样式</a:t>
+            </a:r>
+          </a:p>
+        </p:txBody>
+      </p:sp>
+      <p:sp>
+        <p:nvSpPr>
+          <p:cNvPr id="19" name="Text Placeholder 3"/>
+          <p:cNvSpPr>
+            <a:spLocks noGrp="1"/>
+          </p:cNvSpPr>
+          <p:nvPr>
+            <p:ph type="body" sz="half" idx="16"/>
+          </p:nvPr>
+        </p:nvSpPr>
+        <p:spPr>
+          <a:xfrm>
+            <a:off x="3873106" y="2667000"/>
+            <a:ext cx="2946794" cy="3589338"/>
+          </a:xfrm>
+        </p:spPr>
+        <p:txBody>
+          <a:bodyPr anchor="t">
+            <a:normAutofit/>
+          </a:bodyPr>
+          <a:lstStyle>
+            <a:lvl1pPr marL="0" indent="0">
+              <a:buNone/>
+              <a:defRPr sz="1400"/>
+            </a:lvl1pPr>
+            <a:lvl2pPr marL="457200" indent="0">
+              <a:buNone/>
+              <a:defRPr sz="1200"/>
+            </a:lvl2pPr>
+            <a:lvl3pPr marL="914400" indent="0">
+              <a:buNone/>
+              <a:defRPr sz="1000"/>
+            </a:lvl3pPr>
+            <a:lvl4pPr marL="1371600" indent="0">
+              <a:buNone/>
+              <a:defRPr sz="900"/>
+            </a:lvl4pPr>
+            <a:lvl5pPr marL="1828800" indent="0">
+              <a:buNone/>
+              <a:defRPr sz="900"/>
+            </a:lvl5pPr>
+            <a:lvl6pPr marL="2286000" indent="0">
+              <a:buNone/>
+              <a:defRPr sz="900"/>
+            </a:lvl6pPr>
+            <a:lvl7pPr marL="2743200" indent="0">
+              <a:buNone/>
+              <a:defRPr sz="900"/>
+            </a:lvl7pPr>
+            <a:lvl8pPr marL="3200400" indent="0">
+              <a:buNone/>
+              <a:defRPr sz="900"/>
+            </a:lvl8pPr>
+            <a:lvl9pPr marL="3657600" indent="0">
+              <a:buNone/>
+              <a:defRPr sz="900"/>
+            </a:lvl9pPr>
+          </a:lstStyle>
+          <a:p>
+            <a:pPr lvl="0"/>
+            <a:r>
+              <a:rPr lang="zh-CN" altLang="en-US"/>
+              <a:t>单击此处编辑母版文本样式</a:t>
+            </a:r>
+          </a:p>
+        </p:txBody>
+      </p:sp>
+      <p:sp>
+        <p:nvSpPr>
+          <p:cNvPr id="14" name="Text Placeholder 4"/>
+          <p:cNvSpPr>
+            <a:spLocks noGrp="1"/>
+          </p:cNvSpPr>
+          <p:nvPr>
+            <p:ph type="body" sz="quarter" idx="13"/>
+          </p:nvPr>
+        </p:nvSpPr>
+        <p:spPr>
+          <a:xfrm>
+            <a:off x="7124700" y="1981200"/>
+            <a:ext cx="2932113" cy="576262"/>
+          </a:xfrm>
+        </p:spPr>
+        <p:txBody>
+          <a:bodyPr anchor="b">
+            <a:noAutofit/>
+          </a:bodyPr>
+          <a:lstStyle>
+            <a:lvl1pPr marL="0" indent="0">
+              <a:buNone/>
+              <a:defRPr sz="2400" b="0">
+                <a:solidFill>
+                  <a:schemeClr val="bg2">
+                    <a:lumMod val="40000"/>
+                    <a:lumOff val="60000"/>
+                  </a:schemeClr>
+                </a:solidFill>
+              </a:defRPr>
+            </a:lvl1pPr>
+            <a:lvl2pPr marL="457200" indent="0">
+              <a:buNone/>
+              <a:defRPr sz="2000" b="1"/>
+            </a:lvl2pPr>
+            <a:lvl3pPr marL="914400" indent="0">
+              <a:buNone/>
+              <a:defRPr sz="1800" b="1"/>
+            </a:lvl3pPr>
+            <a:lvl4pPr marL="1371600" indent="0">
+              <a:buNone/>
+              <a:defRPr sz="1600" b="1"/>
+            </a:lvl4pPr>
+            <a:lvl5pPr marL="1828800" indent="0">
+              <a:buNone/>
+              <a:defRPr sz="1600" b="1"/>
+            </a:lvl5pPr>
+            <a:lvl6pPr marL="2286000" indent="0">
+              <a:buNone/>
+              <a:defRPr sz="1600" b="1"/>
+            </a:lvl6pPr>
+            <a:lvl7pPr marL="2743200" indent="0">
+              <a:buNone/>
+              <a:defRPr sz="1600" b="1"/>
+            </a:lvl7pPr>
+            <a:lvl8pPr marL="3200400" indent="0">
+              <a:buNone/>
+              <a:defRPr sz="1600" b="1"/>
+            </a:lvl8pPr>
+            <a:lvl9pPr marL="3657600" indent="0">
+              <a:buNone/>
+              <a:defRPr sz="1600" b="1"/>
+            </a:lvl9pPr>
+          </a:lstStyle>
+          <a:p>
+            <a:pPr lvl="0"/>
+            <a:r>
+              <a:rPr lang="zh-CN" altLang="en-US"/>
+              <a:t>单击此处编辑母版文本样式</a:t>
+            </a:r>
+          </a:p>
+        </p:txBody>
+      </p:sp>
+      <p:sp>
+        <p:nvSpPr>
+          <p:cNvPr id="20" name="Text Placeholder 3"/>
+          <p:cNvSpPr>
+            <a:spLocks noGrp="1"/>
+          </p:cNvSpPr>
+          <p:nvPr>
+            <p:ph type="body" sz="half" idx="17"/>
+          </p:nvPr>
+        </p:nvSpPr>
+        <p:spPr>
+          <a:xfrm>
+            <a:off x="7124700" y="2667000"/>
+            <a:ext cx="2932113" cy="3589338"/>
+          </a:xfrm>
+        </p:spPr>
+        <p:txBody>
+          <a:bodyPr anchor="t">
+            <a:normAutofit/>
+          </a:bodyPr>
+          <a:lstStyle>
+            <a:lvl1pPr marL="0" indent="0">
+              <a:buNone/>
+              <a:defRPr sz="1400"/>
+            </a:lvl1pPr>
+            <a:lvl2pPr marL="457200" indent="0">
+              <a:buNone/>
+              <a:defRPr sz="1200"/>
+            </a:lvl2pPr>
+            <a:lvl3pPr marL="914400" indent="0">
+              <a:buNone/>
+              <a:defRPr sz="1000"/>
+            </a:lvl3pPr>
+            <a:lvl4pPr marL="1371600" indent="0">
+              <a:buNone/>
+              <a:defRPr sz="900"/>
+            </a:lvl4pPr>
+            <a:lvl5pPr marL="1828800" indent="0">
+              <a:buNone/>
+              <a:defRPr sz="900"/>
+            </a:lvl5pPr>
+            <a:lvl6pPr marL="2286000" indent="0">
+              <a:buNone/>
+              <a:defRPr sz="900"/>
+            </a:lvl6pPr>
+            <a:lvl7pPr marL="2743200" indent="0">
+              <a:buNone/>
+              <a:defRPr sz="900"/>
+            </a:lvl7pPr>
+            <a:lvl8pPr marL="3200400" indent="0">
+              <a:buNone/>
+              <a:defRPr sz="900"/>
+            </a:lvl8pPr>
+            <a:lvl9pPr marL="3657600" indent="0">
+              <a:buNone/>
+              <a:defRPr sz="900"/>
+            </a:lvl9pPr>
+          </a:lstStyle>
+          <a:p>
+            <a:pPr lvl="0"/>
+            <a:r>
+              <a:rPr lang="zh-CN" altLang="en-US"/>
+              <a:t>单击此处编辑母版文本样式</a:t>
+            </a:r>
+          </a:p>
+        </p:txBody>
+      </p:sp>
+      <p:cxnSp>
+        <p:nvCxnSpPr>
+          <p:cNvPr id="17" name="Straight Connector 16"/>
+          <p:cNvCxnSpPr/>
+          <p:nvPr/>
+        </p:nvCxnSpPr>
+        <p:spPr>
+          <a:xfrm>
+            <a:off x="3726142" y="2133600"/>
+            <a:ext cx="0" cy="3962400"/>
+          </a:xfrm>
+          <a:prstGeom prst="line">
+            <a:avLst/>
+          </a:prstGeom>
+          <a:ln w="12700" cmpd="sng">
+            <a:solidFill>
+              <a:schemeClr val="bg2">
+                <a:lumMod val="40000"/>
+                <a:lumOff val="60000"/>
+                <a:alpha val="40000"/>
+              </a:schemeClr>
+            </a:solidFill>
+          </a:ln>
+        </p:spPr>
+        <p:style>
+          <a:lnRef idx="2">
+            <a:schemeClr val="accent1"/>
+          </a:lnRef>
+          <a:fillRef idx="0">
+            <a:schemeClr val="accent1"/>
+          </a:fillRef>
+          <a:effectRef idx="1">
+            <a:schemeClr val="accent1"/>
+          </a:effectRef>
+          <a:fontRef idx="minor">
+            <a:schemeClr val="tx1"/>
+          </a:fontRef>
+        </p:style>
+      </p:cxnSp>
+      <p:cxnSp>
+        <p:nvCxnSpPr>
+          <p:cNvPr id="18" name="Straight Connector 17"/>
+          <p:cNvCxnSpPr/>
+          <p:nvPr/>
+        </p:nvCxnSpPr>
+        <p:spPr>
+          <a:xfrm>
+            <a:off x="6962227" y="2133600"/>
+            <a:ext cx="0" cy="3966882"/>
+          </a:xfrm>
+          <a:prstGeom prst="line">
+            <a:avLst/>
+          </a:prstGeom>
+          <a:ln w="12700" cmpd="sng">
+            <a:solidFill>
+              <a:schemeClr val="bg2">
+                <a:lumMod val="40000"/>
+                <a:lumOff val="60000"/>
+                <a:alpha val="40000"/>
+              </a:schemeClr>
+            </a:solidFill>
+          </a:ln>
+        </p:spPr>
+        <p:style>
+          <a:lnRef idx="2">
+            <a:schemeClr val="accent1"/>
+          </a:lnRef>
+          <a:fillRef idx="0">
+            <a:schemeClr val="accent1"/>
+          </a:fillRef>
+          <a:effectRef idx="1">
+            <a:schemeClr val="accent1"/>
+          </a:effectRef>
+          <a:fontRef idx="minor">
+            <a:schemeClr val="tx1"/>
+          </a:fontRef>
+        </p:style>
+      </p:cxnSp>
+      <p:sp>
+        <p:nvSpPr>
+          <p:cNvPr id="7" name="Date Placeholder 3"/>
+          <p:cNvSpPr>
+            <a:spLocks noGrp="1"/>
+          </p:cNvSpPr>
+          <p:nvPr>
+            <p:ph type="dt" sz="half" idx="10"/>
+          </p:nvPr>
+        </p:nvSpPr>
+        <p:spPr/>
+        <p:txBody>
+          <a:bodyPr/>
+          <a:lstStyle/>
+          <a:p>
+            <a:fld id="{692AD3C9-44F0-4AE7-B19F-33A7A90EAD82}" type="datetimeFigureOut">
+              <a:rPr lang="zh-CN" altLang="en-US" smtClean="0"/>
+              <a:t>2019/12/6</a:t>
+            </a:fld>
+            <a:endParaRPr lang="zh-CN" altLang="en-US"/>
+          </a:p>
+        </p:txBody>
+      </p:sp>
+      <p:sp>
+        <p:nvSpPr>
+          <p:cNvPr id="4" name="Footer Placeholder 4"/>
+          <p:cNvSpPr>
+            <a:spLocks noGrp="1"/>
+          </p:cNvSpPr>
+          <p:nvPr>
+            <p:ph type="ftr" sz="quarter" idx="11"/>
+          </p:nvPr>
+        </p:nvSpPr>
+        <p:spPr/>
+        <p:txBody>
+          <a:bodyPr/>
+          <a:lstStyle/>
+          <a:p>
+            <a:endParaRPr lang="zh-CN" altLang="en-US"/>
+          </a:p>
+        </p:txBody>
+      </p:sp>
+      <p:sp>
+        <p:nvSpPr>
+          <p:cNvPr id="6" name="Slide Number Placeholder 5"/>
+          <p:cNvSpPr>
+            <a:spLocks noGrp="1"/>
+          </p:cNvSpPr>
+          <p:nvPr>
+            <p:ph type="sldNum" sz="quarter" idx="12"/>
+          </p:nvPr>
+        </p:nvSpPr>
+        <p:spPr/>
+        <p:txBody>
+          <a:bodyPr/>
+          <a:lstStyle/>
+          <a:p>
+            <a:fld id="{C7BF277C-4796-4FC3-A772-27635493D84E}" type="slidenum">
+              <a:rPr lang="zh-CN" altLang="en-US" smtClean="0"/>
+              <a:t>‹#›</a:t>
+            </a:fld>
+            <a:endParaRPr lang="zh-CN" altLang="en-US"/>
+          </a:p>
+        </p:txBody>
+      </p:sp>
+    </p:spTree>
+    <p:extLst>
+      <p:ext uri="{BB962C8B-B14F-4D97-AF65-F5344CB8AC3E}">
+        <p14:creationId xmlns:p14="http://schemas.microsoft.com/office/powerpoint/2010/main" val="1684643028"/>
+      </p:ext>
+    </p:extLst>
+  </p:cSld>
+  <p:clrMapOvr>
+    <a:masterClrMapping/>
+  </p:clrMapOvr>
+</p:sldLayout>
+</file>
+
+<file path=ppt/slideLayouts/slideLayout15.xml><?xml version="1.0" encoding="utf-8"?>
+<p:sldLayout xmlns:a="http://schemas.openxmlformats.org/drawingml/2006/main" xmlns:r="http://schemas.openxmlformats.org/officeDocument/2006/relationships" xmlns:p="http://schemas.openxmlformats.org/presentationml/2006/main" preserve="1">
+  <p:cSld name="3 图片栏">
+    <p:spTree>
+      <p:nvGrpSpPr>
+        <p:cNvPr id="1" name=""/>
+        <p:cNvGrpSpPr/>
+        <p:nvPr/>
+      </p:nvGrpSpPr>
+      <p:grpSpPr>
+        <a:xfrm>
+          <a:off x="0" y="0"/>
+          <a:ext cx="0" cy="0"/>
+          <a:chOff x="0" y="0"/>
+          <a:chExt cx="0" cy="0"/>
+        </a:xfrm>
+      </p:grpSpPr>
+      <p:sp>
+        <p:nvSpPr>
+          <p:cNvPr id="2" name="Title 1"/>
+          <p:cNvSpPr>
+            <a:spLocks noGrp="1"/>
+          </p:cNvSpPr>
+          <p:nvPr>
+            <p:ph type="title"/>
+          </p:nvPr>
+        </p:nvSpPr>
+        <p:spPr/>
+        <p:txBody>
+          <a:bodyPr/>
+          <a:lstStyle>
+            <a:lvl1pPr>
+              <a:defRPr sz="4200"/>
+            </a:lvl1pPr>
+          </a:lstStyle>
+          <a:p>
+            <a:r>
+              <a:rPr lang="zh-CN" altLang="en-US"/>
+              <a:t>单击此处编辑母版标题样式</a:t>
+            </a:r>
+            <a:endParaRPr lang="en-US" dirty="0"/>
+          </a:p>
+        </p:txBody>
+      </p:sp>
+      <p:sp>
+        <p:nvSpPr>
+          <p:cNvPr id="3" name="Text Placeholder 2"/>
+          <p:cNvSpPr>
+            <a:spLocks noGrp="1"/>
+          </p:cNvSpPr>
+          <p:nvPr>
+            <p:ph type="body" idx="1"/>
+          </p:nvPr>
+        </p:nvSpPr>
+        <p:spPr>
+          <a:xfrm>
+            <a:off x="652463" y="4250949"/>
+            <a:ext cx="2940050" cy="576262"/>
+          </a:xfrm>
+        </p:spPr>
+        <p:txBody>
+          <a:bodyPr anchor="b">
+            <a:noAutofit/>
+          </a:bodyPr>
+          <a:lstStyle>
+            <a:lvl1pPr marL="0" indent="0">
+              <a:buNone/>
+              <a:defRPr sz="2400" b="0">
+                <a:solidFill>
+                  <a:schemeClr val="bg2">
+                    <a:lumMod val="40000"/>
+                    <a:lumOff val="60000"/>
+                  </a:schemeClr>
+                </a:solidFill>
+              </a:defRPr>
+            </a:lvl1pPr>
+            <a:lvl2pPr marL="457200" indent="0">
+              <a:buNone/>
+              <a:defRPr sz="2000" b="1"/>
+            </a:lvl2pPr>
+            <a:lvl3pPr marL="914400" indent="0">
+              <a:buNone/>
+              <a:defRPr sz="1800" b="1"/>
+            </a:lvl3pPr>
+            <a:lvl4pPr marL="1371600" indent="0">
+              <a:buNone/>
+              <a:defRPr sz="1600" b="1"/>
+            </a:lvl4pPr>
+            <a:lvl5pPr marL="1828800" indent="0">
+              <a:buNone/>
+              <a:defRPr sz="1600" b="1"/>
+            </a:lvl5pPr>
+            <a:lvl6pPr marL="2286000" indent="0">
+              <a:buNone/>
+              <a:defRPr sz="1600" b="1"/>
+            </a:lvl6pPr>
+            <a:lvl7pPr marL="2743200" indent="0">
+              <a:buNone/>
+              <a:defRPr sz="1600" b="1"/>
+            </a:lvl7pPr>
+            <a:lvl8pPr marL="3200400" indent="0">
+              <a:buNone/>
+              <a:defRPr sz="1600" b="1"/>
+            </a:lvl8pPr>
+            <a:lvl9pPr marL="3657600" indent="0">
+              <a:buNone/>
+              <a:defRPr sz="1600" b="1"/>
+            </a:lvl9pPr>
+          </a:lstStyle>
+          <a:p>
+            <a:pPr lvl="0"/>
+            <a:r>
+              <a:rPr lang="zh-CN" altLang="en-US"/>
+              <a:t>单击此处编辑母版文本样式</a:t>
+            </a:r>
+          </a:p>
+        </p:txBody>
+      </p:sp>
+      <p:sp>
+        <p:nvSpPr>
+          <p:cNvPr id="29" name="Picture Placeholder 2"/>
+          <p:cNvSpPr>
+            <a:spLocks noGrp="1" noChangeAspect="1"/>
+          </p:cNvSpPr>
+          <p:nvPr>
+            <p:ph type="pic" idx="15"/>
+          </p:nvPr>
+        </p:nvSpPr>
+        <p:spPr>
+          <a:xfrm>
+            <a:off x="652463" y="2209800"/>
+            <a:ext cx="2940050" cy="1524000"/>
+          </a:xfrm>
+          <a:prstGeom prst="roundRect">
+            <a:avLst>
+              <a:gd name="adj" fmla="val 1858"/>
+            </a:avLst>
+          </a:prstGeom>
+          <a:effectLst>
+            <a:outerShdw blurRad="50800" dist="50800" dir="5400000" algn="tl" rotWithShape="0">
+              <a:srgbClr val="000000">
+                <a:alpha val="43000"/>
+              </a:srgbClr>
+            </a:outerShdw>
+          </a:effectLst>
+        </p:spPr>
+        <p:txBody>
+          <a:bodyPr anchor="t">
+            <a:normAutofit/>
+          </a:bodyPr>
+          <a:lstStyle>
+            <a:lvl1pPr marL="0" indent="0" algn="ctr">
+              <a:buNone/>
+              <a:defRPr sz="1600"/>
+            </a:lvl1pPr>
+            <a:lvl2pPr marL="457200" indent="0">
+              <a:buNone/>
+              <a:defRPr sz="1600"/>
+            </a:lvl2pPr>
+            <a:lvl3pPr marL="914400" indent="0">
+              <a:buNone/>
+              <a:defRPr sz="1600"/>
+            </a:lvl3pPr>
+            <a:lvl4pPr marL="1371600" indent="0">
+              <a:buNone/>
+              <a:defRPr sz="1600"/>
+            </a:lvl4pPr>
+            <a:lvl5pPr marL="1828800" indent="0">
+              <a:buNone/>
+              <a:defRPr sz="1600"/>
+            </a:lvl5pPr>
+            <a:lvl6pPr marL="2286000" indent="0">
+              <a:buNone/>
+              <a:defRPr sz="1600"/>
+            </a:lvl6pPr>
+            <a:lvl7pPr marL="2743200" indent="0">
+              <a:buNone/>
+              <a:defRPr sz="1600"/>
+            </a:lvl7pPr>
+            <a:lvl8pPr marL="3200400" indent="0">
+              <a:buNone/>
+              <a:defRPr sz="1600"/>
+            </a:lvl8pPr>
+            <a:lvl9pPr marL="3657600" indent="0">
+              <a:buNone/>
+              <a:defRPr sz="1600"/>
+            </a:lvl9pPr>
+          </a:lstStyle>
+          <a:p>
+            <a:r>
+              <a:rPr lang="zh-CN" altLang="en-US"/>
+              <a:t>单击图标添加图片</a:t>
+            </a:r>
+            <a:endParaRPr lang="en-US" dirty="0"/>
+          </a:p>
+        </p:txBody>
+      </p:sp>
+      <p:sp>
+        <p:nvSpPr>
+          <p:cNvPr id="22" name="Text Placeholder 3"/>
+          <p:cNvSpPr>
+            <a:spLocks noGrp="1"/>
+          </p:cNvSpPr>
+          <p:nvPr>
+            <p:ph type="body" sz="half" idx="18"/>
+          </p:nvPr>
+        </p:nvSpPr>
+        <p:spPr>
+          <a:xfrm>
+            <a:off x="652463" y="4827211"/>
+            <a:ext cx="2940050" cy="659189"/>
+          </a:xfrm>
+        </p:spPr>
+        <p:txBody>
+          <a:bodyPr anchor="t">
+            <a:normAutofit/>
+          </a:bodyPr>
+          <a:lstStyle>
+            <a:lvl1pPr marL="0" indent="0">
+              <a:buNone/>
+              <a:defRPr sz="1400"/>
+            </a:lvl1pPr>
+            <a:lvl2pPr marL="457200" indent="0">
+              <a:buNone/>
+              <a:defRPr sz="1200"/>
+            </a:lvl2pPr>
+            <a:lvl3pPr marL="914400" indent="0">
+              <a:buNone/>
+              <a:defRPr sz="1000"/>
+            </a:lvl3pPr>
+            <a:lvl4pPr marL="1371600" indent="0">
+              <a:buNone/>
+              <a:defRPr sz="900"/>
+            </a:lvl4pPr>
+            <a:lvl5pPr marL="1828800" indent="0">
+              <a:buNone/>
+              <a:defRPr sz="900"/>
+            </a:lvl5pPr>
+            <a:lvl6pPr marL="2286000" indent="0">
+              <a:buNone/>
+              <a:defRPr sz="900"/>
+            </a:lvl6pPr>
+            <a:lvl7pPr marL="2743200" indent="0">
+              <a:buNone/>
+              <a:defRPr sz="900"/>
+            </a:lvl7pPr>
+            <a:lvl8pPr marL="3200400" indent="0">
+              <a:buNone/>
+              <a:defRPr sz="900"/>
+            </a:lvl8pPr>
+            <a:lvl9pPr marL="3657600" indent="0">
+              <a:buNone/>
+              <a:defRPr sz="900"/>
+            </a:lvl9pPr>
+          </a:lstStyle>
+          <a:p>
+            <a:pPr lvl="0"/>
+            <a:r>
+              <a:rPr lang="zh-CN" altLang="en-US"/>
+              <a:t>单击此处编辑母版文本样式</a:t>
+            </a:r>
+          </a:p>
+        </p:txBody>
+      </p:sp>
+      <p:sp>
+        <p:nvSpPr>
+          <p:cNvPr id="5" name="Text Placeholder 4"/>
+          <p:cNvSpPr>
+            <a:spLocks noGrp="1"/>
+          </p:cNvSpPr>
+          <p:nvPr>
+            <p:ph type="body" sz="quarter" idx="3"/>
+          </p:nvPr>
+        </p:nvSpPr>
+        <p:spPr>
+          <a:xfrm>
+            <a:off x="3889375" y="4250949"/>
+            <a:ext cx="2930525" cy="576262"/>
+          </a:xfrm>
+        </p:spPr>
+        <p:txBody>
+          <a:bodyPr anchor="b">
+            <a:noAutofit/>
+          </a:bodyPr>
+          <a:lstStyle>
+            <a:lvl1pPr marL="0" indent="0">
+              <a:buNone/>
+              <a:defRPr sz="2400" b="0">
+                <a:solidFill>
+                  <a:schemeClr val="bg2">
+                    <a:lumMod val="40000"/>
+                    <a:lumOff val="60000"/>
+                  </a:schemeClr>
+                </a:solidFill>
+              </a:defRPr>
+            </a:lvl1pPr>
+            <a:lvl2pPr marL="457200" indent="0">
+              <a:buNone/>
+              <a:defRPr sz="2000" b="1"/>
+            </a:lvl2pPr>
+            <a:lvl3pPr marL="914400" indent="0">
+              <a:buNone/>
+              <a:defRPr sz="1800" b="1"/>
+            </a:lvl3pPr>
+            <a:lvl4pPr marL="1371600" indent="0">
+              <a:buNone/>
+              <a:defRPr sz="1600" b="1"/>
+            </a:lvl4pPr>
+            <a:lvl5pPr marL="1828800" indent="0">
+              <a:buNone/>
+              <a:defRPr sz="1600" b="1"/>
+            </a:lvl5pPr>
+            <a:lvl6pPr marL="2286000" indent="0">
+              <a:buNone/>
+              <a:defRPr sz="1600" b="1"/>
+            </a:lvl6pPr>
+            <a:lvl7pPr marL="2743200" indent="0">
+              <a:buNone/>
+              <a:defRPr sz="1600" b="1"/>
+            </a:lvl7pPr>
+            <a:lvl8pPr marL="3200400" indent="0">
+              <a:buNone/>
+              <a:defRPr sz="1600" b="1"/>
+            </a:lvl8pPr>
+            <a:lvl9pPr marL="3657600" indent="0">
+              <a:buNone/>
+              <a:defRPr sz="1600" b="1"/>
+            </a:lvl9pPr>
+          </a:lstStyle>
+          <a:p>
+            <a:pPr lvl="0"/>
+            <a:r>
+              <a:rPr lang="zh-CN" altLang="en-US"/>
+              <a:t>单击此处编辑母版文本样式</a:t>
+            </a:r>
+          </a:p>
+        </p:txBody>
+      </p:sp>
+      <p:sp>
+        <p:nvSpPr>
+          <p:cNvPr id="30" name="Picture Placeholder 2"/>
+          <p:cNvSpPr>
+            <a:spLocks noGrp="1" noChangeAspect="1"/>
+          </p:cNvSpPr>
+          <p:nvPr>
+            <p:ph type="pic" idx="21"/>
+          </p:nvPr>
+        </p:nvSpPr>
+        <p:spPr>
+          <a:xfrm>
+            <a:off x="3889374" y="2209800"/>
+            <a:ext cx="2930525" cy="1524000"/>
+          </a:xfrm>
+          <a:prstGeom prst="roundRect">
+            <a:avLst>
+              <a:gd name="adj" fmla="val 1858"/>
+            </a:avLst>
+          </a:prstGeom>
+          <a:effectLst>
+            <a:outerShdw blurRad="50800" dist="50800" dir="5400000" algn="tl" rotWithShape="0">
+              <a:srgbClr val="000000">
+                <a:alpha val="43000"/>
+              </a:srgbClr>
+            </a:outerShdw>
+          </a:effectLst>
+        </p:spPr>
+        <p:txBody>
+          <a:bodyPr anchor="t">
+            <a:normAutofit/>
+          </a:bodyPr>
+          <a:lstStyle>
+            <a:lvl1pPr marL="0" indent="0" algn="ctr">
+              <a:buNone/>
+              <a:defRPr sz="1600"/>
+            </a:lvl1pPr>
+            <a:lvl2pPr marL="457200" indent="0">
+              <a:buNone/>
+              <a:defRPr sz="1600"/>
+            </a:lvl2pPr>
+            <a:lvl3pPr marL="914400" indent="0">
+              <a:buNone/>
+              <a:defRPr sz="1600"/>
+            </a:lvl3pPr>
+            <a:lvl4pPr marL="1371600" indent="0">
+              <a:buNone/>
+              <a:defRPr sz="1600"/>
+            </a:lvl4pPr>
+            <a:lvl5pPr marL="1828800" indent="0">
+              <a:buNone/>
+              <a:defRPr sz="1600"/>
+            </a:lvl5pPr>
+            <a:lvl6pPr marL="2286000" indent="0">
+              <a:buNone/>
+              <a:defRPr sz="1600"/>
+            </a:lvl6pPr>
+            <a:lvl7pPr marL="2743200" indent="0">
+              <a:buNone/>
+              <a:defRPr sz="1600"/>
+            </a:lvl7pPr>
+            <a:lvl8pPr marL="3200400" indent="0">
+              <a:buNone/>
+              <a:defRPr sz="1600"/>
+            </a:lvl8pPr>
+            <a:lvl9pPr marL="3657600" indent="0">
+              <a:buNone/>
+              <a:defRPr sz="1600"/>
+            </a:lvl9pPr>
+          </a:lstStyle>
+          <a:p>
+            <a:r>
+              <a:rPr lang="zh-CN" altLang="en-US"/>
+              <a:t>单击图标添加图片</a:t>
+            </a:r>
+            <a:endParaRPr lang="en-US" dirty="0"/>
+          </a:p>
+        </p:txBody>
+      </p:sp>
+      <p:sp>
+        <p:nvSpPr>
+          <p:cNvPr id="23" name="Text Placeholder 3"/>
+          <p:cNvSpPr>
+            <a:spLocks noGrp="1"/>
+          </p:cNvSpPr>
+          <p:nvPr>
+            <p:ph type="body" sz="half" idx="19"/>
+          </p:nvPr>
+        </p:nvSpPr>
+        <p:spPr>
+          <a:xfrm>
+            <a:off x="3888022" y="4827210"/>
+            <a:ext cx="2934406" cy="659189"/>
+          </a:xfrm>
+        </p:spPr>
+        <p:txBody>
+          <a:bodyPr anchor="t">
+            <a:normAutofit/>
+          </a:bodyPr>
+          <a:lstStyle>
+            <a:lvl1pPr marL="0" indent="0">
+              <a:buNone/>
+              <a:defRPr sz="1400"/>
+            </a:lvl1pPr>
+            <a:lvl2pPr marL="457200" indent="0">
+              <a:buNone/>
+              <a:defRPr sz="1200"/>
+            </a:lvl2pPr>
+            <a:lvl3pPr marL="914400" indent="0">
+              <a:buNone/>
+              <a:defRPr sz="1000"/>
+            </a:lvl3pPr>
+            <a:lvl4pPr marL="1371600" indent="0">
+              <a:buNone/>
+              <a:defRPr sz="900"/>
+            </a:lvl4pPr>
+            <a:lvl5pPr marL="1828800" indent="0">
+              <a:buNone/>
+              <a:defRPr sz="900"/>
+            </a:lvl5pPr>
+            <a:lvl6pPr marL="2286000" indent="0">
+              <a:buNone/>
+              <a:defRPr sz="900"/>
+            </a:lvl6pPr>
+            <a:lvl7pPr marL="2743200" indent="0">
+              <a:buNone/>
+              <a:defRPr sz="900"/>
+            </a:lvl7pPr>
+            <a:lvl8pPr marL="3200400" indent="0">
+              <a:buNone/>
+              <a:defRPr sz="900"/>
+            </a:lvl8pPr>
+            <a:lvl9pPr marL="3657600" indent="0">
+              <a:buNone/>
+              <a:defRPr sz="900"/>
+            </a:lvl9pPr>
+          </a:lstStyle>
+          <a:p>
+            <a:pPr lvl="0"/>
+            <a:r>
+              <a:rPr lang="zh-CN" altLang="en-US"/>
+              <a:t>单击此处编辑母版文本样式</a:t>
+            </a:r>
+          </a:p>
+        </p:txBody>
+      </p:sp>
+      <p:sp>
+        <p:nvSpPr>
+          <p:cNvPr id="14" name="Text Placeholder 4"/>
+          <p:cNvSpPr>
+            <a:spLocks noGrp="1"/>
+          </p:cNvSpPr>
+          <p:nvPr>
+            <p:ph type="body" sz="quarter" idx="13"/>
+          </p:nvPr>
+        </p:nvSpPr>
+        <p:spPr>
+          <a:xfrm>
+            <a:off x="7124700" y="4250949"/>
+            <a:ext cx="2932113" cy="576262"/>
+          </a:xfrm>
+        </p:spPr>
+        <p:txBody>
+          <a:bodyPr anchor="b">
+            <a:noAutofit/>
+          </a:bodyPr>
+          <a:lstStyle>
+            <a:lvl1pPr marL="0" indent="0">
+              <a:buNone/>
+              <a:defRPr sz="2400" b="0">
+                <a:solidFill>
+                  <a:schemeClr val="bg2">
+                    <a:lumMod val="40000"/>
+                    <a:lumOff val="60000"/>
+                  </a:schemeClr>
+                </a:solidFill>
+              </a:defRPr>
+            </a:lvl1pPr>
+            <a:lvl2pPr marL="457200" indent="0">
+              <a:buNone/>
+              <a:defRPr sz="2000" b="1"/>
+            </a:lvl2pPr>
+            <a:lvl3pPr marL="914400" indent="0">
+              <a:buNone/>
+              <a:defRPr sz="1800" b="1"/>
+            </a:lvl3pPr>
+            <a:lvl4pPr marL="1371600" indent="0">
+              <a:buNone/>
+              <a:defRPr sz="1600" b="1"/>
+            </a:lvl4pPr>
+            <a:lvl5pPr marL="1828800" indent="0">
+              <a:buNone/>
+              <a:defRPr sz="1600" b="1"/>
+            </a:lvl5pPr>
+            <a:lvl6pPr marL="2286000" indent="0">
+              <a:buNone/>
+              <a:defRPr sz="1600" b="1"/>
+            </a:lvl6pPr>
+            <a:lvl7pPr marL="2743200" indent="0">
+              <a:buNone/>
+              <a:defRPr sz="1600" b="1"/>
+            </a:lvl7pPr>
+            <a:lvl8pPr marL="3200400" indent="0">
+              <a:buNone/>
+              <a:defRPr sz="1600" b="1"/>
+            </a:lvl8pPr>
+            <a:lvl9pPr marL="3657600" indent="0">
+              <a:buNone/>
+              <a:defRPr sz="1600" b="1"/>
+            </a:lvl9pPr>
+          </a:lstStyle>
+          <a:p>
+            <a:pPr lvl="0"/>
+            <a:r>
+              <a:rPr lang="zh-CN" altLang="en-US"/>
+              <a:t>单击此处编辑母版文本样式</a:t>
+            </a:r>
+          </a:p>
+        </p:txBody>
+      </p:sp>
+      <p:sp>
+        <p:nvSpPr>
+          <p:cNvPr id="31" name="Picture Placeholder 2"/>
+          <p:cNvSpPr>
+            <a:spLocks noGrp="1" noChangeAspect="1"/>
+          </p:cNvSpPr>
+          <p:nvPr>
+            <p:ph type="pic" idx="22"/>
+          </p:nvPr>
+        </p:nvSpPr>
+        <p:spPr>
+          <a:xfrm>
+            <a:off x="7124699" y="2209800"/>
+            <a:ext cx="2932113" cy="1524000"/>
+          </a:xfrm>
+          <a:prstGeom prst="roundRect">
+            <a:avLst>
+              <a:gd name="adj" fmla="val 1858"/>
+            </a:avLst>
+          </a:prstGeom>
+          <a:effectLst>
+            <a:outerShdw blurRad="50800" dist="50800" dir="5400000" algn="tl" rotWithShape="0">
+              <a:srgbClr val="000000">
+                <a:alpha val="43000"/>
+              </a:srgbClr>
+            </a:outerShdw>
+          </a:effectLst>
+        </p:spPr>
+        <p:txBody>
+          <a:bodyPr anchor="t">
+            <a:normAutofit/>
+          </a:bodyPr>
+          <a:lstStyle>
+            <a:lvl1pPr marL="0" indent="0" algn="ctr">
+              <a:buNone/>
+              <a:defRPr sz="1600"/>
+            </a:lvl1pPr>
+            <a:lvl2pPr marL="457200" indent="0">
+              <a:buNone/>
+              <a:defRPr sz="1600"/>
+            </a:lvl2pPr>
+            <a:lvl3pPr marL="914400" indent="0">
+              <a:buNone/>
+              <a:defRPr sz="1600"/>
+            </a:lvl3pPr>
+            <a:lvl4pPr marL="1371600" indent="0">
+              <a:buNone/>
+              <a:defRPr sz="1600"/>
+            </a:lvl4pPr>
+            <a:lvl5pPr marL="1828800" indent="0">
+              <a:buNone/>
+              <a:defRPr sz="1600"/>
+            </a:lvl5pPr>
+            <a:lvl6pPr marL="2286000" indent="0">
+              <a:buNone/>
+              <a:defRPr sz="1600"/>
+            </a:lvl6pPr>
+            <a:lvl7pPr marL="2743200" indent="0">
+              <a:buNone/>
+              <a:defRPr sz="1600"/>
+            </a:lvl7pPr>
+            <a:lvl8pPr marL="3200400" indent="0">
+              <a:buNone/>
+              <a:defRPr sz="1600"/>
+            </a:lvl8pPr>
+            <a:lvl9pPr marL="3657600" indent="0">
+              <a:buNone/>
+              <a:defRPr sz="1600"/>
+            </a:lvl9pPr>
+          </a:lstStyle>
+          <a:p>
+            <a:r>
+              <a:rPr lang="zh-CN" altLang="en-US"/>
+              <a:t>单击图标添加图片</a:t>
+            </a:r>
+            <a:endParaRPr lang="en-US" dirty="0"/>
+          </a:p>
+        </p:txBody>
+      </p:sp>
+      <p:sp>
+        <p:nvSpPr>
+          <p:cNvPr id="24" name="Text Placeholder 3"/>
+          <p:cNvSpPr>
+            <a:spLocks noGrp="1"/>
+          </p:cNvSpPr>
+          <p:nvPr>
+            <p:ph type="body" sz="half" idx="20"/>
+          </p:nvPr>
+        </p:nvSpPr>
+        <p:spPr>
+          <a:xfrm>
+            <a:off x="7124575" y="4827208"/>
+            <a:ext cx="2935997" cy="659189"/>
+          </a:xfrm>
+        </p:spPr>
+        <p:txBody>
+          <a:bodyPr anchor="t">
+            <a:normAutofit/>
+          </a:bodyPr>
+          <a:lstStyle>
+            <a:lvl1pPr marL="0" indent="0">
+              <a:buNone/>
+              <a:defRPr sz="1400"/>
+            </a:lvl1pPr>
+            <a:lvl2pPr marL="457200" indent="0">
+              <a:buNone/>
+              <a:defRPr sz="1200"/>
+            </a:lvl2pPr>
+            <a:lvl3pPr marL="914400" indent="0">
+              <a:buNone/>
+              <a:defRPr sz="1000"/>
+            </a:lvl3pPr>
+            <a:lvl4pPr marL="1371600" indent="0">
+              <a:buNone/>
+              <a:defRPr sz="900"/>
+            </a:lvl4pPr>
+            <a:lvl5pPr marL="1828800" indent="0">
+              <a:buNone/>
+              <a:defRPr sz="900"/>
+            </a:lvl5pPr>
+            <a:lvl6pPr marL="2286000" indent="0">
+              <a:buNone/>
+              <a:defRPr sz="900"/>
+            </a:lvl6pPr>
+            <a:lvl7pPr marL="2743200" indent="0">
+              <a:buNone/>
+              <a:defRPr sz="900"/>
+            </a:lvl7pPr>
+            <a:lvl8pPr marL="3200400" indent="0">
+              <a:buNone/>
+              <a:defRPr sz="900"/>
+            </a:lvl8pPr>
+            <a:lvl9pPr marL="3657600" indent="0">
+              <a:buNone/>
+              <a:defRPr sz="900"/>
+            </a:lvl9pPr>
+          </a:lstStyle>
+          <a:p>
+            <a:pPr lvl="0"/>
+            <a:r>
+              <a:rPr lang="zh-CN" altLang="en-US"/>
+              <a:t>单击此处编辑母版文本样式</a:t>
+            </a:r>
+          </a:p>
+        </p:txBody>
+      </p:sp>
+      <p:cxnSp>
+        <p:nvCxnSpPr>
+          <p:cNvPr id="19" name="Straight Connector 18"/>
+          <p:cNvCxnSpPr/>
+          <p:nvPr/>
+        </p:nvCxnSpPr>
+        <p:spPr>
+          <a:xfrm>
+            <a:off x="3726142" y="2133600"/>
+            <a:ext cx="0" cy="3962400"/>
+          </a:xfrm>
+          <a:prstGeom prst="line">
+            <a:avLst/>
+          </a:prstGeom>
+          <a:ln w="12700" cmpd="sng">
+            <a:solidFill>
+              <a:schemeClr val="bg2">
+                <a:lumMod val="40000"/>
+                <a:lumOff val="60000"/>
+                <a:alpha val="40000"/>
+              </a:schemeClr>
+            </a:solidFill>
+          </a:ln>
+        </p:spPr>
+        <p:style>
+          <a:lnRef idx="2">
+            <a:schemeClr val="accent1"/>
+          </a:lnRef>
+          <a:fillRef idx="0">
+            <a:schemeClr val="accent1"/>
+          </a:fillRef>
+          <a:effectRef idx="1">
+            <a:schemeClr val="accent1"/>
+          </a:effectRef>
+          <a:fontRef idx="minor">
+            <a:schemeClr val="tx1"/>
+          </a:fontRef>
+        </p:style>
+      </p:cxnSp>
+      <p:cxnSp>
+        <p:nvCxnSpPr>
+          <p:cNvPr id="20" name="Straight Connector 19"/>
+          <p:cNvCxnSpPr/>
+          <p:nvPr/>
+        </p:nvCxnSpPr>
+        <p:spPr>
+          <a:xfrm>
+            <a:off x="6962227" y="2133600"/>
+            <a:ext cx="0" cy="3966882"/>
+          </a:xfrm>
+          <a:prstGeom prst="line">
+            <a:avLst/>
+          </a:prstGeom>
+          <a:ln w="12700" cmpd="sng">
+            <a:solidFill>
+              <a:schemeClr val="bg2">
+                <a:lumMod val="40000"/>
+                <a:lumOff val="60000"/>
+                <a:alpha val="40000"/>
+              </a:schemeClr>
+            </a:solidFill>
+          </a:ln>
+        </p:spPr>
+        <p:style>
+          <a:lnRef idx="2">
+            <a:schemeClr val="accent1"/>
+          </a:lnRef>
+          <a:fillRef idx="0">
+            <a:schemeClr val="accent1"/>
+          </a:fillRef>
+          <a:effectRef idx="1">
+            <a:schemeClr val="accent1"/>
+          </a:effectRef>
+          <a:fontRef idx="minor">
+            <a:schemeClr val="tx1"/>
+          </a:fontRef>
+        </p:style>
+      </p:cxnSp>
+      <p:sp>
+        <p:nvSpPr>
+          <p:cNvPr id="7" name="Date Placeholder 3"/>
+          <p:cNvSpPr>
+            <a:spLocks noGrp="1"/>
+          </p:cNvSpPr>
+          <p:nvPr>
+            <p:ph type="dt" sz="half" idx="10"/>
+          </p:nvPr>
+        </p:nvSpPr>
+        <p:spPr/>
+        <p:txBody>
+          <a:bodyPr/>
+          <a:lstStyle/>
+          <a:p>
+            <a:fld id="{692AD3C9-44F0-4AE7-B19F-33A7A90EAD82}" type="datetimeFigureOut">
+              <a:rPr lang="zh-CN" altLang="en-US" smtClean="0"/>
+              <a:t>2019/12/6</a:t>
+            </a:fld>
+            <a:endParaRPr lang="zh-CN" altLang="en-US"/>
+          </a:p>
+        </p:txBody>
+      </p:sp>
+      <p:sp>
+        <p:nvSpPr>
+          <p:cNvPr id="4" name="Footer Placeholder 4"/>
+          <p:cNvSpPr>
+            <a:spLocks noGrp="1"/>
+          </p:cNvSpPr>
+          <p:nvPr>
+            <p:ph type="ftr" sz="quarter" idx="11"/>
+          </p:nvPr>
+        </p:nvSpPr>
+        <p:spPr/>
+        <p:txBody>
+          <a:bodyPr/>
+          <a:lstStyle/>
+          <a:p>
+            <a:endParaRPr lang="zh-CN" altLang="en-US"/>
+          </a:p>
+        </p:txBody>
+      </p:sp>
+      <p:sp>
+        <p:nvSpPr>
+          <p:cNvPr id="6" name="Slide Number Placeholder 5"/>
+          <p:cNvSpPr>
+            <a:spLocks noGrp="1"/>
+          </p:cNvSpPr>
+          <p:nvPr>
+            <p:ph type="sldNum" sz="quarter" idx="12"/>
+          </p:nvPr>
+        </p:nvSpPr>
+        <p:spPr/>
+        <p:txBody>
+          <a:bodyPr/>
+          <a:lstStyle/>
+          <a:p>
+            <a:fld id="{C7BF277C-4796-4FC3-A772-27635493D84E}" type="slidenum">
+              <a:rPr lang="zh-CN" altLang="en-US" smtClean="0"/>
+              <a:t>‹#›</a:t>
+            </a:fld>
+            <a:endParaRPr lang="zh-CN" altLang="en-US"/>
+          </a:p>
+        </p:txBody>
+      </p:sp>
+    </p:spTree>
+    <p:extLst>
+      <p:ext uri="{BB962C8B-B14F-4D97-AF65-F5344CB8AC3E}">
+        <p14:creationId xmlns:p14="http://schemas.microsoft.com/office/powerpoint/2010/main" val="932254619"/>
+      </p:ext>
+    </p:extLst>
+  </p:cSld>
+  <p:clrMapOvr>
+    <a:masterClrMapping/>
+  </p:clrMapOvr>
+</p:sldLayout>
+</file>
+
+<file path=ppt/slideLayouts/slideLayout16.xml><?xml version="1.0" encoding="utf-8"?>
 <p:sldLayout xmlns:a="http://schemas.openxmlformats.org/drawingml/2006/main" xmlns:r="http://schemas.openxmlformats.org/officeDocument/2006/relationships" xmlns:p="http://schemas.openxmlformats.org/presentationml/2006/main" type="vertTx" preserve="1">
   <p:cSld name="标题和竖排文字">
     <p:spTree>
@@ -368,13 +2960,7 @@
       </p:grpSpPr>
       <p:sp>
         <p:nvSpPr>
-          <p:cNvPr id="2" name="标题 1">
-            <a:extLst>
-              <a:ext uri="{FF2B5EF4-FFF2-40B4-BE49-F238E27FC236}">
-                <a16:creationId xmlns:a16="http://schemas.microsoft.com/office/drawing/2014/main" id="{5238AC48-4A73-4B6C-BAB4-D32AF225DCED}"/>
-              </a:ext>
-            </a:extLst>
-          </p:cNvPr>
+          <p:cNvPr id="2" name="Title 1"/>
           <p:cNvSpPr>
             <a:spLocks noGrp="1"/>
           </p:cNvSpPr>
@@ -391,18 +2977,13 @@
               <a:rPr lang="zh-CN" altLang="en-US"/>
               <a:t>单击此处编辑母版标题样式</a:t>
             </a:r>
+            <a:endParaRPr lang="en-US" dirty="0"/>
           </a:p>
         </p:txBody>
       </p:sp>
       <p:sp>
         <p:nvSpPr>
-          <p:cNvPr id="3" name="竖排文字占位符 2">
-            <a:extLst>
-              <a:ext uri="{FF2B5EF4-FFF2-40B4-BE49-F238E27FC236}">
-                <a16:creationId xmlns:a16="http://schemas.microsoft.com/office/drawing/2014/main" id="{5C54B1DA-E79F-4AFA-BE11-331D2AAAA078}"/>
-              </a:ext>
-            </a:extLst>
-          </p:cNvPr>
+          <p:cNvPr id="3" name="Vertical Text Placeholder 2"/>
           <p:cNvSpPr>
             <a:spLocks noGrp="1"/>
           </p:cNvSpPr>
@@ -412,7 +2993,7 @@
         </p:nvSpPr>
         <p:spPr/>
         <p:txBody>
-          <a:bodyPr vert="eaVert"/>
+          <a:bodyPr vert="eaVert" anchor="t" anchorCtr="0"/>
           <a:lstStyle/>
           <a:p>
             <a:pPr lvl="0"/>
@@ -448,18 +3029,13 @@
               <a:rPr lang="zh-CN" altLang="en-US"/>
               <a:t>五级</a:t>
             </a:r>
+            <a:endParaRPr lang="en-US" dirty="0"/>
           </a:p>
         </p:txBody>
       </p:sp>
       <p:sp>
         <p:nvSpPr>
-          <p:cNvPr id="4" name="日期占位符 3">
-            <a:extLst>
-              <a:ext uri="{FF2B5EF4-FFF2-40B4-BE49-F238E27FC236}">
-                <a16:creationId xmlns:a16="http://schemas.microsoft.com/office/drawing/2014/main" id="{97A0211F-686C-4459-A1F2-86ADE3A0876C}"/>
-              </a:ext>
-            </a:extLst>
-          </p:cNvPr>
+          <p:cNvPr id="4" name="Date Placeholder 3"/>
           <p:cNvSpPr>
             <a:spLocks noGrp="1"/>
           </p:cNvSpPr>
@@ -482,13 +3058,7 @@
       </p:sp>
       <p:sp>
         <p:nvSpPr>
-          <p:cNvPr id="5" name="页脚占位符 4">
-            <a:extLst>
-              <a:ext uri="{FF2B5EF4-FFF2-40B4-BE49-F238E27FC236}">
-                <a16:creationId xmlns:a16="http://schemas.microsoft.com/office/drawing/2014/main" id="{29E84976-A676-4573-9469-86BFD42DCE9C}"/>
-              </a:ext>
-            </a:extLst>
-          </p:cNvPr>
+          <p:cNvPr id="5" name="Footer Placeholder 4"/>
           <p:cNvSpPr>
             <a:spLocks noGrp="1"/>
           </p:cNvSpPr>
@@ -507,13 +3077,7 @@
       </p:sp>
       <p:sp>
         <p:nvSpPr>
-          <p:cNvPr id="6" name="灯片编号占位符 5">
-            <a:extLst>
-              <a:ext uri="{FF2B5EF4-FFF2-40B4-BE49-F238E27FC236}">
-                <a16:creationId xmlns:a16="http://schemas.microsoft.com/office/drawing/2014/main" id="{9E4324FB-A5FD-41E2-82CC-4E85C8B8D854}"/>
-              </a:ext>
-            </a:extLst>
-          </p:cNvPr>
+          <p:cNvPr id="6" name="Slide Number Placeholder 5"/>
           <p:cNvSpPr>
             <a:spLocks noGrp="1"/>
           </p:cNvSpPr>
@@ -537,7 +3101,7 @@
     </p:spTree>
     <p:extLst>
       <p:ext uri="{BB962C8B-B14F-4D97-AF65-F5344CB8AC3E}">
-        <p14:creationId xmlns:p14="http://schemas.microsoft.com/office/powerpoint/2010/main" val="2320407882"/>
+        <p14:creationId xmlns:p14="http://schemas.microsoft.com/office/powerpoint/2010/main" val="730308216"/>
       </p:ext>
     </p:extLst>
   </p:cSld>
@@ -547,7 +3111,7 @@
 </p:sldLayout>
 </file>
 
-<file path=ppt/slideLayouts/slideLayout11.xml><?xml version="1.0" encoding="utf-8"?>
+<file path=ppt/slideLayouts/slideLayout17.xml><?xml version="1.0" encoding="utf-8"?>
 <p:sldLayout xmlns:a="http://schemas.openxmlformats.org/drawingml/2006/main" xmlns:r="http://schemas.openxmlformats.org/officeDocument/2006/relationships" xmlns:p="http://schemas.openxmlformats.org/presentationml/2006/main" type="vertTitleAndTx" preserve="1">
   <p:cSld name="竖排标题与文本">
     <p:spTree>
@@ -566,13 +3130,7 @@
       </p:grpSpPr>
       <p:sp>
         <p:nvSpPr>
-          <p:cNvPr id="2" name="竖排标题 1">
-            <a:extLst>
-              <a:ext uri="{FF2B5EF4-FFF2-40B4-BE49-F238E27FC236}">
-                <a16:creationId xmlns:a16="http://schemas.microsoft.com/office/drawing/2014/main" id="{441D7F74-F6FA-484C-8E7D-7B1FABBAAC13}"/>
-              </a:ext>
-            </a:extLst>
-          </p:cNvPr>
+          <p:cNvPr id="2" name="Vertical Title 1"/>
           <p:cNvSpPr>
             <a:spLocks noGrp="1"/>
           </p:cNvSpPr>
@@ -582,30 +3140,25 @@
         </p:nvSpPr>
         <p:spPr>
           <a:xfrm>
-            <a:off x="8724900" y="365125"/>
-            <a:ext cx="2628900" cy="5811838"/>
+            <a:off x="8304212" y="430213"/>
+            <a:ext cx="1752601" cy="5826125"/>
           </a:xfrm>
         </p:spPr>
         <p:txBody>
-          <a:bodyPr vert="eaVert"/>
+          <a:bodyPr vert="eaVert" anchor="b" anchorCtr="0"/>
           <a:lstStyle/>
           <a:p>
             <a:r>
               <a:rPr lang="zh-CN" altLang="en-US"/>
               <a:t>单击此处编辑母版标题样式</a:t>
             </a:r>
+            <a:endParaRPr lang="en-US" dirty="0"/>
           </a:p>
         </p:txBody>
       </p:sp>
       <p:sp>
         <p:nvSpPr>
-          <p:cNvPr id="3" name="竖排文字占位符 2">
-            <a:extLst>
-              <a:ext uri="{FF2B5EF4-FFF2-40B4-BE49-F238E27FC236}">
-                <a16:creationId xmlns:a16="http://schemas.microsoft.com/office/drawing/2014/main" id="{511104A9-7D96-498B-ACBB-36B29CAA408C}"/>
-              </a:ext>
-            </a:extLst>
-          </p:cNvPr>
+          <p:cNvPr id="3" name="Vertical Text Placeholder 2"/>
           <p:cNvSpPr>
             <a:spLocks noGrp="1"/>
           </p:cNvSpPr>
@@ -615,8 +3168,8 @@
         </p:nvSpPr>
         <p:spPr>
           <a:xfrm>
-            <a:off x="838200" y="365125"/>
-            <a:ext cx="7734300" cy="5811838"/>
+            <a:off x="652463" y="887414"/>
+            <a:ext cx="7423149" cy="5368924"/>
           </a:xfrm>
         </p:spPr>
         <p:txBody>
@@ -656,18 +3209,13 @@
               <a:rPr lang="zh-CN" altLang="en-US"/>
               <a:t>五级</a:t>
             </a:r>
+            <a:endParaRPr lang="en-US" dirty="0"/>
           </a:p>
         </p:txBody>
       </p:sp>
       <p:sp>
         <p:nvSpPr>
-          <p:cNvPr id="4" name="日期占位符 3">
-            <a:extLst>
-              <a:ext uri="{FF2B5EF4-FFF2-40B4-BE49-F238E27FC236}">
-                <a16:creationId xmlns:a16="http://schemas.microsoft.com/office/drawing/2014/main" id="{4C89977E-A14F-4E79-8DA3-426259EB4B18}"/>
-              </a:ext>
-            </a:extLst>
-          </p:cNvPr>
+          <p:cNvPr id="4" name="Date Placeholder 3"/>
           <p:cNvSpPr>
             <a:spLocks noGrp="1"/>
           </p:cNvSpPr>
@@ -690,13 +3238,7 @@
       </p:sp>
       <p:sp>
         <p:nvSpPr>
-          <p:cNvPr id="5" name="页脚占位符 4">
-            <a:extLst>
-              <a:ext uri="{FF2B5EF4-FFF2-40B4-BE49-F238E27FC236}">
-                <a16:creationId xmlns:a16="http://schemas.microsoft.com/office/drawing/2014/main" id="{EC4899D8-FB64-4BBD-B0A7-7D50F5F36396}"/>
-              </a:ext>
-            </a:extLst>
-          </p:cNvPr>
+          <p:cNvPr id="5" name="Footer Placeholder 4"/>
           <p:cNvSpPr>
             <a:spLocks noGrp="1"/>
           </p:cNvSpPr>
@@ -715,13 +3257,7 @@
       </p:sp>
       <p:sp>
         <p:nvSpPr>
-          <p:cNvPr id="6" name="灯片编号占位符 5">
-            <a:extLst>
-              <a:ext uri="{FF2B5EF4-FFF2-40B4-BE49-F238E27FC236}">
-                <a16:creationId xmlns:a16="http://schemas.microsoft.com/office/drawing/2014/main" id="{17EF33C7-A333-480C-BDB6-E781A00F71B0}"/>
-              </a:ext>
-            </a:extLst>
-          </p:cNvPr>
+          <p:cNvPr id="6" name="Slide Number Placeholder 5"/>
           <p:cNvSpPr>
             <a:spLocks noGrp="1"/>
           </p:cNvSpPr>
@@ -745,7 +3281,7 @@
     </p:spTree>
     <p:extLst>
       <p:ext uri="{BB962C8B-B14F-4D97-AF65-F5344CB8AC3E}">
-        <p14:creationId xmlns:p14="http://schemas.microsoft.com/office/powerpoint/2010/main" val="2159400733"/>
+        <p14:creationId xmlns:p14="http://schemas.microsoft.com/office/powerpoint/2010/main" val="2265861470"/>
       </p:ext>
     </p:extLst>
   </p:cSld>
@@ -774,13 +3310,7 @@
       </p:grpSpPr>
       <p:sp>
         <p:nvSpPr>
-          <p:cNvPr id="2" name="标题 1">
-            <a:extLst>
-              <a:ext uri="{FF2B5EF4-FFF2-40B4-BE49-F238E27FC236}">
-                <a16:creationId xmlns:a16="http://schemas.microsoft.com/office/drawing/2014/main" id="{057672A0-7241-471D-BAA9-7DDF73642ECE}"/>
-              </a:ext>
-            </a:extLst>
-          </p:cNvPr>
+          <p:cNvPr id="2" name="Title 1"/>
           <p:cNvSpPr>
             <a:spLocks noGrp="1"/>
           </p:cNvSpPr>
@@ -797,18 +3327,13 @@
               <a:rPr lang="zh-CN" altLang="en-US"/>
               <a:t>单击此处编辑母版标题样式</a:t>
             </a:r>
+            <a:endParaRPr lang="en-US" dirty="0"/>
           </a:p>
         </p:txBody>
       </p:sp>
       <p:sp>
         <p:nvSpPr>
-          <p:cNvPr id="3" name="内容占位符 2">
-            <a:extLst>
-              <a:ext uri="{FF2B5EF4-FFF2-40B4-BE49-F238E27FC236}">
-                <a16:creationId xmlns:a16="http://schemas.microsoft.com/office/drawing/2014/main" id="{45415549-3DB6-4E9F-8D54-F9EA57AEF8DC}"/>
-              </a:ext>
-            </a:extLst>
-          </p:cNvPr>
+          <p:cNvPr id="3" name="Content Placeholder 2"/>
           <p:cNvSpPr>
             <a:spLocks noGrp="1"/>
           </p:cNvSpPr>
@@ -854,18 +3379,13 @@
               <a:rPr lang="zh-CN" altLang="en-US"/>
               <a:t>五级</a:t>
             </a:r>
+            <a:endParaRPr lang="en-US" dirty="0"/>
           </a:p>
         </p:txBody>
       </p:sp>
       <p:sp>
         <p:nvSpPr>
-          <p:cNvPr id="4" name="日期占位符 3">
-            <a:extLst>
-              <a:ext uri="{FF2B5EF4-FFF2-40B4-BE49-F238E27FC236}">
-                <a16:creationId xmlns:a16="http://schemas.microsoft.com/office/drawing/2014/main" id="{F2BF44BE-D8FB-43E7-B816-A4A6143DECDD}"/>
-              </a:ext>
-            </a:extLst>
-          </p:cNvPr>
+          <p:cNvPr id="7" name="Date Placeholder 3"/>
           <p:cNvSpPr>
             <a:spLocks noGrp="1"/>
           </p:cNvSpPr>
@@ -888,13 +3408,7 @@
       </p:sp>
       <p:sp>
         <p:nvSpPr>
-          <p:cNvPr id="5" name="页脚占位符 4">
-            <a:extLst>
-              <a:ext uri="{FF2B5EF4-FFF2-40B4-BE49-F238E27FC236}">
-                <a16:creationId xmlns:a16="http://schemas.microsoft.com/office/drawing/2014/main" id="{3B9BB207-AA8A-40DC-B1E2-9083F7F7917D}"/>
-              </a:ext>
-            </a:extLst>
-          </p:cNvPr>
+          <p:cNvPr id="5" name="Footer Placeholder 4"/>
           <p:cNvSpPr>
             <a:spLocks noGrp="1"/>
           </p:cNvSpPr>
@@ -913,13 +3427,7 @@
       </p:sp>
       <p:sp>
         <p:nvSpPr>
-          <p:cNvPr id="6" name="灯片编号占位符 5">
-            <a:extLst>
-              <a:ext uri="{FF2B5EF4-FFF2-40B4-BE49-F238E27FC236}">
-                <a16:creationId xmlns:a16="http://schemas.microsoft.com/office/drawing/2014/main" id="{F5EBF9B8-8B75-4739-9BE8-8727C5EA0320}"/>
-              </a:ext>
-            </a:extLst>
-          </p:cNvPr>
+          <p:cNvPr id="6" name="Slide Number Placeholder 5"/>
           <p:cNvSpPr>
             <a:spLocks noGrp="1"/>
           </p:cNvSpPr>
@@ -943,7 +3451,7 @@
     </p:spTree>
     <p:extLst>
       <p:ext uri="{BB962C8B-B14F-4D97-AF65-F5344CB8AC3E}">
-        <p14:creationId xmlns:p14="http://schemas.microsoft.com/office/powerpoint/2010/main" val="3034151413"/>
+        <p14:creationId xmlns:p14="http://schemas.microsoft.com/office/powerpoint/2010/main" val="2196757295"/>
       </p:ext>
     </p:extLst>
   </p:cSld>
@@ -972,13 +3480,7 @@
       </p:grpSpPr>
       <p:sp>
         <p:nvSpPr>
-          <p:cNvPr id="2" name="标题 1">
-            <a:extLst>
-              <a:ext uri="{FF2B5EF4-FFF2-40B4-BE49-F238E27FC236}">
-                <a16:creationId xmlns:a16="http://schemas.microsoft.com/office/drawing/2014/main" id="{77399574-4A1F-4CCB-A2B2-2A71E8C15A00}"/>
-              </a:ext>
-            </a:extLst>
-          </p:cNvPr>
+          <p:cNvPr id="2" name="Title 1"/>
           <p:cNvSpPr>
             <a:spLocks noGrp="1"/>
           </p:cNvSpPr>
@@ -988,15 +3490,15 @@
         </p:nvSpPr>
         <p:spPr>
           <a:xfrm>
-            <a:off x="831850" y="1709738"/>
-            <a:ext cx="10515600" cy="2852737"/>
+            <a:off x="1154956" y="2861733"/>
+            <a:ext cx="8825657" cy="1915647"/>
           </a:xfrm>
         </p:spPr>
         <p:txBody>
           <a:bodyPr anchor="b"/>
           <a:lstStyle>
-            <a:lvl1pPr>
-              <a:defRPr sz="6000"/>
+            <a:lvl1pPr algn="l">
+              <a:defRPr sz="4000" b="0" cap="none"/>
             </a:lvl1pPr>
           </a:lstStyle>
           <a:p>
@@ -1004,18 +3506,13 @@
               <a:rPr lang="zh-CN" altLang="en-US"/>
               <a:t>单击此处编辑母版标题样式</a:t>
             </a:r>
+            <a:endParaRPr lang="en-US" dirty="0"/>
           </a:p>
         </p:txBody>
       </p:sp>
       <p:sp>
         <p:nvSpPr>
-          <p:cNvPr id="3" name="文本占位符 2">
-            <a:extLst>
-              <a:ext uri="{FF2B5EF4-FFF2-40B4-BE49-F238E27FC236}">
-                <a16:creationId xmlns:a16="http://schemas.microsoft.com/office/drawing/2014/main" id="{FA45ED41-C1D8-4912-9538-228954FC68E2}"/>
-              </a:ext>
-            </a:extLst>
-          </p:cNvPr>
+          <p:cNvPr id="3" name="Text Placeholder 2"/>
           <p:cNvSpPr>
             <a:spLocks noGrp="1"/>
           </p:cNvSpPr>
@@ -1025,26 +3522,27 @@
         </p:nvSpPr>
         <p:spPr>
           <a:xfrm>
-            <a:off x="831850" y="4589463"/>
-            <a:ext cx="10515600" cy="1500187"/>
+            <a:off x="1154955" y="4777381"/>
+            <a:ext cx="8825658" cy="860400"/>
           </a:xfrm>
         </p:spPr>
         <p:txBody>
-          <a:bodyPr/>
+          <a:bodyPr anchor="t"/>
           <a:lstStyle>
-            <a:lvl1pPr marL="0" indent="0">
-              <a:buNone/>
-              <a:defRPr sz="2400">
+            <a:lvl1pPr marL="0" indent="0" algn="l">
+              <a:buNone/>
+              <a:defRPr sz="2000" cap="all">
                 <a:solidFill>
-                  <a:schemeClr val="tx1">
-                    <a:tint val="75000"/>
+                  <a:schemeClr val="bg2">
+                    <a:lumMod val="40000"/>
+                    <a:lumOff val="60000"/>
                   </a:schemeClr>
                 </a:solidFill>
               </a:defRPr>
             </a:lvl1pPr>
             <a:lvl2pPr marL="457200" indent="0">
               <a:buNone/>
-              <a:defRPr sz="2000">
+              <a:defRPr sz="1800">
                 <a:solidFill>
                   <a:schemeClr val="tx1">
                     <a:tint val="75000"/>
@@ -1054,7 +3552,7 @@
             </a:lvl2pPr>
             <a:lvl3pPr marL="914400" indent="0">
               <a:buNone/>
-              <a:defRPr sz="1800">
+              <a:defRPr sz="1600">
                 <a:solidFill>
                   <a:schemeClr val="tx1">
                     <a:tint val="75000"/>
@@ -1064,7 +3562,7 @@
             </a:lvl3pPr>
             <a:lvl4pPr marL="1371600" indent="0">
               <a:buNone/>
-              <a:defRPr sz="1600">
+              <a:defRPr sz="1400">
                 <a:solidFill>
                   <a:schemeClr val="tx1">
                     <a:tint val="75000"/>
@@ -1074,7 +3572,7 @@
             </a:lvl4pPr>
             <a:lvl5pPr marL="1828800" indent="0">
               <a:buNone/>
-              <a:defRPr sz="1600">
+              <a:defRPr sz="1400">
                 <a:solidFill>
                   <a:schemeClr val="tx1">
                     <a:tint val="75000"/>
@@ -1084,7 +3582,7 @@
             </a:lvl5pPr>
             <a:lvl6pPr marL="2286000" indent="0">
               <a:buNone/>
-              <a:defRPr sz="1600">
+              <a:defRPr sz="1400">
                 <a:solidFill>
                   <a:schemeClr val="tx1">
                     <a:tint val="75000"/>
@@ -1094,7 +3592,7 @@
             </a:lvl6pPr>
             <a:lvl7pPr marL="2743200" indent="0">
               <a:buNone/>
-              <a:defRPr sz="1600">
+              <a:defRPr sz="1400">
                 <a:solidFill>
                   <a:schemeClr val="tx1">
                     <a:tint val="75000"/>
@@ -1104,7 +3602,7 @@
             </a:lvl7pPr>
             <a:lvl8pPr marL="3200400" indent="0">
               <a:buNone/>
-              <a:defRPr sz="1600">
+              <a:defRPr sz="1400">
                 <a:solidFill>
                   <a:schemeClr val="tx1">
                     <a:tint val="75000"/>
@@ -1114,7 +3612,7 @@
             </a:lvl8pPr>
             <a:lvl9pPr marL="3657600" indent="0">
               <a:buNone/>
-              <a:defRPr sz="1600">
+              <a:defRPr sz="1400">
                 <a:solidFill>
                   <a:schemeClr val="tx1">
                     <a:tint val="75000"/>
@@ -1134,13 +3632,7 @@
       </p:sp>
       <p:sp>
         <p:nvSpPr>
-          <p:cNvPr id="4" name="日期占位符 3">
-            <a:extLst>
-              <a:ext uri="{FF2B5EF4-FFF2-40B4-BE49-F238E27FC236}">
-                <a16:creationId xmlns:a16="http://schemas.microsoft.com/office/drawing/2014/main" id="{A6EAC770-B145-49BD-BE2E-0D6E84179127}"/>
-              </a:ext>
-            </a:extLst>
-          </p:cNvPr>
+          <p:cNvPr id="4" name="Date Placeholder 3"/>
           <p:cNvSpPr>
             <a:spLocks noGrp="1"/>
           </p:cNvSpPr>
@@ -1163,13 +3655,7 @@
       </p:sp>
       <p:sp>
         <p:nvSpPr>
-          <p:cNvPr id="5" name="页脚占位符 4">
-            <a:extLst>
-              <a:ext uri="{FF2B5EF4-FFF2-40B4-BE49-F238E27FC236}">
-                <a16:creationId xmlns:a16="http://schemas.microsoft.com/office/drawing/2014/main" id="{243571E5-66D8-4B68-9A19-278ADF1C26F5}"/>
-              </a:ext>
-            </a:extLst>
-          </p:cNvPr>
+          <p:cNvPr id="5" name="Footer Placeholder 4"/>
           <p:cNvSpPr>
             <a:spLocks noGrp="1"/>
           </p:cNvSpPr>
@@ -1188,13 +3674,7 @@
       </p:sp>
       <p:sp>
         <p:nvSpPr>
-          <p:cNvPr id="6" name="灯片编号占位符 5">
-            <a:extLst>
-              <a:ext uri="{FF2B5EF4-FFF2-40B4-BE49-F238E27FC236}">
-                <a16:creationId xmlns:a16="http://schemas.microsoft.com/office/drawing/2014/main" id="{66DF8622-CAE5-46A2-83B2-4CFF8E741A5C}"/>
-              </a:ext>
-            </a:extLst>
-          </p:cNvPr>
+          <p:cNvPr id="6" name="Slide Number Placeholder 5"/>
           <p:cNvSpPr>
             <a:spLocks noGrp="1"/>
           </p:cNvSpPr>
@@ -1218,7 +3698,7 @@
     </p:spTree>
     <p:extLst>
       <p:ext uri="{BB962C8B-B14F-4D97-AF65-F5344CB8AC3E}">
-        <p14:creationId xmlns:p14="http://schemas.microsoft.com/office/powerpoint/2010/main" val="2199619395"/>
+        <p14:creationId xmlns:p14="http://schemas.microsoft.com/office/powerpoint/2010/main" val="1443903170"/>
       </p:ext>
     </p:extLst>
   </p:cSld>
@@ -1247,13 +3727,7 @@
       </p:grpSpPr>
       <p:sp>
         <p:nvSpPr>
-          <p:cNvPr id="2" name="标题 1">
-            <a:extLst>
-              <a:ext uri="{FF2B5EF4-FFF2-40B4-BE49-F238E27FC236}">
-                <a16:creationId xmlns:a16="http://schemas.microsoft.com/office/drawing/2014/main" id="{29B0EA47-357A-479D-B97F-06A84AA25ED8}"/>
-              </a:ext>
-            </a:extLst>
-          </p:cNvPr>
+          <p:cNvPr id="2" name="Title 1"/>
           <p:cNvSpPr>
             <a:spLocks noGrp="1"/>
           </p:cNvSpPr>
@@ -1270,18 +3744,13 @@
               <a:rPr lang="zh-CN" altLang="en-US"/>
               <a:t>单击此处编辑母版标题样式</a:t>
             </a:r>
+            <a:endParaRPr lang="en-US" dirty="0"/>
           </a:p>
         </p:txBody>
       </p:sp>
       <p:sp>
         <p:nvSpPr>
-          <p:cNvPr id="3" name="内容占位符 2">
-            <a:extLst>
-              <a:ext uri="{FF2B5EF4-FFF2-40B4-BE49-F238E27FC236}">
-                <a16:creationId xmlns:a16="http://schemas.microsoft.com/office/drawing/2014/main" id="{37FDCAB6-CAA1-42EF-ACE7-C6596061415C}"/>
-              </a:ext>
-            </a:extLst>
-          </p:cNvPr>
+          <p:cNvPr id="3" name="Content Placeholder 2"/>
           <p:cNvSpPr>
             <a:spLocks noGrp="1"/>
           </p:cNvSpPr>
@@ -1291,13 +3760,43 @@
         </p:nvSpPr>
         <p:spPr>
           <a:xfrm>
-            <a:off x="838200" y="1825625"/>
-            <a:ext cx="5181600" cy="4351338"/>
+            <a:off x="1103312" y="2060575"/>
+            <a:ext cx="4396339" cy="4195763"/>
           </a:xfrm>
         </p:spPr>
         <p:txBody>
-          <a:bodyPr/>
-          <a:lstStyle/>
+          <a:bodyPr>
+            <a:normAutofit/>
+          </a:bodyPr>
+          <a:lstStyle>
+            <a:lvl1pPr>
+              <a:defRPr sz="1800"/>
+            </a:lvl1pPr>
+            <a:lvl2pPr>
+              <a:defRPr sz="1600"/>
+            </a:lvl2pPr>
+            <a:lvl3pPr>
+              <a:defRPr sz="1400"/>
+            </a:lvl3pPr>
+            <a:lvl4pPr>
+              <a:defRPr sz="1200"/>
+            </a:lvl4pPr>
+            <a:lvl5pPr>
+              <a:defRPr sz="1200"/>
+            </a:lvl5pPr>
+            <a:lvl6pPr>
+              <a:defRPr sz="1200"/>
+            </a:lvl6pPr>
+            <a:lvl7pPr>
+              <a:defRPr sz="1200"/>
+            </a:lvl7pPr>
+            <a:lvl8pPr>
+              <a:defRPr sz="1200"/>
+            </a:lvl8pPr>
+            <a:lvl9pPr>
+              <a:defRPr sz="1200"/>
+            </a:lvl9pPr>
+          </a:lstStyle>
           <a:p>
             <a:pPr lvl="0"/>
             <a:r>
@@ -1332,18 +3831,13 @@
               <a:rPr lang="zh-CN" altLang="en-US"/>
               <a:t>五级</a:t>
             </a:r>
+            <a:endParaRPr lang="en-US" dirty="0"/>
           </a:p>
         </p:txBody>
       </p:sp>
       <p:sp>
         <p:nvSpPr>
-          <p:cNvPr id="4" name="内容占位符 3">
-            <a:extLst>
-              <a:ext uri="{FF2B5EF4-FFF2-40B4-BE49-F238E27FC236}">
-                <a16:creationId xmlns:a16="http://schemas.microsoft.com/office/drawing/2014/main" id="{F6CC1DAD-0782-44B8-A724-A77000ED038C}"/>
-              </a:ext>
-            </a:extLst>
-          </p:cNvPr>
+          <p:cNvPr id="4" name="Content Placeholder 3"/>
           <p:cNvSpPr>
             <a:spLocks noGrp="1"/>
           </p:cNvSpPr>
@@ -1353,13 +3847,43 @@
         </p:nvSpPr>
         <p:spPr>
           <a:xfrm>
-            <a:off x="6172200" y="1825625"/>
-            <a:ext cx="5181600" cy="4351338"/>
+            <a:off x="5654493" y="2056092"/>
+            <a:ext cx="4396341" cy="4200245"/>
           </a:xfrm>
         </p:spPr>
         <p:txBody>
-          <a:bodyPr/>
-          <a:lstStyle/>
+          <a:bodyPr>
+            <a:normAutofit/>
+          </a:bodyPr>
+          <a:lstStyle>
+            <a:lvl1pPr>
+              <a:defRPr sz="1800"/>
+            </a:lvl1pPr>
+            <a:lvl2pPr>
+              <a:defRPr sz="1600"/>
+            </a:lvl2pPr>
+            <a:lvl3pPr>
+              <a:defRPr sz="1400"/>
+            </a:lvl3pPr>
+            <a:lvl4pPr>
+              <a:defRPr sz="1200"/>
+            </a:lvl4pPr>
+            <a:lvl5pPr>
+              <a:defRPr sz="1200"/>
+            </a:lvl5pPr>
+            <a:lvl6pPr>
+              <a:defRPr sz="1200"/>
+            </a:lvl6pPr>
+            <a:lvl7pPr>
+              <a:defRPr sz="1200"/>
+            </a:lvl7pPr>
+            <a:lvl8pPr>
+              <a:defRPr sz="1200"/>
+            </a:lvl8pPr>
+            <a:lvl9pPr>
+              <a:defRPr sz="1200"/>
+            </a:lvl9pPr>
+          </a:lstStyle>
           <a:p>
             <a:pPr lvl="0"/>
             <a:r>
@@ -1394,18 +3918,13 @@
               <a:rPr lang="zh-CN" altLang="en-US"/>
               <a:t>五级</a:t>
             </a:r>
+            <a:endParaRPr lang="en-US" dirty="0"/>
           </a:p>
         </p:txBody>
       </p:sp>
       <p:sp>
         <p:nvSpPr>
-          <p:cNvPr id="5" name="日期占位符 4">
-            <a:extLst>
-              <a:ext uri="{FF2B5EF4-FFF2-40B4-BE49-F238E27FC236}">
-                <a16:creationId xmlns:a16="http://schemas.microsoft.com/office/drawing/2014/main" id="{8070BDC9-D5F2-4E0C-AC2D-FF4547CCD6D3}"/>
-              </a:ext>
-            </a:extLst>
-          </p:cNvPr>
+          <p:cNvPr id="5" name="Date Placeholder 4"/>
           <p:cNvSpPr>
             <a:spLocks noGrp="1"/>
           </p:cNvSpPr>
@@ -1428,13 +3947,7 @@
       </p:sp>
       <p:sp>
         <p:nvSpPr>
-          <p:cNvPr id="6" name="页脚占位符 5">
-            <a:extLst>
-              <a:ext uri="{FF2B5EF4-FFF2-40B4-BE49-F238E27FC236}">
-                <a16:creationId xmlns:a16="http://schemas.microsoft.com/office/drawing/2014/main" id="{59D8F8BC-CE08-43BF-A925-C9E6BB90E383}"/>
-              </a:ext>
-            </a:extLst>
-          </p:cNvPr>
+          <p:cNvPr id="6" name="Footer Placeholder 5"/>
           <p:cNvSpPr>
             <a:spLocks noGrp="1"/>
           </p:cNvSpPr>
@@ -1453,13 +3966,7 @@
       </p:sp>
       <p:sp>
         <p:nvSpPr>
-          <p:cNvPr id="7" name="灯片编号占位符 6">
-            <a:extLst>
-              <a:ext uri="{FF2B5EF4-FFF2-40B4-BE49-F238E27FC236}">
-                <a16:creationId xmlns:a16="http://schemas.microsoft.com/office/drawing/2014/main" id="{DCFA8227-6218-4D21-BA8E-7DA4F524B0D2}"/>
-              </a:ext>
-            </a:extLst>
-          </p:cNvPr>
+          <p:cNvPr id="7" name="Slide Number Placeholder 6"/>
           <p:cNvSpPr>
             <a:spLocks noGrp="1"/>
           </p:cNvSpPr>
@@ -1483,7 +3990,7 @@
     </p:spTree>
     <p:extLst>
       <p:ext uri="{BB962C8B-B14F-4D97-AF65-F5344CB8AC3E}">
-        <p14:creationId xmlns:p14="http://schemas.microsoft.com/office/powerpoint/2010/main" val="1242009446"/>
+        <p14:creationId xmlns:p14="http://schemas.microsoft.com/office/powerpoint/2010/main" val="3395032587"/>
       </p:ext>
     </p:extLst>
   </p:cSld>
@@ -1512,13 +4019,7 @@
       </p:grpSpPr>
       <p:sp>
         <p:nvSpPr>
-          <p:cNvPr id="2" name="标题 1">
-            <a:extLst>
-              <a:ext uri="{FF2B5EF4-FFF2-40B4-BE49-F238E27FC236}">
-                <a16:creationId xmlns:a16="http://schemas.microsoft.com/office/drawing/2014/main" id="{862E1E03-53A0-4716-8506-7C945D18C2E9}"/>
-              </a:ext>
-            </a:extLst>
-          </p:cNvPr>
+          <p:cNvPr id="2" name="Title 1"/>
           <p:cNvSpPr>
             <a:spLocks noGrp="1"/>
           </p:cNvSpPr>
@@ -1526,32 +4027,26 @@
             <p:ph type="title"/>
           </p:nvPr>
         </p:nvSpPr>
-        <p:spPr>
-          <a:xfrm>
-            <a:off x="839788" y="365125"/>
-            <a:ext cx="10515600" cy="1325563"/>
-          </a:xfrm>
-        </p:spPr>
+        <p:spPr/>
         <p:txBody>
           <a:bodyPr/>
-          <a:lstStyle/>
+          <a:lstStyle>
+            <a:lvl1pPr>
+              <a:defRPr/>
+            </a:lvl1pPr>
+          </a:lstStyle>
           <a:p>
             <a:r>
               <a:rPr lang="zh-CN" altLang="en-US"/>
               <a:t>单击此处编辑母版标题样式</a:t>
             </a:r>
+            <a:endParaRPr lang="en-US" dirty="0"/>
           </a:p>
         </p:txBody>
       </p:sp>
       <p:sp>
         <p:nvSpPr>
-          <p:cNvPr id="3" name="文本占位符 2">
-            <a:extLst>
-              <a:ext uri="{FF2B5EF4-FFF2-40B4-BE49-F238E27FC236}">
-                <a16:creationId xmlns:a16="http://schemas.microsoft.com/office/drawing/2014/main" id="{5BF72478-3BD9-431D-9CF1-38EF416435D9}"/>
-              </a:ext>
-            </a:extLst>
-          </p:cNvPr>
+          <p:cNvPr id="3" name="Text Placeholder 2"/>
           <p:cNvSpPr>
             <a:spLocks noGrp="1"/>
           </p:cNvSpPr>
@@ -1561,16 +4056,25 @@
         </p:nvSpPr>
         <p:spPr>
           <a:xfrm>
-            <a:off x="839788" y="1681163"/>
-            <a:ext cx="5157787" cy="823912"/>
+            <a:off x="1103313" y="1905000"/>
+            <a:ext cx="4396338" cy="576262"/>
           </a:xfrm>
         </p:spPr>
         <p:txBody>
-          <a:bodyPr anchor="b"/>
+          <a:bodyPr anchor="b">
+            <a:noAutofit/>
+          </a:bodyPr>
           <a:lstStyle>
             <a:lvl1pPr marL="0" indent="0">
               <a:buNone/>
-              <a:defRPr sz="2400" b="1"/>
+              <a:defRPr sz="2400" b="0">
+                <a:solidFill>
+                  <a:schemeClr val="bg2">
+                    <a:lumMod val="40000"/>
+                    <a:lumOff val="60000"/>
+                  </a:schemeClr>
+                </a:solidFill>
+              </a:defRPr>
             </a:lvl1pPr>
             <a:lvl2pPr marL="457200" indent="0">
               <a:buNone/>
@@ -1616,13 +4120,7 @@
       </p:sp>
       <p:sp>
         <p:nvSpPr>
-          <p:cNvPr id="4" name="内容占位符 3">
-            <a:extLst>
-              <a:ext uri="{FF2B5EF4-FFF2-40B4-BE49-F238E27FC236}">
-                <a16:creationId xmlns:a16="http://schemas.microsoft.com/office/drawing/2014/main" id="{6AF7E1ED-BBF4-4E5E-94F2-4B69582DF079}"/>
-              </a:ext>
-            </a:extLst>
-          </p:cNvPr>
+          <p:cNvPr id="4" name="Content Placeholder 3"/>
           <p:cNvSpPr>
             <a:spLocks noGrp="1"/>
           </p:cNvSpPr>
@@ -1632,13 +4130,43 @@
         </p:nvSpPr>
         <p:spPr>
           <a:xfrm>
-            <a:off x="839788" y="2505075"/>
-            <a:ext cx="5157787" cy="3684588"/>
+            <a:off x="1103312" y="2514600"/>
+            <a:ext cx="4396339" cy="3741738"/>
           </a:xfrm>
         </p:spPr>
         <p:txBody>
-          <a:bodyPr/>
-          <a:lstStyle/>
+          <a:bodyPr>
+            <a:normAutofit/>
+          </a:bodyPr>
+          <a:lstStyle>
+            <a:lvl1pPr>
+              <a:defRPr sz="1800"/>
+            </a:lvl1pPr>
+            <a:lvl2pPr>
+              <a:defRPr sz="1600"/>
+            </a:lvl2pPr>
+            <a:lvl3pPr>
+              <a:defRPr sz="1400"/>
+            </a:lvl3pPr>
+            <a:lvl4pPr>
+              <a:defRPr sz="1200"/>
+            </a:lvl4pPr>
+            <a:lvl5pPr>
+              <a:defRPr sz="1200"/>
+            </a:lvl5pPr>
+            <a:lvl6pPr>
+              <a:defRPr sz="1200"/>
+            </a:lvl6pPr>
+            <a:lvl7pPr>
+              <a:defRPr sz="1200"/>
+            </a:lvl7pPr>
+            <a:lvl8pPr>
+              <a:defRPr sz="1200"/>
+            </a:lvl8pPr>
+            <a:lvl9pPr>
+              <a:defRPr sz="1200"/>
+            </a:lvl9pPr>
+          </a:lstStyle>
           <a:p>
             <a:pPr lvl="0"/>
             <a:r>
@@ -1673,18 +4201,13 @@
               <a:rPr lang="zh-CN" altLang="en-US"/>
               <a:t>五级</a:t>
             </a:r>
+            <a:endParaRPr lang="en-US" dirty="0"/>
           </a:p>
         </p:txBody>
       </p:sp>
       <p:sp>
         <p:nvSpPr>
-          <p:cNvPr id="5" name="文本占位符 4">
-            <a:extLst>
-              <a:ext uri="{FF2B5EF4-FFF2-40B4-BE49-F238E27FC236}">
-                <a16:creationId xmlns:a16="http://schemas.microsoft.com/office/drawing/2014/main" id="{38E21F93-F09D-4943-B473-6F0FCF4FF40C}"/>
-              </a:ext>
-            </a:extLst>
-          </p:cNvPr>
+          <p:cNvPr id="5" name="Text Placeholder 4"/>
           <p:cNvSpPr>
             <a:spLocks noGrp="1"/>
           </p:cNvSpPr>
@@ -1694,16 +4217,25 @@
         </p:nvSpPr>
         <p:spPr>
           <a:xfrm>
-            <a:off x="6172200" y="1681163"/>
-            <a:ext cx="5183188" cy="823912"/>
+            <a:off x="5654495" y="1905000"/>
+            <a:ext cx="4396339" cy="576262"/>
           </a:xfrm>
         </p:spPr>
         <p:txBody>
-          <a:bodyPr anchor="b"/>
+          <a:bodyPr anchor="b">
+            <a:noAutofit/>
+          </a:bodyPr>
           <a:lstStyle>
             <a:lvl1pPr marL="0" indent="0">
               <a:buNone/>
-              <a:defRPr sz="2400" b="1"/>
+              <a:defRPr sz="2400" b="0">
+                <a:solidFill>
+                  <a:schemeClr val="bg2">
+                    <a:lumMod val="40000"/>
+                    <a:lumOff val="60000"/>
+                  </a:schemeClr>
+                </a:solidFill>
+              </a:defRPr>
             </a:lvl1pPr>
             <a:lvl2pPr marL="457200" indent="0">
               <a:buNone/>
@@ -1749,13 +4281,7 @@
       </p:sp>
       <p:sp>
         <p:nvSpPr>
-          <p:cNvPr id="6" name="内容占位符 5">
-            <a:extLst>
-              <a:ext uri="{FF2B5EF4-FFF2-40B4-BE49-F238E27FC236}">
-                <a16:creationId xmlns:a16="http://schemas.microsoft.com/office/drawing/2014/main" id="{1EF5F028-BFCE-4F09-B6EC-24794092CBFA}"/>
-              </a:ext>
-            </a:extLst>
-          </p:cNvPr>
+          <p:cNvPr id="6" name="Content Placeholder 5"/>
           <p:cNvSpPr>
             <a:spLocks noGrp="1"/>
           </p:cNvSpPr>
@@ -1765,13 +4291,43 @@
         </p:nvSpPr>
         <p:spPr>
           <a:xfrm>
-            <a:off x="6172200" y="2505075"/>
-            <a:ext cx="5183188" cy="3684588"/>
+            <a:off x="5654495" y="2514600"/>
+            <a:ext cx="4396339" cy="3741738"/>
           </a:xfrm>
         </p:spPr>
         <p:txBody>
-          <a:bodyPr/>
-          <a:lstStyle/>
+          <a:bodyPr>
+            <a:normAutofit/>
+          </a:bodyPr>
+          <a:lstStyle>
+            <a:lvl1pPr>
+              <a:defRPr sz="1800"/>
+            </a:lvl1pPr>
+            <a:lvl2pPr>
+              <a:defRPr sz="1600"/>
+            </a:lvl2pPr>
+            <a:lvl3pPr>
+              <a:defRPr sz="1400"/>
+            </a:lvl3pPr>
+            <a:lvl4pPr>
+              <a:defRPr sz="1200"/>
+            </a:lvl4pPr>
+            <a:lvl5pPr>
+              <a:defRPr sz="1200"/>
+            </a:lvl5pPr>
+            <a:lvl6pPr>
+              <a:defRPr sz="1200"/>
+            </a:lvl6pPr>
+            <a:lvl7pPr>
+              <a:defRPr sz="1200"/>
+            </a:lvl7pPr>
+            <a:lvl8pPr>
+              <a:defRPr sz="1200"/>
+            </a:lvl8pPr>
+            <a:lvl9pPr>
+              <a:defRPr sz="1200"/>
+            </a:lvl9pPr>
+          </a:lstStyle>
           <a:p>
             <a:pPr lvl="0"/>
             <a:r>
@@ -1806,18 +4362,13 @@
               <a:rPr lang="zh-CN" altLang="en-US"/>
               <a:t>五级</a:t>
             </a:r>
+            <a:endParaRPr lang="en-US" dirty="0"/>
           </a:p>
         </p:txBody>
       </p:sp>
       <p:sp>
         <p:nvSpPr>
-          <p:cNvPr id="7" name="日期占位符 6">
-            <a:extLst>
-              <a:ext uri="{FF2B5EF4-FFF2-40B4-BE49-F238E27FC236}">
-                <a16:creationId xmlns:a16="http://schemas.microsoft.com/office/drawing/2014/main" id="{C0B740DD-BA0E-448C-857A-35CC576E673E}"/>
-              </a:ext>
-            </a:extLst>
-          </p:cNvPr>
+          <p:cNvPr id="7" name="Date Placeholder 6"/>
           <p:cNvSpPr>
             <a:spLocks noGrp="1"/>
           </p:cNvSpPr>
@@ -1840,13 +4391,7 @@
       </p:sp>
       <p:sp>
         <p:nvSpPr>
-          <p:cNvPr id="8" name="页脚占位符 7">
-            <a:extLst>
-              <a:ext uri="{FF2B5EF4-FFF2-40B4-BE49-F238E27FC236}">
-                <a16:creationId xmlns:a16="http://schemas.microsoft.com/office/drawing/2014/main" id="{0BD40611-3B6D-40DA-A5F2-AD92B87706F5}"/>
-              </a:ext>
-            </a:extLst>
-          </p:cNvPr>
+          <p:cNvPr id="8" name="Footer Placeholder 7"/>
           <p:cNvSpPr>
             <a:spLocks noGrp="1"/>
           </p:cNvSpPr>
@@ -1865,13 +4410,7 @@
       </p:sp>
       <p:sp>
         <p:nvSpPr>
-          <p:cNvPr id="9" name="灯片编号占位符 8">
-            <a:extLst>
-              <a:ext uri="{FF2B5EF4-FFF2-40B4-BE49-F238E27FC236}">
-                <a16:creationId xmlns:a16="http://schemas.microsoft.com/office/drawing/2014/main" id="{44DF6279-DD47-4497-A88A-A1DC6DE4208E}"/>
-              </a:ext>
-            </a:extLst>
-          </p:cNvPr>
+          <p:cNvPr id="9" name="Slide Number Placeholder 8"/>
           <p:cNvSpPr>
             <a:spLocks noGrp="1"/>
           </p:cNvSpPr>
@@ -1895,7 +4434,7 @@
     </p:spTree>
     <p:extLst>
       <p:ext uri="{BB962C8B-B14F-4D97-AF65-F5344CB8AC3E}">
-        <p14:creationId xmlns:p14="http://schemas.microsoft.com/office/powerpoint/2010/main" val="3797284393"/>
+        <p14:creationId xmlns:p14="http://schemas.microsoft.com/office/powerpoint/2010/main" val="3421651994"/>
       </p:ext>
     </p:extLst>
   </p:cSld>
@@ -1924,13 +4463,7 @@
       </p:grpSpPr>
       <p:sp>
         <p:nvSpPr>
-          <p:cNvPr id="2" name="标题 1">
-            <a:extLst>
-              <a:ext uri="{FF2B5EF4-FFF2-40B4-BE49-F238E27FC236}">
-                <a16:creationId xmlns:a16="http://schemas.microsoft.com/office/drawing/2014/main" id="{7223CCB1-EAA6-4DAD-B19A-EAED3EA96616}"/>
-              </a:ext>
-            </a:extLst>
-          </p:cNvPr>
+          <p:cNvPr id="2" name="Title 1"/>
           <p:cNvSpPr>
             <a:spLocks noGrp="1"/>
           </p:cNvSpPr>
@@ -1947,18 +4480,13 @@
               <a:rPr lang="zh-CN" altLang="en-US"/>
               <a:t>单击此处编辑母版标题样式</a:t>
             </a:r>
+            <a:endParaRPr lang="en-US" dirty="0"/>
           </a:p>
         </p:txBody>
       </p:sp>
       <p:sp>
         <p:nvSpPr>
-          <p:cNvPr id="3" name="日期占位符 2">
-            <a:extLst>
-              <a:ext uri="{FF2B5EF4-FFF2-40B4-BE49-F238E27FC236}">
-                <a16:creationId xmlns:a16="http://schemas.microsoft.com/office/drawing/2014/main" id="{FA89ADC7-2EFC-4758-9223-DDBB2B63C16F}"/>
-              </a:ext>
-            </a:extLst>
-          </p:cNvPr>
+          <p:cNvPr id="7" name="Date Placeholder 2"/>
           <p:cNvSpPr>
             <a:spLocks noGrp="1"/>
           </p:cNvSpPr>
@@ -1981,13 +4509,7 @@
       </p:sp>
       <p:sp>
         <p:nvSpPr>
-          <p:cNvPr id="4" name="页脚占位符 3">
-            <a:extLst>
-              <a:ext uri="{FF2B5EF4-FFF2-40B4-BE49-F238E27FC236}">
-                <a16:creationId xmlns:a16="http://schemas.microsoft.com/office/drawing/2014/main" id="{6EAC0DBF-8688-4EB2-B44F-D842FAAA5EB6}"/>
-              </a:ext>
-            </a:extLst>
-          </p:cNvPr>
+          <p:cNvPr id="5" name="Footer Placeholder 3"/>
           <p:cNvSpPr>
             <a:spLocks noGrp="1"/>
           </p:cNvSpPr>
@@ -2006,13 +4528,7 @@
       </p:sp>
       <p:sp>
         <p:nvSpPr>
-          <p:cNvPr id="5" name="灯片编号占位符 4">
-            <a:extLst>
-              <a:ext uri="{FF2B5EF4-FFF2-40B4-BE49-F238E27FC236}">
-                <a16:creationId xmlns:a16="http://schemas.microsoft.com/office/drawing/2014/main" id="{108EA8A0-7D9D-4421-AE5C-BCAE96F62EA7}"/>
-              </a:ext>
-            </a:extLst>
-          </p:cNvPr>
+          <p:cNvPr id="6" name="Slide Number Placeholder 4"/>
           <p:cNvSpPr>
             <a:spLocks noGrp="1"/>
           </p:cNvSpPr>
@@ -2036,7 +4552,7 @@
     </p:spTree>
     <p:extLst>
       <p:ext uri="{BB962C8B-B14F-4D97-AF65-F5344CB8AC3E}">
-        <p14:creationId xmlns:p14="http://schemas.microsoft.com/office/powerpoint/2010/main" val="1808375737"/>
+        <p14:creationId xmlns:p14="http://schemas.microsoft.com/office/powerpoint/2010/main" val="26353151"/>
       </p:ext>
     </p:extLst>
   </p:cSld>
@@ -2065,13 +4581,7 @@
       </p:grpSpPr>
       <p:sp>
         <p:nvSpPr>
-          <p:cNvPr id="2" name="日期占位符 1">
-            <a:extLst>
-              <a:ext uri="{FF2B5EF4-FFF2-40B4-BE49-F238E27FC236}">
-                <a16:creationId xmlns:a16="http://schemas.microsoft.com/office/drawing/2014/main" id="{EDBD195B-54C3-4ABB-9703-78D1F993E4BC}"/>
-              </a:ext>
-            </a:extLst>
-          </p:cNvPr>
+          <p:cNvPr id="7" name="Date Placeholder 1"/>
           <p:cNvSpPr>
             <a:spLocks noGrp="1"/>
           </p:cNvSpPr>
@@ -2094,13 +4604,7 @@
       </p:sp>
       <p:sp>
         <p:nvSpPr>
-          <p:cNvPr id="3" name="页脚占位符 2">
-            <a:extLst>
-              <a:ext uri="{FF2B5EF4-FFF2-40B4-BE49-F238E27FC236}">
-                <a16:creationId xmlns:a16="http://schemas.microsoft.com/office/drawing/2014/main" id="{16031DF4-7AE2-46FD-B0F2-F685314922A4}"/>
-              </a:ext>
-            </a:extLst>
-          </p:cNvPr>
+          <p:cNvPr id="5" name="Footer Placeholder 2"/>
           <p:cNvSpPr>
             <a:spLocks noGrp="1"/>
           </p:cNvSpPr>
@@ -2119,13 +4623,7 @@
       </p:sp>
       <p:sp>
         <p:nvSpPr>
-          <p:cNvPr id="4" name="灯片编号占位符 3">
-            <a:extLst>
-              <a:ext uri="{FF2B5EF4-FFF2-40B4-BE49-F238E27FC236}">
-                <a16:creationId xmlns:a16="http://schemas.microsoft.com/office/drawing/2014/main" id="{186DD8EE-F48C-4506-834F-11ECAA2A5079}"/>
-              </a:ext>
-            </a:extLst>
-          </p:cNvPr>
+          <p:cNvPr id="6" name="Slide Number Placeholder 3"/>
           <p:cNvSpPr>
             <a:spLocks noGrp="1"/>
           </p:cNvSpPr>
@@ -2149,7 +4647,7 @@
     </p:spTree>
     <p:extLst>
       <p:ext uri="{BB962C8B-B14F-4D97-AF65-F5344CB8AC3E}">
-        <p14:creationId xmlns:p14="http://schemas.microsoft.com/office/powerpoint/2010/main" val="3408176831"/>
+        <p14:creationId xmlns:p14="http://schemas.microsoft.com/office/powerpoint/2010/main" val="1755267322"/>
       </p:ext>
     </p:extLst>
   </p:cSld>
@@ -2178,13 +4676,7 @@
       </p:grpSpPr>
       <p:sp>
         <p:nvSpPr>
-          <p:cNvPr id="2" name="标题 1">
-            <a:extLst>
-              <a:ext uri="{FF2B5EF4-FFF2-40B4-BE49-F238E27FC236}">
-                <a16:creationId xmlns:a16="http://schemas.microsoft.com/office/drawing/2014/main" id="{3FB9C77A-073B-461C-935A-8A19771C96E4}"/>
-              </a:ext>
-            </a:extLst>
-          </p:cNvPr>
+          <p:cNvPr id="2" name="Title 1"/>
           <p:cNvSpPr>
             <a:spLocks noGrp="1"/>
           </p:cNvSpPr>
@@ -2194,15 +4686,15 @@
         </p:nvSpPr>
         <p:spPr>
           <a:xfrm>
-            <a:off x="839788" y="457200"/>
-            <a:ext cx="3932237" cy="1600200"/>
+            <a:off x="1154953" y="1447800"/>
+            <a:ext cx="3401064" cy="1447800"/>
           </a:xfrm>
         </p:spPr>
         <p:txBody>
           <a:bodyPr anchor="b"/>
           <a:lstStyle>
-            <a:lvl1pPr>
-              <a:defRPr sz="3200"/>
+            <a:lvl1pPr algn="l">
+              <a:defRPr sz="2400" b="0"/>
             </a:lvl1pPr>
           </a:lstStyle>
           <a:p>
@@ -2210,18 +4702,13 @@
               <a:rPr lang="zh-CN" altLang="en-US"/>
               <a:t>单击此处编辑母版标题样式</a:t>
             </a:r>
+            <a:endParaRPr lang="en-US" dirty="0"/>
           </a:p>
         </p:txBody>
       </p:sp>
       <p:sp>
         <p:nvSpPr>
-          <p:cNvPr id="3" name="内容占位符 2">
-            <a:extLst>
-              <a:ext uri="{FF2B5EF4-FFF2-40B4-BE49-F238E27FC236}">
-                <a16:creationId xmlns:a16="http://schemas.microsoft.com/office/drawing/2014/main" id="{997B9A5E-5996-4D72-960C-52D0A582A135}"/>
-              </a:ext>
-            </a:extLst>
-          </p:cNvPr>
+          <p:cNvPr id="3" name="Content Placeholder 2"/>
           <p:cNvSpPr>
             <a:spLocks noGrp="1"/>
           </p:cNvSpPr>
@@ -2231,39 +4718,41 @@
         </p:nvSpPr>
         <p:spPr>
           <a:xfrm>
-            <a:off x="5183188" y="987425"/>
-            <a:ext cx="6172200" cy="4873625"/>
+            <a:off x="4784616" y="1447800"/>
+            <a:ext cx="5195997" cy="4572000"/>
           </a:xfrm>
         </p:spPr>
         <p:txBody>
-          <a:bodyPr/>
+          <a:bodyPr anchor="ctr">
+            <a:normAutofit/>
+          </a:bodyPr>
           <a:lstStyle>
             <a:lvl1pPr>
-              <a:defRPr sz="3200"/>
+              <a:defRPr sz="2000"/>
             </a:lvl1pPr>
             <a:lvl2pPr>
-              <a:defRPr sz="2800"/>
+              <a:defRPr sz="1800"/>
             </a:lvl2pPr>
             <a:lvl3pPr>
-              <a:defRPr sz="2400"/>
+              <a:defRPr sz="1600"/>
             </a:lvl3pPr>
             <a:lvl4pPr>
-              <a:defRPr sz="2000"/>
+              <a:defRPr sz="1400"/>
             </a:lvl4pPr>
             <a:lvl5pPr>
-              <a:defRPr sz="2000"/>
+              <a:defRPr sz="1400"/>
             </a:lvl5pPr>
             <a:lvl6pPr>
-              <a:defRPr sz="2000"/>
+              <a:defRPr sz="1400"/>
             </a:lvl6pPr>
             <a:lvl7pPr>
-              <a:defRPr sz="2000"/>
+              <a:defRPr sz="1400"/>
             </a:lvl7pPr>
             <a:lvl8pPr>
-              <a:defRPr sz="2000"/>
+              <a:defRPr sz="1400"/>
             </a:lvl8pPr>
             <a:lvl9pPr>
-              <a:defRPr sz="2000"/>
+              <a:defRPr sz="1400"/>
             </a:lvl9pPr>
           </a:lstStyle>
           <a:p>
@@ -2300,18 +4789,13 @@
               <a:rPr lang="zh-CN" altLang="en-US"/>
               <a:t>五级</a:t>
             </a:r>
+            <a:endParaRPr lang="en-US" dirty="0"/>
           </a:p>
         </p:txBody>
       </p:sp>
       <p:sp>
         <p:nvSpPr>
-          <p:cNvPr id="4" name="文本占位符 3">
-            <a:extLst>
-              <a:ext uri="{FF2B5EF4-FFF2-40B4-BE49-F238E27FC236}">
-                <a16:creationId xmlns:a16="http://schemas.microsoft.com/office/drawing/2014/main" id="{76FD5FEE-5B5D-4837-B125-E07054B9496D}"/>
-              </a:ext>
-            </a:extLst>
-          </p:cNvPr>
+          <p:cNvPr id="4" name="Text Placeholder 3"/>
           <p:cNvSpPr>
             <a:spLocks noGrp="1"/>
           </p:cNvSpPr>
@@ -2321,8 +4805,8 @@
         </p:nvSpPr>
         <p:spPr>
           <a:xfrm>
-            <a:off x="839788" y="2057400"/>
-            <a:ext cx="3932237" cy="3811588"/>
+            <a:off x="1154953" y="3129280"/>
+            <a:ext cx="3401063" cy="2895599"/>
           </a:xfrm>
         </p:spPr>
         <p:txBody>
@@ -2330,39 +4814,39 @@
           <a:lstStyle>
             <a:lvl1pPr marL="0" indent="0">
               <a:buNone/>
-              <a:defRPr sz="1600"/>
+              <a:defRPr sz="1400"/>
             </a:lvl1pPr>
             <a:lvl2pPr marL="457200" indent="0">
               <a:buNone/>
-              <a:defRPr sz="1400"/>
+              <a:defRPr sz="1200"/>
             </a:lvl2pPr>
             <a:lvl3pPr marL="914400" indent="0">
               <a:buNone/>
-              <a:defRPr sz="1200"/>
+              <a:defRPr sz="1000"/>
             </a:lvl3pPr>
             <a:lvl4pPr marL="1371600" indent="0">
               <a:buNone/>
-              <a:defRPr sz="1000"/>
+              <a:defRPr sz="900"/>
             </a:lvl4pPr>
             <a:lvl5pPr marL="1828800" indent="0">
               <a:buNone/>
-              <a:defRPr sz="1000"/>
+              <a:defRPr sz="900"/>
             </a:lvl5pPr>
             <a:lvl6pPr marL="2286000" indent="0">
               <a:buNone/>
-              <a:defRPr sz="1000"/>
+              <a:defRPr sz="900"/>
             </a:lvl6pPr>
             <a:lvl7pPr marL="2743200" indent="0">
               <a:buNone/>
-              <a:defRPr sz="1000"/>
+              <a:defRPr sz="900"/>
             </a:lvl7pPr>
             <a:lvl8pPr marL="3200400" indent="0">
               <a:buNone/>
-              <a:defRPr sz="1000"/>
+              <a:defRPr sz="900"/>
             </a:lvl8pPr>
             <a:lvl9pPr marL="3657600" indent="0">
               <a:buNone/>
-              <a:defRPr sz="1000"/>
+              <a:defRPr sz="900"/>
             </a:lvl9pPr>
           </a:lstStyle>
           <a:p>
@@ -2376,13 +4860,7 @@
       </p:sp>
       <p:sp>
         <p:nvSpPr>
-          <p:cNvPr id="5" name="日期占位符 4">
-            <a:extLst>
-              <a:ext uri="{FF2B5EF4-FFF2-40B4-BE49-F238E27FC236}">
-                <a16:creationId xmlns:a16="http://schemas.microsoft.com/office/drawing/2014/main" id="{BE36C05C-DEFC-4218-86F6-891B57185AC9}"/>
-              </a:ext>
-            </a:extLst>
-          </p:cNvPr>
+          <p:cNvPr id="7" name="Date Placeholder 4"/>
           <p:cNvSpPr>
             <a:spLocks noGrp="1"/>
           </p:cNvSpPr>
@@ -2405,13 +4883,7 @@
       </p:sp>
       <p:sp>
         <p:nvSpPr>
-          <p:cNvPr id="6" name="页脚占位符 5">
-            <a:extLst>
-              <a:ext uri="{FF2B5EF4-FFF2-40B4-BE49-F238E27FC236}">
-                <a16:creationId xmlns:a16="http://schemas.microsoft.com/office/drawing/2014/main" id="{5D89C5F3-20A1-485A-988B-55FB0BB8FE01}"/>
-              </a:ext>
-            </a:extLst>
-          </p:cNvPr>
+          <p:cNvPr id="5" name="Footer Placeholder 5"/>
           <p:cNvSpPr>
             <a:spLocks noGrp="1"/>
           </p:cNvSpPr>
@@ -2430,13 +4902,7 @@
       </p:sp>
       <p:sp>
         <p:nvSpPr>
-          <p:cNvPr id="7" name="灯片编号占位符 6">
-            <a:extLst>
-              <a:ext uri="{FF2B5EF4-FFF2-40B4-BE49-F238E27FC236}">
-                <a16:creationId xmlns:a16="http://schemas.microsoft.com/office/drawing/2014/main" id="{09B45E25-03D3-407A-8D77-002C60650A3C}"/>
-              </a:ext>
-            </a:extLst>
-          </p:cNvPr>
+          <p:cNvPr id="6" name="Slide Number Placeholder 6"/>
           <p:cNvSpPr>
             <a:spLocks noGrp="1"/>
           </p:cNvSpPr>
@@ -2460,7 +4926,7 @@
     </p:spTree>
     <p:extLst>
       <p:ext uri="{BB962C8B-B14F-4D97-AF65-F5344CB8AC3E}">
-        <p14:creationId xmlns:p14="http://schemas.microsoft.com/office/powerpoint/2010/main" val="2082489740"/>
+        <p14:creationId xmlns:p14="http://schemas.microsoft.com/office/powerpoint/2010/main" val="1208239401"/>
       </p:ext>
     </p:extLst>
   </p:cSld>
@@ -2489,13 +4955,7 @@
       </p:grpSpPr>
       <p:sp>
         <p:nvSpPr>
-          <p:cNvPr id="2" name="标题 1">
-            <a:extLst>
-              <a:ext uri="{FF2B5EF4-FFF2-40B4-BE49-F238E27FC236}">
-                <a16:creationId xmlns:a16="http://schemas.microsoft.com/office/drawing/2014/main" id="{CA9E98AB-1EC4-4868-99E5-0180EC07B2BB}"/>
-              </a:ext>
-            </a:extLst>
-          </p:cNvPr>
+          <p:cNvPr id="2" name="Title 1"/>
           <p:cNvSpPr>
             <a:spLocks noGrp="1"/>
           </p:cNvSpPr>
@@ -2505,15 +4965,17 @@
         </p:nvSpPr>
         <p:spPr>
           <a:xfrm>
-            <a:off x="839788" y="457200"/>
-            <a:ext cx="3932237" cy="1600200"/>
+            <a:off x="1153907" y="1854192"/>
+            <a:ext cx="5092906" cy="1574808"/>
           </a:xfrm>
         </p:spPr>
         <p:txBody>
-          <a:bodyPr anchor="b"/>
+          <a:bodyPr anchor="b">
+            <a:normAutofit/>
+          </a:bodyPr>
           <a:lstStyle>
-            <a:lvl1pPr>
-              <a:defRPr sz="3200"/>
+            <a:lvl1pPr algn="l">
+              <a:defRPr sz="3600" b="0"/>
             </a:lvl1pPr>
           </a:lstStyle>
           <a:p>
@@ -2521,20 +4983,15 @@
               <a:rPr lang="zh-CN" altLang="en-US"/>
               <a:t>单击此处编辑母版标题样式</a:t>
             </a:r>
+            <a:endParaRPr lang="en-US" dirty="0"/>
           </a:p>
         </p:txBody>
       </p:sp>
       <p:sp>
         <p:nvSpPr>
-          <p:cNvPr id="3" name="图片占位符 2">
-            <a:extLst>
-              <a:ext uri="{FF2B5EF4-FFF2-40B4-BE49-F238E27FC236}">
-                <a16:creationId xmlns:a16="http://schemas.microsoft.com/office/drawing/2014/main" id="{B883E7AC-717B-4FDD-ACAA-6B47210FC294}"/>
-              </a:ext>
-            </a:extLst>
-          </p:cNvPr>
+          <p:cNvPr id="3" name="Picture Placeholder 2"/>
           <p:cNvSpPr>
-            <a:spLocks noGrp="1"/>
+            <a:spLocks noGrp="1" noChangeAspect="1"/>
           </p:cNvSpPr>
           <p:nvPr>
             <p:ph type="pic" idx="1"/>
@@ -2542,64 +4999,76 @@
         </p:nvSpPr>
         <p:spPr>
           <a:xfrm>
-            <a:off x="5183188" y="987425"/>
-            <a:ext cx="6172200" cy="4873625"/>
+            <a:off x="6949546" y="1143000"/>
+            <a:ext cx="3200400" cy="4572000"/>
           </a:xfrm>
+          <a:prstGeom prst="roundRect">
+            <a:avLst>
+              <a:gd name="adj" fmla="val 1858"/>
+            </a:avLst>
+          </a:prstGeom>
+          <a:effectLst>
+            <a:outerShdw blurRad="50800" dist="50800" dir="5400000" algn="tl" rotWithShape="0">
+              <a:srgbClr val="000000">
+                <a:alpha val="43000"/>
+              </a:srgbClr>
+            </a:outerShdw>
+          </a:effectLst>
         </p:spPr>
         <p:txBody>
-          <a:bodyPr/>
+          <a:bodyPr anchor="t">
+            <a:normAutofit/>
+          </a:bodyPr>
           <a:lstStyle>
-            <a:lvl1pPr marL="0" indent="0">
-              <a:buNone/>
-              <a:defRPr sz="3200"/>
+            <a:lvl1pPr marL="0" indent="0" algn="ctr">
+              <a:buNone/>
+              <a:defRPr sz="1600"/>
             </a:lvl1pPr>
             <a:lvl2pPr marL="457200" indent="0">
               <a:buNone/>
-              <a:defRPr sz="2800"/>
+              <a:defRPr sz="1600"/>
             </a:lvl2pPr>
             <a:lvl3pPr marL="914400" indent="0">
               <a:buNone/>
-              <a:defRPr sz="2400"/>
+              <a:defRPr sz="1600"/>
             </a:lvl3pPr>
             <a:lvl4pPr marL="1371600" indent="0">
               <a:buNone/>
-              <a:defRPr sz="2000"/>
+              <a:defRPr sz="1600"/>
             </a:lvl4pPr>
             <a:lvl5pPr marL="1828800" indent="0">
               <a:buNone/>
-              <a:defRPr sz="2000"/>
+              <a:defRPr sz="1600"/>
             </a:lvl5pPr>
             <a:lvl6pPr marL="2286000" indent="0">
               <a:buNone/>
-              <a:defRPr sz="2000"/>
+              <a:defRPr sz="1600"/>
             </a:lvl6pPr>
             <a:lvl7pPr marL="2743200" indent="0">
               <a:buNone/>
-              <a:defRPr sz="2000"/>
+              <a:defRPr sz="1600"/>
             </a:lvl7pPr>
             <a:lvl8pPr marL="3200400" indent="0">
               <a:buNone/>
-              <a:defRPr sz="2000"/>
+              <a:defRPr sz="1600"/>
             </a:lvl8pPr>
             <a:lvl9pPr marL="3657600" indent="0">
               <a:buNone/>
-              <a:defRPr sz="2000"/>
+              <a:defRPr sz="1600"/>
             </a:lvl9pPr>
           </a:lstStyle>
           <a:p>
-            <a:endParaRPr lang="zh-CN" altLang="en-US"/>
+            <a:r>
+              <a:rPr lang="zh-CN" altLang="en-US"/>
+              <a:t>单击图标添加图片</a:t>
+            </a:r>
+            <a:endParaRPr lang="en-US" dirty="0"/>
           </a:p>
         </p:txBody>
       </p:sp>
       <p:sp>
         <p:nvSpPr>
-          <p:cNvPr id="4" name="文本占位符 3">
-            <a:extLst>
-              <a:ext uri="{FF2B5EF4-FFF2-40B4-BE49-F238E27FC236}">
-                <a16:creationId xmlns:a16="http://schemas.microsoft.com/office/drawing/2014/main" id="{3568836B-99C7-4340-B4A5-9BB1A0DA0EF8}"/>
-              </a:ext>
-            </a:extLst>
-          </p:cNvPr>
+          <p:cNvPr id="4" name="Text Placeholder 3"/>
           <p:cNvSpPr>
             <a:spLocks noGrp="1"/>
           </p:cNvSpPr>
@@ -2609,48 +5078,50 @@
         </p:nvSpPr>
         <p:spPr>
           <a:xfrm>
-            <a:off x="839788" y="2057400"/>
-            <a:ext cx="3932237" cy="3811588"/>
+            <a:off x="1154954" y="3657600"/>
+            <a:ext cx="5084979" cy="1371600"/>
           </a:xfrm>
         </p:spPr>
         <p:txBody>
-          <a:bodyPr/>
+          <a:bodyPr>
+            <a:normAutofit/>
+          </a:bodyPr>
           <a:lstStyle>
             <a:lvl1pPr marL="0" indent="0">
               <a:buNone/>
-              <a:defRPr sz="1600"/>
+              <a:defRPr sz="1400"/>
             </a:lvl1pPr>
             <a:lvl2pPr marL="457200" indent="0">
               <a:buNone/>
-              <a:defRPr sz="1400"/>
+              <a:defRPr sz="1200"/>
             </a:lvl2pPr>
             <a:lvl3pPr marL="914400" indent="0">
               <a:buNone/>
-              <a:defRPr sz="1200"/>
+              <a:defRPr sz="1000"/>
             </a:lvl3pPr>
             <a:lvl4pPr marL="1371600" indent="0">
               <a:buNone/>
-              <a:defRPr sz="1000"/>
+              <a:defRPr sz="900"/>
             </a:lvl4pPr>
             <a:lvl5pPr marL="1828800" indent="0">
               <a:buNone/>
-              <a:defRPr sz="1000"/>
+              <a:defRPr sz="900"/>
             </a:lvl5pPr>
             <a:lvl6pPr marL="2286000" indent="0">
               <a:buNone/>
-              <a:defRPr sz="1000"/>
+              <a:defRPr sz="900"/>
             </a:lvl6pPr>
             <a:lvl7pPr marL="2743200" indent="0">
               <a:buNone/>
-              <a:defRPr sz="1000"/>
+              <a:defRPr sz="900"/>
             </a:lvl7pPr>
             <a:lvl8pPr marL="3200400" indent="0">
               <a:buNone/>
-              <a:defRPr sz="1000"/>
+              <a:defRPr sz="900"/>
             </a:lvl8pPr>
             <a:lvl9pPr marL="3657600" indent="0">
               <a:buNone/>
-              <a:defRPr sz="1000"/>
+              <a:defRPr sz="900"/>
             </a:lvl9pPr>
           </a:lstStyle>
           <a:p>
@@ -2664,13 +5135,7 @@
       </p:sp>
       <p:sp>
         <p:nvSpPr>
-          <p:cNvPr id="5" name="日期占位符 4">
-            <a:extLst>
-              <a:ext uri="{FF2B5EF4-FFF2-40B4-BE49-F238E27FC236}">
-                <a16:creationId xmlns:a16="http://schemas.microsoft.com/office/drawing/2014/main" id="{FFE68521-7AFF-47B8-B2C9-6664230D05B0}"/>
-              </a:ext>
-            </a:extLst>
-          </p:cNvPr>
+          <p:cNvPr id="5" name="Date Placeholder 4"/>
           <p:cNvSpPr>
             <a:spLocks noGrp="1"/>
           </p:cNvSpPr>
@@ -2693,13 +5158,7 @@
       </p:sp>
       <p:sp>
         <p:nvSpPr>
-          <p:cNvPr id="6" name="页脚占位符 5">
-            <a:extLst>
-              <a:ext uri="{FF2B5EF4-FFF2-40B4-BE49-F238E27FC236}">
-                <a16:creationId xmlns:a16="http://schemas.microsoft.com/office/drawing/2014/main" id="{276A0CA4-8635-4BCD-A7FD-278C43B1ED04}"/>
-              </a:ext>
-            </a:extLst>
-          </p:cNvPr>
+          <p:cNvPr id="6" name="Footer Placeholder 5"/>
           <p:cNvSpPr>
             <a:spLocks noGrp="1"/>
           </p:cNvSpPr>
@@ -2718,13 +5177,7 @@
       </p:sp>
       <p:sp>
         <p:nvSpPr>
-          <p:cNvPr id="7" name="灯片编号占位符 6">
-            <a:extLst>
-              <a:ext uri="{FF2B5EF4-FFF2-40B4-BE49-F238E27FC236}">
-                <a16:creationId xmlns:a16="http://schemas.microsoft.com/office/drawing/2014/main" id="{B41B21FB-144E-42C3-A346-5372BFDB984A}"/>
-              </a:ext>
-            </a:extLst>
-          </p:cNvPr>
+          <p:cNvPr id="7" name="Slide Number Placeholder 6"/>
           <p:cNvSpPr>
             <a:spLocks noGrp="1"/>
           </p:cNvSpPr>
@@ -2748,7 +5201,7 @@
     </p:spTree>
     <p:extLst>
       <p:ext uri="{BB962C8B-B14F-4D97-AF65-F5344CB8AC3E}">
-        <p14:creationId xmlns:p14="http://schemas.microsoft.com/office/powerpoint/2010/main" val="3070615158"/>
+        <p14:creationId xmlns:p14="http://schemas.microsoft.com/office/powerpoint/2010/main" val="3557465694"/>
       </p:ext>
     </p:extLst>
   </p:cSld>
@@ -2762,8 +5215,8 @@
 <p:sldMaster xmlns:a="http://schemas.openxmlformats.org/drawingml/2006/main" xmlns:r="http://schemas.openxmlformats.org/officeDocument/2006/relationships" xmlns:p="http://schemas.openxmlformats.org/presentationml/2006/main">
   <p:cSld>
     <p:bg>
-      <p:bgRef idx="1001">
-        <a:schemeClr val="bg1"/>
+      <p:bgRef idx="1003">
+        <a:schemeClr val="bg2"/>
       </p:bgRef>
     </p:bg>
     <p:spTree>
@@ -2780,15 +5233,224 @@
           <a:chExt cx="0" cy="0"/>
         </a:xfrm>
       </p:grpSpPr>
+      <p:pic>
+        <p:nvPicPr>
+          <p:cNvPr id="8" name="Picture 7"/>
+          <p:cNvPicPr>
+            <a:picLocks noChangeAspect="1"/>
+          </p:cNvPicPr>
+          <p:nvPr/>
+        </p:nvPicPr>
+        <p:blipFill rotWithShape="1">
+          <a:blip r:embed="rId19">
+            <a:extLst>
+              <a:ext uri="{28A0092B-C50C-407E-A947-70E740481C1C}">
+                <a14:useLocalDpi xmlns:a14="http://schemas.microsoft.com/office/drawing/2010/main" val="0"/>
+              </a:ext>
+            </a:extLst>
+          </a:blip>
+          <a:srcRect l="3613"/>
+          <a:stretch/>
+        </p:blipFill>
+        <p:spPr>
+          <a:xfrm>
+            <a:off x="0" y="2669685"/>
+            <a:ext cx="4037012" cy="4188315"/>
+          </a:xfrm>
+          <a:prstGeom prst="rect">
+            <a:avLst/>
+          </a:prstGeom>
+        </p:spPr>
+      </p:pic>
+      <p:pic>
+        <p:nvPicPr>
+          <p:cNvPr id="7" name="Picture 6"/>
+          <p:cNvPicPr>
+            <a:picLocks noChangeAspect="1"/>
+          </p:cNvPicPr>
+          <p:nvPr/>
+        </p:nvPicPr>
+        <p:blipFill rotWithShape="1">
+          <a:blip r:embed="rId20">
+            <a:extLst>
+              <a:ext uri="{28A0092B-C50C-407E-A947-70E740481C1C}">
+                <a14:useLocalDpi xmlns:a14="http://schemas.microsoft.com/office/drawing/2010/main" val="0"/>
+              </a:ext>
+            </a:extLst>
+          </a:blip>
+          <a:srcRect l="35640"/>
+          <a:stretch/>
+        </p:blipFill>
+        <p:spPr>
+          <a:xfrm>
+            <a:off x="0" y="2892347"/>
+            <a:ext cx="1522412" cy="2365453"/>
+          </a:xfrm>
+          <a:prstGeom prst="rect">
+            <a:avLst/>
+          </a:prstGeom>
+        </p:spPr>
+      </p:pic>
       <p:sp>
         <p:nvSpPr>
-          <p:cNvPr id="2" name="标题占位符 1">
+          <p:cNvPr id="16" name="Oval 15"/>
+          <p:cNvSpPr/>
+          <p:nvPr/>
+        </p:nvSpPr>
+        <p:spPr>
+          <a:xfrm>
+            <a:off x="8609012" y="1676400"/>
+            <a:ext cx="2819400" cy="2819400"/>
+          </a:xfrm>
+          <a:prstGeom prst="ellipse">
+            <a:avLst/>
+          </a:prstGeom>
+          <a:gradFill flip="none" rotWithShape="1">
+            <a:gsLst>
+              <a:gs pos="0">
+                <a:schemeClr val="bg2">
+                  <a:lumMod val="60000"/>
+                  <a:lumOff val="40000"/>
+                  <a:alpha val="7000"/>
+                </a:schemeClr>
+              </a:gs>
+              <a:gs pos="69000">
+                <a:schemeClr val="bg2">
+                  <a:lumMod val="60000"/>
+                  <a:lumOff val="40000"/>
+                  <a:alpha val="0"/>
+                </a:schemeClr>
+              </a:gs>
+              <a:gs pos="36000">
+                <a:schemeClr val="bg2">
+                  <a:lumMod val="60000"/>
+                  <a:lumOff val="40000"/>
+                  <a:alpha val="6000"/>
+                </a:schemeClr>
+              </a:gs>
+            </a:gsLst>
+            <a:path path="circle">
+              <a:fillToRect l="50000" t="50000" r="50000" b="50000"/>
+            </a:path>
+            <a:tileRect/>
+          </a:gradFill>
+          <a:ln>
+            <a:noFill/>
+          </a:ln>
+          <a:effectLst/>
+        </p:spPr>
+        <p:style>
+          <a:lnRef idx="1">
+            <a:schemeClr val="accent1"/>
+          </a:lnRef>
+          <a:fillRef idx="3">
+            <a:schemeClr val="accent1"/>
+          </a:fillRef>
+          <a:effectRef idx="2">
+            <a:schemeClr val="accent1"/>
+          </a:effectRef>
+          <a:fontRef idx="minor">
+            <a:schemeClr val="lt1"/>
+          </a:fontRef>
+        </p:style>
+      </p:sp>
+      <p:pic>
+        <p:nvPicPr>
+          <p:cNvPr id="9" name="Picture 8"/>
+          <p:cNvPicPr>
+            <a:picLocks noChangeAspect="1"/>
+          </p:cNvPicPr>
+          <p:nvPr/>
+        </p:nvPicPr>
+        <p:blipFill rotWithShape="1">
+          <a:blip r:embed="rId21">
             <a:extLst>
-              <a:ext uri="{FF2B5EF4-FFF2-40B4-BE49-F238E27FC236}">
-                <a16:creationId xmlns:a16="http://schemas.microsoft.com/office/drawing/2014/main" id="{B310D9E7-7AF1-4456-9E83-8E5A1BCC65FF}"/>
+              <a:ext uri="{28A0092B-C50C-407E-A947-70E740481C1C}">
+                <a14:useLocalDpi xmlns:a14="http://schemas.microsoft.com/office/drawing/2010/main" val="0"/>
               </a:ext>
             </a:extLst>
-          </p:cNvPr>
+          </a:blip>
+          <a:srcRect t="28813"/>
+          <a:stretch/>
+        </p:blipFill>
+        <p:spPr>
+          <a:xfrm>
+            <a:off x="7999412" y="0"/>
+            <a:ext cx="1603387" cy="1141407"/>
+          </a:xfrm>
+          <a:prstGeom prst="rect">
+            <a:avLst/>
+          </a:prstGeom>
+        </p:spPr>
+      </p:pic>
+      <p:pic>
+        <p:nvPicPr>
+          <p:cNvPr id="10" name="Picture 9"/>
+          <p:cNvPicPr>
+            <a:picLocks noChangeAspect="1"/>
+          </p:cNvPicPr>
+          <p:nvPr/>
+        </p:nvPicPr>
+        <p:blipFill rotWithShape="1">
+          <a:blip r:embed="rId22">
+            <a:extLst>
+              <a:ext uri="{28A0092B-C50C-407E-A947-70E740481C1C}">
+                <a14:useLocalDpi xmlns:a14="http://schemas.microsoft.com/office/drawing/2010/main" val="0"/>
+              </a:ext>
+            </a:extLst>
+          </a:blip>
+          <a:srcRect b="23320"/>
+          <a:stretch/>
+        </p:blipFill>
+        <p:spPr>
+          <a:xfrm>
+            <a:off x="8605878" y="6096000"/>
+            <a:ext cx="993734" cy="762000"/>
+          </a:xfrm>
+          <a:prstGeom prst="rect">
+            <a:avLst/>
+          </a:prstGeom>
+        </p:spPr>
+      </p:pic>
+      <p:sp>
+        <p:nvSpPr>
+          <p:cNvPr id="14" name="Rectangle 13"/>
+          <p:cNvSpPr/>
+          <p:nvPr/>
+        </p:nvSpPr>
+        <p:spPr>
+          <a:xfrm>
+            <a:off x="10437812" y="0"/>
+            <a:ext cx="685800" cy="1143000"/>
+          </a:xfrm>
+          <a:prstGeom prst="rect">
+            <a:avLst/>
+          </a:prstGeom>
+          <a:solidFill>
+            <a:schemeClr val="accent1"/>
+          </a:solidFill>
+          <a:ln>
+            <a:noFill/>
+          </a:ln>
+        </p:spPr>
+        <p:style>
+          <a:lnRef idx="1">
+            <a:schemeClr val="accent1"/>
+          </a:lnRef>
+          <a:fillRef idx="3">
+            <a:schemeClr val="accent1"/>
+          </a:fillRef>
+          <a:effectRef idx="2">
+            <a:schemeClr val="accent1"/>
+          </a:effectRef>
+          <a:fontRef idx="minor">
+            <a:schemeClr val="lt1"/>
+          </a:fontRef>
+        </p:style>
+      </p:sp>
+      <p:sp>
+        <p:nvSpPr>
+          <p:cNvPr id="2" name="Title Placeholder 1"/>
           <p:cNvSpPr>
             <a:spLocks noGrp="1"/>
           </p:cNvSpPr>
@@ -2798,16 +5460,16 @@
         </p:nvSpPr>
         <p:spPr>
           <a:xfrm>
-            <a:off x="838200" y="365125"/>
-            <a:ext cx="10515600" cy="1325563"/>
+            <a:off x="646111" y="452718"/>
+            <a:ext cx="9404723" cy="1400530"/>
           </a:xfrm>
           <a:prstGeom prst="rect">
             <a:avLst/>
           </a:prstGeom>
         </p:spPr>
         <p:txBody>
-          <a:bodyPr vert="horz" lIns="91440" tIns="45720" rIns="91440" bIns="45720" rtlCol="0" anchor="ctr">
-            <a:normAutofit/>
+          <a:bodyPr vert="horz" lIns="91440" tIns="45720" rIns="91440" bIns="45720" rtlCol="0" anchor="t">
+            <a:noAutofit/>
           </a:bodyPr>
           <a:lstStyle/>
           <a:p>
@@ -2815,18 +5477,13 @@
               <a:rPr lang="zh-CN" altLang="en-US"/>
               <a:t>单击此处编辑母版标题样式</a:t>
             </a:r>
+            <a:endParaRPr lang="en-US" dirty="0"/>
           </a:p>
         </p:txBody>
       </p:sp>
       <p:sp>
         <p:nvSpPr>
-          <p:cNvPr id="3" name="文本占位符 2">
-            <a:extLst>
-              <a:ext uri="{FF2B5EF4-FFF2-40B4-BE49-F238E27FC236}">
-                <a16:creationId xmlns:a16="http://schemas.microsoft.com/office/drawing/2014/main" id="{AF985EB6-6D75-4BB7-9CE3-5EF786CF9110}"/>
-              </a:ext>
-            </a:extLst>
-          </p:cNvPr>
+          <p:cNvPr id="3" name="Text Placeholder 2"/>
           <p:cNvSpPr>
             <a:spLocks noGrp="1"/>
           </p:cNvSpPr>
@@ -2836,8 +5493,8 @@
         </p:nvSpPr>
         <p:spPr>
           <a:xfrm>
-            <a:off x="838200" y="1825625"/>
-            <a:ext cx="10515600" cy="4351338"/>
+            <a:off x="1103312" y="2052918"/>
+            <a:ext cx="8946541" cy="4195481"/>
           </a:xfrm>
           <a:prstGeom prst="rect">
             <a:avLst/>
@@ -2882,18 +5539,13 @@
               <a:rPr lang="zh-CN" altLang="en-US"/>
               <a:t>五级</a:t>
             </a:r>
+            <a:endParaRPr lang="en-US" dirty="0"/>
           </a:p>
         </p:txBody>
       </p:sp>
       <p:sp>
         <p:nvSpPr>
-          <p:cNvPr id="4" name="日期占位符 3">
-            <a:extLst>
-              <a:ext uri="{FF2B5EF4-FFF2-40B4-BE49-F238E27FC236}">
-                <a16:creationId xmlns:a16="http://schemas.microsoft.com/office/drawing/2014/main" id="{E9B225EE-3781-467D-A547-1228193D3DC8}"/>
-              </a:ext>
-            </a:extLst>
-          </p:cNvPr>
+          <p:cNvPr id="4" name="Date Placeholder 3"/>
           <p:cNvSpPr>
             <a:spLocks noGrp="1"/>
           </p:cNvSpPr>
@@ -2902,19 +5554,99 @@
           </p:nvPr>
         </p:nvSpPr>
         <p:spPr>
-          <a:xfrm>
-            <a:off x="838200" y="6356350"/>
-            <a:ext cx="2743200" cy="365125"/>
+          <a:xfrm rot="5400000">
+            <a:off x="10155639" y="1790701"/>
+            <a:ext cx="990599" cy="304799"/>
           </a:xfrm>
           <a:prstGeom prst="rect">
             <a:avLst/>
           </a:prstGeom>
         </p:spPr>
         <p:txBody>
-          <a:bodyPr vert="horz" lIns="91440" tIns="45720" rIns="91440" bIns="45720" rtlCol="0" anchor="ctr"/>
+          <a:bodyPr vert="horz" lIns="91440" tIns="45720" rIns="91440" bIns="45720" rtlCol="0" anchor="t"/>
           <a:lstStyle>
             <a:lvl1pPr algn="l">
-              <a:defRPr sz="1200">
+              <a:defRPr sz="1100" b="0" i="0">
+                <a:solidFill>
+                  <a:schemeClr val="tx1">
+                    <a:tint val="75000"/>
+                    <a:alpha val="60000"/>
+                  </a:schemeClr>
+                </a:solidFill>
+              </a:defRPr>
+            </a:lvl1pPr>
+          </a:lstStyle>
+          <a:p>
+            <a:fld id="{692AD3C9-44F0-4AE7-B19F-33A7A90EAD82}" type="datetimeFigureOut">
+              <a:rPr lang="zh-CN" altLang="en-US" smtClean="0"/>
+              <a:t>2019/12/6</a:t>
+            </a:fld>
+            <a:endParaRPr lang="zh-CN" altLang="en-US"/>
+          </a:p>
+        </p:txBody>
+      </p:sp>
+      <p:sp>
+        <p:nvSpPr>
+          <p:cNvPr id="5" name="Footer Placeholder 4"/>
+          <p:cNvSpPr>
+            <a:spLocks noGrp="1"/>
+          </p:cNvSpPr>
+          <p:nvPr>
+            <p:ph type="ftr" sz="quarter" idx="3"/>
+          </p:nvPr>
+        </p:nvSpPr>
+        <p:spPr>
+          <a:xfrm rot="5400000">
+            <a:off x="8951573" y="3225297"/>
+            <a:ext cx="3859795" cy="304801"/>
+          </a:xfrm>
+          <a:prstGeom prst="rect">
+            <a:avLst/>
+          </a:prstGeom>
+        </p:spPr>
+        <p:txBody>
+          <a:bodyPr vert="horz" lIns="91440" tIns="45720" rIns="91440" bIns="45720" rtlCol="0" anchor="b"/>
+          <a:lstStyle>
+            <a:lvl1pPr algn="l">
+              <a:defRPr sz="1100" b="0" i="0">
+                <a:solidFill>
+                  <a:schemeClr val="tx1">
+                    <a:tint val="75000"/>
+                    <a:alpha val="60000"/>
+                  </a:schemeClr>
+                </a:solidFill>
+              </a:defRPr>
+            </a:lvl1pPr>
+          </a:lstStyle>
+          <a:p>
+            <a:endParaRPr lang="zh-CN" altLang="en-US"/>
+          </a:p>
+        </p:txBody>
+      </p:sp>
+      <p:sp>
+        <p:nvSpPr>
+          <p:cNvPr id="6" name="Slide Number Placeholder 5"/>
+          <p:cNvSpPr>
+            <a:spLocks noGrp="1"/>
+          </p:cNvSpPr>
+          <p:nvPr>
+            <p:ph type="sldNum" sz="quarter" idx="4"/>
+          </p:nvPr>
+        </p:nvSpPr>
+        <p:spPr bwMode="gray">
+          <a:xfrm>
+            <a:off x="10352540" y="295729"/>
+            <a:ext cx="838199" cy="767687"/>
+          </a:xfrm>
+          <a:prstGeom prst="rect">
+            <a:avLst/>
+          </a:prstGeom>
+        </p:spPr>
+        <p:txBody>
+          <a:bodyPr vert="horz" lIns="91440" tIns="45720" rIns="91440" bIns="45720" rtlCol="0" anchor="b"/>
+          <a:lstStyle>
+            <a:lvl1pPr algn="ctr">
+              <a:defRPr sz="2800" b="0" i="0">
                 <a:solidFill>
                   <a:schemeClr val="tx1">
                     <a:tint val="75000"/>
@@ -2924,96 +5656,6 @@
             </a:lvl1pPr>
           </a:lstStyle>
           <a:p>
-            <a:fld id="{692AD3C9-44F0-4AE7-B19F-33A7A90EAD82}" type="datetimeFigureOut">
-              <a:rPr lang="zh-CN" altLang="en-US" smtClean="0"/>
-              <a:t>2019/12/6</a:t>
-            </a:fld>
-            <a:endParaRPr lang="zh-CN" altLang="en-US"/>
-          </a:p>
-        </p:txBody>
-      </p:sp>
-      <p:sp>
-        <p:nvSpPr>
-          <p:cNvPr id="5" name="页脚占位符 4">
-            <a:extLst>
-              <a:ext uri="{FF2B5EF4-FFF2-40B4-BE49-F238E27FC236}">
-                <a16:creationId xmlns:a16="http://schemas.microsoft.com/office/drawing/2014/main" id="{CB384DFB-D3F0-4FEA-BA98-8B413ACF293D}"/>
-              </a:ext>
-            </a:extLst>
-          </p:cNvPr>
-          <p:cNvSpPr>
-            <a:spLocks noGrp="1"/>
-          </p:cNvSpPr>
-          <p:nvPr>
-            <p:ph type="ftr" sz="quarter" idx="3"/>
-          </p:nvPr>
-        </p:nvSpPr>
-        <p:spPr>
-          <a:xfrm>
-            <a:off x="4038600" y="6356350"/>
-            <a:ext cx="4114800" cy="365125"/>
-          </a:xfrm>
-          <a:prstGeom prst="rect">
-            <a:avLst/>
-          </a:prstGeom>
-        </p:spPr>
-        <p:txBody>
-          <a:bodyPr vert="horz" lIns="91440" tIns="45720" rIns="91440" bIns="45720" rtlCol="0" anchor="ctr"/>
-          <a:lstStyle>
-            <a:lvl1pPr algn="ctr">
-              <a:defRPr sz="1200">
-                <a:solidFill>
-                  <a:schemeClr val="tx1">
-                    <a:tint val="75000"/>
-                  </a:schemeClr>
-                </a:solidFill>
-              </a:defRPr>
-            </a:lvl1pPr>
-          </a:lstStyle>
-          <a:p>
-            <a:endParaRPr lang="zh-CN" altLang="en-US"/>
-          </a:p>
-        </p:txBody>
-      </p:sp>
-      <p:sp>
-        <p:nvSpPr>
-          <p:cNvPr id="6" name="灯片编号占位符 5">
-            <a:extLst>
-              <a:ext uri="{FF2B5EF4-FFF2-40B4-BE49-F238E27FC236}">
-                <a16:creationId xmlns:a16="http://schemas.microsoft.com/office/drawing/2014/main" id="{B3DA3011-D7BB-4C89-A75E-8E135A2014B7}"/>
-              </a:ext>
-            </a:extLst>
-          </p:cNvPr>
-          <p:cNvSpPr>
-            <a:spLocks noGrp="1"/>
-          </p:cNvSpPr>
-          <p:nvPr>
-            <p:ph type="sldNum" sz="quarter" idx="4"/>
-          </p:nvPr>
-        </p:nvSpPr>
-        <p:spPr>
-          <a:xfrm>
-            <a:off x="8610600" y="6356350"/>
-            <a:ext cx="2743200" cy="365125"/>
-          </a:xfrm>
-          <a:prstGeom prst="rect">
-            <a:avLst/>
-          </a:prstGeom>
-        </p:spPr>
-        <p:txBody>
-          <a:bodyPr vert="horz" lIns="91440" tIns="45720" rIns="91440" bIns="45720" rtlCol="0" anchor="ctr"/>
-          <a:lstStyle>
-            <a:lvl1pPr algn="r">
-              <a:defRPr sz="1200">
-                <a:solidFill>
-                  <a:schemeClr val="tx1">
-                    <a:tint val="75000"/>
-                  </a:schemeClr>
-                </a:solidFill>
-              </a:defRPr>
-            </a:lvl1pPr>
-          </a:lstStyle>
-          <a:p>
             <a:fld id="{C7BF277C-4796-4FC3-A772-27635493D84E}" type="slidenum">
               <a:rPr lang="zh-CN" altLang="en-US" smtClean="0"/>
               <a:t>‹#›</a:t>
@@ -3025,35 +5667,121 @@
     </p:spTree>
     <p:extLst>
       <p:ext uri="{BB962C8B-B14F-4D97-AF65-F5344CB8AC3E}">
-        <p14:creationId xmlns:p14="http://schemas.microsoft.com/office/powerpoint/2010/main" val="3938994616"/>
+        <p14:creationId xmlns:p14="http://schemas.microsoft.com/office/powerpoint/2010/main" val="1312734824"/>
       </p:ext>
     </p:extLst>
   </p:cSld>
-  <p:clrMap bg1="lt1" tx1="dk1" bg2="lt2" tx2="dk2" accent1="accent1" accent2="accent2" accent3="accent3" accent4="accent4" accent5="accent5" accent6="accent6" hlink="hlink" folHlink="folHlink"/>
+  <p:clrMap bg1="dk1" tx1="lt1" bg2="dk2" tx2="lt2" accent1="accent1" accent2="accent2" accent3="accent3" accent4="accent4" accent5="accent5" accent6="accent6" hlink="hlink" folHlink="folHlink"/>
   <p:sldLayoutIdLst>
-    <p:sldLayoutId id="2147483649" r:id="rId1"/>
-    <p:sldLayoutId id="2147483650" r:id="rId2"/>
-    <p:sldLayoutId id="2147483651" r:id="rId3"/>
-    <p:sldLayoutId id="2147483652" r:id="rId4"/>
-    <p:sldLayoutId id="2147483653" r:id="rId5"/>
-    <p:sldLayoutId id="2147483654" r:id="rId6"/>
-    <p:sldLayoutId id="2147483655" r:id="rId7"/>
-    <p:sldLayoutId id="2147483656" r:id="rId8"/>
-    <p:sldLayoutId id="2147483657" r:id="rId9"/>
-    <p:sldLayoutId id="2147483658" r:id="rId10"/>
-    <p:sldLayoutId id="2147483659" r:id="rId11"/>
+    <p:sldLayoutId id="2147483745" r:id="rId1"/>
+    <p:sldLayoutId id="2147483746" r:id="rId2"/>
+    <p:sldLayoutId id="2147483747" r:id="rId3"/>
+    <p:sldLayoutId id="2147483748" r:id="rId4"/>
+    <p:sldLayoutId id="2147483749" r:id="rId5"/>
+    <p:sldLayoutId id="2147483750" r:id="rId6"/>
+    <p:sldLayoutId id="2147483751" r:id="rId7"/>
+    <p:sldLayoutId id="2147483752" r:id="rId8"/>
+    <p:sldLayoutId id="2147483753" r:id="rId9"/>
+    <p:sldLayoutId id="2147483754" r:id="rId10"/>
+    <p:sldLayoutId id="2147483755" r:id="rId11"/>
+    <p:sldLayoutId id="2147483756" r:id="rId12"/>
+    <p:sldLayoutId id="2147483757" r:id="rId13"/>
+    <p:sldLayoutId id="2147483758" r:id="rId14"/>
+    <p:sldLayoutId id="2147483759" r:id="rId15"/>
+    <p:sldLayoutId id="2147483760" r:id="rId16"/>
+    <p:sldLayoutId id="2147483761" r:id="rId17"/>
   </p:sldLayoutIdLst>
   <p:txStyles>
     <p:titleStyle>
-      <a:lvl1pPr algn="l" defTabSz="914400" rtl="0" eaLnBrk="1" latinLnBrk="0" hangingPunct="1">
-        <a:lnSpc>
-          <a:spcPct val="90000"/>
-        </a:lnSpc>
+      <a:lvl1pPr algn="l" defTabSz="457200" rtl="0" eaLnBrk="1" latinLnBrk="0" hangingPunct="1">
         <a:spcBef>
           <a:spcPct val="0"/>
         </a:spcBef>
         <a:buNone/>
-        <a:defRPr sz="4400" kern="1200">
+        <a:defRPr sz="4200" b="0" i="0" kern="1200">
+          <a:solidFill>
+            <a:schemeClr val="tx2"/>
+          </a:solidFill>
+          <a:latin typeface="+mj-lt"/>
+          <a:ea typeface="+mj-ea"/>
+          <a:cs typeface="+mj-cs"/>
+        </a:defRPr>
+      </a:lvl1pPr>
+      <a:lvl2pPr eaLnBrk="1" hangingPunct="1">
+        <a:defRPr>
+          <a:solidFill>
+            <a:schemeClr val="tx2"/>
+          </a:solidFill>
+        </a:defRPr>
+      </a:lvl2pPr>
+      <a:lvl3pPr eaLnBrk="1" hangingPunct="1">
+        <a:defRPr>
+          <a:solidFill>
+            <a:schemeClr val="tx2"/>
+          </a:solidFill>
+        </a:defRPr>
+      </a:lvl3pPr>
+      <a:lvl4pPr eaLnBrk="1" hangingPunct="1">
+        <a:defRPr>
+          <a:solidFill>
+            <a:schemeClr val="tx2"/>
+          </a:solidFill>
+        </a:defRPr>
+      </a:lvl4pPr>
+      <a:lvl5pPr eaLnBrk="1" hangingPunct="1">
+        <a:defRPr>
+          <a:solidFill>
+            <a:schemeClr val="tx2"/>
+          </a:solidFill>
+        </a:defRPr>
+      </a:lvl5pPr>
+      <a:lvl6pPr eaLnBrk="1" hangingPunct="1">
+        <a:defRPr>
+          <a:solidFill>
+            <a:schemeClr val="tx2"/>
+          </a:solidFill>
+        </a:defRPr>
+      </a:lvl6pPr>
+      <a:lvl7pPr eaLnBrk="1" hangingPunct="1">
+        <a:defRPr>
+          <a:solidFill>
+            <a:schemeClr val="tx2"/>
+          </a:solidFill>
+        </a:defRPr>
+      </a:lvl7pPr>
+      <a:lvl8pPr eaLnBrk="1" hangingPunct="1">
+        <a:defRPr>
+          <a:solidFill>
+            <a:schemeClr val="tx2"/>
+          </a:solidFill>
+        </a:defRPr>
+      </a:lvl8pPr>
+      <a:lvl9pPr eaLnBrk="1" hangingPunct="1">
+        <a:defRPr>
+          <a:solidFill>
+            <a:schemeClr val="tx2"/>
+          </a:solidFill>
+        </a:defRPr>
+      </a:lvl9pPr>
+    </p:titleStyle>
+    <p:bodyStyle>
+      <a:lvl1pPr marL="342900" indent="-342900" algn="l" defTabSz="457200" rtl="0" eaLnBrk="1" latinLnBrk="0" hangingPunct="1">
+        <a:spcBef>
+          <a:spcPts val="1000"/>
+        </a:spcBef>
+        <a:spcAft>
+          <a:spcPts val="0"/>
+        </a:spcAft>
+        <a:buClr>
+          <a:schemeClr val="bg2">
+            <a:lumMod val="40000"/>
+            <a:lumOff val="60000"/>
+          </a:schemeClr>
+        </a:buClr>
+        <a:buSzPct val="80000"/>
+        <a:buFont typeface="Wingdings 3" charset="2"/>
+        <a:buChar char=""/>
+        <a:defRPr sz="2000" b="0" i="0" kern="1200">
           <a:solidFill>
             <a:schemeClr val="tx1"/>
           </a:solidFill>
@@ -3062,18 +5790,213 @@
           <a:cs typeface="+mj-cs"/>
         </a:defRPr>
       </a:lvl1pPr>
-    </p:titleStyle>
-    <p:bodyStyle>
-      <a:lvl1pPr marL="228600" indent="-228600" algn="l" defTabSz="914400" rtl="0" eaLnBrk="1" latinLnBrk="0" hangingPunct="1">
-        <a:lnSpc>
-          <a:spcPct val="90000"/>
-        </a:lnSpc>
+      <a:lvl2pPr marL="742950" indent="-285750" algn="l" defTabSz="457200" rtl="0" eaLnBrk="1" latinLnBrk="0" hangingPunct="1">
         <a:spcBef>
           <a:spcPts val="1000"/>
         </a:spcBef>
-        <a:buFont typeface="Arial" panose="020B0604020202020204" pitchFamily="34" charset="0"/>
-        <a:buChar char="•"/>
-        <a:defRPr sz="2800" kern="1200">
+        <a:spcAft>
+          <a:spcPts val="0"/>
+        </a:spcAft>
+        <a:buClr>
+          <a:schemeClr val="bg2">
+            <a:lumMod val="40000"/>
+            <a:lumOff val="60000"/>
+          </a:schemeClr>
+        </a:buClr>
+        <a:buSzPct val="80000"/>
+        <a:buFont typeface="Wingdings 3" charset="2"/>
+        <a:buChar char=""/>
+        <a:defRPr sz="1800" b="0" i="0" kern="1200">
+          <a:solidFill>
+            <a:schemeClr val="tx1"/>
+          </a:solidFill>
+          <a:latin typeface="+mj-lt"/>
+          <a:ea typeface="+mj-ea"/>
+          <a:cs typeface="+mj-cs"/>
+        </a:defRPr>
+      </a:lvl2pPr>
+      <a:lvl3pPr marL="1143000" indent="-228600" algn="l" defTabSz="457200" rtl="0" eaLnBrk="1" latinLnBrk="0" hangingPunct="1">
+        <a:spcBef>
+          <a:spcPts val="1000"/>
+        </a:spcBef>
+        <a:spcAft>
+          <a:spcPts val="0"/>
+        </a:spcAft>
+        <a:buClr>
+          <a:schemeClr val="bg2">
+            <a:lumMod val="40000"/>
+            <a:lumOff val="60000"/>
+          </a:schemeClr>
+        </a:buClr>
+        <a:buSzPct val="80000"/>
+        <a:buFont typeface="Wingdings 3" charset="2"/>
+        <a:buChar char=""/>
+        <a:defRPr sz="1600" b="0" i="0" kern="1200">
+          <a:solidFill>
+            <a:schemeClr val="tx1"/>
+          </a:solidFill>
+          <a:latin typeface="+mj-lt"/>
+          <a:ea typeface="+mj-ea"/>
+          <a:cs typeface="+mj-cs"/>
+        </a:defRPr>
+      </a:lvl3pPr>
+      <a:lvl4pPr marL="1600200" indent="-228600" algn="l" defTabSz="457200" rtl="0" eaLnBrk="1" latinLnBrk="0" hangingPunct="1">
+        <a:spcBef>
+          <a:spcPts val="1000"/>
+        </a:spcBef>
+        <a:spcAft>
+          <a:spcPts val="0"/>
+        </a:spcAft>
+        <a:buClr>
+          <a:schemeClr val="bg2">
+            <a:lumMod val="40000"/>
+            <a:lumOff val="60000"/>
+          </a:schemeClr>
+        </a:buClr>
+        <a:buSzPct val="80000"/>
+        <a:buFont typeface="Wingdings 3" charset="2"/>
+        <a:buChar char=""/>
+        <a:defRPr sz="1400" b="0" i="0" kern="1200">
+          <a:solidFill>
+            <a:schemeClr val="tx1"/>
+          </a:solidFill>
+          <a:latin typeface="+mj-lt"/>
+          <a:ea typeface="+mj-ea"/>
+          <a:cs typeface="+mj-cs"/>
+        </a:defRPr>
+      </a:lvl4pPr>
+      <a:lvl5pPr marL="2057400" indent="-228600" algn="l" defTabSz="457200" rtl="0" eaLnBrk="1" latinLnBrk="0" hangingPunct="1">
+        <a:spcBef>
+          <a:spcPts val="1000"/>
+        </a:spcBef>
+        <a:spcAft>
+          <a:spcPts val="0"/>
+        </a:spcAft>
+        <a:buClr>
+          <a:schemeClr val="bg2">
+            <a:lumMod val="40000"/>
+            <a:lumOff val="60000"/>
+          </a:schemeClr>
+        </a:buClr>
+        <a:buSzPct val="80000"/>
+        <a:buFont typeface="Wingdings 3" charset="2"/>
+        <a:buChar char=""/>
+        <a:defRPr sz="1400" b="0" i="0" kern="1200">
+          <a:solidFill>
+            <a:schemeClr val="tx1"/>
+          </a:solidFill>
+          <a:latin typeface="+mj-lt"/>
+          <a:ea typeface="+mj-ea"/>
+          <a:cs typeface="+mj-cs"/>
+        </a:defRPr>
+      </a:lvl5pPr>
+      <a:lvl6pPr marL="2506000" indent="-228600" algn="l" defTabSz="457200" rtl="0" eaLnBrk="1" latinLnBrk="0" hangingPunct="1">
+        <a:spcBef>
+          <a:spcPts val="1000"/>
+        </a:spcBef>
+        <a:spcAft>
+          <a:spcPts val="0"/>
+        </a:spcAft>
+        <a:buClr>
+          <a:schemeClr val="bg2">
+            <a:lumMod val="40000"/>
+            <a:lumOff val="60000"/>
+          </a:schemeClr>
+        </a:buClr>
+        <a:buSzPct val="80000"/>
+        <a:buFont typeface="Wingdings 3" charset="2"/>
+        <a:buChar char=""/>
+        <a:defRPr sz="1400" b="0" i="0" kern="1200">
+          <a:solidFill>
+            <a:schemeClr val="tx1"/>
+          </a:solidFill>
+          <a:latin typeface="+mj-lt"/>
+          <a:ea typeface="+mj-ea"/>
+          <a:cs typeface="+mj-cs"/>
+        </a:defRPr>
+      </a:lvl6pPr>
+      <a:lvl7pPr marL="2971800" indent="-228600" algn="l" defTabSz="457200" rtl="0" eaLnBrk="1" latinLnBrk="0" hangingPunct="1">
+        <a:spcBef>
+          <a:spcPts val="1000"/>
+        </a:spcBef>
+        <a:spcAft>
+          <a:spcPts val="0"/>
+        </a:spcAft>
+        <a:buClr>
+          <a:schemeClr val="bg2">
+            <a:lumMod val="40000"/>
+            <a:lumOff val="60000"/>
+          </a:schemeClr>
+        </a:buClr>
+        <a:buSzPct val="80000"/>
+        <a:buFont typeface="Wingdings 3" charset="2"/>
+        <a:buChar char=""/>
+        <a:defRPr sz="1400" b="0" i="0" kern="1200">
+          <a:solidFill>
+            <a:schemeClr val="tx1"/>
+          </a:solidFill>
+          <a:latin typeface="+mj-lt"/>
+          <a:ea typeface="+mj-ea"/>
+          <a:cs typeface="+mj-cs"/>
+        </a:defRPr>
+      </a:lvl7pPr>
+      <a:lvl8pPr marL="3429000" indent="-228600" algn="l" defTabSz="457200" rtl="0" eaLnBrk="1" latinLnBrk="0" hangingPunct="1">
+        <a:spcBef>
+          <a:spcPts val="1000"/>
+        </a:spcBef>
+        <a:spcAft>
+          <a:spcPts val="0"/>
+        </a:spcAft>
+        <a:buClr>
+          <a:schemeClr val="bg2">
+            <a:lumMod val="40000"/>
+            <a:lumOff val="60000"/>
+          </a:schemeClr>
+        </a:buClr>
+        <a:buSzPct val="80000"/>
+        <a:buFont typeface="Wingdings 3" charset="2"/>
+        <a:buChar char=""/>
+        <a:defRPr sz="1400" b="0" i="0" kern="1200">
+          <a:solidFill>
+            <a:schemeClr val="tx1"/>
+          </a:solidFill>
+          <a:latin typeface="+mj-lt"/>
+          <a:ea typeface="+mj-ea"/>
+          <a:cs typeface="+mj-cs"/>
+        </a:defRPr>
+      </a:lvl8pPr>
+      <a:lvl9pPr marL="3886200" indent="-228600" algn="l" defTabSz="457200" rtl="0" eaLnBrk="1" latinLnBrk="0" hangingPunct="1">
+        <a:spcBef>
+          <a:spcPts val="1000"/>
+        </a:spcBef>
+        <a:spcAft>
+          <a:spcPts val="0"/>
+        </a:spcAft>
+        <a:buClr>
+          <a:schemeClr val="bg2">
+            <a:lumMod val="40000"/>
+            <a:lumOff val="60000"/>
+          </a:schemeClr>
+        </a:buClr>
+        <a:buSzPct val="80000"/>
+        <a:buFont typeface="Wingdings 3" charset="2"/>
+        <a:buChar char=""/>
+        <a:defRPr sz="1400" b="0" i="0" kern="1200">
+          <a:solidFill>
+            <a:schemeClr val="tx1"/>
+          </a:solidFill>
+          <a:latin typeface="+mj-lt"/>
+          <a:ea typeface="+mj-ea"/>
+          <a:cs typeface="+mj-cs"/>
+        </a:defRPr>
+      </a:lvl9pPr>
+    </p:bodyStyle>
+    <p:otherStyle>
+      <a:defPPr>
+        <a:defRPr lang="en-US"/>
+      </a:defPPr>
+      <a:lvl1pPr marL="0" algn="l" defTabSz="457200" rtl="0" eaLnBrk="1" latinLnBrk="0" hangingPunct="1">
+        <a:defRPr sz="1800" kern="1200">
           <a:solidFill>
             <a:schemeClr val="tx1"/>
           </a:solidFill>
@@ -3082,16 +6005,8 @@
           <a:cs typeface="+mn-cs"/>
         </a:defRPr>
       </a:lvl1pPr>
-      <a:lvl2pPr marL="685800" indent="-228600" algn="l" defTabSz="914400" rtl="0" eaLnBrk="1" latinLnBrk="0" hangingPunct="1">
-        <a:lnSpc>
-          <a:spcPct val="90000"/>
-        </a:lnSpc>
-        <a:spcBef>
-          <a:spcPts val="500"/>
-        </a:spcBef>
-        <a:buFont typeface="Arial" panose="020B0604020202020204" pitchFamily="34" charset="0"/>
-        <a:buChar char="•"/>
-        <a:defRPr sz="2400" kern="1200">
+      <a:lvl2pPr marL="457200" algn="l" defTabSz="457200" rtl="0" eaLnBrk="1" latinLnBrk="0" hangingPunct="1">
+        <a:defRPr sz="1800" kern="1200">
           <a:solidFill>
             <a:schemeClr val="tx1"/>
           </a:solidFill>
@@ -3100,16 +6015,8 @@
           <a:cs typeface="+mn-cs"/>
         </a:defRPr>
       </a:lvl2pPr>
-      <a:lvl3pPr marL="1143000" indent="-228600" algn="l" defTabSz="914400" rtl="0" eaLnBrk="1" latinLnBrk="0" hangingPunct="1">
-        <a:lnSpc>
-          <a:spcPct val="90000"/>
-        </a:lnSpc>
-        <a:spcBef>
-          <a:spcPts val="500"/>
-        </a:spcBef>
-        <a:buFont typeface="Arial" panose="020B0604020202020204" pitchFamily="34" charset="0"/>
-        <a:buChar char="•"/>
-        <a:defRPr sz="2000" kern="1200">
+      <a:lvl3pPr marL="914400" algn="l" defTabSz="457200" rtl="0" eaLnBrk="1" latinLnBrk="0" hangingPunct="1">
+        <a:defRPr sz="1800" kern="1200">
           <a:solidFill>
             <a:schemeClr val="tx1"/>
           </a:solidFill>
@@ -3118,15 +6025,7 @@
           <a:cs typeface="+mn-cs"/>
         </a:defRPr>
       </a:lvl3pPr>
-      <a:lvl4pPr marL="1600200" indent="-228600" algn="l" defTabSz="914400" rtl="0" eaLnBrk="1" latinLnBrk="0" hangingPunct="1">
-        <a:lnSpc>
-          <a:spcPct val="90000"/>
-        </a:lnSpc>
-        <a:spcBef>
-          <a:spcPts val="500"/>
-        </a:spcBef>
-        <a:buFont typeface="Arial" panose="020B0604020202020204" pitchFamily="34" charset="0"/>
-        <a:buChar char="•"/>
+      <a:lvl4pPr marL="1371600" algn="l" defTabSz="457200" rtl="0" eaLnBrk="1" latinLnBrk="0" hangingPunct="1">
         <a:defRPr sz="1800" kern="1200">
           <a:solidFill>
             <a:schemeClr val="tx1"/>
@@ -3136,15 +6035,7 @@
           <a:cs typeface="+mn-cs"/>
         </a:defRPr>
       </a:lvl4pPr>
-      <a:lvl5pPr marL="2057400" indent="-228600" algn="l" defTabSz="914400" rtl="0" eaLnBrk="1" latinLnBrk="0" hangingPunct="1">
-        <a:lnSpc>
-          <a:spcPct val="90000"/>
-        </a:lnSpc>
-        <a:spcBef>
-          <a:spcPts val="500"/>
-        </a:spcBef>
-        <a:buFont typeface="Arial" panose="020B0604020202020204" pitchFamily="34" charset="0"/>
-        <a:buChar char="•"/>
+      <a:lvl5pPr marL="1828800" algn="l" defTabSz="457200" rtl="0" eaLnBrk="1" latinLnBrk="0" hangingPunct="1">
         <a:defRPr sz="1800" kern="1200">
           <a:solidFill>
             <a:schemeClr val="tx1"/>
@@ -3154,15 +6045,7 @@
           <a:cs typeface="+mn-cs"/>
         </a:defRPr>
       </a:lvl5pPr>
-      <a:lvl6pPr marL="2514600" indent="-228600" algn="l" defTabSz="914400" rtl="0" eaLnBrk="1" latinLnBrk="0" hangingPunct="1">
-        <a:lnSpc>
-          <a:spcPct val="90000"/>
-        </a:lnSpc>
-        <a:spcBef>
-          <a:spcPts val="500"/>
-        </a:spcBef>
-        <a:buFont typeface="Arial" panose="020B0604020202020204" pitchFamily="34" charset="0"/>
-        <a:buChar char="•"/>
+      <a:lvl6pPr marL="2286000" algn="l" defTabSz="457200" rtl="0" eaLnBrk="1" latinLnBrk="0" hangingPunct="1">
         <a:defRPr sz="1800" kern="1200">
           <a:solidFill>
             <a:schemeClr val="tx1"/>
@@ -3172,15 +6055,7 @@
           <a:cs typeface="+mn-cs"/>
         </a:defRPr>
       </a:lvl6pPr>
-      <a:lvl7pPr marL="2971800" indent="-228600" algn="l" defTabSz="914400" rtl="0" eaLnBrk="1" latinLnBrk="0" hangingPunct="1">
-        <a:lnSpc>
-          <a:spcPct val="90000"/>
-        </a:lnSpc>
-        <a:spcBef>
-          <a:spcPts val="500"/>
-        </a:spcBef>
-        <a:buFont typeface="Arial" panose="020B0604020202020204" pitchFamily="34" charset="0"/>
-        <a:buChar char="•"/>
+      <a:lvl7pPr marL="2743200" algn="l" defTabSz="457200" rtl="0" eaLnBrk="1" latinLnBrk="0" hangingPunct="1">
         <a:defRPr sz="1800" kern="1200">
           <a:solidFill>
             <a:schemeClr val="tx1"/>
@@ -3190,15 +6065,7 @@
           <a:cs typeface="+mn-cs"/>
         </a:defRPr>
       </a:lvl7pPr>
-      <a:lvl8pPr marL="3429000" indent="-228600" algn="l" defTabSz="914400" rtl="0" eaLnBrk="1" latinLnBrk="0" hangingPunct="1">
-        <a:lnSpc>
-          <a:spcPct val="90000"/>
-        </a:lnSpc>
-        <a:spcBef>
-          <a:spcPts val="500"/>
-        </a:spcBef>
-        <a:buFont typeface="Arial" panose="020B0604020202020204" pitchFamily="34" charset="0"/>
-        <a:buChar char="•"/>
+      <a:lvl8pPr marL="3200400" algn="l" defTabSz="457200" rtl="0" eaLnBrk="1" latinLnBrk="0" hangingPunct="1">
         <a:defRPr sz="1800" kern="1200">
           <a:solidFill>
             <a:schemeClr val="tx1"/>
@@ -3208,110 +6075,7 @@
           <a:cs typeface="+mn-cs"/>
         </a:defRPr>
       </a:lvl8pPr>
-      <a:lvl9pPr marL="3886200" indent="-228600" algn="l" defTabSz="914400" rtl="0" eaLnBrk="1" latinLnBrk="0" hangingPunct="1">
-        <a:lnSpc>
-          <a:spcPct val="90000"/>
-        </a:lnSpc>
-        <a:spcBef>
-          <a:spcPts val="500"/>
-        </a:spcBef>
-        <a:buFont typeface="Arial" panose="020B0604020202020204" pitchFamily="34" charset="0"/>
-        <a:buChar char="•"/>
-        <a:defRPr sz="1800" kern="1200">
-          <a:solidFill>
-            <a:schemeClr val="tx1"/>
-          </a:solidFill>
-          <a:latin typeface="+mn-lt"/>
-          <a:ea typeface="+mn-ea"/>
-          <a:cs typeface="+mn-cs"/>
-        </a:defRPr>
-      </a:lvl9pPr>
-    </p:bodyStyle>
-    <p:otherStyle>
-      <a:defPPr>
-        <a:defRPr lang="zh-CN"/>
-      </a:defPPr>
-      <a:lvl1pPr marL="0" algn="l" defTabSz="914400" rtl="0" eaLnBrk="1" latinLnBrk="0" hangingPunct="1">
-        <a:defRPr sz="1800" kern="1200">
-          <a:solidFill>
-            <a:schemeClr val="tx1"/>
-          </a:solidFill>
-          <a:latin typeface="+mn-lt"/>
-          <a:ea typeface="+mn-ea"/>
-          <a:cs typeface="+mn-cs"/>
-        </a:defRPr>
-      </a:lvl1pPr>
-      <a:lvl2pPr marL="457200" algn="l" defTabSz="914400" rtl="0" eaLnBrk="1" latinLnBrk="0" hangingPunct="1">
-        <a:defRPr sz="1800" kern="1200">
-          <a:solidFill>
-            <a:schemeClr val="tx1"/>
-          </a:solidFill>
-          <a:latin typeface="+mn-lt"/>
-          <a:ea typeface="+mn-ea"/>
-          <a:cs typeface="+mn-cs"/>
-        </a:defRPr>
-      </a:lvl2pPr>
-      <a:lvl3pPr marL="914400" algn="l" defTabSz="914400" rtl="0" eaLnBrk="1" latinLnBrk="0" hangingPunct="1">
-        <a:defRPr sz="1800" kern="1200">
-          <a:solidFill>
-            <a:schemeClr val="tx1"/>
-          </a:solidFill>
-          <a:latin typeface="+mn-lt"/>
-          <a:ea typeface="+mn-ea"/>
-          <a:cs typeface="+mn-cs"/>
-        </a:defRPr>
-      </a:lvl3pPr>
-      <a:lvl4pPr marL="1371600" algn="l" defTabSz="914400" rtl="0" eaLnBrk="1" latinLnBrk="0" hangingPunct="1">
-        <a:defRPr sz="1800" kern="1200">
-          <a:solidFill>
-            <a:schemeClr val="tx1"/>
-          </a:solidFill>
-          <a:latin typeface="+mn-lt"/>
-          <a:ea typeface="+mn-ea"/>
-          <a:cs typeface="+mn-cs"/>
-        </a:defRPr>
-      </a:lvl4pPr>
-      <a:lvl5pPr marL="1828800" algn="l" defTabSz="914400" rtl="0" eaLnBrk="1" latinLnBrk="0" hangingPunct="1">
-        <a:defRPr sz="1800" kern="1200">
-          <a:solidFill>
-            <a:schemeClr val="tx1"/>
-          </a:solidFill>
-          <a:latin typeface="+mn-lt"/>
-          <a:ea typeface="+mn-ea"/>
-          <a:cs typeface="+mn-cs"/>
-        </a:defRPr>
-      </a:lvl5pPr>
-      <a:lvl6pPr marL="2286000" algn="l" defTabSz="914400" rtl="0" eaLnBrk="1" latinLnBrk="0" hangingPunct="1">
-        <a:defRPr sz="1800" kern="1200">
-          <a:solidFill>
-            <a:schemeClr val="tx1"/>
-          </a:solidFill>
-          <a:latin typeface="+mn-lt"/>
-          <a:ea typeface="+mn-ea"/>
-          <a:cs typeface="+mn-cs"/>
-        </a:defRPr>
-      </a:lvl6pPr>
-      <a:lvl7pPr marL="2743200" algn="l" defTabSz="914400" rtl="0" eaLnBrk="1" latinLnBrk="0" hangingPunct="1">
-        <a:defRPr sz="1800" kern="1200">
-          <a:solidFill>
-            <a:schemeClr val="tx1"/>
-          </a:solidFill>
-          <a:latin typeface="+mn-lt"/>
-          <a:ea typeface="+mn-ea"/>
-          <a:cs typeface="+mn-cs"/>
-        </a:defRPr>
-      </a:lvl7pPr>
-      <a:lvl8pPr marL="3200400" algn="l" defTabSz="914400" rtl="0" eaLnBrk="1" latinLnBrk="0" hangingPunct="1">
-        <a:defRPr sz="1800" kern="1200">
-          <a:solidFill>
-            <a:schemeClr val="tx1"/>
-          </a:solidFill>
-          <a:latin typeface="+mn-lt"/>
-          <a:ea typeface="+mn-ea"/>
-          <a:cs typeface="+mn-cs"/>
-        </a:defRPr>
-      </a:lvl8pPr>
-      <a:lvl9pPr marL="3657600" algn="l" defTabSz="914400" rtl="0" eaLnBrk="1" latinLnBrk="0" hangingPunct="1">
+      <a:lvl9pPr marL="3657600" algn="l" defTabSz="457200" rtl="0" eaLnBrk="1" latinLnBrk="0" hangingPunct="1">
         <a:defRPr sz="1800" kern="1200">
           <a:solidFill>
             <a:schemeClr val="tx1"/>
@@ -3397,12 +6161,57 @@
             <p:ph type="subTitle" idx="1"/>
           </p:nvPr>
         </p:nvSpPr>
-        <p:spPr/>
+        <p:spPr>
+          <a:xfrm>
+            <a:off x="2450355" y="3205754"/>
+            <a:ext cx="8825658" cy="2356845"/>
+          </a:xfrm>
+        </p:spPr>
         <p:txBody>
           <a:bodyPr/>
           <a:lstStyle/>
           <a:p>
-            <a:endParaRPr lang="zh-CN" altLang="en-US"/>
+            <a:r>
+              <a:rPr lang="zh-CN" altLang="en-US" dirty="0"/>
+              <a:t>敖添祺 </a:t>
+            </a:r>
+            <a:r>
+              <a:rPr lang="en-US" altLang="zh-CN" dirty="0"/>
+              <a:t>25%</a:t>
+            </a:r>
+          </a:p>
+          <a:p>
+            <a:r>
+              <a:rPr lang="zh-CN" altLang="en-US" dirty="0"/>
+              <a:t>查添翼 </a:t>
+            </a:r>
+            <a:r>
+              <a:rPr lang="en-US" altLang="zh-CN" dirty="0"/>
+              <a:t>25%</a:t>
+            </a:r>
+          </a:p>
+          <a:p>
+            <a:r>
+              <a:rPr lang="zh-CN" altLang="en-US" dirty="0"/>
+              <a:t>王铁陈 </a:t>
+            </a:r>
+            <a:r>
+              <a:rPr lang="en-US" altLang="zh-CN" dirty="0"/>
+              <a:t>25%</a:t>
+            </a:r>
+          </a:p>
+          <a:p>
+            <a:r>
+              <a:rPr lang="zh-CN" altLang="en-US" dirty="0"/>
+              <a:t>周放     </a:t>
+            </a:r>
+            <a:r>
+              <a:rPr lang="en-US" altLang="zh-CN" dirty="0"/>
+              <a:t>25%</a:t>
+            </a:r>
+          </a:p>
+          <a:p>
+            <a:endParaRPr lang="zh-CN" altLang="en-US" dirty="0"/>
           </a:p>
         </p:txBody>
       </p:sp>
@@ -3422,6 +6231,35 @@
 <file path=ppt/slides/slide10.xml><?xml version="1.0" encoding="utf-8"?>
 <p:sld xmlns:a="http://schemas.openxmlformats.org/drawingml/2006/main" xmlns:r="http://schemas.openxmlformats.org/officeDocument/2006/relationships" xmlns:p="http://schemas.openxmlformats.org/presentationml/2006/main">
   <p:cSld>
+    <p:bg>
+      <p:bgPr>
+        <a:blipFill dpi="0" rotWithShape="1">
+          <a:blip r:embed="rId2">
+            <a:alphaModFix amt="0"/>
+            <a:duotone>
+              <a:schemeClr val="bg2">
+                <a:shade val="69000"/>
+                <a:hueMod val="108000"/>
+                <a:satMod val="164000"/>
+                <a:lumMod val="74000"/>
+              </a:schemeClr>
+              <a:schemeClr val="bg2">
+                <a:tint val="96000"/>
+                <a:hueMod val="88000"/>
+                <a:satMod val="140000"/>
+                <a:lumMod val="132000"/>
+              </a:schemeClr>
+            </a:duotone>
+            <a:lum/>
+          </a:blip>
+          <a:srcRect/>
+          <a:stretch>
+            <a:fillRect/>
+          </a:stretch>
+        </a:blipFill>
+        <a:effectLst/>
+      </p:bgPr>
+    </p:bg>
     <p:spTree>
       <p:nvGrpSpPr>
         <p:cNvPr id="1" name=""/>
@@ -3466,6 +6304,9 @@
           <a:p>
             <a:r>
               <a:rPr lang="zh-CN" altLang="en-US" sz="4000" b="1" dirty="0">
+                <a:solidFill>
+                  <a:schemeClr val="bg2"/>
+                </a:solidFill>
                 <a:latin typeface="楷体" panose="02010609060101010101" pitchFamily="49" charset="-122"/>
                 <a:ea typeface="楷体" panose="02010609060101010101" pitchFamily="49" charset="-122"/>
               </a:rPr>
@@ -3510,12 +6351,52 @@
           </a:p>
         </p:txBody>
       </p:sp>
+      <p:sp>
+        <p:nvSpPr>
+          <p:cNvPr id="6" name="文本框 5">
+            <a:extLst>
+              <a:ext uri="{FF2B5EF4-FFF2-40B4-BE49-F238E27FC236}">
+                <a16:creationId xmlns:a16="http://schemas.microsoft.com/office/drawing/2014/main" id="{2C3E6385-6B4B-419A-A314-172EA8055DDE}"/>
+              </a:ext>
+            </a:extLst>
+          </p:cNvPr>
+          <p:cNvSpPr txBox="1"/>
+          <p:nvPr/>
+        </p:nvSpPr>
+        <p:spPr>
+          <a:xfrm>
+            <a:off x="5830348" y="6488668"/>
+            <a:ext cx="1669410" cy="369332"/>
+          </a:xfrm>
+          <a:prstGeom prst="rect">
+            <a:avLst/>
+          </a:prstGeom>
+          <a:noFill/>
+        </p:spPr>
+        <p:txBody>
+          <a:bodyPr wrap="square" rtlCol="0">
+            <a:spAutoFit/>
+          </a:bodyPr>
+          <a:lstStyle/>
+          <a:p>
+            <a:r>
+              <a:rPr lang="zh-CN" altLang="en-US" dirty="0"/>
+              <a:t>图</a:t>
+            </a:r>
+            <a:r>
+              <a:rPr lang="en-US" altLang="zh-CN" dirty="0"/>
+              <a:t>3</a:t>
+            </a:r>
+            <a:endParaRPr lang="zh-CN" altLang="en-US" dirty="0"/>
+          </a:p>
+        </p:txBody>
+      </p:sp>
       <p:pic>
         <p:nvPicPr>
-          <p:cNvPr id="5" name="图片 4">
+          <p:cNvPr id="8" name="图片 7">
             <a:extLst>
               <a:ext uri="{FF2B5EF4-FFF2-40B4-BE49-F238E27FC236}">
-                <a16:creationId xmlns:a16="http://schemas.microsoft.com/office/drawing/2014/main" id="{C3B0CF9C-B479-4CE3-A869-8B521F02DA35}"/>
+                <a16:creationId xmlns:a16="http://schemas.microsoft.com/office/drawing/2014/main" id="{2E367AAA-DA6E-49FB-927E-D5EF58B863E2}"/>
               </a:ext>
             </a:extLst>
           </p:cNvPr>
@@ -3525,7 +6406,7 @@
           <p:nvPr/>
         </p:nvPicPr>
         <p:blipFill>
-          <a:blip r:embed="rId2"/>
+          <a:blip r:embed="rId3"/>
           <a:stretch>
             <a:fillRect/>
           </a:stretch>
@@ -3661,7 +6542,7 @@
           <p:nvPr/>
         </p:nvPicPr>
         <p:blipFill>
-          <a:blip r:embed="rId3"/>
+          <a:blip r:embed="rId2"/>
           <a:stretch>
             <a:fillRect/>
           </a:stretch>
@@ -3669,13 +6550,53 @@
         <p:spPr>
           <a:xfrm>
             <a:off x="1282823" y="1718430"/>
-            <a:ext cx="9604269" cy="5040000"/>
+            <a:ext cx="9253749" cy="4856059"/>
           </a:xfrm>
           <a:prstGeom prst="rect">
             <a:avLst/>
           </a:prstGeom>
         </p:spPr>
       </p:pic>
+      <p:sp>
+        <p:nvSpPr>
+          <p:cNvPr id="6" name="文本框 5">
+            <a:extLst>
+              <a:ext uri="{FF2B5EF4-FFF2-40B4-BE49-F238E27FC236}">
+                <a16:creationId xmlns:a16="http://schemas.microsoft.com/office/drawing/2014/main" id="{6A15E460-D33F-40C2-ADC9-60C0CE0E24F4}"/>
+              </a:ext>
+            </a:extLst>
+          </p:cNvPr>
+          <p:cNvSpPr txBox="1"/>
+          <p:nvPr/>
+        </p:nvSpPr>
+        <p:spPr>
+          <a:xfrm>
+            <a:off x="5830348" y="6488668"/>
+            <a:ext cx="1669410" cy="369332"/>
+          </a:xfrm>
+          <a:prstGeom prst="rect">
+            <a:avLst/>
+          </a:prstGeom>
+          <a:noFill/>
+        </p:spPr>
+        <p:txBody>
+          <a:bodyPr wrap="square" rtlCol="0">
+            <a:spAutoFit/>
+          </a:bodyPr>
+          <a:lstStyle/>
+          <a:p>
+            <a:r>
+              <a:rPr lang="zh-CN" altLang="en-US" dirty="0"/>
+              <a:t>图</a:t>
+            </a:r>
+            <a:r>
+              <a:rPr lang="en-US" altLang="zh-CN" dirty="0"/>
+              <a:t>4</a:t>
+            </a:r>
+            <a:endParaRPr lang="zh-CN" altLang="en-US" dirty="0"/>
+          </a:p>
+        </p:txBody>
+      </p:sp>
     </p:spTree>
     <p:extLst>
       <p:ext uri="{BB962C8B-B14F-4D97-AF65-F5344CB8AC3E}">
@@ -3782,10 +6703,10 @@
       </p:sp>
       <p:pic>
         <p:nvPicPr>
-          <p:cNvPr id="9" name="图片 8">
+          <p:cNvPr id="8" name="图片 7">
             <a:extLst>
               <a:ext uri="{FF2B5EF4-FFF2-40B4-BE49-F238E27FC236}">
-                <a16:creationId xmlns:a16="http://schemas.microsoft.com/office/drawing/2014/main" id="{CE8DF3AA-D1AC-42F5-8BD4-AFDD9620F8EF}"/>
+                <a16:creationId xmlns:a16="http://schemas.microsoft.com/office/drawing/2014/main" id="{6A7C1819-CDA1-4E84-8116-475AA1577D3A}"/>
               </a:ext>
             </a:extLst>
           </p:cNvPr>
@@ -3795,21 +6716,61 @@
           <p:nvPr/>
         </p:nvPicPr>
         <p:blipFill>
-          <a:blip r:embed="rId3"/>
+          <a:blip r:embed="rId2"/>
           <a:stretch>
             <a:fillRect/>
           </a:stretch>
         </p:blipFill>
         <p:spPr>
           <a:xfrm>
-            <a:off x="309600" y="1530000"/>
-            <a:ext cx="10943150" cy="5040000"/>
+            <a:off x="623073" y="1530000"/>
+            <a:ext cx="10414550" cy="5040000"/>
           </a:xfrm>
           <a:prstGeom prst="rect">
             <a:avLst/>
           </a:prstGeom>
         </p:spPr>
       </p:pic>
+      <p:sp>
+        <p:nvSpPr>
+          <p:cNvPr id="5" name="文本框 4">
+            <a:extLst>
+              <a:ext uri="{FF2B5EF4-FFF2-40B4-BE49-F238E27FC236}">
+                <a16:creationId xmlns:a16="http://schemas.microsoft.com/office/drawing/2014/main" id="{9D22AAAC-708E-45AC-9ABC-280919BB4A62}"/>
+              </a:ext>
+            </a:extLst>
+          </p:cNvPr>
+          <p:cNvSpPr txBox="1"/>
+          <p:nvPr/>
+        </p:nvSpPr>
+        <p:spPr>
+          <a:xfrm>
+            <a:off x="5830348" y="6488668"/>
+            <a:ext cx="1669410" cy="369332"/>
+          </a:xfrm>
+          <a:prstGeom prst="rect">
+            <a:avLst/>
+          </a:prstGeom>
+          <a:noFill/>
+        </p:spPr>
+        <p:txBody>
+          <a:bodyPr wrap="square" rtlCol="0">
+            <a:spAutoFit/>
+          </a:bodyPr>
+          <a:lstStyle/>
+          <a:p>
+            <a:r>
+              <a:rPr lang="zh-CN" altLang="en-US" dirty="0"/>
+              <a:t>图</a:t>
+            </a:r>
+            <a:r>
+              <a:rPr lang="en-US" altLang="zh-CN" dirty="0"/>
+              <a:t>5</a:t>
+            </a:r>
+            <a:endParaRPr lang="zh-CN" altLang="en-US" dirty="0"/>
+          </a:p>
+        </p:txBody>
+      </p:sp>
     </p:spTree>
     <p:extLst>
       <p:ext uri="{BB962C8B-B14F-4D97-AF65-F5344CB8AC3E}">
@@ -3916,10 +6877,10 @@
       </p:sp>
       <p:pic>
         <p:nvPicPr>
-          <p:cNvPr id="6" name="图片 5">
+          <p:cNvPr id="8" name="图片 7">
             <a:extLst>
               <a:ext uri="{FF2B5EF4-FFF2-40B4-BE49-F238E27FC236}">
-                <a16:creationId xmlns:a16="http://schemas.microsoft.com/office/drawing/2014/main" id="{32E15689-2C86-4518-81EE-1FE126ECD2D8}"/>
+                <a16:creationId xmlns:a16="http://schemas.microsoft.com/office/drawing/2014/main" id="{6A7C1819-CDA1-4E84-8116-475AA1577D3A}"/>
               </a:ext>
             </a:extLst>
           </p:cNvPr>
@@ -3929,15 +6890,15 @@
           <p:nvPr/>
         </p:nvPicPr>
         <p:blipFill>
-          <a:blip r:embed="rId3"/>
+          <a:blip r:embed="rId2"/>
           <a:stretch>
             <a:fillRect/>
           </a:stretch>
         </p:blipFill>
         <p:spPr>
           <a:xfrm>
-            <a:off x="309600" y="1602232"/>
-            <a:ext cx="10943150" cy="5040000"/>
+            <a:off x="465410" y="1530000"/>
+            <a:ext cx="10729875" cy="5040000"/>
           </a:xfrm>
           <a:prstGeom prst="rect">
             <a:avLst/>
@@ -3946,10 +6907,10 @@
       </p:pic>
       <p:sp>
         <p:nvSpPr>
-          <p:cNvPr id="7" name="文本框 6">
+          <p:cNvPr id="5" name="文本框 4">
             <a:extLst>
               <a:ext uri="{FF2B5EF4-FFF2-40B4-BE49-F238E27FC236}">
-                <a16:creationId xmlns:a16="http://schemas.microsoft.com/office/drawing/2014/main" id="{8BA60ABB-BE79-4C9B-9E12-893F41930953}"/>
+                <a16:creationId xmlns:a16="http://schemas.microsoft.com/office/drawing/2014/main" id="{D96B1A0E-E6F2-4A09-B738-579DEE6FB7D2}"/>
               </a:ext>
             </a:extLst>
           </p:cNvPr>
@@ -3958,15 +6919,13 @@
         </p:nvSpPr>
         <p:spPr>
           <a:xfrm>
-            <a:off x="6230470" y="1670076"/>
-            <a:ext cx="959224" cy="307777"/>
+            <a:off x="5830348" y="6488668"/>
+            <a:ext cx="1669410" cy="369332"/>
           </a:xfrm>
           <a:prstGeom prst="rect">
             <a:avLst/>
           </a:prstGeom>
-          <a:solidFill>
-            <a:schemeClr val="bg1"/>
-          </a:solidFill>
+          <a:noFill/>
         </p:spPr>
         <p:txBody>
           <a:bodyPr wrap="square" rtlCol="0">
@@ -3975,9 +6934,54 @@
           <a:lstStyle/>
           <a:p>
             <a:r>
-              <a:rPr lang="zh-CN" altLang="en-US" sz="1400" b="1" dirty="0"/>
-              <a:t>扰动体积</a:t>
-            </a:r>
+              <a:rPr lang="zh-CN" altLang="en-US" dirty="0"/>
+              <a:t>图</a:t>
+            </a:r>
+            <a:r>
+              <a:rPr lang="en-US" altLang="zh-CN" dirty="0"/>
+              <a:t>6</a:t>
+            </a:r>
+            <a:endParaRPr lang="zh-CN" altLang="en-US" dirty="0"/>
+          </a:p>
+        </p:txBody>
+      </p:sp>
+      <p:sp>
+        <p:nvSpPr>
+          <p:cNvPr id="4" name="文本框 3">
+            <a:extLst>
+              <a:ext uri="{FF2B5EF4-FFF2-40B4-BE49-F238E27FC236}">
+                <a16:creationId xmlns:a16="http://schemas.microsoft.com/office/drawing/2014/main" id="{02E9F233-A0BB-498E-A543-2357C04E3EC9}"/>
+              </a:ext>
+            </a:extLst>
+          </p:cNvPr>
+          <p:cNvSpPr txBox="1"/>
+          <p:nvPr/>
+        </p:nvSpPr>
+        <p:spPr>
+          <a:xfrm>
+            <a:off x="8498047" y="1614104"/>
+            <a:ext cx="1669409" cy="307777"/>
+          </a:xfrm>
+          <a:prstGeom prst="rect">
+            <a:avLst/>
+          </a:prstGeom>
+          <a:noFill/>
+        </p:spPr>
+        <p:txBody>
+          <a:bodyPr wrap="square" rtlCol="0">
+            <a:spAutoFit/>
+          </a:bodyPr>
+          <a:lstStyle/>
+          <a:p>
+            <a:r>
+              <a:rPr lang="zh-CN" altLang="en-US" sz="1400" dirty="0"/>
+              <a:t>相对介电常数 </a:t>
+            </a:r>
+            <a:r>
+              <a:rPr lang="en-US" altLang="zh-CN" sz="1400" dirty="0"/>
+              <a:t>1.05</a:t>
+            </a:r>
+            <a:endParaRPr lang="zh-CN" altLang="en-US" sz="1400" dirty="0"/>
           </a:p>
         </p:txBody>
       </p:sp>
@@ -3997,6 +7001,34 @@
 <file path=ppt/slides/slide14.xml><?xml version="1.0" encoding="utf-8"?>
 <p:sld xmlns:a="http://schemas.openxmlformats.org/drawingml/2006/main" xmlns:r="http://schemas.openxmlformats.org/officeDocument/2006/relationships" xmlns:p="http://schemas.openxmlformats.org/presentationml/2006/main">
   <p:cSld>
+    <p:bg>
+      <p:bgPr>
+        <a:blipFill dpi="0" rotWithShape="1">
+          <a:blip r:embed="rId2">
+            <a:duotone>
+              <a:schemeClr val="bg2">
+                <a:shade val="69000"/>
+                <a:hueMod val="108000"/>
+                <a:satMod val="164000"/>
+                <a:lumMod val="74000"/>
+              </a:schemeClr>
+              <a:schemeClr val="bg2">
+                <a:tint val="96000"/>
+                <a:hueMod val="88000"/>
+                <a:satMod val="140000"/>
+                <a:lumMod val="132000"/>
+              </a:schemeClr>
+            </a:duotone>
+            <a:lum/>
+          </a:blip>
+          <a:srcRect/>
+          <a:stretch>
+            <a:fillRect/>
+          </a:stretch>
+        </a:blipFill>
+        <a:effectLst/>
+      </p:bgPr>
+    </p:bg>
     <p:spTree>
       <p:nvGrpSpPr>
         <p:cNvPr id="1" name=""/>
@@ -4077,45 +7109,122 @@
           <a:p>
             <a:r>
               <a:rPr lang="zh-CN" altLang="en-US" dirty="0"/>
-              <a:t>求得损耗角正切绝对误差随损耗角正切变化</a:t>
-            </a:r>
+              <a:t>分析介电常数实部误差在</a:t>
+            </a:r>
+            <a:r>
+              <a:rPr lang="en-US" altLang="zh-CN" dirty="0"/>
+              <a:t>1%</a:t>
+            </a:r>
+            <a:r>
+              <a:rPr lang="zh-CN" altLang="en-US" dirty="0"/>
+              <a:t>以内的微扰条件</a:t>
+            </a:r>
+            <a:endParaRPr lang="en-US" altLang="zh-CN" dirty="0"/>
+          </a:p>
+          <a:p>
+            <a:pPr marL="0" indent="0">
+              <a:buNone/>
+            </a:pPr>
+            <a:r>
+              <a:rPr lang="zh-CN" altLang="en-US" sz="2000" dirty="0">
+                <a:latin typeface="+mn-ea"/>
+              </a:rPr>
+              <a:t>由前面图</a:t>
+            </a:r>
+            <a:r>
+              <a:rPr lang="en-US" altLang="zh-CN" sz="2000" dirty="0">
+                <a:latin typeface="+mn-ea"/>
+              </a:rPr>
+              <a:t>3</a:t>
+            </a:r>
+            <a:r>
+              <a:rPr lang="zh-CN" altLang="en-US" sz="2000" dirty="0">
+                <a:latin typeface="+mn-ea"/>
+              </a:rPr>
+              <a:t>和图</a:t>
+            </a:r>
+            <a:r>
+              <a:rPr lang="en-US" altLang="zh-CN" sz="2000" dirty="0">
+                <a:latin typeface="+mn-ea"/>
+              </a:rPr>
+              <a:t>6</a:t>
+            </a:r>
+            <a:r>
+              <a:rPr lang="zh-CN" altLang="en-US" sz="2000" dirty="0">
+                <a:latin typeface="+mn-ea"/>
+              </a:rPr>
+              <a:t>可得，在相对介电常数变化小于</a:t>
+            </a:r>
+            <a:r>
+              <a:rPr lang="en-US" altLang="zh-CN" sz="2000" dirty="0">
+                <a:latin typeface="+mn-ea"/>
+              </a:rPr>
+              <a:t>1.2</a:t>
+            </a:r>
+            <a:r>
+              <a:rPr lang="zh-CN" altLang="en-US" sz="2000" dirty="0">
+                <a:latin typeface="+mn-ea"/>
+              </a:rPr>
+              <a:t>或体积变化小于</a:t>
+            </a:r>
+            <a:r>
+              <a:rPr lang="en-US" altLang="zh-CN" sz="2000" dirty="0">
+                <a:latin typeface="+mn-ea"/>
+              </a:rPr>
+              <a:t>0.7mm</a:t>
+            </a:r>
+            <a:r>
+              <a:rPr lang="en-US" altLang="zh-CN" sz="2000" baseline="30000" dirty="0">
+                <a:latin typeface="+mn-ea"/>
+              </a:rPr>
+              <a:t>3</a:t>
+            </a:r>
+            <a:r>
+              <a:rPr lang="zh-CN" altLang="en-US" sz="2000" dirty="0">
+                <a:latin typeface="+mn-ea"/>
+              </a:rPr>
+              <a:t>（相对介电常数</a:t>
+            </a:r>
+            <a:r>
+              <a:rPr lang="en-US" altLang="zh-CN" sz="2000" dirty="0">
+                <a:latin typeface="+mn-ea"/>
+              </a:rPr>
+              <a:t>1.05</a:t>
+            </a:r>
+            <a:r>
+              <a:rPr lang="zh-CN" altLang="en-US" sz="2000" dirty="0">
+                <a:latin typeface="+mn-ea"/>
+              </a:rPr>
+              <a:t>）时，介质材料介电常数实部误差在</a:t>
+            </a:r>
+            <a:r>
+              <a:rPr lang="en-US" altLang="zh-CN" sz="2000" dirty="0">
+                <a:latin typeface="+mn-ea"/>
+              </a:rPr>
+              <a:t>1%</a:t>
+            </a:r>
+            <a:r>
+              <a:rPr lang="zh-CN" altLang="en-US" sz="2000" dirty="0">
+                <a:latin typeface="+mn-ea"/>
+              </a:rPr>
+              <a:t>以内。</a:t>
+            </a:r>
+            <a:endParaRPr lang="en-US" altLang="zh-CN" sz="2000" dirty="0">
+              <a:latin typeface="+mn-ea"/>
+            </a:endParaRPr>
+          </a:p>
+          <a:p>
+            <a:pPr marL="0" indent="0">
+              <a:buNone/>
+            </a:pPr>
+            <a:endParaRPr lang="zh-CN" altLang="en-US" dirty="0"/>
           </a:p>
         </p:txBody>
       </p:sp>
-      <p:pic>
-        <p:nvPicPr>
-          <p:cNvPr id="6" name="图片 5">
-            <a:extLst>
-              <a:ext uri="{FF2B5EF4-FFF2-40B4-BE49-F238E27FC236}">
-                <a16:creationId xmlns:a16="http://schemas.microsoft.com/office/drawing/2014/main" id="{E36470FB-2C3F-448B-A902-9958DA7E7C82}"/>
-              </a:ext>
-            </a:extLst>
-          </p:cNvPr>
-          <p:cNvPicPr>
-            <a:picLocks noChangeAspect="1"/>
-          </p:cNvPicPr>
-          <p:nvPr/>
-        </p:nvPicPr>
-        <p:blipFill>
-          <a:blip r:embed="rId2"/>
-          <a:stretch>
-            <a:fillRect/>
-          </a:stretch>
-        </p:blipFill>
-        <p:spPr>
-          <a:xfrm>
-            <a:off x="309600" y="1530000"/>
-            <a:ext cx="10943150" cy="5040000"/>
-          </a:xfrm>
-          <a:prstGeom prst="rect">
-            <a:avLst/>
-          </a:prstGeom>
-        </p:spPr>
-      </p:pic>
     </p:spTree>
     <p:extLst>
       <p:ext uri="{BB962C8B-B14F-4D97-AF65-F5344CB8AC3E}">
-        <p14:creationId xmlns:p14="http://schemas.microsoft.com/office/powerpoint/2010/main" val="2694430483"/>
+        <p14:creationId xmlns:p14="http://schemas.microsoft.com/office/powerpoint/2010/main" val="3977441641"/>
       </p:ext>
     </p:extLst>
   </p:cSld>
@@ -4208,45 +7317,61 @@
           <a:p>
             <a:r>
               <a:rPr lang="zh-CN" altLang="en-US" dirty="0"/>
-              <a:t>求得损耗角正切相对误差随损耗角正切变化</a:t>
+              <a:t>不同损耗的介质对损耗角正切求解精度的影响</a:t>
+            </a:r>
+            <a:endParaRPr lang="en-US" altLang="zh-CN" dirty="0"/>
+          </a:p>
+          <a:p>
+            <a:pPr lvl="1"/>
+            <a:r>
+              <a:rPr lang="zh-CN" altLang="en-US" dirty="0"/>
+              <a:t>求得损耗角正切绝对误差随损耗角正切增大而增大</a:t>
+            </a:r>
+            <a:endParaRPr lang="en-US" altLang="zh-CN" dirty="0"/>
+          </a:p>
+          <a:p>
+            <a:pPr lvl="1"/>
+            <a:r>
+              <a:rPr lang="zh-CN" altLang="en-US" dirty="0"/>
+              <a:t>求得损耗角正切相对误差随损耗角正切增大而增大</a:t>
+            </a:r>
+            <a:endParaRPr lang="en-US" altLang="zh-CN" dirty="0"/>
+          </a:p>
+          <a:p>
+            <a:r>
+              <a:rPr lang="zh-CN" altLang="en-US" dirty="0"/>
+              <a:t>可能的原因</a:t>
+            </a:r>
+          </a:p>
+          <a:p>
+            <a:pPr lvl="1"/>
+            <a:r>
+              <a:rPr lang="zh-CN" altLang="en-US" dirty="0"/>
+              <a:t>极端情况：插入导体</a:t>
+            </a:r>
+            <a:endParaRPr lang="en-US" altLang="zh-CN" dirty="0"/>
+          </a:p>
+          <a:p>
+            <a:pPr lvl="1"/>
+            <a:r>
+              <a:rPr lang="zh-CN" altLang="en-US" dirty="0"/>
+              <a:t>更大的损耗对场分布的影响更大</a:t>
+            </a:r>
+            <a:endParaRPr lang="en-US" altLang="zh-CN" dirty="0"/>
+          </a:p>
+          <a:p>
+            <a:pPr lvl="1"/>
+            <a:r>
+              <a:rPr lang="zh-CN" altLang="en-US" dirty="0"/>
+              <a:t>绝对误差受正切角损耗值自身大小影响</a:t>
             </a:r>
           </a:p>
         </p:txBody>
       </p:sp>
-      <p:pic>
-        <p:nvPicPr>
-          <p:cNvPr id="5" name="图片 4">
-            <a:extLst>
-              <a:ext uri="{FF2B5EF4-FFF2-40B4-BE49-F238E27FC236}">
-                <a16:creationId xmlns:a16="http://schemas.microsoft.com/office/drawing/2014/main" id="{FAEE7DA0-47E8-4A14-8A65-C4B340FD38D7}"/>
-              </a:ext>
-            </a:extLst>
-          </p:cNvPr>
-          <p:cNvPicPr>
-            <a:picLocks noChangeAspect="1"/>
-          </p:cNvPicPr>
-          <p:nvPr/>
-        </p:nvPicPr>
-        <p:blipFill>
-          <a:blip r:embed="rId2"/>
-          <a:stretch>
-            <a:fillRect/>
-          </a:stretch>
-        </p:blipFill>
-        <p:spPr>
-          <a:xfrm>
-            <a:off x="309600" y="1530000"/>
-            <a:ext cx="10943150" cy="5040000"/>
-          </a:xfrm>
-          <a:prstGeom prst="rect">
-            <a:avLst/>
-          </a:prstGeom>
-        </p:spPr>
-      </p:pic>
     </p:spTree>
     <p:extLst>
       <p:ext uri="{BB962C8B-B14F-4D97-AF65-F5344CB8AC3E}">
-        <p14:creationId xmlns:p14="http://schemas.microsoft.com/office/powerpoint/2010/main" val="2364606816"/>
+        <p14:creationId xmlns:p14="http://schemas.microsoft.com/office/powerpoint/2010/main" val="2694430483"/>
       </p:ext>
     </p:extLst>
   </p:cSld>
@@ -4257,153 +7382,6 @@
 </file>
 
 <file path=ppt/slides/slide16.xml><?xml version="1.0" encoding="utf-8"?>
-<p:sld xmlns:a="http://schemas.openxmlformats.org/drawingml/2006/main" xmlns:r="http://schemas.openxmlformats.org/officeDocument/2006/relationships" xmlns:p="http://schemas.openxmlformats.org/presentationml/2006/main">
-  <p:cSld>
-    <p:spTree>
-      <p:nvGrpSpPr>
-        <p:cNvPr id="1" name=""/>
-        <p:cNvGrpSpPr/>
-        <p:nvPr/>
-      </p:nvGrpSpPr>
-      <p:grpSpPr>
-        <a:xfrm>
-          <a:off x="0" y="0"/>
-          <a:ext cx="0" cy="0"/>
-          <a:chOff x="0" y="0"/>
-          <a:chExt cx="0" cy="0"/>
-        </a:xfrm>
-      </p:grpSpPr>
-      <p:sp>
-        <p:nvSpPr>
-          <p:cNvPr id="2" name="标题 1">
-            <a:extLst>
-              <a:ext uri="{FF2B5EF4-FFF2-40B4-BE49-F238E27FC236}">
-                <a16:creationId xmlns:a16="http://schemas.microsoft.com/office/drawing/2014/main" id="{5C7FB163-DF39-4671-9B17-CAD430E46F87}"/>
-              </a:ext>
-            </a:extLst>
-          </p:cNvPr>
-          <p:cNvSpPr>
-            <a:spLocks noGrp="1"/>
-          </p:cNvSpPr>
-          <p:nvPr>
-            <p:ph type="title"/>
-          </p:nvPr>
-        </p:nvSpPr>
-        <p:spPr>
-          <a:xfrm>
-            <a:off x="838200" y="0"/>
-            <a:ext cx="10515600" cy="1325563"/>
-          </a:xfrm>
-        </p:spPr>
-        <p:txBody>
-          <a:bodyPr>
-            <a:normAutofit/>
-          </a:bodyPr>
-          <a:lstStyle/>
-          <a:p>
-            <a:r>
-              <a:rPr lang="zh-CN" altLang="en-US" sz="4000" b="1" dirty="0">
-                <a:latin typeface="楷体" panose="02010609060101010101" pitchFamily="49" charset="-122"/>
-                <a:ea typeface="楷体" panose="02010609060101010101" pitchFamily="49" charset="-122"/>
-              </a:rPr>
-              <a:t>介质参数求解误差分析</a:t>
-            </a:r>
-          </a:p>
-        </p:txBody>
-      </p:sp>
-      <p:sp>
-        <p:nvSpPr>
-          <p:cNvPr id="3" name="内容占位符 2">
-            <a:extLst>
-              <a:ext uri="{FF2B5EF4-FFF2-40B4-BE49-F238E27FC236}">
-                <a16:creationId xmlns:a16="http://schemas.microsoft.com/office/drawing/2014/main" id="{972DC4F2-AD9D-4716-9998-9D2346420414}"/>
-              </a:ext>
-            </a:extLst>
-          </p:cNvPr>
-          <p:cNvSpPr>
-            <a:spLocks noGrp="1"/>
-          </p:cNvSpPr>
-          <p:nvPr>
-            <p:ph idx="1"/>
-          </p:nvPr>
-        </p:nvSpPr>
-        <p:spPr>
-          <a:xfrm>
-            <a:off x="838200" y="1253331"/>
-            <a:ext cx="10515600" cy="4351338"/>
-          </a:xfrm>
-        </p:spPr>
-        <p:txBody>
-          <a:bodyPr/>
-          <a:lstStyle/>
-          <a:p>
-            <a:r>
-              <a:rPr lang="zh-CN" altLang="en-US" dirty="0"/>
-              <a:t>不同损耗的介质对损耗角正切求解精度的影响</a:t>
-            </a:r>
-            <a:endParaRPr lang="en-US" altLang="zh-CN" dirty="0"/>
-          </a:p>
-          <a:p>
-            <a:pPr lvl="1"/>
-            <a:r>
-              <a:rPr lang="zh-CN" altLang="en-US" dirty="0"/>
-              <a:t>求得损耗角正切绝对误差随损耗角正切增大而增大</a:t>
-            </a:r>
-            <a:endParaRPr lang="en-US" altLang="zh-CN" dirty="0"/>
-          </a:p>
-          <a:p>
-            <a:pPr lvl="1"/>
-            <a:r>
-              <a:rPr lang="zh-CN" altLang="en-US" dirty="0"/>
-              <a:t>求得损耗角正切相对误差随损耗角正切增大而增大</a:t>
-            </a:r>
-            <a:endParaRPr lang="en-US" altLang="zh-CN" dirty="0"/>
-          </a:p>
-          <a:p>
-            <a:r>
-              <a:rPr lang="zh-CN" altLang="en-US" dirty="0"/>
-              <a:t>可能的原因</a:t>
-            </a:r>
-          </a:p>
-          <a:p>
-            <a:pPr lvl="1"/>
-            <a:r>
-              <a:rPr lang="zh-CN" altLang="en-US" dirty="0"/>
-              <a:t>极端情况：插入导体</a:t>
-            </a:r>
-            <a:endParaRPr lang="en-US" altLang="zh-CN" dirty="0"/>
-          </a:p>
-          <a:p>
-            <a:pPr lvl="1"/>
-            <a:r>
-              <a:rPr lang="zh-CN" altLang="en-US" dirty="0"/>
-              <a:t>更大的损耗对场分布的影响更大</a:t>
-            </a:r>
-            <a:endParaRPr lang="en-US" altLang="zh-CN" dirty="0"/>
-          </a:p>
-          <a:p>
-            <a:pPr lvl="1"/>
-            <a:r>
-              <a:rPr lang="zh-CN" altLang="en-US" dirty="0"/>
-              <a:t>绝对误差受正切角损耗值自身大小影响</a:t>
-            </a:r>
-          </a:p>
-        </p:txBody>
-      </p:sp>
-    </p:spTree>
-    <p:extLst>
-      <p:ext uri="{BB962C8B-B14F-4D97-AF65-F5344CB8AC3E}">
-        <p14:creationId xmlns:p14="http://schemas.microsoft.com/office/powerpoint/2010/main" val="1239333806"/>
-      </p:ext>
-    </p:extLst>
-  </p:cSld>
-  <p:clrMapOvr>
-    <a:masterClrMapping/>
-  </p:clrMapOvr>
-</p:sld>
-</file>
-
-<file path=ppt/slides/slide17.xml><?xml version="1.0" encoding="utf-8"?>
 <p:sld xmlns:a="http://schemas.openxmlformats.org/drawingml/2006/main" xmlns:r="http://schemas.openxmlformats.org/officeDocument/2006/relationships" xmlns:p="http://schemas.openxmlformats.org/presentationml/2006/main">
   <p:cSld>
     <p:spTree>
@@ -7893,7 +10871,7 @@
 </p:sld>
 </file>
 
-<file path=ppt/slides/slide18.xml><?xml version="1.0" encoding="utf-8"?>
+<file path=ppt/slides/slide17.xml><?xml version="1.0" encoding="utf-8"?>
 <p:sld xmlns:a="http://schemas.openxmlformats.org/drawingml/2006/main" xmlns:r="http://schemas.openxmlformats.org/officeDocument/2006/relationships" xmlns:p="http://schemas.openxmlformats.org/presentationml/2006/main">
   <p:cSld>
     <p:spTree>
@@ -8072,10 +11050,6 @@
               <a:t>实际介质存在各向异性</a:t>
             </a:r>
             <a:endParaRPr lang="en-US" altLang="zh-CN" dirty="0"/>
-          </a:p>
-          <a:p>
-            <a:pPr lvl="1"/>
-            <a:endParaRPr lang="zh-CN" altLang="en-US" dirty="0"/>
           </a:p>
         </p:txBody>
       </p:sp>
@@ -8133,7 +11107,7 @@
         </p:spPr>
         <p:txBody>
           <a:bodyPr>
-            <a:normAutofit lnSpcReduction="10000"/>
+            <a:normAutofit/>
           </a:bodyPr>
           <a:lstStyle/>
           <a:p>
@@ -8402,8 +11376,8 @@
           </a:p>
         </p:txBody>
       </p:sp>
-      <mc:AlternateContent xmlns:mc="http://schemas.openxmlformats.org/markup-compatibility/2006">
-        <mc:Choice xmlns:a14="http://schemas.microsoft.com/office/drawing/2010/main" Requires="a14">
+      <mc:AlternateContent xmlns:mc="http://schemas.openxmlformats.org/markup-compatibility/2006" xmlns:a14="http://schemas.microsoft.com/office/drawing/2010/main">
+        <mc:Choice Requires="a14">
           <p:sp>
             <p:nvSpPr>
               <p:cNvPr id="4" name="内容占位符 3">
@@ -9611,7 +12585,7 @@
             </p:txBody>
           </p:sp>
         </mc:Choice>
-        <mc:Fallback>
+        <mc:Fallback xmlns="">
           <p:sp>
             <p:nvSpPr>
               <p:cNvPr id="4" name="内容占位符 3">
@@ -10039,6 +13013,54 @@
           </a:p>
         </p:txBody>
       </p:sp>
+      <p:sp>
+        <p:nvSpPr>
+          <p:cNvPr id="12" name="内容占位符 2">
+            <a:extLst>
+              <a:ext uri="{FF2B5EF4-FFF2-40B4-BE49-F238E27FC236}">
+                <a16:creationId xmlns:a16="http://schemas.microsoft.com/office/drawing/2014/main" id="{87BA3D16-774D-4E91-9C0F-B60961242A8F}"/>
+              </a:ext>
+            </a:extLst>
+          </p:cNvPr>
+          <p:cNvSpPr>
+            <a:spLocks noGrp="1"/>
+          </p:cNvSpPr>
+          <p:nvPr>
+            <p:ph idx="1"/>
+          </p:nvPr>
+        </p:nvSpPr>
+        <p:spPr>
+          <a:xfrm>
+            <a:off x="838200" y="1325563"/>
+            <a:ext cx="1528549" cy="508149"/>
+          </a:xfrm>
+        </p:spPr>
+        <p:txBody>
+          <a:bodyPr>
+            <a:noAutofit/>
+          </a:bodyPr>
+          <a:lstStyle/>
+          <a:p>
+            <a:pPr marL="0" indent="0">
+              <a:lnSpc>
+                <a:spcPct val="120000"/>
+              </a:lnSpc>
+              <a:buNone/>
+            </a:pPr>
+            <a:r>
+              <a:rPr lang="zh-CN" altLang="en-US" sz="2000" dirty="0">
+                <a:latin typeface="宋体" panose="02010600030101010101" pitchFamily="2" charset="-122"/>
+                <a:ea typeface="宋体" panose="02010600030101010101" pitchFamily="2" charset="-122"/>
+              </a:rPr>
+              <a:t>电场透视图</a:t>
+            </a:r>
+            <a:endParaRPr lang="en-US" altLang="zh-CN" sz="2000" dirty="0">
+              <a:latin typeface="宋体" panose="02010600030101010101" pitchFamily="2" charset="-122"/>
+              <a:ea typeface="宋体" panose="02010600030101010101" pitchFamily="2" charset="-122"/>
+            </a:endParaRPr>
+          </a:p>
+        </p:txBody>
+      </p:sp>
       <p:pic>
         <p:nvPicPr>
           <p:cNvPr id="9" name="图片 8">
@@ -10111,54 +13133,6 @@
           </a:prstGeom>
         </p:spPr>
       </p:pic>
-      <p:sp>
-        <p:nvSpPr>
-          <p:cNvPr id="12" name="内容占位符 2">
-            <a:extLst>
-              <a:ext uri="{FF2B5EF4-FFF2-40B4-BE49-F238E27FC236}">
-                <a16:creationId xmlns:a16="http://schemas.microsoft.com/office/drawing/2014/main" id="{87BA3D16-774D-4E91-9C0F-B60961242A8F}"/>
-              </a:ext>
-            </a:extLst>
-          </p:cNvPr>
-          <p:cNvSpPr>
-            <a:spLocks noGrp="1"/>
-          </p:cNvSpPr>
-          <p:nvPr>
-            <p:ph idx="1"/>
-          </p:nvPr>
-        </p:nvSpPr>
-        <p:spPr>
-          <a:xfrm>
-            <a:off x="838200" y="1325563"/>
-            <a:ext cx="1528549" cy="508149"/>
-          </a:xfrm>
-        </p:spPr>
-        <p:txBody>
-          <a:bodyPr>
-            <a:noAutofit/>
-          </a:bodyPr>
-          <a:lstStyle/>
-          <a:p>
-            <a:pPr marL="0" indent="0">
-              <a:lnSpc>
-                <a:spcPct val="120000"/>
-              </a:lnSpc>
-              <a:buNone/>
-            </a:pPr>
-            <a:r>
-              <a:rPr lang="zh-CN" altLang="en-US" sz="2000" dirty="0">
-                <a:latin typeface="宋体" panose="02010600030101010101" pitchFamily="2" charset="-122"/>
-                <a:ea typeface="宋体" panose="02010600030101010101" pitchFamily="2" charset="-122"/>
-              </a:rPr>
-              <a:t>电场透视图</a:t>
-            </a:r>
-            <a:endParaRPr lang="en-US" altLang="zh-CN" sz="2000" dirty="0">
-              <a:latin typeface="宋体" panose="02010600030101010101" pitchFamily="2" charset="-122"/>
-              <a:ea typeface="宋体" panose="02010600030101010101" pitchFamily="2" charset="-122"/>
-            </a:endParaRPr>
-          </a:p>
-        </p:txBody>
-      </p:sp>
       <p:sp>
         <p:nvSpPr>
           <p:cNvPr id="13" name="内容占位符 2">
@@ -12531,6 +15505,34 @@
 <file path=ppt/slides/slide7.xml><?xml version="1.0" encoding="utf-8"?>
 <p:sld xmlns:a="http://schemas.openxmlformats.org/drawingml/2006/main" xmlns:r="http://schemas.openxmlformats.org/officeDocument/2006/relationships" xmlns:p="http://schemas.openxmlformats.org/presentationml/2006/main">
   <p:cSld>
+    <p:bg>
+      <p:bgPr>
+        <a:blipFill dpi="0" rotWithShape="1">
+          <a:blip r:embed="rId2">
+            <a:duotone>
+              <a:schemeClr val="bg2">
+                <a:shade val="69000"/>
+                <a:hueMod val="108000"/>
+                <a:satMod val="164000"/>
+                <a:lumMod val="74000"/>
+              </a:schemeClr>
+              <a:schemeClr val="bg2">
+                <a:tint val="96000"/>
+                <a:hueMod val="88000"/>
+                <a:satMod val="140000"/>
+                <a:lumMod val="132000"/>
+              </a:schemeClr>
+            </a:duotone>
+            <a:lum/>
+          </a:blip>
+          <a:srcRect/>
+          <a:stretch>
+            <a:fillRect/>
+          </a:stretch>
+        </a:blipFill>
+        <a:effectLst/>
+      </p:bgPr>
+    </p:bg>
     <p:spTree>
       <p:nvGrpSpPr>
         <p:cNvPr id="1" name=""/>
@@ -12583,8 +15585,8 @@
           </a:p>
         </p:txBody>
       </p:sp>
-      <mc:AlternateContent xmlns:mc="http://schemas.openxmlformats.org/markup-compatibility/2006" xmlns:a14="http://schemas.microsoft.com/office/drawing/2010/main">
-        <mc:Choice Requires="a14">
+      <mc:AlternateContent xmlns:mc="http://schemas.openxmlformats.org/markup-compatibility/2006">
+        <mc:Choice xmlns:a14="http://schemas.microsoft.com/office/drawing/2010/main" Requires="a14">
           <p:sp>
             <p:nvSpPr>
               <p:cNvPr id="3" name="内容占位符 2">
@@ -13471,7 +16473,7 @@
             </p:txBody>
           </p:sp>
         </mc:Choice>
-        <mc:Fallback xmlns="">
+        <mc:Fallback>
           <p:sp>
             <p:nvSpPr>
               <p:cNvPr id="3" name="内容占位符 2">
@@ -13494,9 +16496,9 @@
                 <a:ext cx="5102753" cy="4338736"/>
               </a:xfrm>
               <a:blipFill>
-                <a:blip r:embed="rId2"/>
+                <a:blip r:embed="rId3"/>
                 <a:stretch>
-                  <a:fillRect l="-1314" t="-1404" r="-239"/>
+                  <a:fillRect l="-1314" t="-702" r="-1195"/>
                 </a:stretch>
               </a:blipFill>
             </p:spPr>
@@ -14366,7 +17368,7 @@
                 <a:avLst/>
               </a:prstGeom>
               <a:blipFill>
-                <a:blip r:embed="rId3"/>
+                <a:blip r:embed="rId4"/>
                 <a:stretch>
                   <a:fillRect l="-1100" t="-972" r="-500"/>
                 </a:stretch>
@@ -14403,6 +17405,35 @@
 <file path=ppt/slides/slide8.xml><?xml version="1.0" encoding="utf-8"?>
 <p:sld xmlns:a="http://schemas.openxmlformats.org/drawingml/2006/main" xmlns:r="http://schemas.openxmlformats.org/officeDocument/2006/relationships" xmlns:p="http://schemas.openxmlformats.org/presentationml/2006/main">
   <p:cSld>
+    <p:bg>
+      <p:bgPr>
+        <a:blipFill dpi="0" rotWithShape="1">
+          <a:blip r:embed="rId2">
+            <a:alphaModFix amt="0"/>
+            <a:duotone>
+              <a:schemeClr val="bg2">
+                <a:shade val="69000"/>
+                <a:hueMod val="108000"/>
+                <a:satMod val="164000"/>
+                <a:lumMod val="74000"/>
+              </a:schemeClr>
+              <a:schemeClr val="bg2">
+                <a:tint val="96000"/>
+                <a:hueMod val="88000"/>
+                <a:satMod val="140000"/>
+                <a:lumMod val="132000"/>
+              </a:schemeClr>
+            </a:duotone>
+            <a:lum/>
+          </a:blip>
+          <a:srcRect/>
+          <a:stretch>
+            <a:fillRect/>
+          </a:stretch>
+        </a:blipFill>
+        <a:effectLst/>
+      </p:bgPr>
+    </p:bg>
     <p:spTree>
       <p:nvGrpSpPr>
         <p:cNvPr id="1" name=""/>
@@ -14447,6 +17478,9 @@
           <a:p>
             <a:r>
               <a:rPr lang="zh-CN" altLang="en-US" sz="4000" b="1" dirty="0">
+                <a:solidFill>
+                  <a:schemeClr val="bg2"/>
+                </a:solidFill>
                 <a:latin typeface="楷体" panose="02010609060101010101" pitchFamily="49" charset="-122"/>
                 <a:ea typeface="楷体" panose="02010609060101010101" pitchFamily="49" charset="-122"/>
               </a:rPr>
@@ -14503,7 +17537,7 @@
           <p:nvPr/>
         </p:nvPicPr>
         <p:blipFill>
-          <a:blip r:embed="rId2"/>
+          <a:blip r:embed="rId3"/>
           <a:stretch>
             <a:fillRect/>
           </a:stretch>
@@ -14518,6 +17552,46 @@
           </a:prstGeom>
         </p:spPr>
       </p:pic>
+      <p:sp>
+        <p:nvSpPr>
+          <p:cNvPr id="4" name="文本框 3">
+            <a:extLst>
+              <a:ext uri="{FF2B5EF4-FFF2-40B4-BE49-F238E27FC236}">
+                <a16:creationId xmlns:a16="http://schemas.microsoft.com/office/drawing/2014/main" id="{607E50DA-B116-46CE-809D-FBA427D36ACB}"/>
+              </a:ext>
+            </a:extLst>
+          </p:cNvPr>
+          <p:cNvSpPr txBox="1"/>
+          <p:nvPr/>
+        </p:nvSpPr>
+        <p:spPr>
+          <a:xfrm>
+            <a:off x="5830348" y="6488668"/>
+            <a:ext cx="1669410" cy="369332"/>
+          </a:xfrm>
+          <a:prstGeom prst="rect">
+            <a:avLst/>
+          </a:prstGeom>
+          <a:noFill/>
+        </p:spPr>
+        <p:txBody>
+          <a:bodyPr wrap="square" rtlCol="0">
+            <a:spAutoFit/>
+          </a:bodyPr>
+          <a:lstStyle/>
+          <a:p>
+            <a:r>
+              <a:rPr lang="zh-CN" altLang="en-US" dirty="0"/>
+              <a:t>图</a:t>
+            </a:r>
+            <a:r>
+              <a:rPr lang="en-US" altLang="zh-CN" dirty="0"/>
+              <a:t>1</a:t>
+            </a:r>
+            <a:endParaRPr lang="zh-CN" altLang="en-US" dirty="0"/>
+          </a:p>
+        </p:txBody>
+      </p:sp>
     </p:spTree>
     <p:extLst>
       <p:ext uri="{BB962C8B-B14F-4D97-AF65-F5344CB8AC3E}">
@@ -14534,6 +17608,35 @@
 <file path=ppt/slides/slide9.xml><?xml version="1.0" encoding="utf-8"?>
 <p:sld xmlns:a="http://schemas.openxmlformats.org/drawingml/2006/main" xmlns:r="http://schemas.openxmlformats.org/officeDocument/2006/relationships" xmlns:p="http://schemas.openxmlformats.org/presentationml/2006/main">
   <p:cSld>
+    <p:bg>
+      <p:bgPr>
+        <a:blipFill dpi="0" rotWithShape="1">
+          <a:blip r:embed="rId2">
+            <a:alphaModFix amt="0"/>
+            <a:duotone>
+              <a:schemeClr val="bg2">
+                <a:shade val="69000"/>
+                <a:hueMod val="108000"/>
+                <a:satMod val="164000"/>
+                <a:lumMod val="74000"/>
+              </a:schemeClr>
+              <a:schemeClr val="bg2">
+                <a:tint val="96000"/>
+                <a:hueMod val="88000"/>
+                <a:satMod val="140000"/>
+                <a:lumMod val="132000"/>
+              </a:schemeClr>
+            </a:duotone>
+            <a:lum/>
+          </a:blip>
+          <a:srcRect/>
+          <a:stretch>
+            <a:fillRect/>
+          </a:stretch>
+        </a:blipFill>
+        <a:effectLst/>
+      </p:bgPr>
+    </p:bg>
     <p:spTree>
       <p:nvGrpSpPr>
         <p:cNvPr id="1" name=""/>
@@ -14578,6 +17681,9 @@
           <a:p>
             <a:r>
               <a:rPr lang="zh-CN" altLang="en-US" sz="4000" b="1" dirty="0">
+                <a:solidFill>
+                  <a:schemeClr val="bg2"/>
+                </a:solidFill>
                 <a:latin typeface="楷体" panose="02010609060101010101" pitchFamily="49" charset="-122"/>
                 <a:ea typeface="楷体" panose="02010609060101010101" pitchFamily="49" charset="-122"/>
               </a:rPr>
@@ -14637,14 +17743,16 @@
           <p:nvPr/>
         </p:nvPicPr>
         <p:blipFill>
-          <a:blip r:embed="rId2"/>
+          <a:blip r:embed="rId3">
+            <a:lum contrast="10000"/>
+          </a:blip>
           <a:stretch>
             <a:fillRect/>
           </a:stretch>
         </p:blipFill>
         <p:spPr>
           <a:xfrm>
-            <a:off x="310718" y="1529037"/>
+            <a:off x="282143" y="1529037"/>
             <a:ext cx="10943149" cy="5040000"/>
           </a:xfrm>
           <a:prstGeom prst="rect">
@@ -14652,6 +17760,46 @@
           </a:prstGeom>
         </p:spPr>
       </p:pic>
+      <p:sp>
+        <p:nvSpPr>
+          <p:cNvPr id="6" name="文本框 5">
+            <a:extLst>
+              <a:ext uri="{FF2B5EF4-FFF2-40B4-BE49-F238E27FC236}">
+                <a16:creationId xmlns:a16="http://schemas.microsoft.com/office/drawing/2014/main" id="{F70DF0C0-51F7-44BC-8ADD-C0EFC97747FA}"/>
+              </a:ext>
+            </a:extLst>
+          </p:cNvPr>
+          <p:cNvSpPr txBox="1"/>
+          <p:nvPr/>
+        </p:nvSpPr>
+        <p:spPr>
+          <a:xfrm>
+            <a:off x="5821959" y="6488668"/>
+            <a:ext cx="1669410" cy="369332"/>
+          </a:xfrm>
+          <a:prstGeom prst="rect">
+            <a:avLst/>
+          </a:prstGeom>
+          <a:noFill/>
+        </p:spPr>
+        <p:txBody>
+          <a:bodyPr wrap="square" rtlCol="0">
+            <a:spAutoFit/>
+          </a:bodyPr>
+          <a:lstStyle/>
+          <a:p>
+            <a:r>
+              <a:rPr lang="zh-CN" altLang="en-US" dirty="0"/>
+              <a:t>图</a:t>
+            </a:r>
+            <a:r>
+              <a:rPr lang="en-US" altLang="zh-CN" dirty="0"/>
+              <a:t>2</a:t>
+            </a:r>
+            <a:endParaRPr lang="zh-CN" altLang="en-US" dirty="0"/>
+          </a:p>
+        </p:txBody>
+      </p:sp>
     </p:spTree>
     <p:extLst>
       <p:ext uri="{BB962C8B-B14F-4D97-AF65-F5344CB8AC3E}">
@@ -14666,9 +17814,9 @@
 </file>
 
 <file path=ppt/theme/theme1.xml><?xml version="1.0" encoding="utf-8"?>
-<a:theme xmlns:a="http://schemas.openxmlformats.org/drawingml/2006/main" name="Office 主题​​">
+<a:theme xmlns:a="http://schemas.openxmlformats.org/drawingml/2006/main" name="离子">
   <a:themeElements>
-    <a:clrScheme name="Office">
+    <a:clrScheme name="离子">
       <a:dk1>
         <a:sysClr val="windowText" lastClr="000000"/>
       </a:dk1>
@@ -14676,44 +17824,44 @@
         <a:sysClr val="window" lastClr="FFFFFF"/>
       </a:lt1>
       <a:dk2>
-        <a:srgbClr val="44546A"/>
+        <a:srgbClr val="1E5155"/>
       </a:dk2>
       <a:lt2>
-        <a:srgbClr val="E7E6E6"/>
+        <a:srgbClr val="EBEBEB"/>
       </a:lt2>
       <a:accent1>
-        <a:srgbClr val="4472C4"/>
+        <a:srgbClr val="B01513"/>
       </a:accent1>
       <a:accent2>
-        <a:srgbClr val="ED7D31"/>
+        <a:srgbClr val="EA6312"/>
       </a:accent2>
       <a:accent3>
-        <a:srgbClr val="A5A5A5"/>
+        <a:srgbClr val="E6B729"/>
       </a:accent3>
       <a:accent4>
-        <a:srgbClr val="FFC000"/>
+        <a:srgbClr val="6AAC90"/>
       </a:accent4>
       <a:accent5>
-        <a:srgbClr val="5B9BD5"/>
+        <a:srgbClr val="54849A"/>
       </a:accent5>
       <a:accent6>
-        <a:srgbClr val="70AD47"/>
+        <a:srgbClr val="9E5E9B"/>
       </a:accent6>
       <a:hlink>
-        <a:srgbClr val="0563C1"/>
+        <a:srgbClr val="58C1BA"/>
       </a:hlink>
       <a:folHlink>
-        <a:srgbClr val="954F72"/>
+        <a:srgbClr val="9DFFCB"/>
       </a:folHlink>
     </a:clrScheme>
-    <a:fontScheme name="Office">
+    <a:fontScheme name="离子">
       <a:majorFont>
-        <a:latin typeface="等线 Light" panose="020F0302020204030204"/>
+        <a:latin typeface="Century Gothic" panose="020B0502020202020204"/>
         <a:ea typeface=""/>
         <a:cs typeface=""/>
-        <a:font script="Jpan" typeface="游ゴシック Light"/>
+        <a:font script="Jpan" typeface="メイリオ"/>
         <a:font script="Hang" typeface="맑은 고딕"/>
-        <a:font script="Hans" typeface="等线 Light"/>
+        <a:font script="Hans" typeface="宋体"/>
         <a:font script="Hant" typeface="新細明體"/>
         <a:font script="Arab" typeface="Times New Roman"/>
         <a:font script="Hebr" typeface="Times New Roman"/>
@@ -14741,31 +17889,14 @@
         <a:font script="Viet" typeface="Times New Roman"/>
         <a:font script="Uigh" typeface="Microsoft Uighur"/>
         <a:font script="Geor" typeface="Sylfaen"/>
-        <a:font script="Armn" typeface="Arial"/>
-        <a:font script="Bugi" typeface="Leelawadee UI"/>
-        <a:font script="Bopo" typeface="Microsoft JhengHei"/>
-        <a:font script="Java" typeface="Javanese Text"/>
-        <a:font script="Lisu" typeface="Segoe UI"/>
-        <a:font script="Mymr" typeface="Myanmar Text"/>
-        <a:font script="Nkoo" typeface="Ebrima"/>
-        <a:font script="Olck" typeface="Nirmala UI"/>
-        <a:font script="Osma" typeface="Ebrima"/>
-        <a:font script="Phag" typeface="Phagspa"/>
-        <a:font script="Syrn" typeface="Estrangelo Edessa"/>
-        <a:font script="Syrj" typeface="Estrangelo Edessa"/>
-        <a:font script="Syre" typeface="Estrangelo Edessa"/>
-        <a:font script="Sora" typeface="Nirmala UI"/>
-        <a:font script="Tale" typeface="Microsoft Tai Le"/>
-        <a:font script="Talu" typeface="Microsoft New Tai Lue"/>
-        <a:font script="Tfng" typeface="Ebrima"/>
       </a:majorFont>
       <a:minorFont>
-        <a:latin typeface="等线" panose="020F0502020204030204"/>
+        <a:latin typeface="Century Gothic" panose="020B0502020202020204"/>
         <a:ea typeface=""/>
         <a:cs typeface=""/>
-        <a:font script="Jpan" typeface="游ゴシック"/>
+        <a:font script="Jpan" typeface="メイリオ"/>
         <a:font script="Hang" typeface="맑은 고딕"/>
-        <a:font script="Hans" typeface="等线"/>
+        <a:font script="Hans" typeface="宋体"/>
         <a:font script="Hant" typeface="新細明體"/>
         <a:font script="Arab" typeface="Arial"/>
         <a:font script="Hebr" typeface="Arial"/>
@@ -14793,26 +17924,9 @@
         <a:font script="Viet" typeface="Arial"/>
         <a:font script="Uigh" typeface="Microsoft Uighur"/>
         <a:font script="Geor" typeface="Sylfaen"/>
-        <a:font script="Armn" typeface="Arial"/>
-        <a:font script="Bugi" typeface="Leelawadee UI"/>
-        <a:font script="Bopo" typeface="Microsoft JhengHei"/>
-        <a:font script="Java" typeface="Javanese Text"/>
-        <a:font script="Lisu" typeface="Segoe UI"/>
-        <a:font script="Mymr" typeface="Myanmar Text"/>
-        <a:font script="Nkoo" typeface="Ebrima"/>
-        <a:font script="Olck" typeface="Nirmala UI"/>
-        <a:font script="Osma" typeface="Ebrima"/>
-        <a:font script="Phag" typeface="Phagspa"/>
-        <a:font script="Syrn" typeface="Estrangelo Edessa"/>
-        <a:font script="Syrj" typeface="Estrangelo Edessa"/>
-        <a:font script="Syre" typeface="Estrangelo Edessa"/>
-        <a:font script="Sora" typeface="Nirmala UI"/>
-        <a:font script="Tale" typeface="Microsoft Tai Le"/>
-        <a:font script="Talu" typeface="Microsoft New Tai Lue"/>
-        <a:font script="Tfng" typeface="Ebrima"/>
       </a:minorFont>
     </a:fontScheme>
-    <a:fmtScheme name="Office">
+    <a:fmtScheme name="离子">
       <a:fillStyleLst>
         <a:solidFill>
           <a:schemeClr val="phClr"/>
@@ -14821,23 +17935,15 @@
           <a:gsLst>
             <a:gs pos="0">
               <a:schemeClr val="phClr">
-                <a:lumMod val="110000"/>
-                <a:satMod val="105000"/>
-                <a:tint val="67000"/>
-              </a:schemeClr>
-            </a:gs>
-            <a:gs pos="50000">
-              <a:schemeClr val="phClr">
-                <a:lumMod val="105000"/>
-                <a:satMod val="103000"/>
-                <a:tint val="73000"/>
+                <a:tint val="64000"/>
+                <a:lumMod val="118000"/>
               </a:schemeClr>
             </a:gs>
             <a:gs pos="100000">
               <a:schemeClr val="phClr">
-                <a:lumMod val="105000"/>
-                <a:satMod val="109000"/>
-                <a:tint val="81000"/>
+                <a:tint val="92000"/>
+                <a:alpha val="100000"/>
+                <a:lumMod val="110000"/>
               </a:schemeClr>
             </a:gs>
           </a:gsLst>
@@ -14847,23 +17953,14 @@
           <a:gsLst>
             <a:gs pos="0">
               <a:schemeClr val="phClr">
-                <a:satMod val="103000"/>
-                <a:lumMod val="102000"/>
-                <a:tint val="94000"/>
-              </a:schemeClr>
-            </a:gs>
-            <a:gs pos="50000">
-              <a:schemeClr val="phClr">
-                <a:satMod val="110000"/>
-                <a:lumMod val="100000"/>
-                <a:shade val="100000"/>
+                <a:tint val="98000"/>
+                <a:lumMod val="114000"/>
               </a:schemeClr>
             </a:gs>
             <a:gs pos="100000">
               <a:schemeClr val="phClr">
-                <a:lumMod val="99000"/>
-                <a:satMod val="120000"/>
-                <a:shade val="78000"/>
+                <a:shade val="90000"/>
+                <a:lumMod val="84000"/>
               </a:schemeClr>
             </a:gs>
           </a:gsLst>
@@ -14871,26 +17968,23 @@
         </a:gradFill>
       </a:fillStyleLst>
       <a:lnStyleLst>
-        <a:ln w="6350" cap="flat" cmpd="sng" algn="ctr">
+        <a:ln w="9525" cap="rnd" cmpd="sng" algn="ctr">
           <a:solidFill>
             <a:schemeClr val="phClr"/>
           </a:solidFill>
           <a:prstDash val="solid"/>
-          <a:miter lim="800000"/>
         </a:ln>
-        <a:ln w="12700" cap="flat" cmpd="sng" algn="ctr">
+        <a:ln w="19050" cap="rnd" cmpd="sng" algn="ctr">
           <a:solidFill>
             <a:schemeClr val="phClr"/>
           </a:solidFill>
           <a:prstDash val="solid"/>
-          <a:miter lim="800000"/>
         </a:ln>
-        <a:ln w="19050" cap="flat" cmpd="sng" algn="ctr">
+        <a:ln w="28575" cap="rnd" cmpd="sng" algn="ctr">
           <a:solidFill>
             <a:schemeClr val="phClr"/>
           </a:solidFill>
           <a:prstDash val="solid"/>
-          <a:miter lim="800000"/>
         </a:ln>
       </a:lnStyleLst>
       <a:effectStyleLst>
@@ -14898,55 +17992,80 @@
           <a:effectLst/>
         </a:effectStyle>
         <a:effectStyle>
-          <a:effectLst/>
+          <a:effectLst>
+            <a:outerShdw blurRad="38100" dist="25400" dir="5400000" rotWithShape="0">
+              <a:srgbClr val="000000">
+                <a:alpha val="45000"/>
+              </a:srgbClr>
+            </a:outerShdw>
+          </a:effectLst>
         </a:effectStyle>
         <a:effectStyle>
           <a:effectLst>
-            <a:outerShdw blurRad="57150" dist="19050" dir="5400000" algn="ctr" rotWithShape="0">
+            <a:outerShdw blurRad="63500" dist="38100" dir="5400000" rotWithShape="0">
               <a:srgbClr val="000000">
-                <a:alpha val="63000"/>
+                <a:alpha val="60000"/>
               </a:srgbClr>
             </a:outerShdw>
           </a:effectLst>
+          <a:scene3d>
+            <a:camera prst="orthographicFront">
+              <a:rot lat="0" lon="0" rev="0"/>
+            </a:camera>
+            <a:lightRig rig="threePt" dir="tl"/>
+          </a:scene3d>
+          <a:sp3d prstMaterial="plastic">
+            <a:bevelT w="0" h="0"/>
+          </a:sp3d>
         </a:effectStyle>
       </a:effectStyleLst>
       <a:bgFillStyleLst>
         <a:solidFill>
           <a:schemeClr val="phClr"/>
         </a:solidFill>
-        <a:solidFill>
-          <a:schemeClr val="phClr">
-            <a:tint val="95000"/>
-            <a:satMod val="170000"/>
-          </a:schemeClr>
-        </a:solidFill>
         <a:gradFill rotWithShape="1">
           <a:gsLst>
             <a:gs pos="0">
               <a:schemeClr val="phClr">
-                <a:tint val="93000"/>
-                <a:satMod val="150000"/>
-                <a:shade val="98000"/>
-                <a:lumMod val="102000"/>
-              </a:schemeClr>
-            </a:gs>
-            <a:gs pos="50000">
-              <a:schemeClr val="phClr">
-                <a:tint val="98000"/>
+                <a:tint val="97000"/>
+                <a:hueMod val="88000"/>
                 <a:satMod val="130000"/>
-                <a:shade val="90000"/>
-                <a:lumMod val="103000"/>
+                <a:lumMod val="124000"/>
               </a:schemeClr>
             </a:gs>
             <a:gs pos="100000">
               <a:schemeClr val="phClr">
-                <a:shade val="63000"/>
-                <a:satMod val="120000"/>
+                <a:tint val="96000"/>
+                <a:shade val="88000"/>
+                <a:hueMod val="108000"/>
+                <a:satMod val="164000"/>
+                <a:lumMod val="76000"/>
               </a:schemeClr>
             </a:gs>
           </a:gsLst>
-          <a:lin ang="5400000" scaled="0"/>
+          <a:path path="circle">
+            <a:fillToRect l="45000" t="65000" r="125000" b="100000"/>
+          </a:path>
         </a:gradFill>
+        <a:blipFill rotWithShape="1">
+          <a:blip xmlns:r="http://schemas.openxmlformats.org/officeDocument/2006/relationships" r:embed="rId1">
+            <a:duotone>
+              <a:schemeClr val="phClr">
+                <a:shade val="69000"/>
+                <a:hueMod val="108000"/>
+                <a:satMod val="164000"/>
+                <a:lumMod val="74000"/>
+              </a:schemeClr>
+              <a:schemeClr val="phClr">
+                <a:tint val="96000"/>
+                <a:hueMod val="88000"/>
+                <a:satMod val="140000"/>
+                <a:lumMod val="132000"/>
+              </a:schemeClr>
+            </a:duotone>
+          </a:blip>
+          <a:stretch/>
+        </a:blipFill>
       </a:bgFillStyleLst>
     </a:fmtScheme>
   </a:themeElements>
@@ -14954,137 +18073,8 @@
   <a:extraClrSchemeLst/>
   <a:extLst>
     <a:ext uri="{05A4C25C-085E-4340-85A3-A5531E510DB2}">
-      <thm15:themeFamily xmlns:thm15="http://schemas.microsoft.com/office/thememl/2012/main" name="Office Theme" id="{62F939B6-93AF-4DB8-9C6B-D6C7DFDC589F}" vid="{4A3C46E8-61CC-4603-A589-7422A47A8E4A}"/>
+      <thm15:themeFamily xmlns:thm15="http://schemas.microsoft.com/office/thememl/2012/main" name="Ion" id="{B8441ADB-2E43-4AF7-B97A-BD870242C6A8}" vid="{292E63A9-BB86-4E3D-B92A-7223C6510D2E}"/>
     </a:ext>
   </a:extLst>
 </a:theme>
-</file>
-
-<file path=ppt/theme/themeOverride1.xml><?xml version="1.0" encoding="utf-8"?>
-<a:themeOverride xmlns:a="http://schemas.openxmlformats.org/drawingml/2006/main">
-  <a:clrScheme name="Office">
-    <a:dk1>
-      <a:sysClr val="windowText" lastClr="000000"/>
-    </a:dk1>
-    <a:lt1>
-      <a:sysClr val="window" lastClr="FFFFFF"/>
-    </a:lt1>
-    <a:dk2>
-      <a:srgbClr val="44546A"/>
-    </a:dk2>
-    <a:lt2>
-      <a:srgbClr val="E7E6E6"/>
-    </a:lt2>
-    <a:accent1>
-      <a:srgbClr val="4472C4"/>
-    </a:accent1>
-    <a:accent2>
-      <a:srgbClr val="ED7D31"/>
-    </a:accent2>
-    <a:accent3>
-      <a:srgbClr val="A5A5A5"/>
-    </a:accent3>
-    <a:accent4>
-      <a:srgbClr val="FFC000"/>
-    </a:accent4>
-    <a:accent5>
-      <a:srgbClr val="5B9BD5"/>
-    </a:accent5>
-    <a:accent6>
-      <a:srgbClr val="70AD47"/>
-    </a:accent6>
-    <a:hlink>
-      <a:srgbClr val="0563C1"/>
-    </a:hlink>
-    <a:folHlink>
-      <a:srgbClr val="954F72"/>
-    </a:folHlink>
-  </a:clrScheme>
-</a:themeOverride>
-</file>
-
-<file path=ppt/theme/themeOverride2.xml><?xml version="1.0" encoding="utf-8"?>
-<a:themeOverride xmlns:a="http://schemas.openxmlformats.org/drawingml/2006/main">
-  <a:clrScheme name="Office">
-    <a:dk1>
-      <a:sysClr val="windowText" lastClr="000000"/>
-    </a:dk1>
-    <a:lt1>
-      <a:sysClr val="window" lastClr="FFFFFF"/>
-    </a:lt1>
-    <a:dk2>
-      <a:srgbClr val="44546A"/>
-    </a:dk2>
-    <a:lt2>
-      <a:srgbClr val="E7E6E6"/>
-    </a:lt2>
-    <a:accent1>
-      <a:srgbClr val="4472C4"/>
-    </a:accent1>
-    <a:accent2>
-      <a:srgbClr val="ED7D31"/>
-    </a:accent2>
-    <a:accent3>
-      <a:srgbClr val="A5A5A5"/>
-    </a:accent3>
-    <a:accent4>
-      <a:srgbClr val="FFC000"/>
-    </a:accent4>
-    <a:accent5>
-      <a:srgbClr val="5B9BD5"/>
-    </a:accent5>
-    <a:accent6>
-      <a:srgbClr val="70AD47"/>
-    </a:accent6>
-    <a:hlink>
-      <a:srgbClr val="0563C1"/>
-    </a:hlink>
-    <a:folHlink>
-      <a:srgbClr val="954F72"/>
-    </a:folHlink>
-  </a:clrScheme>
-</a:themeOverride>
-</file>
-
-<file path=ppt/theme/themeOverride3.xml><?xml version="1.0" encoding="utf-8"?>
-<a:themeOverride xmlns:a="http://schemas.openxmlformats.org/drawingml/2006/main">
-  <a:clrScheme name="Office">
-    <a:dk1>
-      <a:sysClr val="windowText" lastClr="000000"/>
-    </a:dk1>
-    <a:lt1>
-      <a:sysClr val="window" lastClr="FFFFFF"/>
-    </a:lt1>
-    <a:dk2>
-      <a:srgbClr val="44546A"/>
-    </a:dk2>
-    <a:lt2>
-      <a:srgbClr val="E7E6E6"/>
-    </a:lt2>
-    <a:accent1>
-      <a:srgbClr val="4472C4"/>
-    </a:accent1>
-    <a:accent2>
-      <a:srgbClr val="ED7D31"/>
-    </a:accent2>
-    <a:accent3>
-      <a:srgbClr val="A5A5A5"/>
-    </a:accent3>
-    <a:accent4>
-      <a:srgbClr val="FFC000"/>
-    </a:accent4>
-    <a:accent5>
-      <a:srgbClr val="5B9BD5"/>
-    </a:accent5>
-    <a:accent6>
-      <a:srgbClr val="70AD47"/>
-    </a:accent6>
-    <a:hlink>
-      <a:srgbClr val="0563C1"/>
-    </a:hlink>
-    <a:folHlink>
-      <a:srgbClr val="954F72"/>
-    </a:folHlink>
-  </a:clrScheme>
-</a:themeOverride>
 </file>
--- a/微波谐振腔.pptx
+++ b/微波谐振腔.pptx
@@ -2,7 +2,7 @@
 <file path=ppt/presentation.xml><?xml version="1.0" encoding="utf-8"?>
 <p:presentation xmlns:a="http://schemas.openxmlformats.org/drawingml/2006/main" xmlns:r="http://schemas.openxmlformats.org/officeDocument/2006/relationships" xmlns:p="http://schemas.openxmlformats.org/presentationml/2006/main" saveSubsetFonts="1">
   <p:sldMasterIdLst>
-    <p:sldMasterId id="2147483744" r:id="rId1"/>
+    <p:sldMasterId id="2147483648" r:id="rId1"/>
   </p:sldMasterIdLst>
   <p:sldIdLst>
     <p:sldId id="256" r:id="rId2"/>
@@ -18,18 +18,19 @@
     <p:sldId id="264" r:id="rId12"/>
     <p:sldId id="265" r:id="rId13"/>
     <p:sldId id="275" r:id="rId14"/>
-    <p:sldId id="267" r:id="rId15"/>
-    <p:sldId id="273" r:id="rId16"/>
-    <p:sldId id="268" r:id="rId17"/>
-    <p:sldId id="272" r:id="rId18"/>
+    <p:sldId id="273" r:id="rId15"/>
+    <p:sldId id="276" r:id="rId16"/>
+    <p:sldId id="278" r:id="rId17"/>
+    <p:sldId id="268" r:id="rId18"/>
+    <p:sldId id="272" r:id="rId19"/>
   </p:sldIdLst>
   <p:sldSz cx="12192000" cy="6858000"/>
   <p:notesSz cx="6858000" cy="9144000"/>
   <p:defaultTextStyle>
     <a:defPPr>
-      <a:defRPr lang="en-US"/>
+      <a:defRPr lang="zh-CN"/>
     </a:defPPr>
-    <a:lvl1pPr marL="0" algn="l" defTabSz="457200" rtl="0" eaLnBrk="1" latinLnBrk="0" hangingPunct="1">
+    <a:lvl1pPr marL="0" algn="l" defTabSz="914400" rtl="0" eaLnBrk="1" latinLnBrk="0" hangingPunct="1">
       <a:defRPr sz="1800" kern="1200">
         <a:solidFill>
           <a:schemeClr val="tx1"/>
@@ -39,7 +40,7 @@
         <a:cs typeface="+mn-cs"/>
       </a:defRPr>
     </a:lvl1pPr>
-    <a:lvl2pPr marL="457200" algn="l" defTabSz="457200" rtl="0" eaLnBrk="1" latinLnBrk="0" hangingPunct="1">
+    <a:lvl2pPr marL="457200" algn="l" defTabSz="914400" rtl="0" eaLnBrk="1" latinLnBrk="0" hangingPunct="1">
       <a:defRPr sz="1800" kern="1200">
         <a:solidFill>
           <a:schemeClr val="tx1"/>
@@ -49,7 +50,7 @@
         <a:cs typeface="+mn-cs"/>
       </a:defRPr>
     </a:lvl2pPr>
-    <a:lvl3pPr marL="914400" algn="l" defTabSz="457200" rtl="0" eaLnBrk="1" latinLnBrk="0" hangingPunct="1">
+    <a:lvl3pPr marL="914400" algn="l" defTabSz="914400" rtl="0" eaLnBrk="1" latinLnBrk="0" hangingPunct="1">
       <a:defRPr sz="1800" kern="1200">
         <a:solidFill>
           <a:schemeClr val="tx1"/>
@@ -59,7 +60,7 @@
         <a:cs typeface="+mn-cs"/>
       </a:defRPr>
     </a:lvl3pPr>
-    <a:lvl4pPr marL="1371600" algn="l" defTabSz="457200" rtl="0" eaLnBrk="1" latinLnBrk="0" hangingPunct="1">
+    <a:lvl4pPr marL="1371600" algn="l" defTabSz="914400" rtl="0" eaLnBrk="1" latinLnBrk="0" hangingPunct="1">
       <a:defRPr sz="1800" kern="1200">
         <a:solidFill>
           <a:schemeClr val="tx1"/>
@@ -69,7 +70,7 @@
         <a:cs typeface="+mn-cs"/>
       </a:defRPr>
     </a:lvl4pPr>
-    <a:lvl5pPr marL="1828800" algn="l" defTabSz="457200" rtl="0" eaLnBrk="1" latinLnBrk="0" hangingPunct="1">
+    <a:lvl5pPr marL="1828800" algn="l" defTabSz="914400" rtl="0" eaLnBrk="1" latinLnBrk="0" hangingPunct="1">
       <a:defRPr sz="1800" kern="1200">
         <a:solidFill>
           <a:schemeClr val="tx1"/>
@@ -79,7 +80,7 @@
         <a:cs typeface="+mn-cs"/>
       </a:defRPr>
     </a:lvl5pPr>
-    <a:lvl6pPr marL="2286000" algn="l" defTabSz="457200" rtl="0" eaLnBrk="1" latinLnBrk="0" hangingPunct="1">
+    <a:lvl6pPr marL="2286000" algn="l" defTabSz="914400" rtl="0" eaLnBrk="1" latinLnBrk="0" hangingPunct="1">
       <a:defRPr sz="1800" kern="1200">
         <a:solidFill>
           <a:schemeClr val="tx1"/>
@@ -89,7 +90,7 @@
         <a:cs typeface="+mn-cs"/>
       </a:defRPr>
     </a:lvl6pPr>
-    <a:lvl7pPr marL="2743200" algn="l" defTabSz="457200" rtl="0" eaLnBrk="1" latinLnBrk="0" hangingPunct="1">
+    <a:lvl7pPr marL="2743200" algn="l" defTabSz="914400" rtl="0" eaLnBrk="1" latinLnBrk="0" hangingPunct="1">
       <a:defRPr sz="1800" kern="1200">
         <a:solidFill>
           <a:schemeClr val="tx1"/>
@@ -99,7 +100,7 @@
         <a:cs typeface="+mn-cs"/>
       </a:defRPr>
     </a:lvl7pPr>
-    <a:lvl8pPr marL="3200400" algn="l" defTabSz="457200" rtl="0" eaLnBrk="1" latinLnBrk="0" hangingPunct="1">
+    <a:lvl8pPr marL="3200400" algn="l" defTabSz="914400" rtl="0" eaLnBrk="1" latinLnBrk="0" hangingPunct="1">
       <a:defRPr sz="1800" kern="1200">
         <a:solidFill>
           <a:schemeClr val="tx1"/>
@@ -109,7 +110,7 @@
         <a:cs typeface="+mn-cs"/>
       </a:defRPr>
     </a:lvl8pPr>
-    <a:lvl9pPr marL="3657600" algn="l" defTabSz="457200" rtl="0" eaLnBrk="1" latinLnBrk="0" hangingPunct="1">
+    <a:lvl9pPr marL="3657600" algn="l" defTabSz="914400" rtl="0" eaLnBrk="1" latinLnBrk="0" hangingPunct="1">
       <a:defRPr sz="1800" kern="1200">
         <a:solidFill>
           <a:schemeClr val="tx1"/>
@@ -147,7 +148,13 @@
       </p:grpSpPr>
       <p:sp>
         <p:nvSpPr>
-          <p:cNvPr id="2" name="Title 1"/>
+          <p:cNvPr id="2" name="标题 1">
+            <a:extLst>
+              <a:ext uri="{FF2B5EF4-FFF2-40B4-BE49-F238E27FC236}">
+                <a16:creationId xmlns:a16="http://schemas.microsoft.com/office/drawing/2014/main" id="{9BBAFE41-0955-4809-981B-0611904921D4}"/>
+              </a:ext>
+            </a:extLst>
+          </p:cNvPr>
           <p:cNvSpPr>
             <a:spLocks noGrp="1"/>
           </p:cNvSpPr>
@@ -157,15 +164,15 @@
         </p:nvSpPr>
         <p:spPr>
           <a:xfrm>
-            <a:off x="1154955" y="1447800"/>
-            <a:ext cx="8825658" cy="3329581"/>
+            <a:off x="1524000" y="1122363"/>
+            <a:ext cx="9144000" cy="2387600"/>
           </a:xfrm>
         </p:spPr>
         <p:txBody>
           <a:bodyPr anchor="b"/>
           <a:lstStyle>
-            <a:lvl1pPr>
-              <a:defRPr sz="7200"/>
+            <a:lvl1pPr algn="ctr">
+              <a:defRPr sz="6000"/>
             </a:lvl1pPr>
           </a:lstStyle>
           <a:p>
@@ -173,13 +180,18 @@
               <a:rPr lang="zh-CN" altLang="en-US"/>
               <a:t>单击此处编辑母版标题样式</a:t>
             </a:r>
-            <a:endParaRPr lang="en-US" dirty="0"/>
           </a:p>
         </p:txBody>
       </p:sp>
       <p:sp>
         <p:nvSpPr>
-          <p:cNvPr id="3" name="Subtitle 2"/>
+          <p:cNvPr id="3" name="副标题 2">
+            <a:extLst>
+              <a:ext uri="{FF2B5EF4-FFF2-40B4-BE49-F238E27FC236}">
+                <a16:creationId xmlns:a16="http://schemas.microsoft.com/office/drawing/2014/main" id="{3B7E5F5A-22C5-4FA2-B2A1-5F56A166E394}"/>
+              </a:ext>
+            </a:extLst>
+          </p:cNvPr>
           <p:cNvSpPr>
             <a:spLocks noGrp="1"/>
           </p:cNvSpPr>
@@ -189,103 +201,48 @@
         </p:nvSpPr>
         <p:spPr>
           <a:xfrm>
-            <a:off x="1154955" y="4777380"/>
-            <a:ext cx="8825658" cy="861420"/>
+            <a:off x="1524000" y="3602038"/>
+            <a:ext cx="9144000" cy="1655762"/>
           </a:xfrm>
         </p:spPr>
         <p:txBody>
-          <a:bodyPr anchor="t"/>
+          <a:bodyPr/>
           <a:lstStyle>
-            <a:lvl1pPr marL="0" indent="0" algn="l">
+            <a:lvl1pPr marL="0" indent="0" algn="ctr">
               <a:buNone/>
-              <a:defRPr cap="all">
-                <a:solidFill>
-                  <a:schemeClr val="bg2">
-                    <a:lumMod val="40000"/>
-                    <a:lumOff val="60000"/>
-                  </a:schemeClr>
-                </a:solidFill>
-              </a:defRPr>
+              <a:defRPr sz="2400"/>
             </a:lvl1pPr>
             <a:lvl2pPr marL="457200" indent="0" algn="ctr">
               <a:buNone/>
-              <a:defRPr>
-                <a:solidFill>
-                  <a:schemeClr val="tx1">
-                    <a:tint val="75000"/>
-                  </a:schemeClr>
-                </a:solidFill>
-              </a:defRPr>
+              <a:defRPr sz="2000"/>
             </a:lvl2pPr>
             <a:lvl3pPr marL="914400" indent="0" algn="ctr">
               <a:buNone/>
-              <a:defRPr>
-                <a:solidFill>
-                  <a:schemeClr val="tx1">
-                    <a:tint val="75000"/>
-                  </a:schemeClr>
-                </a:solidFill>
-              </a:defRPr>
+              <a:defRPr sz="1800"/>
             </a:lvl3pPr>
             <a:lvl4pPr marL="1371600" indent="0" algn="ctr">
               <a:buNone/>
-              <a:defRPr>
-                <a:solidFill>
-                  <a:schemeClr val="tx1">
-                    <a:tint val="75000"/>
-                  </a:schemeClr>
-                </a:solidFill>
-              </a:defRPr>
+              <a:defRPr sz="1600"/>
             </a:lvl4pPr>
             <a:lvl5pPr marL="1828800" indent="0" algn="ctr">
               <a:buNone/>
-              <a:defRPr>
-                <a:solidFill>
-                  <a:schemeClr val="tx1">
-                    <a:tint val="75000"/>
-                  </a:schemeClr>
-                </a:solidFill>
-              </a:defRPr>
+              <a:defRPr sz="1600"/>
             </a:lvl5pPr>
             <a:lvl6pPr marL="2286000" indent="0" algn="ctr">
               <a:buNone/>
-              <a:defRPr>
-                <a:solidFill>
-                  <a:schemeClr val="tx1">
-                    <a:tint val="75000"/>
-                  </a:schemeClr>
-                </a:solidFill>
-              </a:defRPr>
+              <a:defRPr sz="1600"/>
             </a:lvl6pPr>
             <a:lvl7pPr marL="2743200" indent="0" algn="ctr">
               <a:buNone/>
-              <a:defRPr>
-                <a:solidFill>
-                  <a:schemeClr val="tx1">
-                    <a:tint val="75000"/>
-                  </a:schemeClr>
-                </a:solidFill>
-              </a:defRPr>
+              <a:defRPr sz="1600"/>
             </a:lvl7pPr>
             <a:lvl8pPr marL="3200400" indent="0" algn="ctr">
               <a:buNone/>
-              <a:defRPr>
-                <a:solidFill>
-                  <a:schemeClr val="tx1">
-                    <a:tint val="75000"/>
-                  </a:schemeClr>
-                </a:solidFill>
-              </a:defRPr>
+              <a:defRPr sz="1600"/>
             </a:lvl8pPr>
             <a:lvl9pPr marL="3657600" indent="0" algn="ctr">
               <a:buNone/>
-              <a:defRPr>
-                <a:solidFill>
-                  <a:schemeClr val="tx1">
-                    <a:tint val="75000"/>
-                  </a:schemeClr>
-                </a:solidFill>
-              </a:defRPr>
+              <a:defRPr sz="1600"/>
             </a:lvl9pPr>
           </a:lstStyle>
           <a:p>
@@ -293,13 +250,18 @@
               <a:rPr lang="zh-CN" altLang="en-US"/>
               <a:t>单击此处编辑母版副标题样式</a:t>
             </a:r>
-            <a:endParaRPr lang="en-US" dirty="0"/>
           </a:p>
         </p:txBody>
       </p:sp>
       <p:sp>
         <p:nvSpPr>
-          <p:cNvPr id="4" name="Date Placeholder 3"/>
+          <p:cNvPr id="4" name="日期占位符 3">
+            <a:extLst>
+              <a:ext uri="{FF2B5EF4-FFF2-40B4-BE49-F238E27FC236}">
+                <a16:creationId xmlns:a16="http://schemas.microsoft.com/office/drawing/2014/main" id="{725DCBB8-0970-40F4-ADC9-AC2E89800D89}"/>
+              </a:ext>
+            </a:extLst>
+          </p:cNvPr>
           <p:cNvSpPr>
             <a:spLocks noGrp="1"/>
           </p:cNvSpPr>
@@ -322,7 +284,13 @@
       </p:sp>
       <p:sp>
         <p:nvSpPr>
-          <p:cNvPr id="5" name="Footer Placeholder 4"/>
+          <p:cNvPr id="5" name="页脚占位符 4">
+            <a:extLst>
+              <a:ext uri="{FF2B5EF4-FFF2-40B4-BE49-F238E27FC236}">
+                <a16:creationId xmlns:a16="http://schemas.microsoft.com/office/drawing/2014/main" id="{4A7D8D51-68CE-4C33-A2EC-4D526C40B930}"/>
+              </a:ext>
+            </a:extLst>
+          </p:cNvPr>
           <p:cNvSpPr>
             <a:spLocks noGrp="1"/>
           </p:cNvSpPr>
@@ -341,7 +309,13 @@
       </p:sp>
       <p:sp>
         <p:nvSpPr>
-          <p:cNvPr id="6" name="Slide Number Placeholder 5"/>
+          <p:cNvPr id="6" name="灯片编号占位符 5">
+            <a:extLst>
+              <a:ext uri="{FF2B5EF4-FFF2-40B4-BE49-F238E27FC236}">
+                <a16:creationId xmlns:a16="http://schemas.microsoft.com/office/drawing/2014/main" id="{03B725C5-54D4-4E5D-85EC-A03BA0A01BE9}"/>
+              </a:ext>
+            </a:extLst>
+          </p:cNvPr>
           <p:cNvSpPr>
             <a:spLocks noGrp="1"/>
           </p:cNvSpPr>
@@ -365,7 +339,7 @@
     </p:spTree>
     <p:extLst>
       <p:ext uri="{BB962C8B-B14F-4D97-AF65-F5344CB8AC3E}">
-        <p14:creationId xmlns:p14="http://schemas.microsoft.com/office/powerpoint/2010/main" val="1568107495"/>
+        <p14:creationId xmlns:p14="http://schemas.microsoft.com/office/powerpoint/2010/main" val="4080720479"/>
       </p:ext>
     </p:extLst>
   </p:cSld>
@@ -376,8 +350,8 @@
 </file>
 
 <file path=ppt/slideLayouts/slideLayout10.xml><?xml version="1.0" encoding="utf-8"?>
-<p:sldLayout xmlns:a="http://schemas.openxmlformats.org/drawingml/2006/main" xmlns:r="http://schemas.openxmlformats.org/officeDocument/2006/relationships" xmlns:p="http://schemas.openxmlformats.org/presentationml/2006/main" preserve="1">
-  <p:cSld name="带描述的全景图片">
+<p:sldLayout xmlns:a="http://schemas.openxmlformats.org/drawingml/2006/main" xmlns:r="http://schemas.openxmlformats.org/officeDocument/2006/relationships" xmlns:p="http://schemas.openxmlformats.org/presentationml/2006/main" type="vertTx" preserve="1">
+  <p:cSld name="标题和竖排文字">
     <p:spTree>
       <p:nvGrpSpPr>
         <p:cNvPr id="1" name=""/>
@@ -394,7 +368,13 @@
       </p:grpSpPr>
       <p:sp>
         <p:nvSpPr>
-          <p:cNvPr id="2" name="Title 1"/>
+          <p:cNvPr id="2" name="标题 1">
+            <a:extLst>
+              <a:ext uri="{FF2B5EF4-FFF2-40B4-BE49-F238E27FC236}">
+                <a16:creationId xmlns:a16="http://schemas.microsoft.com/office/drawing/2014/main" id="{5238AC48-4A73-4B6C-BAB4-D32AF225DCED}"/>
+              </a:ext>
+            </a:extLst>
+          </p:cNvPr>
           <p:cNvSpPr>
             <a:spLocks noGrp="1"/>
           </p:cNvSpPr>
@@ -402,179 +382,84 @@
             <p:ph type="title"/>
           </p:nvPr>
         </p:nvSpPr>
-        <p:spPr>
-          <a:xfrm>
-            <a:off x="1154956" y="4800587"/>
-            <a:ext cx="8825657" cy="566738"/>
-          </a:xfrm>
-        </p:spPr>
+        <p:spPr/>
         <p:txBody>
-          <a:bodyPr anchor="b">
-            <a:normAutofit/>
-          </a:bodyPr>
-          <a:lstStyle>
-            <a:lvl1pPr algn="l">
-              <a:defRPr sz="2400" b="0"/>
-            </a:lvl1pPr>
-          </a:lstStyle>
+          <a:bodyPr/>
+          <a:lstStyle/>
           <a:p>
             <a:r>
               <a:rPr lang="zh-CN" altLang="en-US"/>
               <a:t>单击此处编辑母版标题样式</a:t>
             </a:r>
-            <a:endParaRPr lang="en-US" dirty="0"/>
           </a:p>
         </p:txBody>
       </p:sp>
       <p:sp>
         <p:nvSpPr>
-          <p:cNvPr id="3" name="Picture Placeholder 2"/>
+          <p:cNvPr id="3" name="竖排文字占位符 2">
+            <a:extLst>
+              <a:ext uri="{FF2B5EF4-FFF2-40B4-BE49-F238E27FC236}">
+                <a16:creationId xmlns:a16="http://schemas.microsoft.com/office/drawing/2014/main" id="{5C54B1DA-E79F-4AFA-BE11-331D2AAAA078}"/>
+              </a:ext>
+            </a:extLst>
+          </p:cNvPr>
           <p:cNvSpPr>
-            <a:spLocks noGrp="1" noChangeAspect="1"/>
+            <a:spLocks noGrp="1"/>
           </p:cNvSpPr>
           <p:nvPr>
-            <p:ph type="pic" idx="1"/>
+            <p:ph type="body" orient="vert" idx="1"/>
           </p:nvPr>
         </p:nvSpPr>
-        <p:spPr>
-          <a:xfrm>
-            <a:off x="1154955" y="685800"/>
-            <a:ext cx="8825658" cy="3640666"/>
-          </a:xfrm>
-          <a:prstGeom prst="roundRect">
-            <a:avLst>
-              <a:gd name="adj" fmla="val 1858"/>
-            </a:avLst>
-          </a:prstGeom>
-          <a:effectLst>
-            <a:outerShdw blurRad="50800" dist="50800" dir="5400000" algn="tl" rotWithShape="0">
-              <a:srgbClr val="000000">
-                <a:alpha val="43000"/>
-              </a:srgbClr>
-            </a:outerShdw>
-          </a:effectLst>
-        </p:spPr>
+        <p:spPr/>
         <p:txBody>
-          <a:bodyPr anchor="t">
-            <a:normAutofit/>
-          </a:bodyPr>
-          <a:lstStyle>
-            <a:lvl1pPr marL="0" indent="0" algn="ctr">
-              <a:buNone/>
-              <a:defRPr sz="1600"/>
-            </a:lvl1pPr>
-            <a:lvl2pPr marL="457200" indent="0">
-              <a:buNone/>
-              <a:defRPr sz="1600"/>
-            </a:lvl2pPr>
-            <a:lvl3pPr marL="914400" indent="0">
-              <a:buNone/>
-              <a:defRPr sz="1600"/>
-            </a:lvl3pPr>
-            <a:lvl4pPr marL="1371600" indent="0">
-              <a:buNone/>
-              <a:defRPr sz="1600"/>
-            </a:lvl4pPr>
-            <a:lvl5pPr marL="1828800" indent="0">
-              <a:buNone/>
-              <a:defRPr sz="1600"/>
-            </a:lvl5pPr>
-            <a:lvl6pPr marL="2286000" indent="0">
-              <a:buNone/>
-              <a:defRPr sz="1600"/>
-            </a:lvl6pPr>
-            <a:lvl7pPr marL="2743200" indent="0">
-              <a:buNone/>
-              <a:defRPr sz="1600"/>
-            </a:lvl7pPr>
-            <a:lvl8pPr marL="3200400" indent="0">
-              <a:buNone/>
-              <a:defRPr sz="1600"/>
-            </a:lvl8pPr>
-            <a:lvl9pPr marL="3657600" indent="0">
-              <a:buNone/>
-              <a:defRPr sz="1600"/>
-            </a:lvl9pPr>
-          </a:lstStyle>
-          <a:p>
+          <a:bodyPr vert="eaVert"/>
+          <a:lstStyle/>
+          <a:p>
+            <a:pPr lvl="0"/>
             <a:r>
               <a:rPr lang="zh-CN" altLang="en-US"/>
-              <a:t>单击图标添加图片</a:t>
-            </a:r>
-            <a:endParaRPr lang="en-US" dirty="0"/>
+              <a:t>单击此处编辑母版文本样式</a:t>
+            </a:r>
+          </a:p>
+          <a:p>
+            <a:pPr lvl="1"/>
+            <a:r>
+              <a:rPr lang="zh-CN" altLang="en-US"/>
+              <a:t>二级</a:t>
+            </a:r>
+          </a:p>
+          <a:p>
+            <a:pPr lvl="2"/>
+            <a:r>
+              <a:rPr lang="zh-CN" altLang="en-US"/>
+              <a:t>三级</a:t>
+            </a:r>
+          </a:p>
+          <a:p>
+            <a:pPr lvl="3"/>
+            <a:r>
+              <a:rPr lang="zh-CN" altLang="en-US"/>
+              <a:t>四级</a:t>
+            </a:r>
+          </a:p>
+          <a:p>
+            <a:pPr lvl="4"/>
+            <a:r>
+              <a:rPr lang="zh-CN" altLang="en-US"/>
+              <a:t>五级</a:t>
+            </a:r>
           </a:p>
         </p:txBody>
       </p:sp>
       <p:sp>
         <p:nvSpPr>
-          <p:cNvPr id="4" name="Text Placeholder 3"/>
-          <p:cNvSpPr>
-            <a:spLocks noGrp="1"/>
-          </p:cNvSpPr>
-          <p:nvPr>
-            <p:ph type="body" sz="half" idx="2"/>
-          </p:nvPr>
-        </p:nvSpPr>
-        <p:spPr>
-          <a:xfrm>
-            <a:off x="1154956" y="5367325"/>
-            <a:ext cx="8825656" cy="493712"/>
-          </a:xfrm>
-        </p:spPr>
-        <p:txBody>
-          <a:bodyPr>
-            <a:normAutofit/>
-          </a:bodyPr>
-          <a:lstStyle>
-            <a:lvl1pPr marL="0" indent="0">
-              <a:buNone/>
-              <a:defRPr sz="1200"/>
-            </a:lvl1pPr>
-            <a:lvl2pPr marL="457200" indent="0">
-              <a:buNone/>
-              <a:defRPr sz="1200"/>
-            </a:lvl2pPr>
-            <a:lvl3pPr marL="914400" indent="0">
-              <a:buNone/>
-              <a:defRPr sz="1000"/>
-            </a:lvl3pPr>
-            <a:lvl4pPr marL="1371600" indent="0">
-              <a:buNone/>
-              <a:defRPr sz="900"/>
-            </a:lvl4pPr>
-            <a:lvl5pPr marL="1828800" indent="0">
-              <a:buNone/>
-              <a:defRPr sz="900"/>
-            </a:lvl5pPr>
-            <a:lvl6pPr marL="2286000" indent="0">
-              <a:buNone/>
-              <a:defRPr sz="900"/>
-            </a:lvl6pPr>
-            <a:lvl7pPr marL="2743200" indent="0">
-              <a:buNone/>
-              <a:defRPr sz="900"/>
-            </a:lvl7pPr>
-            <a:lvl8pPr marL="3200400" indent="0">
-              <a:buNone/>
-              <a:defRPr sz="900"/>
-            </a:lvl8pPr>
-            <a:lvl9pPr marL="3657600" indent="0">
-              <a:buNone/>
-              <a:defRPr sz="900"/>
-            </a:lvl9pPr>
-          </a:lstStyle>
-          <a:p>
-            <a:pPr lvl="0"/>
-            <a:r>
-              <a:rPr lang="zh-CN" altLang="en-US"/>
-              <a:t>单击此处编辑母版文本样式</a:t>
-            </a:r>
-          </a:p>
-        </p:txBody>
-      </p:sp>
-      <p:sp>
-        <p:nvSpPr>
-          <p:cNvPr id="5" name="Date Placeholder 4"/>
+          <p:cNvPr id="4" name="日期占位符 3">
+            <a:extLst>
+              <a:ext uri="{FF2B5EF4-FFF2-40B4-BE49-F238E27FC236}">
+                <a16:creationId xmlns:a16="http://schemas.microsoft.com/office/drawing/2014/main" id="{97A0211F-686C-4459-A1F2-86ADE3A0876C}"/>
+              </a:ext>
+            </a:extLst>
+          </p:cNvPr>
           <p:cNvSpPr>
             <a:spLocks noGrp="1"/>
           </p:cNvSpPr>
@@ -597,7 +482,13 @@
       </p:sp>
       <p:sp>
         <p:nvSpPr>
-          <p:cNvPr id="6" name="Footer Placeholder 5"/>
+          <p:cNvPr id="5" name="页脚占位符 4">
+            <a:extLst>
+              <a:ext uri="{FF2B5EF4-FFF2-40B4-BE49-F238E27FC236}">
+                <a16:creationId xmlns:a16="http://schemas.microsoft.com/office/drawing/2014/main" id="{29E84976-A676-4573-9469-86BFD42DCE9C}"/>
+              </a:ext>
+            </a:extLst>
+          </p:cNvPr>
           <p:cNvSpPr>
             <a:spLocks noGrp="1"/>
           </p:cNvSpPr>
@@ -616,7 +507,13 @@
       </p:sp>
       <p:sp>
         <p:nvSpPr>
-          <p:cNvPr id="7" name="Slide Number Placeholder 6"/>
+          <p:cNvPr id="6" name="灯片编号占位符 5">
+            <a:extLst>
+              <a:ext uri="{FF2B5EF4-FFF2-40B4-BE49-F238E27FC236}">
+                <a16:creationId xmlns:a16="http://schemas.microsoft.com/office/drawing/2014/main" id="{9E4324FB-A5FD-41E2-82CC-4E85C8B8D854}"/>
+              </a:ext>
+            </a:extLst>
+          </p:cNvPr>
           <p:cNvSpPr>
             <a:spLocks noGrp="1"/>
           </p:cNvSpPr>
@@ -640,7 +537,7 @@
     </p:spTree>
     <p:extLst>
       <p:ext uri="{BB962C8B-B14F-4D97-AF65-F5344CB8AC3E}">
-        <p14:creationId xmlns:p14="http://schemas.microsoft.com/office/powerpoint/2010/main" val="4027624081"/>
+        <p14:creationId xmlns:p14="http://schemas.microsoft.com/office/powerpoint/2010/main" val="2320407882"/>
       </p:ext>
     </p:extLst>
   </p:cSld>
@@ -651,8 +548,8 @@
 </file>
 
 <file path=ppt/slideLayouts/slideLayout11.xml><?xml version="1.0" encoding="utf-8"?>
-<p:sldLayout xmlns:a="http://schemas.openxmlformats.org/drawingml/2006/main" xmlns:r="http://schemas.openxmlformats.org/officeDocument/2006/relationships" xmlns:p="http://schemas.openxmlformats.org/presentationml/2006/main" preserve="1">
-  <p:cSld name="标题和描述">
+<p:sldLayout xmlns:a="http://schemas.openxmlformats.org/drawingml/2006/main" xmlns:r="http://schemas.openxmlformats.org/officeDocument/2006/relationships" xmlns:p="http://schemas.openxmlformats.org/presentationml/2006/main" type="vertTitleAndTx" preserve="1">
+  <p:cSld name="竖排标题与文本">
     <p:spTree>
       <p:nvGrpSpPr>
         <p:cNvPr id="1" name=""/>
@@ -669,106 +566,108 @@
       </p:grpSpPr>
       <p:sp>
         <p:nvSpPr>
-          <p:cNvPr id="2" name="Title 1"/>
+          <p:cNvPr id="2" name="竖排标题 1">
+            <a:extLst>
+              <a:ext uri="{FF2B5EF4-FFF2-40B4-BE49-F238E27FC236}">
+                <a16:creationId xmlns:a16="http://schemas.microsoft.com/office/drawing/2014/main" id="{441D7F74-F6FA-484C-8E7D-7B1FABBAAC13}"/>
+              </a:ext>
+            </a:extLst>
+          </p:cNvPr>
           <p:cNvSpPr>
             <a:spLocks noGrp="1"/>
           </p:cNvSpPr>
           <p:nvPr>
-            <p:ph type="title"/>
+            <p:ph type="title" orient="vert"/>
           </p:nvPr>
         </p:nvSpPr>
         <p:spPr>
           <a:xfrm>
-            <a:off x="1154954" y="1447800"/>
-            <a:ext cx="8825659" cy="1981200"/>
+            <a:off x="8724900" y="365125"/>
+            <a:ext cx="2628900" cy="5811838"/>
           </a:xfrm>
         </p:spPr>
         <p:txBody>
-          <a:bodyPr/>
-          <a:lstStyle>
-            <a:lvl1pPr>
-              <a:defRPr sz="4800"/>
-            </a:lvl1pPr>
-          </a:lstStyle>
+          <a:bodyPr vert="eaVert"/>
+          <a:lstStyle/>
           <a:p>
             <a:r>
               <a:rPr lang="zh-CN" altLang="en-US"/>
               <a:t>单击此处编辑母版标题样式</a:t>
             </a:r>
-            <a:endParaRPr lang="en-US" dirty="0"/>
           </a:p>
         </p:txBody>
       </p:sp>
       <p:sp>
         <p:nvSpPr>
-          <p:cNvPr id="8" name="Text Placeholder 3"/>
+          <p:cNvPr id="3" name="竖排文字占位符 2">
+            <a:extLst>
+              <a:ext uri="{FF2B5EF4-FFF2-40B4-BE49-F238E27FC236}">
+                <a16:creationId xmlns:a16="http://schemas.microsoft.com/office/drawing/2014/main" id="{511104A9-7D96-498B-ACBB-36B29CAA408C}"/>
+              </a:ext>
+            </a:extLst>
+          </p:cNvPr>
           <p:cNvSpPr>
             <a:spLocks noGrp="1"/>
           </p:cNvSpPr>
           <p:nvPr>
-            <p:ph type="body" sz="half" idx="2"/>
+            <p:ph type="body" orient="vert" idx="1"/>
           </p:nvPr>
         </p:nvSpPr>
         <p:spPr>
           <a:xfrm>
-            <a:off x="1154954" y="3657600"/>
-            <a:ext cx="8825659" cy="2362200"/>
+            <a:off x="838200" y="365125"/>
+            <a:ext cx="7734300" cy="5811838"/>
           </a:xfrm>
         </p:spPr>
         <p:txBody>
-          <a:bodyPr anchor="ctr">
-            <a:normAutofit/>
-          </a:bodyPr>
-          <a:lstStyle>
-            <a:lvl1pPr marL="0" indent="0">
-              <a:buNone/>
-              <a:defRPr sz="1800"/>
-            </a:lvl1pPr>
-            <a:lvl2pPr marL="457200" indent="0">
-              <a:buNone/>
-              <a:defRPr sz="1200"/>
-            </a:lvl2pPr>
-            <a:lvl3pPr marL="914400" indent="0">
-              <a:buNone/>
-              <a:defRPr sz="1000"/>
-            </a:lvl3pPr>
-            <a:lvl4pPr marL="1371600" indent="0">
-              <a:buNone/>
-              <a:defRPr sz="900"/>
-            </a:lvl4pPr>
-            <a:lvl5pPr marL="1828800" indent="0">
-              <a:buNone/>
-              <a:defRPr sz="900"/>
-            </a:lvl5pPr>
-            <a:lvl6pPr marL="2286000" indent="0">
-              <a:buNone/>
-              <a:defRPr sz="900"/>
-            </a:lvl6pPr>
-            <a:lvl7pPr marL="2743200" indent="0">
-              <a:buNone/>
-              <a:defRPr sz="900"/>
-            </a:lvl7pPr>
-            <a:lvl8pPr marL="3200400" indent="0">
-              <a:buNone/>
-              <a:defRPr sz="900"/>
-            </a:lvl8pPr>
-            <a:lvl9pPr marL="3657600" indent="0">
-              <a:buNone/>
-              <a:defRPr sz="900"/>
-            </a:lvl9pPr>
-          </a:lstStyle>
+          <a:bodyPr vert="eaVert"/>
+          <a:lstStyle/>
           <a:p>
             <a:pPr lvl="0"/>
             <a:r>
               <a:rPr lang="zh-CN" altLang="en-US"/>
               <a:t>单击此处编辑母版文本样式</a:t>
+            </a:r>
+          </a:p>
+          <a:p>
+            <a:pPr lvl="1"/>
+            <a:r>
+              <a:rPr lang="zh-CN" altLang="en-US"/>
+              <a:t>二级</a:t>
+            </a:r>
+          </a:p>
+          <a:p>
+            <a:pPr lvl="2"/>
+            <a:r>
+              <a:rPr lang="zh-CN" altLang="en-US"/>
+              <a:t>三级</a:t>
+            </a:r>
+          </a:p>
+          <a:p>
+            <a:pPr lvl="3"/>
+            <a:r>
+              <a:rPr lang="zh-CN" altLang="en-US"/>
+              <a:t>四级</a:t>
+            </a:r>
+          </a:p>
+          <a:p>
+            <a:pPr lvl="4"/>
+            <a:r>
+              <a:rPr lang="zh-CN" altLang="en-US"/>
+              <a:t>五级</a:t>
             </a:r>
           </a:p>
         </p:txBody>
       </p:sp>
       <p:sp>
         <p:nvSpPr>
-          <p:cNvPr id="4" name="Date Placeholder 3"/>
+          <p:cNvPr id="4" name="日期占位符 3">
+            <a:extLst>
+              <a:ext uri="{FF2B5EF4-FFF2-40B4-BE49-F238E27FC236}">
+                <a16:creationId xmlns:a16="http://schemas.microsoft.com/office/drawing/2014/main" id="{4C89977E-A14F-4E79-8DA3-426259EB4B18}"/>
+              </a:ext>
+            </a:extLst>
+          </p:cNvPr>
           <p:cNvSpPr>
             <a:spLocks noGrp="1"/>
           </p:cNvSpPr>
@@ -791,7 +690,13 @@
       </p:sp>
       <p:sp>
         <p:nvSpPr>
-          <p:cNvPr id="5" name="Footer Placeholder 4"/>
+          <p:cNvPr id="5" name="页脚占位符 4">
+            <a:extLst>
+              <a:ext uri="{FF2B5EF4-FFF2-40B4-BE49-F238E27FC236}">
+                <a16:creationId xmlns:a16="http://schemas.microsoft.com/office/drawing/2014/main" id="{EC4899D8-FB64-4BBD-B0A7-7D50F5F36396}"/>
+              </a:ext>
+            </a:extLst>
+          </p:cNvPr>
           <p:cNvSpPr>
             <a:spLocks noGrp="1"/>
           </p:cNvSpPr>
@@ -810,7 +715,13 @@
       </p:sp>
       <p:sp>
         <p:nvSpPr>
-          <p:cNvPr id="6" name="Slide Number Placeholder 5"/>
+          <p:cNvPr id="6" name="灯片编号占位符 5">
+            <a:extLst>
+              <a:ext uri="{FF2B5EF4-FFF2-40B4-BE49-F238E27FC236}">
+                <a16:creationId xmlns:a16="http://schemas.microsoft.com/office/drawing/2014/main" id="{17EF33C7-A333-480C-BDB6-E781A00F71B0}"/>
+              </a:ext>
+            </a:extLst>
+          </p:cNvPr>
           <p:cNvSpPr>
             <a:spLocks noGrp="1"/>
           </p:cNvSpPr>
@@ -834,7 +745,7 @@
     </p:spTree>
     <p:extLst>
       <p:ext uri="{BB962C8B-B14F-4D97-AF65-F5344CB8AC3E}">
-        <p14:creationId xmlns:p14="http://schemas.microsoft.com/office/powerpoint/2010/main" val="1974667506"/>
+        <p14:creationId xmlns:p14="http://schemas.microsoft.com/office/powerpoint/2010/main" val="2159400733"/>
       </p:ext>
     </p:extLst>
   </p:cSld>
@@ -844,9 +755,9 @@
 </p:sldLayout>
 </file>
 
-<file path=ppt/slideLayouts/slideLayout12.xml><?xml version="1.0" encoding="utf-8"?>
-<p:sldLayout xmlns:a="http://schemas.openxmlformats.org/drawingml/2006/main" xmlns:r="http://schemas.openxmlformats.org/officeDocument/2006/relationships" xmlns:p="http://schemas.openxmlformats.org/presentationml/2006/main" preserve="1">
-  <p:cSld name="带描述的引言">
+<file path=ppt/slideLayouts/slideLayout2.xml><?xml version="1.0" encoding="utf-8"?>
+<p:sldLayout xmlns:a="http://schemas.openxmlformats.org/drawingml/2006/main" xmlns:r="http://schemas.openxmlformats.org/officeDocument/2006/relationships" xmlns:p="http://schemas.openxmlformats.org/presentationml/2006/main" type="obj" preserve="1">
+  <p:cSld name="标题和内容">
     <p:spTree>
       <p:nvGrpSpPr>
         <p:cNvPr id="1" name=""/>
@@ -863,7 +774,13 @@
       </p:grpSpPr>
       <p:sp>
         <p:nvSpPr>
-          <p:cNvPr id="2" name="Title 1"/>
+          <p:cNvPr id="2" name="标题 1">
+            <a:extLst>
+              <a:ext uri="{FF2B5EF4-FFF2-40B4-BE49-F238E27FC236}">
+                <a16:creationId xmlns:a16="http://schemas.microsoft.com/office/drawing/2014/main" id="{057672A0-7241-471D-BAA9-7DDF73642ECE}"/>
+              </a:ext>
+            </a:extLst>
+          </p:cNvPr>
           <p:cNvSpPr>
             <a:spLocks noGrp="1"/>
           </p:cNvSpPr>
@@ -871,177 +788,84 @@
             <p:ph type="title"/>
           </p:nvPr>
         </p:nvSpPr>
-        <p:spPr>
-          <a:xfrm>
-            <a:off x="1574801" y="1447800"/>
-            <a:ext cx="7999315" cy="2323374"/>
-          </a:xfrm>
-        </p:spPr>
+        <p:spPr/>
         <p:txBody>
           <a:bodyPr/>
-          <a:lstStyle>
-            <a:lvl1pPr>
-              <a:defRPr sz="4800"/>
-            </a:lvl1pPr>
-          </a:lstStyle>
+          <a:lstStyle/>
           <a:p>
             <a:r>
               <a:rPr lang="zh-CN" altLang="en-US"/>
               <a:t>单击此处编辑母版标题样式</a:t>
             </a:r>
-            <a:endParaRPr lang="en-US" dirty="0"/>
           </a:p>
         </p:txBody>
       </p:sp>
       <p:sp>
         <p:nvSpPr>
-          <p:cNvPr id="11" name="Text Placeholder 3"/>
+          <p:cNvPr id="3" name="内容占位符 2">
+            <a:extLst>
+              <a:ext uri="{FF2B5EF4-FFF2-40B4-BE49-F238E27FC236}">
+                <a16:creationId xmlns:a16="http://schemas.microsoft.com/office/drawing/2014/main" id="{45415549-3DB6-4E9F-8D54-F9EA57AEF8DC}"/>
+              </a:ext>
+            </a:extLst>
+          </p:cNvPr>
           <p:cNvSpPr>
             <a:spLocks noGrp="1"/>
           </p:cNvSpPr>
           <p:nvPr>
-            <p:ph type="body" sz="half" idx="14"/>
+            <p:ph idx="1"/>
           </p:nvPr>
         </p:nvSpPr>
-        <p:spPr>
-          <a:xfrm>
-            <a:off x="1930400" y="3771174"/>
-            <a:ext cx="7279649" cy="342174"/>
-          </a:xfrm>
-        </p:spPr>
+        <p:spPr/>
         <p:txBody>
-          <a:bodyPr vert="horz" lIns="91440" tIns="45720" rIns="91440" bIns="45720" rtlCol="0" anchor="t">
-            <a:normAutofit/>
-          </a:bodyPr>
-          <a:lstStyle>
-            <a:lvl1pPr marL="0" indent="0">
-              <a:buNone/>
-              <a:defRPr lang="en-US" sz="1400" b="0" i="0" kern="1200" cap="small" dirty="0">
-                <a:solidFill>
-                  <a:schemeClr val="bg2">
-                    <a:lumMod val="40000"/>
-                    <a:lumOff val="60000"/>
-                  </a:schemeClr>
-                </a:solidFill>
-                <a:latin typeface="+mj-lt"/>
-                <a:ea typeface="+mj-ea"/>
-                <a:cs typeface="+mj-cs"/>
-              </a:defRPr>
-            </a:lvl1pPr>
-            <a:lvl2pPr marL="457200" indent="0">
-              <a:buNone/>
-              <a:defRPr sz="1200"/>
-            </a:lvl2pPr>
-            <a:lvl3pPr marL="914400" indent="0">
-              <a:buNone/>
-              <a:defRPr sz="1000"/>
-            </a:lvl3pPr>
-            <a:lvl4pPr marL="1371600" indent="0">
-              <a:buNone/>
-              <a:defRPr sz="900"/>
-            </a:lvl4pPr>
-            <a:lvl5pPr marL="1828800" indent="0">
-              <a:buNone/>
-              <a:defRPr sz="900"/>
-            </a:lvl5pPr>
-            <a:lvl6pPr marL="2286000" indent="0">
-              <a:buNone/>
-              <a:defRPr sz="900"/>
-            </a:lvl6pPr>
-            <a:lvl7pPr marL="2743200" indent="0">
-              <a:buNone/>
-              <a:defRPr sz="900"/>
-            </a:lvl7pPr>
-            <a:lvl8pPr marL="3200400" indent="0">
-              <a:buNone/>
-              <a:defRPr sz="900"/>
-            </a:lvl8pPr>
-            <a:lvl9pPr marL="3657600" indent="0">
-              <a:buNone/>
-              <a:defRPr sz="900"/>
-            </a:lvl9pPr>
-          </a:lstStyle>
-          <a:p>
-            <a:pPr marL="0" lvl="0" indent="0">
-              <a:buNone/>
-            </a:pPr>
+          <a:bodyPr/>
+          <a:lstStyle/>
+          <a:p>
+            <a:pPr lvl="0"/>
             <a:r>
               <a:rPr lang="zh-CN" altLang="en-US"/>
               <a:t>单击此处编辑母版文本样式</a:t>
+            </a:r>
+          </a:p>
+          <a:p>
+            <a:pPr lvl="1"/>
+            <a:r>
+              <a:rPr lang="zh-CN" altLang="en-US"/>
+              <a:t>二级</a:t>
+            </a:r>
+          </a:p>
+          <a:p>
+            <a:pPr lvl="2"/>
+            <a:r>
+              <a:rPr lang="zh-CN" altLang="en-US"/>
+              <a:t>三级</a:t>
+            </a:r>
+          </a:p>
+          <a:p>
+            <a:pPr lvl="3"/>
+            <a:r>
+              <a:rPr lang="zh-CN" altLang="en-US"/>
+              <a:t>四级</a:t>
+            </a:r>
+          </a:p>
+          <a:p>
+            <a:pPr lvl="4"/>
+            <a:r>
+              <a:rPr lang="zh-CN" altLang="en-US"/>
+              <a:t>五级</a:t>
             </a:r>
           </a:p>
         </p:txBody>
       </p:sp>
       <p:sp>
         <p:nvSpPr>
-          <p:cNvPr id="10" name="Text Placeholder 3"/>
-          <p:cNvSpPr>
-            <a:spLocks noGrp="1"/>
-          </p:cNvSpPr>
-          <p:nvPr>
-            <p:ph type="body" sz="half" idx="2"/>
-          </p:nvPr>
-        </p:nvSpPr>
-        <p:spPr>
-          <a:xfrm>
-            <a:off x="1154954" y="4350657"/>
-            <a:ext cx="8825659" cy="1676400"/>
-          </a:xfrm>
-        </p:spPr>
-        <p:txBody>
-          <a:bodyPr anchor="ctr">
-            <a:normAutofit/>
-          </a:bodyPr>
-          <a:lstStyle>
-            <a:lvl1pPr marL="0" indent="0">
-              <a:buNone/>
-              <a:defRPr sz="1800"/>
-            </a:lvl1pPr>
-            <a:lvl2pPr marL="457200" indent="0">
-              <a:buNone/>
-              <a:defRPr sz="1200"/>
-            </a:lvl2pPr>
-            <a:lvl3pPr marL="914400" indent="0">
-              <a:buNone/>
-              <a:defRPr sz="1000"/>
-            </a:lvl3pPr>
-            <a:lvl4pPr marL="1371600" indent="0">
-              <a:buNone/>
-              <a:defRPr sz="900"/>
-            </a:lvl4pPr>
-            <a:lvl5pPr marL="1828800" indent="0">
-              <a:buNone/>
-              <a:defRPr sz="900"/>
-            </a:lvl5pPr>
-            <a:lvl6pPr marL="2286000" indent="0">
-              <a:buNone/>
-              <a:defRPr sz="900"/>
-            </a:lvl6pPr>
-            <a:lvl7pPr marL="2743200" indent="0">
-              <a:buNone/>
-              <a:defRPr sz="900"/>
-            </a:lvl7pPr>
-            <a:lvl8pPr marL="3200400" indent="0">
-              <a:buNone/>
-              <a:defRPr sz="900"/>
-            </a:lvl8pPr>
-            <a:lvl9pPr marL="3657600" indent="0">
-              <a:buNone/>
-              <a:defRPr sz="900"/>
-            </a:lvl9pPr>
-          </a:lstStyle>
-          <a:p>
-            <a:pPr lvl="0"/>
-            <a:r>
-              <a:rPr lang="zh-CN" altLang="en-US"/>
-              <a:t>单击此处编辑母版文本样式</a:t>
-            </a:r>
-          </a:p>
-        </p:txBody>
-      </p:sp>
-      <p:sp>
-        <p:nvSpPr>
-          <p:cNvPr id="4" name="Date Placeholder 3"/>
+          <p:cNvPr id="4" name="日期占位符 3">
+            <a:extLst>
+              <a:ext uri="{FF2B5EF4-FFF2-40B4-BE49-F238E27FC236}">
+                <a16:creationId xmlns:a16="http://schemas.microsoft.com/office/drawing/2014/main" id="{F2BF44BE-D8FB-43E7-B816-A4A6143DECDD}"/>
+              </a:ext>
+            </a:extLst>
+          </p:cNvPr>
           <p:cNvSpPr>
             <a:spLocks noGrp="1"/>
           </p:cNvSpPr>
@@ -1064,7 +888,13 @@
       </p:sp>
       <p:sp>
         <p:nvSpPr>
-          <p:cNvPr id="5" name="Footer Placeholder 4"/>
+          <p:cNvPr id="5" name="页脚占位符 4">
+            <a:extLst>
+              <a:ext uri="{FF2B5EF4-FFF2-40B4-BE49-F238E27FC236}">
+                <a16:creationId xmlns:a16="http://schemas.microsoft.com/office/drawing/2014/main" id="{3B9BB207-AA8A-40DC-B1E2-9083F7F7917D}"/>
+              </a:ext>
+            </a:extLst>
+          </p:cNvPr>
           <p:cNvSpPr>
             <a:spLocks noGrp="1"/>
           </p:cNvSpPr>
@@ -1083,7 +913,13 @@
       </p:sp>
       <p:sp>
         <p:nvSpPr>
-          <p:cNvPr id="6" name="Slide Number Placeholder 5"/>
+          <p:cNvPr id="6" name="灯片编号占位符 5">
+            <a:extLst>
+              <a:ext uri="{FF2B5EF4-FFF2-40B4-BE49-F238E27FC236}">
+                <a16:creationId xmlns:a16="http://schemas.microsoft.com/office/drawing/2014/main" id="{F5EBF9B8-8B75-4739-9BE8-8727C5EA0320}"/>
+              </a:ext>
+            </a:extLst>
+          </p:cNvPr>
           <p:cNvSpPr>
             <a:spLocks noGrp="1"/>
           </p:cNvSpPr>
@@ -1104,104 +940,10 @@
           </a:p>
         </p:txBody>
       </p:sp>
-      <p:sp>
-        <p:nvSpPr>
-          <p:cNvPr id="12" name="TextBox 11"/>
-          <p:cNvSpPr txBox="1"/>
-          <p:nvPr/>
-        </p:nvSpPr>
-        <p:spPr>
-          <a:xfrm>
-            <a:off x="898295" y="971253"/>
-            <a:ext cx="801912" cy="1969770"/>
-          </a:xfrm>
-          <a:prstGeom prst="rect">
-            <a:avLst/>
-          </a:prstGeom>
-          <a:noFill/>
-        </p:spPr>
-        <p:txBody>
-          <a:bodyPr wrap="square" rtlCol="0">
-            <a:spAutoFit/>
-          </a:bodyPr>
-          <a:lstStyle>
-            <a:defPPr>
-              <a:defRPr lang="en-US"/>
-            </a:defPPr>
-            <a:lvl1pPr algn="r">
-              <a:defRPr sz="12200" b="0" i="0">
-                <a:solidFill>
-                  <a:schemeClr val="bg2">
-                    <a:lumMod val="40000"/>
-                    <a:lumOff val="60000"/>
-                  </a:schemeClr>
-                </a:solidFill>
-                <a:latin typeface="Arial"/>
-                <a:ea typeface="+mj-ea"/>
-                <a:cs typeface="+mj-cs"/>
-              </a:defRPr>
-            </a:lvl1pPr>
-          </a:lstStyle>
-          <a:p>
-            <a:pPr lvl="0"/>
-            <a:r>
-              <a:rPr lang="en-US" dirty="0"/>
-              <a:t>“</a:t>
-            </a:r>
-          </a:p>
-        </p:txBody>
-      </p:sp>
-      <p:sp>
-        <p:nvSpPr>
-          <p:cNvPr id="15" name="TextBox 14"/>
-          <p:cNvSpPr txBox="1"/>
-          <p:nvPr/>
-        </p:nvSpPr>
-        <p:spPr>
-          <a:xfrm>
-            <a:off x="9330490" y="2613787"/>
-            <a:ext cx="801912" cy="1969770"/>
-          </a:xfrm>
-          <a:prstGeom prst="rect">
-            <a:avLst/>
-          </a:prstGeom>
-          <a:noFill/>
-        </p:spPr>
-        <p:txBody>
-          <a:bodyPr wrap="square" rtlCol="0">
-            <a:spAutoFit/>
-          </a:bodyPr>
-          <a:lstStyle>
-            <a:defPPr>
-              <a:defRPr lang="en-US"/>
-            </a:defPPr>
-            <a:lvl1pPr algn="r">
-              <a:defRPr sz="12200" b="0" i="0">
-                <a:solidFill>
-                  <a:schemeClr val="bg2">
-                    <a:lumMod val="40000"/>
-                    <a:lumOff val="60000"/>
-                  </a:schemeClr>
-                </a:solidFill>
-                <a:latin typeface="Arial"/>
-                <a:ea typeface="+mj-ea"/>
-                <a:cs typeface="+mj-cs"/>
-              </a:defRPr>
-            </a:lvl1pPr>
-          </a:lstStyle>
-          <a:p>
-            <a:pPr lvl="0"/>
-            <a:r>
-              <a:rPr lang="en-US" dirty="0"/>
-              <a:t>”</a:t>
-            </a:r>
-          </a:p>
-        </p:txBody>
-      </p:sp>
     </p:spTree>
     <p:extLst>
       <p:ext uri="{BB962C8B-B14F-4D97-AF65-F5344CB8AC3E}">
-        <p14:creationId xmlns:p14="http://schemas.microsoft.com/office/powerpoint/2010/main" val="4168712462"/>
+        <p14:creationId xmlns:p14="http://schemas.microsoft.com/office/powerpoint/2010/main" val="3034151413"/>
       </p:ext>
     </p:extLst>
   </p:cSld>
@@ -1211,9 +953,9 @@
 </p:sldLayout>
 </file>
 
-<file path=ppt/slideLayouts/slideLayout13.xml><?xml version="1.0" encoding="utf-8"?>
-<p:sldLayout xmlns:a="http://schemas.openxmlformats.org/drawingml/2006/main" xmlns:r="http://schemas.openxmlformats.org/officeDocument/2006/relationships" xmlns:p="http://schemas.openxmlformats.org/presentationml/2006/main" preserve="1">
-  <p:cSld name="名片">
+<file path=ppt/slideLayouts/slideLayout3.xml><?xml version="1.0" encoding="utf-8"?>
+<p:sldLayout xmlns:a="http://schemas.openxmlformats.org/drawingml/2006/main" xmlns:r="http://schemas.openxmlformats.org/officeDocument/2006/relationships" xmlns:p="http://schemas.openxmlformats.org/presentationml/2006/main" type="secHead" preserve="1">
+  <p:cSld name="节标题">
     <p:spTree>
       <p:nvGrpSpPr>
         <p:cNvPr id="1" name=""/>
@@ -1230,7 +972,13 @@
       </p:grpSpPr>
       <p:sp>
         <p:nvSpPr>
-          <p:cNvPr id="2" name="Title 1"/>
+          <p:cNvPr id="2" name="标题 1">
+            <a:extLst>
+              <a:ext uri="{FF2B5EF4-FFF2-40B4-BE49-F238E27FC236}">
+                <a16:creationId xmlns:a16="http://schemas.microsoft.com/office/drawing/2014/main" id="{77399574-4A1F-4CCB-A2B2-2A71E8C15A00}"/>
+              </a:ext>
+            </a:extLst>
+          </p:cNvPr>
           <p:cNvSpPr>
             <a:spLocks noGrp="1"/>
           </p:cNvSpPr>
@@ -1240,15 +988,15 @@
         </p:nvSpPr>
         <p:spPr>
           <a:xfrm>
-            <a:off x="1154954" y="3124201"/>
-            <a:ext cx="8825660" cy="1653180"/>
+            <a:off x="831850" y="1709738"/>
+            <a:ext cx="10515600" cy="2852737"/>
           </a:xfrm>
         </p:spPr>
         <p:txBody>
           <a:bodyPr anchor="b"/>
           <a:lstStyle>
-            <a:lvl1pPr algn="l">
-              <a:defRPr sz="4000" b="0" cap="none"/>
+            <a:lvl1pPr>
+              <a:defRPr sz="6000"/>
             </a:lvl1pPr>
           </a:lstStyle>
           <a:p>
@@ -1256,13 +1004,18 @@
               <a:rPr lang="zh-CN" altLang="en-US"/>
               <a:t>单击此处编辑母版标题样式</a:t>
             </a:r>
-            <a:endParaRPr lang="en-US" dirty="0"/>
           </a:p>
         </p:txBody>
       </p:sp>
       <p:sp>
         <p:nvSpPr>
-          <p:cNvPr id="3" name="Text Placeholder 2"/>
+          <p:cNvPr id="3" name="文本占位符 2">
+            <a:extLst>
+              <a:ext uri="{FF2B5EF4-FFF2-40B4-BE49-F238E27FC236}">
+                <a16:creationId xmlns:a16="http://schemas.microsoft.com/office/drawing/2014/main" id="{FA45ED41-C1D8-4912-9538-228954FC68E2}"/>
+              </a:ext>
+            </a:extLst>
+          </p:cNvPr>
           <p:cNvSpPr>
             <a:spLocks noGrp="1"/>
           </p:cNvSpPr>
@@ -1272,27 +1025,26 @@
         </p:nvSpPr>
         <p:spPr>
           <a:xfrm>
-            <a:off x="1154954" y="4777381"/>
-            <a:ext cx="8825659" cy="860400"/>
+            <a:off x="831850" y="4589463"/>
+            <a:ext cx="10515600" cy="1500187"/>
           </a:xfrm>
         </p:spPr>
         <p:txBody>
-          <a:bodyPr anchor="t"/>
+          <a:bodyPr/>
           <a:lstStyle>
-            <a:lvl1pPr marL="0" indent="0" algn="l">
+            <a:lvl1pPr marL="0" indent="0">
               <a:buNone/>
-              <a:defRPr sz="2000" cap="none">
+              <a:defRPr sz="2400">
                 <a:solidFill>
-                  <a:schemeClr val="bg2">
-                    <a:lumMod val="40000"/>
-                    <a:lumOff val="60000"/>
+                  <a:schemeClr val="tx1">
+                    <a:tint val="75000"/>
                   </a:schemeClr>
                 </a:solidFill>
               </a:defRPr>
             </a:lvl1pPr>
             <a:lvl2pPr marL="457200" indent="0">
               <a:buNone/>
-              <a:defRPr sz="1800">
+              <a:defRPr sz="2000">
                 <a:solidFill>
                   <a:schemeClr val="tx1">
                     <a:tint val="75000"/>
@@ -1302,7 +1054,7 @@
             </a:lvl2pPr>
             <a:lvl3pPr marL="914400" indent="0">
               <a:buNone/>
-              <a:defRPr sz="1600">
+              <a:defRPr sz="1800">
                 <a:solidFill>
                   <a:schemeClr val="tx1">
                     <a:tint val="75000"/>
@@ -1312,7 +1064,7 @@
             </a:lvl3pPr>
             <a:lvl4pPr marL="1371600" indent="0">
               <a:buNone/>
-              <a:defRPr sz="1400">
+              <a:defRPr sz="1600">
                 <a:solidFill>
                   <a:schemeClr val="tx1">
                     <a:tint val="75000"/>
@@ -1322,7 +1074,7 @@
             </a:lvl4pPr>
             <a:lvl5pPr marL="1828800" indent="0">
               <a:buNone/>
-              <a:defRPr sz="1400">
+              <a:defRPr sz="1600">
                 <a:solidFill>
                   <a:schemeClr val="tx1">
                     <a:tint val="75000"/>
@@ -1332,7 +1084,7 @@
             </a:lvl5pPr>
             <a:lvl6pPr marL="2286000" indent="0">
               <a:buNone/>
-              <a:defRPr sz="1400">
+              <a:defRPr sz="1600">
                 <a:solidFill>
                   <a:schemeClr val="tx1">
                     <a:tint val="75000"/>
@@ -1342,7 +1094,7 @@
             </a:lvl6pPr>
             <a:lvl7pPr marL="2743200" indent="0">
               <a:buNone/>
-              <a:defRPr sz="1400">
+              <a:defRPr sz="1600">
                 <a:solidFill>
                   <a:schemeClr val="tx1">
                     <a:tint val="75000"/>
@@ -1352,7 +1104,7 @@
             </a:lvl7pPr>
             <a:lvl8pPr marL="3200400" indent="0">
               <a:buNone/>
-              <a:defRPr sz="1400">
+              <a:defRPr sz="1600">
                 <a:solidFill>
                   <a:schemeClr val="tx1">
                     <a:tint val="75000"/>
@@ -1362,7 +1114,7 @@
             </a:lvl8pPr>
             <a:lvl9pPr marL="3657600" indent="0">
               <a:buNone/>
-              <a:defRPr sz="1400">
+              <a:defRPr sz="1600">
                 <a:solidFill>
                   <a:schemeClr val="tx1">
                     <a:tint val="75000"/>
@@ -1382,7 +1134,13 @@
       </p:sp>
       <p:sp>
         <p:nvSpPr>
-          <p:cNvPr id="4" name="Date Placeholder 3"/>
+          <p:cNvPr id="4" name="日期占位符 3">
+            <a:extLst>
+              <a:ext uri="{FF2B5EF4-FFF2-40B4-BE49-F238E27FC236}">
+                <a16:creationId xmlns:a16="http://schemas.microsoft.com/office/drawing/2014/main" id="{A6EAC770-B145-49BD-BE2E-0D6E84179127}"/>
+              </a:ext>
+            </a:extLst>
+          </p:cNvPr>
           <p:cNvSpPr>
             <a:spLocks noGrp="1"/>
           </p:cNvSpPr>
@@ -1405,7 +1163,13 @@
       </p:sp>
       <p:sp>
         <p:nvSpPr>
-          <p:cNvPr id="5" name="Footer Placeholder 4"/>
+          <p:cNvPr id="5" name="页脚占位符 4">
+            <a:extLst>
+              <a:ext uri="{FF2B5EF4-FFF2-40B4-BE49-F238E27FC236}">
+                <a16:creationId xmlns:a16="http://schemas.microsoft.com/office/drawing/2014/main" id="{243571E5-66D8-4B68-9A19-278ADF1C26F5}"/>
+              </a:ext>
+            </a:extLst>
+          </p:cNvPr>
           <p:cNvSpPr>
             <a:spLocks noGrp="1"/>
           </p:cNvSpPr>
@@ -1424,7 +1188,13 @@
       </p:sp>
       <p:sp>
         <p:nvSpPr>
-          <p:cNvPr id="6" name="Slide Number Placeholder 5"/>
+          <p:cNvPr id="6" name="灯片编号占位符 5">
+            <a:extLst>
+              <a:ext uri="{FF2B5EF4-FFF2-40B4-BE49-F238E27FC236}">
+                <a16:creationId xmlns:a16="http://schemas.microsoft.com/office/drawing/2014/main" id="{66DF8622-CAE5-46A2-83B2-4CFF8E741A5C}"/>
+              </a:ext>
+            </a:extLst>
+          </p:cNvPr>
           <p:cNvSpPr>
             <a:spLocks noGrp="1"/>
           </p:cNvSpPr>
@@ -1448,7 +1218,7 @@
     </p:spTree>
     <p:extLst>
       <p:ext uri="{BB962C8B-B14F-4D97-AF65-F5344CB8AC3E}">
-        <p14:creationId xmlns:p14="http://schemas.microsoft.com/office/powerpoint/2010/main" val="634154299"/>
+        <p14:creationId xmlns:p14="http://schemas.microsoft.com/office/powerpoint/2010/main" val="2199619395"/>
       </p:ext>
     </p:extLst>
   </p:cSld>
@@ -1458,9 +1228,9 @@
 </p:sldLayout>
 </file>
 
-<file path=ppt/slideLayouts/slideLayout14.xml><?xml version="1.0" encoding="utf-8"?>
-<p:sldLayout xmlns:a="http://schemas.openxmlformats.org/drawingml/2006/main" xmlns:r="http://schemas.openxmlformats.org/officeDocument/2006/relationships" xmlns:p="http://schemas.openxmlformats.org/presentationml/2006/main" preserve="1">
-  <p:cSld name="3 栏">
+<file path=ppt/slideLayouts/slideLayout4.xml><?xml version="1.0" encoding="utf-8"?>
+<p:sldLayout xmlns:a="http://schemas.openxmlformats.org/drawingml/2006/main" xmlns:r="http://schemas.openxmlformats.org/officeDocument/2006/relationships" xmlns:p="http://schemas.openxmlformats.org/presentationml/2006/main" type="twoObj" preserve="1">
+  <p:cSld name="两栏内容">
     <p:spTree>
       <p:nvGrpSpPr>
         <p:cNvPr id="1" name=""/>
@@ -1477,7 +1247,13 @@
       </p:grpSpPr>
       <p:sp>
         <p:nvSpPr>
-          <p:cNvPr id="2" name="Title 1"/>
+          <p:cNvPr id="2" name="标题 1">
+            <a:extLst>
+              <a:ext uri="{FF2B5EF4-FFF2-40B4-BE49-F238E27FC236}">
+                <a16:creationId xmlns:a16="http://schemas.microsoft.com/office/drawing/2014/main" id="{29B0EA47-357A-479D-B97F-06A84AA25ED8}"/>
+              </a:ext>
+            </a:extLst>
+          </p:cNvPr>
           <p:cNvSpPr>
             <a:spLocks noGrp="1"/>
           </p:cNvSpPr>
@@ -1488,23 +1264,294 @@
         <p:spPr/>
         <p:txBody>
           <a:bodyPr/>
-          <a:lstStyle>
-            <a:lvl1pPr>
-              <a:defRPr sz="4200"/>
-            </a:lvl1pPr>
-          </a:lstStyle>
+          <a:lstStyle/>
           <a:p>
             <a:r>
               <a:rPr lang="zh-CN" altLang="en-US"/>
               <a:t>单击此处编辑母版标题样式</a:t>
             </a:r>
-            <a:endParaRPr lang="en-US" dirty="0"/>
           </a:p>
         </p:txBody>
       </p:sp>
       <p:sp>
         <p:nvSpPr>
-          <p:cNvPr id="3" name="Text Placeholder 2"/>
+          <p:cNvPr id="3" name="内容占位符 2">
+            <a:extLst>
+              <a:ext uri="{FF2B5EF4-FFF2-40B4-BE49-F238E27FC236}">
+                <a16:creationId xmlns:a16="http://schemas.microsoft.com/office/drawing/2014/main" id="{37FDCAB6-CAA1-42EF-ACE7-C6596061415C}"/>
+              </a:ext>
+            </a:extLst>
+          </p:cNvPr>
+          <p:cNvSpPr>
+            <a:spLocks noGrp="1"/>
+          </p:cNvSpPr>
+          <p:nvPr>
+            <p:ph sz="half" idx="1"/>
+          </p:nvPr>
+        </p:nvSpPr>
+        <p:spPr>
+          <a:xfrm>
+            <a:off x="838200" y="1825625"/>
+            <a:ext cx="5181600" cy="4351338"/>
+          </a:xfrm>
+        </p:spPr>
+        <p:txBody>
+          <a:bodyPr/>
+          <a:lstStyle/>
+          <a:p>
+            <a:pPr lvl="0"/>
+            <a:r>
+              <a:rPr lang="zh-CN" altLang="en-US"/>
+              <a:t>单击此处编辑母版文本样式</a:t>
+            </a:r>
+          </a:p>
+          <a:p>
+            <a:pPr lvl="1"/>
+            <a:r>
+              <a:rPr lang="zh-CN" altLang="en-US"/>
+              <a:t>二级</a:t>
+            </a:r>
+          </a:p>
+          <a:p>
+            <a:pPr lvl="2"/>
+            <a:r>
+              <a:rPr lang="zh-CN" altLang="en-US"/>
+              <a:t>三级</a:t>
+            </a:r>
+          </a:p>
+          <a:p>
+            <a:pPr lvl="3"/>
+            <a:r>
+              <a:rPr lang="zh-CN" altLang="en-US"/>
+              <a:t>四级</a:t>
+            </a:r>
+          </a:p>
+          <a:p>
+            <a:pPr lvl="4"/>
+            <a:r>
+              <a:rPr lang="zh-CN" altLang="en-US"/>
+              <a:t>五级</a:t>
+            </a:r>
+          </a:p>
+        </p:txBody>
+      </p:sp>
+      <p:sp>
+        <p:nvSpPr>
+          <p:cNvPr id="4" name="内容占位符 3">
+            <a:extLst>
+              <a:ext uri="{FF2B5EF4-FFF2-40B4-BE49-F238E27FC236}">
+                <a16:creationId xmlns:a16="http://schemas.microsoft.com/office/drawing/2014/main" id="{F6CC1DAD-0782-44B8-A724-A77000ED038C}"/>
+              </a:ext>
+            </a:extLst>
+          </p:cNvPr>
+          <p:cNvSpPr>
+            <a:spLocks noGrp="1"/>
+          </p:cNvSpPr>
+          <p:nvPr>
+            <p:ph sz="half" idx="2"/>
+          </p:nvPr>
+        </p:nvSpPr>
+        <p:spPr>
+          <a:xfrm>
+            <a:off x="6172200" y="1825625"/>
+            <a:ext cx="5181600" cy="4351338"/>
+          </a:xfrm>
+        </p:spPr>
+        <p:txBody>
+          <a:bodyPr/>
+          <a:lstStyle/>
+          <a:p>
+            <a:pPr lvl="0"/>
+            <a:r>
+              <a:rPr lang="zh-CN" altLang="en-US"/>
+              <a:t>单击此处编辑母版文本样式</a:t>
+            </a:r>
+          </a:p>
+          <a:p>
+            <a:pPr lvl="1"/>
+            <a:r>
+              <a:rPr lang="zh-CN" altLang="en-US"/>
+              <a:t>二级</a:t>
+            </a:r>
+          </a:p>
+          <a:p>
+            <a:pPr lvl="2"/>
+            <a:r>
+              <a:rPr lang="zh-CN" altLang="en-US"/>
+              <a:t>三级</a:t>
+            </a:r>
+          </a:p>
+          <a:p>
+            <a:pPr lvl="3"/>
+            <a:r>
+              <a:rPr lang="zh-CN" altLang="en-US"/>
+              <a:t>四级</a:t>
+            </a:r>
+          </a:p>
+          <a:p>
+            <a:pPr lvl="4"/>
+            <a:r>
+              <a:rPr lang="zh-CN" altLang="en-US"/>
+              <a:t>五级</a:t>
+            </a:r>
+          </a:p>
+        </p:txBody>
+      </p:sp>
+      <p:sp>
+        <p:nvSpPr>
+          <p:cNvPr id="5" name="日期占位符 4">
+            <a:extLst>
+              <a:ext uri="{FF2B5EF4-FFF2-40B4-BE49-F238E27FC236}">
+                <a16:creationId xmlns:a16="http://schemas.microsoft.com/office/drawing/2014/main" id="{8070BDC9-D5F2-4E0C-AC2D-FF4547CCD6D3}"/>
+              </a:ext>
+            </a:extLst>
+          </p:cNvPr>
+          <p:cNvSpPr>
+            <a:spLocks noGrp="1"/>
+          </p:cNvSpPr>
+          <p:nvPr>
+            <p:ph type="dt" sz="half" idx="10"/>
+          </p:nvPr>
+        </p:nvSpPr>
+        <p:spPr/>
+        <p:txBody>
+          <a:bodyPr/>
+          <a:lstStyle/>
+          <a:p>
+            <a:fld id="{692AD3C9-44F0-4AE7-B19F-33A7A90EAD82}" type="datetimeFigureOut">
+              <a:rPr lang="zh-CN" altLang="en-US" smtClean="0"/>
+              <a:t>2019/12/6</a:t>
+            </a:fld>
+            <a:endParaRPr lang="zh-CN" altLang="en-US"/>
+          </a:p>
+        </p:txBody>
+      </p:sp>
+      <p:sp>
+        <p:nvSpPr>
+          <p:cNvPr id="6" name="页脚占位符 5">
+            <a:extLst>
+              <a:ext uri="{FF2B5EF4-FFF2-40B4-BE49-F238E27FC236}">
+                <a16:creationId xmlns:a16="http://schemas.microsoft.com/office/drawing/2014/main" id="{59D8F8BC-CE08-43BF-A925-C9E6BB90E383}"/>
+              </a:ext>
+            </a:extLst>
+          </p:cNvPr>
+          <p:cNvSpPr>
+            <a:spLocks noGrp="1"/>
+          </p:cNvSpPr>
+          <p:nvPr>
+            <p:ph type="ftr" sz="quarter" idx="11"/>
+          </p:nvPr>
+        </p:nvSpPr>
+        <p:spPr/>
+        <p:txBody>
+          <a:bodyPr/>
+          <a:lstStyle/>
+          <a:p>
+            <a:endParaRPr lang="zh-CN" altLang="en-US"/>
+          </a:p>
+        </p:txBody>
+      </p:sp>
+      <p:sp>
+        <p:nvSpPr>
+          <p:cNvPr id="7" name="灯片编号占位符 6">
+            <a:extLst>
+              <a:ext uri="{FF2B5EF4-FFF2-40B4-BE49-F238E27FC236}">
+                <a16:creationId xmlns:a16="http://schemas.microsoft.com/office/drawing/2014/main" id="{DCFA8227-6218-4D21-BA8E-7DA4F524B0D2}"/>
+              </a:ext>
+            </a:extLst>
+          </p:cNvPr>
+          <p:cNvSpPr>
+            <a:spLocks noGrp="1"/>
+          </p:cNvSpPr>
+          <p:nvPr>
+            <p:ph type="sldNum" sz="quarter" idx="12"/>
+          </p:nvPr>
+        </p:nvSpPr>
+        <p:spPr/>
+        <p:txBody>
+          <a:bodyPr/>
+          <a:lstStyle/>
+          <a:p>
+            <a:fld id="{C7BF277C-4796-4FC3-A772-27635493D84E}" type="slidenum">
+              <a:rPr lang="zh-CN" altLang="en-US" smtClean="0"/>
+              <a:t>‹#›</a:t>
+            </a:fld>
+            <a:endParaRPr lang="zh-CN" altLang="en-US"/>
+          </a:p>
+        </p:txBody>
+      </p:sp>
+    </p:spTree>
+    <p:extLst>
+      <p:ext uri="{BB962C8B-B14F-4D97-AF65-F5344CB8AC3E}">
+        <p14:creationId xmlns:p14="http://schemas.microsoft.com/office/powerpoint/2010/main" val="1242009446"/>
+      </p:ext>
+    </p:extLst>
+  </p:cSld>
+  <p:clrMapOvr>
+    <a:masterClrMapping/>
+  </p:clrMapOvr>
+</p:sldLayout>
+</file>
+
+<file path=ppt/slideLayouts/slideLayout5.xml><?xml version="1.0" encoding="utf-8"?>
+<p:sldLayout xmlns:a="http://schemas.openxmlformats.org/drawingml/2006/main" xmlns:r="http://schemas.openxmlformats.org/officeDocument/2006/relationships" xmlns:p="http://schemas.openxmlformats.org/presentationml/2006/main" type="twoTxTwoObj" preserve="1">
+  <p:cSld name="比较">
+    <p:spTree>
+      <p:nvGrpSpPr>
+        <p:cNvPr id="1" name=""/>
+        <p:cNvGrpSpPr/>
+        <p:nvPr/>
+      </p:nvGrpSpPr>
+      <p:grpSpPr>
+        <a:xfrm>
+          <a:off x="0" y="0"/>
+          <a:ext cx="0" cy="0"/>
+          <a:chOff x="0" y="0"/>
+          <a:chExt cx="0" cy="0"/>
+        </a:xfrm>
+      </p:grpSpPr>
+      <p:sp>
+        <p:nvSpPr>
+          <p:cNvPr id="2" name="标题 1">
+            <a:extLst>
+              <a:ext uri="{FF2B5EF4-FFF2-40B4-BE49-F238E27FC236}">
+                <a16:creationId xmlns:a16="http://schemas.microsoft.com/office/drawing/2014/main" id="{862E1E03-53A0-4716-8506-7C945D18C2E9}"/>
+              </a:ext>
+            </a:extLst>
+          </p:cNvPr>
+          <p:cNvSpPr>
+            <a:spLocks noGrp="1"/>
+          </p:cNvSpPr>
+          <p:nvPr>
+            <p:ph type="title"/>
+          </p:nvPr>
+        </p:nvSpPr>
+        <p:spPr>
+          <a:xfrm>
+            <a:off x="839788" y="365125"/>
+            <a:ext cx="10515600" cy="1325563"/>
+          </a:xfrm>
+        </p:spPr>
+        <p:txBody>
+          <a:bodyPr/>
+          <a:lstStyle/>
+          <a:p>
+            <a:r>
+              <a:rPr lang="zh-CN" altLang="en-US"/>
+              <a:t>单击此处编辑母版标题样式</a:t>
+            </a:r>
+          </a:p>
+        </p:txBody>
+      </p:sp>
+      <p:sp>
+        <p:nvSpPr>
+          <p:cNvPr id="3" name="文本占位符 2">
+            <a:extLst>
+              <a:ext uri="{FF2B5EF4-FFF2-40B4-BE49-F238E27FC236}">
+                <a16:creationId xmlns:a16="http://schemas.microsoft.com/office/drawing/2014/main" id="{5BF72478-3BD9-431D-9CF1-38EF416435D9}"/>
+              </a:ext>
+            </a:extLst>
+          </p:cNvPr>
           <p:cNvSpPr>
             <a:spLocks noGrp="1"/>
           </p:cNvSpPr>
@@ -1514,25 +1561,16 @@
         </p:nvSpPr>
         <p:spPr>
           <a:xfrm>
-            <a:off x="632947" y="1981200"/>
-            <a:ext cx="2946866" cy="576262"/>
+            <a:off x="839788" y="1681163"/>
+            <a:ext cx="5157787" cy="823912"/>
           </a:xfrm>
         </p:spPr>
         <p:txBody>
-          <a:bodyPr anchor="b">
-            <a:noAutofit/>
-          </a:bodyPr>
+          <a:bodyPr anchor="b"/>
           <a:lstStyle>
             <a:lvl1pPr marL="0" indent="0">
               <a:buNone/>
-              <a:defRPr sz="2400" b="0">
-                <a:solidFill>
-                  <a:schemeClr val="bg2">
-                    <a:lumMod val="40000"/>
-                    <a:lumOff val="60000"/>
-                  </a:schemeClr>
-                </a:solidFill>
-              </a:defRPr>
+              <a:defRPr sz="2400" b="1"/>
             </a:lvl1pPr>
             <a:lvl2pPr marL="457200" indent="0">
               <a:buNone/>
@@ -1578,74 +1616,75 @@
       </p:sp>
       <p:sp>
         <p:nvSpPr>
-          <p:cNvPr id="16" name="Text Placeholder 3"/>
+          <p:cNvPr id="4" name="内容占位符 3">
+            <a:extLst>
+              <a:ext uri="{FF2B5EF4-FFF2-40B4-BE49-F238E27FC236}">
+                <a16:creationId xmlns:a16="http://schemas.microsoft.com/office/drawing/2014/main" id="{6AF7E1ED-BBF4-4E5E-94F2-4B69582DF079}"/>
+              </a:ext>
+            </a:extLst>
+          </p:cNvPr>
           <p:cNvSpPr>
             <a:spLocks noGrp="1"/>
           </p:cNvSpPr>
           <p:nvPr>
-            <p:ph type="body" sz="half" idx="15"/>
+            <p:ph sz="half" idx="2"/>
           </p:nvPr>
         </p:nvSpPr>
         <p:spPr>
           <a:xfrm>
-            <a:off x="652463" y="2667000"/>
-            <a:ext cx="2927350" cy="3589338"/>
+            <a:off x="839788" y="2505075"/>
+            <a:ext cx="5157787" cy="3684588"/>
           </a:xfrm>
         </p:spPr>
         <p:txBody>
-          <a:bodyPr anchor="t">
-            <a:normAutofit/>
-          </a:bodyPr>
-          <a:lstStyle>
-            <a:lvl1pPr marL="0" indent="0">
-              <a:buNone/>
-              <a:defRPr sz="1400"/>
-            </a:lvl1pPr>
-            <a:lvl2pPr marL="457200" indent="0">
-              <a:buNone/>
-              <a:defRPr sz="1200"/>
-            </a:lvl2pPr>
-            <a:lvl3pPr marL="914400" indent="0">
-              <a:buNone/>
-              <a:defRPr sz="1000"/>
-            </a:lvl3pPr>
-            <a:lvl4pPr marL="1371600" indent="0">
-              <a:buNone/>
-              <a:defRPr sz="900"/>
-            </a:lvl4pPr>
-            <a:lvl5pPr marL="1828800" indent="0">
-              <a:buNone/>
-              <a:defRPr sz="900"/>
-            </a:lvl5pPr>
-            <a:lvl6pPr marL="2286000" indent="0">
-              <a:buNone/>
-              <a:defRPr sz="900"/>
-            </a:lvl6pPr>
-            <a:lvl7pPr marL="2743200" indent="0">
-              <a:buNone/>
-              <a:defRPr sz="900"/>
-            </a:lvl7pPr>
-            <a:lvl8pPr marL="3200400" indent="0">
-              <a:buNone/>
-              <a:defRPr sz="900"/>
-            </a:lvl8pPr>
-            <a:lvl9pPr marL="3657600" indent="0">
-              <a:buNone/>
-              <a:defRPr sz="900"/>
-            </a:lvl9pPr>
-          </a:lstStyle>
+          <a:bodyPr/>
+          <a:lstStyle/>
           <a:p>
             <a:pPr lvl="0"/>
             <a:r>
               <a:rPr lang="zh-CN" altLang="en-US"/>
               <a:t>单击此处编辑母版文本样式</a:t>
+            </a:r>
+          </a:p>
+          <a:p>
+            <a:pPr lvl="1"/>
+            <a:r>
+              <a:rPr lang="zh-CN" altLang="en-US"/>
+              <a:t>二级</a:t>
+            </a:r>
+          </a:p>
+          <a:p>
+            <a:pPr lvl="2"/>
+            <a:r>
+              <a:rPr lang="zh-CN" altLang="en-US"/>
+              <a:t>三级</a:t>
+            </a:r>
+          </a:p>
+          <a:p>
+            <a:pPr lvl="3"/>
+            <a:r>
+              <a:rPr lang="zh-CN" altLang="en-US"/>
+              <a:t>四级</a:t>
+            </a:r>
+          </a:p>
+          <a:p>
+            <a:pPr lvl="4"/>
+            <a:r>
+              <a:rPr lang="zh-CN" altLang="en-US"/>
+              <a:t>五级</a:t>
             </a:r>
           </a:p>
         </p:txBody>
       </p:sp>
       <p:sp>
         <p:nvSpPr>
-          <p:cNvPr id="5" name="Text Placeholder 4"/>
+          <p:cNvPr id="5" name="文本占位符 4">
+            <a:extLst>
+              <a:ext uri="{FF2B5EF4-FFF2-40B4-BE49-F238E27FC236}">
+                <a16:creationId xmlns:a16="http://schemas.microsoft.com/office/drawing/2014/main" id="{38E21F93-F09D-4943-B473-6F0FCF4FF40C}"/>
+              </a:ext>
+            </a:extLst>
+          </p:cNvPr>
           <p:cNvSpPr>
             <a:spLocks noGrp="1"/>
           </p:cNvSpPr>
@@ -1655,25 +1694,16 @@
         </p:nvSpPr>
         <p:spPr>
           <a:xfrm>
-            <a:off x="3883659" y="1981200"/>
-            <a:ext cx="2936241" cy="576262"/>
+            <a:off x="6172200" y="1681163"/>
+            <a:ext cx="5183188" cy="823912"/>
           </a:xfrm>
         </p:spPr>
         <p:txBody>
-          <a:bodyPr anchor="b">
-            <a:noAutofit/>
-          </a:bodyPr>
+          <a:bodyPr anchor="b"/>
           <a:lstStyle>
             <a:lvl1pPr marL="0" indent="0">
               <a:buNone/>
-              <a:defRPr sz="2400" b="0">
-                <a:solidFill>
-                  <a:schemeClr val="bg2">
-                    <a:lumMod val="40000"/>
-                    <a:lumOff val="60000"/>
-                  </a:schemeClr>
-                </a:solidFill>
-              </a:defRPr>
+              <a:defRPr sz="2400" b="1"/>
             </a:lvl1pPr>
             <a:lvl2pPr marL="457200" indent="0">
               <a:buNone/>
@@ -1719,293 +1749,75 @@
       </p:sp>
       <p:sp>
         <p:nvSpPr>
-          <p:cNvPr id="19" name="Text Placeholder 3"/>
+          <p:cNvPr id="6" name="内容占位符 5">
+            <a:extLst>
+              <a:ext uri="{FF2B5EF4-FFF2-40B4-BE49-F238E27FC236}">
+                <a16:creationId xmlns:a16="http://schemas.microsoft.com/office/drawing/2014/main" id="{1EF5F028-BFCE-4F09-B6EC-24794092CBFA}"/>
+              </a:ext>
+            </a:extLst>
+          </p:cNvPr>
           <p:cNvSpPr>
             <a:spLocks noGrp="1"/>
           </p:cNvSpPr>
           <p:nvPr>
-            <p:ph type="body" sz="half" idx="16"/>
+            <p:ph sz="quarter" idx="4"/>
           </p:nvPr>
         </p:nvSpPr>
         <p:spPr>
           <a:xfrm>
-            <a:off x="3873106" y="2667000"/>
-            <a:ext cx="2946794" cy="3589338"/>
+            <a:off x="6172200" y="2505075"/>
+            <a:ext cx="5183188" cy="3684588"/>
           </a:xfrm>
         </p:spPr>
         <p:txBody>
-          <a:bodyPr anchor="t">
-            <a:normAutofit/>
-          </a:bodyPr>
-          <a:lstStyle>
-            <a:lvl1pPr marL="0" indent="0">
-              <a:buNone/>
-              <a:defRPr sz="1400"/>
-            </a:lvl1pPr>
-            <a:lvl2pPr marL="457200" indent="0">
-              <a:buNone/>
-              <a:defRPr sz="1200"/>
-            </a:lvl2pPr>
-            <a:lvl3pPr marL="914400" indent="0">
-              <a:buNone/>
-              <a:defRPr sz="1000"/>
-            </a:lvl3pPr>
-            <a:lvl4pPr marL="1371600" indent="0">
-              <a:buNone/>
-              <a:defRPr sz="900"/>
-            </a:lvl4pPr>
-            <a:lvl5pPr marL="1828800" indent="0">
-              <a:buNone/>
-              <a:defRPr sz="900"/>
-            </a:lvl5pPr>
-            <a:lvl6pPr marL="2286000" indent="0">
-              <a:buNone/>
-              <a:defRPr sz="900"/>
-            </a:lvl6pPr>
-            <a:lvl7pPr marL="2743200" indent="0">
-              <a:buNone/>
-              <a:defRPr sz="900"/>
-            </a:lvl7pPr>
-            <a:lvl8pPr marL="3200400" indent="0">
-              <a:buNone/>
-              <a:defRPr sz="900"/>
-            </a:lvl8pPr>
-            <a:lvl9pPr marL="3657600" indent="0">
-              <a:buNone/>
-              <a:defRPr sz="900"/>
-            </a:lvl9pPr>
-          </a:lstStyle>
+          <a:bodyPr/>
+          <a:lstStyle/>
           <a:p>
             <a:pPr lvl="0"/>
             <a:r>
               <a:rPr lang="zh-CN" altLang="en-US"/>
               <a:t>单击此处编辑母版文本样式</a:t>
+            </a:r>
+          </a:p>
+          <a:p>
+            <a:pPr lvl="1"/>
+            <a:r>
+              <a:rPr lang="zh-CN" altLang="en-US"/>
+              <a:t>二级</a:t>
+            </a:r>
+          </a:p>
+          <a:p>
+            <a:pPr lvl="2"/>
+            <a:r>
+              <a:rPr lang="zh-CN" altLang="en-US"/>
+              <a:t>三级</a:t>
+            </a:r>
+          </a:p>
+          <a:p>
+            <a:pPr lvl="3"/>
+            <a:r>
+              <a:rPr lang="zh-CN" altLang="en-US"/>
+              <a:t>四级</a:t>
+            </a:r>
+          </a:p>
+          <a:p>
+            <a:pPr lvl="4"/>
+            <a:r>
+              <a:rPr lang="zh-CN" altLang="en-US"/>
+              <a:t>五级</a:t>
             </a:r>
           </a:p>
         </p:txBody>
       </p:sp>
       <p:sp>
         <p:nvSpPr>
-          <p:cNvPr id="14" name="Text Placeholder 4"/>
-          <p:cNvSpPr>
-            <a:spLocks noGrp="1"/>
-          </p:cNvSpPr>
-          <p:nvPr>
-            <p:ph type="body" sz="quarter" idx="13"/>
-          </p:nvPr>
-        </p:nvSpPr>
-        <p:spPr>
-          <a:xfrm>
-            <a:off x="7124700" y="1981200"/>
-            <a:ext cx="2932113" cy="576262"/>
-          </a:xfrm>
-        </p:spPr>
-        <p:txBody>
-          <a:bodyPr anchor="b">
-            <a:noAutofit/>
-          </a:bodyPr>
-          <a:lstStyle>
-            <a:lvl1pPr marL="0" indent="0">
-              <a:buNone/>
-              <a:defRPr sz="2400" b="0">
-                <a:solidFill>
-                  <a:schemeClr val="bg2">
-                    <a:lumMod val="40000"/>
-                    <a:lumOff val="60000"/>
-                  </a:schemeClr>
-                </a:solidFill>
-              </a:defRPr>
-            </a:lvl1pPr>
-            <a:lvl2pPr marL="457200" indent="0">
-              <a:buNone/>
-              <a:defRPr sz="2000" b="1"/>
-            </a:lvl2pPr>
-            <a:lvl3pPr marL="914400" indent="0">
-              <a:buNone/>
-              <a:defRPr sz="1800" b="1"/>
-            </a:lvl3pPr>
-            <a:lvl4pPr marL="1371600" indent="0">
-              <a:buNone/>
-              <a:defRPr sz="1600" b="1"/>
-            </a:lvl4pPr>
-            <a:lvl5pPr marL="1828800" indent="0">
-              <a:buNone/>
-              <a:defRPr sz="1600" b="1"/>
-            </a:lvl5pPr>
-            <a:lvl6pPr marL="2286000" indent="0">
-              <a:buNone/>
-              <a:defRPr sz="1600" b="1"/>
-            </a:lvl6pPr>
-            <a:lvl7pPr marL="2743200" indent="0">
-              <a:buNone/>
-              <a:defRPr sz="1600" b="1"/>
-            </a:lvl7pPr>
-            <a:lvl8pPr marL="3200400" indent="0">
-              <a:buNone/>
-              <a:defRPr sz="1600" b="1"/>
-            </a:lvl8pPr>
-            <a:lvl9pPr marL="3657600" indent="0">
-              <a:buNone/>
-              <a:defRPr sz="1600" b="1"/>
-            </a:lvl9pPr>
-          </a:lstStyle>
-          <a:p>
-            <a:pPr lvl="0"/>
-            <a:r>
-              <a:rPr lang="zh-CN" altLang="en-US"/>
-              <a:t>单击此处编辑母版文本样式</a:t>
-            </a:r>
-          </a:p>
-        </p:txBody>
-      </p:sp>
-      <p:sp>
-        <p:nvSpPr>
-          <p:cNvPr id="20" name="Text Placeholder 3"/>
-          <p:cNvSpPr>
-            <a:spLocks noGrp="1"/>
-          </p:cNvSpPr>
-          <p:nvPr>
-            <p:ph type="body" sz="half" idx="17"/>
-          </p:nvPr>
-        </p:nvSpPr>
-        <p:spPr>
-          <a:xfrm>
-            <a:off x="7124700" y="2667000"/>
-            <a:ext cx="2932113" cy="3589338"/>
-          </a:xfrm>
-        </p:spPr>
-        <p:txBody>
-          <a:bodyPr anchor="t">
-            <a:normAutofit/>
-          </a:bodyPr>
-          <a:lstStyle>
-            <a:lvl1pPr marL="0" indent="0">
-              <a:buNone/>
-              <a:defRPr sz="1400"/>
-            </a:lvl1pPr>
-            <a:lvl2pPr marL="457200" indent="0">
-              <a:buNone/>
-              <a:defRPr sz="1200"/>
-            </a:lvl2pPr>
-            <a:lvl3pPr marL="914400" indent="0">
-              <a:buNone/>
-              <a:defRPr sz="1000"/>
-            </a:lvl3pPr>
-            <a:lvl4pPr marL="1371600" indent="0">
-              <a:buNone/>
-              <a:defRPr sz="900"/>
-            </a:lvl4pPr>
-            <a:lvl5pPr marL="1828800" indent="0">
-              <a:buNone/>
-              <a:defRPr sz="900"/>
-            </a:lvl5pPr>
-            <a:lvl6pPr marL="2286000" indent="0">
-              <a:buNone/>
-              <a:defRPr sz="900"/>
-            </a:lvl6pPr>
-            <a:lvl7pPr marL="2743200" indent="0">
-              <a:buNone/>
-              <a:defRPr sz="900"/>
-            </a:lvl7pPr>
-            <a:lvl8pPr marL="3200400" indent="0">
-              <a:buNone/>
-              <a:defRPr sz="900"/>
-            </a:lvl8pPr>
-            <a:lvl9pPr marL="3657600" indent="0">
-              <a:buNone/>
-              <a:defRPr sz="900"/>
-            </a:lvl9pPr>
-          </a:lstStyle>
-          <a:p>
-            <a:pPr lvl="0"/>
-            <a:r>
-              <a:rPr lang="zh-CN" altLang="en-US"/>
-              <a:t>单击此处编辑母版文本样式</a:t>
-            </a:r>
-          </a:p>
-        </p:txBody>
-      </p:sp>
-      <p:cxnSp>
-        <p:nvCxnSpPr>
-          <p:cNvPr id="17" name="Straight Connector 16"/>
-          <p:cNvCxnSpPr/>
-          <p:nvPr/>
-        </p:nvCxnSpPr>
-        <p:spPr>
-          <a:xfrm>
-            <a:off x="3726142" y="2133600"/>
-            <a:ext cx="0" cy="3962400"/>
-          </a:xfrm>
-          <a:prstGeom prst="line">
-            <a:avLst/>
-          </a:prstGeom>
-          <a:ln w="12700" cmpd="sng">
-            <a:solidFill>
-              <a:schemeClr val="bg2">
-                <a:lumMod val="40000"/>
-                <a:lumOff val="60000"/>
-                <a:alpha val="40000"/>
-              </a:schemeClr>
-            </a:solidFill>
-          </a:ln>
-        </p:spPr>
-        <p:style>
-          <a:lnRef idx="2">
-            <a:schemeClr val="accent1"/>
-          </a:lnRef>
-          <a:fillRef idx="0">
-            <a:schemeClr val="accent1"/>
-          </a:fillRef>
-          <a:effectRef idx="1">
-            <a:schemeClr val="accent1"/>
-          </a:effectRef>
-          <a:fontRef idx="minor">
-            <a:schemeClr val="tx1"/>
-          </a:fontRef>
-        </p:style>
-      </p:cxnSp>
-      <p:cxnSp>
-        <p:nvCxnSpPr>
-          <p:cNvPr id="18" name="Straight Connector 17"/>
-          <p:cNvCxnSpPr/>
-          <p:nvPr/>
-        </p:nvCxnSpPr>
-        <p:spPr>
-          <a:xfrm>
-            <a:off x="6962227" y="2133600"/>
-            <a:ext cx="0" cy="3966882"/>
-          </a:xfrm>
-          <a:prstGeom prst="line">
-            <a:avLst/>
-          </a:prstGeom>
-          <a:ln w="12700" cmpd="sng">
-            <a:solidFill>
-              <a:schemeClr val="bg2">
-                <a:lumMod val="40000"/>
-                <a:lumOff val="60000"/>
-                <a:alpha val="40000"/>
-              </a:schemeClr>
-            </a:solidFill>
-          </a:ln>
-        </p:spPr>
-        <p:style>
-          <a:lnRef idx="2">
-            <a:schemeClr val="accent1"/>
-          </a:lnRef>
-          <a:fillRef idx="0">
-            <a:schemeClr val="accent1"/>
-          </a:fillRef>
-          <a:effectRef idx="1">
-            <a:schemeClr val="accent1"/>
-          </a:effectRef>
-          <a:fontRef idx="minor">
-            <a:schemeClr val="tx1"/>
-          </a:fontRef>
-        </p:style>
-      </p:cxnSp>
-      <p:sp>
-        <p:nvSpPr>
-          <p:cNvPr id="7" name="Date Placeholder 3"/>
+          <p:cNvPr id="7" name="日期占位符 6">
+            <a:extLst>
+              <a:ext uri="{FF2B5EF4-FFF2-40B4-BE49-F238E27FC236}">
+                <a16:creationId xmlns:a16="http://schemas.microsoft.com/office/drawing/2014/main" id="{C0B740DD-BA0E-448C-857A-35CC576E673E}"/>
+              </a:ext>
+            </a:extLst>
+          </p:cNvPr>
           <p:cNvSpPr>
             <a:spLocks noGrp="1"/>
           </p:cNvSpPr>
@@ -2028,7 +1840,13 @@
       </p:sp>
       <p:sp>
         <p:nvSpPr>
-          <p:cNvPr id="4" name="Footer Placeholder 4"/>
+          <p:cNvPr id="8" name="页脚占位符 7">
+            <a:extLst>
+              <a:ext uri="{FF2B5EF4-FFF2-40B4-BE49-F238E27FC236}">
+                <a16:creationId xmlns:a16="http://schemas.microsoft.com/office/drawing/2014/main" id="{0BD40611-3B6D-40DA-A5F2-AD92B87706F5}"/>
+              </a:ext>
+            </a:extLst>
+          </p:cNvPr>
           <p:cNvSpPr>
             <a:spLocks noGrp="1"/>
           </p:cNvSpPr>
@@ -2047,7 +1865,13 @@
       </p:sp>
       <p:sp>
         <p:nvSpPr>
-          <p:cNvPr id="6" name="Slide Number Placeholder 5"/>
+          <p:cNvPr id="9" name="灯片编号占位符 8">
+            <a:extLst>
+              <a:ext uri="{FF2B5EF4-FFF2-40B4-BE49-F238E27FC236}">
+                <a16:creationId xmlns:a16="http://schemas.microsoft.com/office/drawing/2014/main" id="{44DF6279-DD47-4497-A88A-A1DC6DE4208E}"/>
+              </a:ext>
+            </a:extLst>
+          </p:cNvPr>
           <p:cNvSpPr>
             <a:spLocks noGrp="1"/>
           </p:cNvSpPr>
@@ -2071,2370 +1895,7 @@
     </p:spTree>
     <p:extLst>
       <p:ext uri="{BB962C8B-B14F-4D97-AF65-F5344CB8AC3E}">
-        <p14:creationId xmlns:p14="http://schemas.microsoft.com/office/powerpoint/2010/main" val="1684643028"/>
-      </p:ext>
-    </p:extLst>
-  </p:cSld>
-  <p:clrMapOvr>
-    <a:masterClrMapping/>
-  </p:clrMapOvr>
-</p:sldLayout>
-</file>
-
-<file path=ppt/slideLayouts/slideLayout15.xml><?xml version="1.0" encoding="utf-8"?>
-<p:sldLayout xmlns:a="http://schemas.openxmlformats.org/drawingml/2006/main" xmlns:r="http://schemas.openxmlformats.org/officeDocument/2006/relationships" xmlns:p="http://schemas.openxmlformats.org/presentationml/2006/main" preserve="1">
-  <p:cSld name="3 图片栏">
-    <p:spTree>
-      <p:nvGrpSpPr>
-        <p:cNvPr id="1" name=""/>
-        <p:cNvGrpSpPr/>
-        <p:nvPr/>
-      </p:nvGrpSpPr>
-      <p:grpSpPr>
-        <a:xfrm>
-          <a:off x="0" y="0"/>
-          <a:ext cx="0" cy="0"/>
-          <a:chOff x="0" y="0"/>
-          <a:chExt cx="0" cy="0"/>
-        </a:xfrm>
-      </p:grpSpPr>
-      <p:sp>
-        <p:nvSpPr>
-          <p:cNvPr id="2" name="Title 1"/>
-          <p:cNvSpPr>
-            <a:spLocks noGrp="1"/>
-          </p:cNvSpPr>
-          <p:nvPr>
-            <p:ph type="title"/>
-          </p:nvPr>
-        </p:nvSpPr>
-        <p:spPr/>
-        <p:txBody>
-          <a:bodyPr/>
-          <a:lstStyle>
-            <a:lvl1pPr>
-              <a:defRPr sz="4200"/>
-            </a:lvl1pPr>
-          </a:lstStyle>
-          <a:p>
-            <a:r>
-              <a:rPr lang="zh-CN" altLang="en-US"/>
-              <a:t>单击此处编辑母版标题样式</a:t>
-            </a:r>
-            <a:endParaRPr lang="en-US" dirty="0"/>
-          </a:p>
-        </p:txBody>
-      </p:sp>
-      <p:sp>
-        <p:nvSpPr>
-          <p:cNvPr id="3" name="Text Placeholder 2"/>
-          <p:cNvSpPr>
-            <a:spLocks noGrp="1"/>
-          </p:cNvSpPr>
-          <p:nvPr>
-            <p:ph type="body" idx="1"/>
-          </p:nvPr>
-        </p:nvSpPr>
-        <p:spPr>
-          <a:xfrm>
-            <a:off x="652463" y="4250949"/>
-            <a:ext cx="2940050" cy="576262"/>
-          </a:xfrm>
-        </p:spPr>
-        <p:txBody>
-          <a:bodyPr anchor="b">
-            <a:noAutofit/>
-          </a:bodyPr>
-          <a:lstStyle>
-            <a:lvl1pPr marL="0" indent="0">
-              <a:buNone/>
-              <a:defRPr sz="2400" b="0">
-                <a:solidFill>
-                  <a:schemeClr val="bg2">
-                    <a:lumMod val="40000"/>
-                    <a:lumOff val="60000"/>
-                  </a:schemeClr>
-                </a:solidFill>
-              </a:defRPr>
-            </a:lvl1pPr>
-            <a:lvl2pPr marL="457200" indent="0">
-              <a:buNone/>
-              <a:defRPr sz="2000" b="1"/>
-            </a:lvl2pPr>
-            <a:lvl3pPr marL="914400" indent="0">
-              <a:buNone/>
-              <a:defRPr sz="1800" b="1"/>
-            </a:lvl3pPr>
-            <a:lvl4pPr marL="1371600" indent="0">
-              <a:buNone/>
-              <a:defRPr sz="1600" b="1"/>
-            </a:lvl4pPr>
-            <a:lvl5pPr marL="1828800" indent="0">
-              <a:buNone/>
-              <a:defRPr sz="1600" b="1"/>
-            </a:lvl5pPr>
-            <a:lvl6pPr marL="2286000" indent="0">
-              <a:buNone/>
-              <a:defRPr sz="1600" b="1"/>
-            </a:lvl6pPr>
-            <a:lvl7pPr marL="2743200" indent="0">
-              <a:buNone/>
-              <a:defRPr sz="1600" b="1"/>
-            </a:lvl7pPr>
-            <a:lvl8pPr marL="3200400" indent="0">
-              <a:buNone/>
-              <a:defRPr sz="1600" b="1"/>
-            </a:lvl8pPr>
-            <a:lvl9pPr marL="3657600" indent="0">
-              <a:buNone/>
-              <a:defRPr sz="1600" b="1"/>
-            </a:lvl9pPr>
-          </a:lstStyle>
-          <a:p>
-            <a:pPr lvl="0"/>
-            <a:r>
-              <a:rPr lang="zh-CN" altLang="en-US"/>
-              <a:t>单击此处编辑母版文本样式</a:t>
-            </a:r>
-          </a:p>
-        </p:txBody>
-      </p:sp>
-      <p:sp>
-        <p:nvSpPr>
-          <p:cNvPr id="29" name="Picture Placeholder 2"/>
-          <p:cNvSpPr>
-            <a:spLocks noGrp="1" noChangeAspect="1"/>
-          </p:cNvSpPr>
-          <p:nvPr>
-            <p:ph type="pic" idx="15"/>
-          </p:nvPr>
-        </p:nvSpPr>
-        <p:spPr>
-          <a:xfrm>
-            <a:off x="652463" y="2209800"/>
-            <a:ext cx="2940050" cy="1524000"/>
-          </a:xfrm>
-          <a:prstGeom prst="roundRect">
-            <a:avLst>
-              <a:gd name="adj" fmla="val 1858"/>
-            </a:avLst>
-          </a:prstGeom>
-          <a:effectLst>
-            <a:outerShdw blurRad="50800" dist="50800" dir="5400000" algn="tl" rotWithShape="0">
-              <a:srgbClr val="000000">
-                <a:alpha val="43000"/>
-              </a:srgbClr>
-            </a:outerShdw>
-          </a:effectLst>
-        </p:spPr>
-        <p:txBody>
-          <a:bodyPr anchor="t">
-            <a:normAutofit/>
-          </a:bodyPr>
-          <a:lstStyle>
-            <a:lvl1pPr marL="0" indent="0" algn="ctr">
-              <a:buNone/>
-              <a:defRPr sz="1600"/>
-            </a:lvl1pPr>
-            <a:lvl2pPr marL="457200" indent="0">
-              <a:buNone/>
-              <a:defRPr sz="1600"/>
-            </a:lvl2pPr>
-            <a:lvl3pPr marL="914400" indent="0">
-              <a:buNone/>
-              <a:defRPr sz="1600"/>
-            </a:lvl3pPr>
-            <a:lvl4pPr marL="1371600" indent="0">
-              <a:buNone/>
-              <a:defRPr sz="1600"/>
-            </a:lvl4pPr>
-            <a:lvl5pPr marL="1828800" indent="0">
-              <a:buNone/>
-              <a:defRPr sz="1600"/>
-            </a:lvl5pPr>
-            <a:lvl6pPr marL="2286000" indent="0">
-              <a:buNone/>
-              <a:defRPr sz="1600"/>
-            </a:lvl6pPr>
-            <a:lvl7pPr marL="2743200" indent="0">
-              <a:buNone/>
-              <a:defRPr sz="1600"/>
-            </a:lvl7pPr>
-            <a:lvl8pPr marL="3200400" indent="0">
-              <a:buNone/>
-              <a:defRPr sz="1600"/>
-            </a:lvl8pPr>
-            <a:lvl9pPr marL="3657600" indent="0">
-              <a:buNone/>
-              <a:defRPr sz="1600"/>
-            </a:lvl9pPr>
-          </a:lstStyle>
-          <a:p>
-            <a:r>
-              <a:rPr lang="zh-CN" altLang="en-US"/>
-              <a:t>单击图标添加图片</a:t>
-            </a:r>
-            <a:endParaRPr lang="en-US" dirty="0"/>
-          </a:p>
-        </p:txBody>
-      </p:sp>
-      <p:sp>
-        <p:nvSpPr>
-          <p:cNvPr id="22" name="Text Placeholder 3"/>
-          <p:cNvSpPr>
-            <a:spLocks noGrp="1"/>
-          </p:cNvSpPr>
-          <p:nvPr>
-            <p:ph type="body" sz="half" idx="18"/>
-          </p:nvPr>
-        </p:nvSpPr>
-        <p:spPr>
-          <a:xfrm>
-            <a:off x="652463" y="4827211"/>
-            <a:ext cx="2940050" cy="659189"/>
-          </a:xfrm>
-        </p:spPr>
-        <p:txBody>
-          <a:bodyPr anchor="t">
-            <a:normAutofit/>
-          </a:bodyPr>
-          <a:lstStyle>
-            <a:lvl1pPr marL="0" indent="0">
-              <a:buNone/>
-              <a:defRPr sz="1400"/>
-            </a:lvl1pPr>
-            <a:lvl2pPr marL="457200" indent="0">
-              <a:buNone/>
-              <a:defRPr sz="1200"/>
-            </a:lvl2pPr>
-            <a:lvl3pPr marL="914400" indent="0">
-              <a:buNone/>
-              <a:defRPr sz="1000"/>
-            </a:lvl3pPr>
-            <a:lvl4pPr marL="1371600" indent="0">
-              <a:buNone/>
-              <a:defRPr sz="900"/>
-            </a:lvl4pPr>
-            <a:lvl5pPr marL="1828800" indent="0">
-              <a:buNone/>
-              <a:defRPr sz="900"/>
-            </a:lvl5pPr>
-            <a:lvl6pPr marL="2286000" indent="0">
-              <a:buNone/>
-              <a:defRPr sz="900"/>
-            </a:lvl6pPr>
-            <a:lvl7pPr marL="2743200" indent="0">
-              <a:buNone/>
-              <a:defRPr sz="900"/>
-            </a:lvl7pPr>
-            <a:lvl8pPr marL="3200400" indent="0">
-              <a:buNone/>
-              <a:defRPr sz="900"/>
-            </a:lvl8pPr>
-            <a:lvl9pPr marL="3657600" indent="0">
-              <a:buNone/>
-              <a:defRPr sz="900"/>
-            </a:lvl9pPr>
-          </a:lstStyle>
-          <a:p>
-            <a:pPr lvl="0"/>
-            <a:r>
-              <a:rPr lang="zh-CN" altLang="en-US"/>
-              <a:t>单击此处编辑母版文本样式</a:t>
-            </a:r>
-          </a:p>
-        </p:txBody>
-      </p:sp>
-      <p:sp>
-        <p:nvSpPr>
-          <p:cNvPr id="5" name="Text Placeholder 4"/>
-          <p:cNvSpPr>
-            <a:spLocks noGrp="1"/>
-          </p:cNvSpPr>
-          <p:nvPr>
-            <p:ph type="body" sz="quarter" idx="3"/>
-          </p:nvPr>
-        </p:nvSpPr>
-        <p:spPr>
-          <a:xfrm>
-            <a:off x="3889375" y="4250949"/>
-            <a:ext cx="2930525" cy="576262"/>
-          </a:xfrm>
-        </p:spPr>
-        <p:txBody>
-          <a:bodyPr anchor="b">
-            <a:noAutofit/>
-          </a:bodyPr>
-          <a:lstStyle>
-            <a:lvl1pPr marL="0" indent="0">
-              <a:buNone/>
-              <a:defRPr sz="2400" b="0">
-                <a:solidFill>
-                  <a:schemeClr val="bg2">
-                    <a:lumMod val="40000"/>
-                    <a:lumOff val="60000"/>
-                  </a:schemeClr>
-                </a:solidFill>
-              </a:defRPr>
-            </a:lvl1pPr>
-            <a:lvl2pPr marL="457200" indent="0">
-              <a:buNone/>
-              <a:defRPr sz="2000" b="1"/>
-            </a:lvl2pPr>
-            <a:lvl3pPr marL="914400" indent="0">
-              <a:buNone/>
-              <a:defRPr sz="1800" b="1"/>
-            </a:lvl3pPr>
-            <a:lvl4pPr marL="1371600" indent="0">
-              <a:buNone/>
-              <a:defRPr sz="1600" b="1"/>
-            </a:lvl4pPr>
-            <a:lvl5pPr marL="1828800" indent="0">
-              <a:buNone/>
-              <a:defRPr sz="1600" b="1"/>
-            </a:lvl5pPr>
-            <a:lvl6pPr marL="2286000" indent="0">
-              <a:buNone/>
-              <a:defRPr sz="1600" b="1"/>
-            </a:lvl6pPr>
-            <a:lvl7pPr marL="2743200" indent="0">
-              <a:buNone/>
-              <a:defRPr sz="1600" b="1"/>
-            </a:lvl7pPr>
-            <a:lvl8pPr marL="3200400" indent="0">
-              <a:buNone/>
-              <a:defRPr sz="1600" b="1"/>
-            </a:lvl8pPr>
-            <a:lvl9pPr marL="3657600" indent="0">
-              <a:buNone/>
-              <a:defRPr sz="1600" b="1"/>
-            </a:lvl9pPr>
-          </a:lstStyle>
-          <a:p>
-            <a:pPr lvl="0"/>
-            <a:r>
-              <a:rPr lang="zh-CN" altLang="en-US"/>
-              <a:t>单击此处编辑母版文本样式</a:t>
-            </a:r>
-          </a:p>
-        </p:txBody>
-      </p:sp>
-      <p:sp>
-        <p:nvSpPr>
-          <p:cNvPr id="30" name="Picture Placeholder 2"/>
-          <p:cNvSpPr>
-            <a:spLocks noGrp="1" noChangeAspect="1"/>
-          </p:cNvSpPr>
-          <p:nvPr>
-            <p:ph type="pic" idx="21"/>
-          </p:nvPr>
-        </p:nvSpPr>
-        <p:spPr>
-          <a:xfrm>
-            <a:off x="3889374" y="2209800"/>
-            <a:ext cx="2930525" cy="1524000"/>
-          </a:xfrm>
-          <a:prstGeom prst="roundRect">
-            <a:avLst>
-              <a:gd name="adj" fmla="val 1858"/>
-            </a:avLst>
-          </a:prstGeom>
-          <a:effectLst>
-            <a:outerShdw blurRad="50800" dist="50800" dir="5400000" algn="tl" rotWithShape="0">
-              <a:srgbClr val="000000">
-                <a:alpha val="43000"/>
-              </a:srgbClr>
-            </a:outerShdw>
-          </a:effectLst>
-        </p:spPr>
-        <p:txBody>
-          <a:bodyPr anchor="t">
-            <a:normAutofit/>
-          </a:bodyPr>
-          <a:lstStyle>
-            <a:lvl1pPr marL="0" indent="0" algn="ctr">
-              <a:buNone/>
-              <a:defRPr sz="1600"/>
-            </a:lvl1pPr>
-            <a:lvl2pPr marL="457200" indent="0">
-              <a:buNone/>
-              <a:defRPr sz="1600"/>
-            </a:lvl2pPr>
-            <a:lvl3pPr marL="914400" indent="0">
-              <a:buNone/>
-              <a:defRPr sz="1600"/>
-            </a:lvl3pPr>
-            <a:lvl4pPr marL="1371600" indent="0">
-              <a:buNone/>
-              <a:defRPr sz="1600"/>
-            </a:lvl4pPr>
-            <a:lvl5pPr marL="1828800" indent="0">
-              <a:buNone/>
-              <a:defRPr sz="1600"/>
-            </a:lvl5pPr>
-            <a:lvl6pPr marL="2286000" indent="0">
-              <a:buNone/>
-              <a:defRPr sz="1600"/>
-            </a:lvl6pPr>
-            <a:lvl7pPr marL="2743200" indent="0">
-              <a:buNone/>
-              <a:defRPr sz="1600"/>
-            </a:lvl7pPr>
-            <a:lvl8pPr marL="3200400" indent="0">
-              <a:buNone/>
-              <a:defRPr sz="1600"/>
-            </a:lvl8pPr>
-            <a:lvl9pPr marL="3657600" indent="0">
-              <a:buNone/>
-              <a:defRPr sz="1600"/>
-            </a:lvl9pPr>
-          </a:lstStyle>
-          <a:p>
-            <a:r>
-              <a:rPr lang="zh-CN" altLang="en-US"/>
-              <a:t>单击图标添加图片</a:t>
-            </a:r>
-            <a:endParaRPr lang="en-US" dirty="0"/>
-          </a:p>
-        </p:txBody>
-      </p:sp>
-      <p:sp>
-        <p:nvSpPr>
-          <p:cNvPr id="23" name="Text Placeholder 3"/>
-          <p:cNvSpPr>
-            <a:spLocks noGrp="1"/>
-          </p:cNvSpPr>
-          <p:nvPr>
-            <p:ph type="body" sz="half" idx="19"/>
-          </p:nvPr>
-        </p:nvSpPr>
-        <p:spPr>
-          <a:xfrm>
-            <a:off x="3888022" y="4827210"/>
-            <a:ext cx="2934406" cy="659189"/>
-          </a:xfrm>
-        </p:spPr>
-        <p:txBody>
-          <a:bodyPr anchor="t">
-            <a:normAutofit/>
-          </a:bodyPr>
-          <a:lstStyle>
-            <a:lvl1pPr marL="0" indent="0">
-              <a:buNone/>
-              <a:defRPr sz="1400"/>
-            </a:lvl1pPr>
-            <a:lvl2pPr marL="457200" indent="0">
-              <a:buNone/>
-              <a:defRPr sz="1200"/>
-            </a:lvl2pPr>
-            <a:lvl3pPr marL="914400" indent="0">
-              <a:buNone/>
-              <a:defRPr sz="1000"/>
-            </a:lvl3pPr>
-            <a:lvl4pPr marL="1371600" indent="0">
-              <a:buNone/>
-              <a:defRPr sz="900"/>
-            </a:lvl4pPr>
-            <a:lvl5pPr marL="1828800" indent="0">
-              <a:buNone/>
-              <a:defRPr sz="900"/>
-            </a:lvl5pPr>
-            <a:lvl6pPr marL="2286000" indent="0">
-              <a:buNone/>
-              <a:defRPr sz="900"/>
-            </a:lvl6pPr>
-            <a:lvl7pPr marL="2743200" indent="0">
-              <a:buNone/>
-              <a:defRPr sz="900"/>
-            </a:lvl7pPr>
-            <a:lvl8pPr marL="3200400" indent="0">
-              <a:buNone/>
-              <a:defRPr sz="900"/>
-            </a:lvl8pPr>
-            <a:lvl9pPr marL="3657600" indent="0">
-              <a:buNone/>
-              <a:defRPr sz="900"/>
-            </a:lvl9pPr>
-          </a:lstStyle>
-          <a:p>
-            <a:pPr lvl="0"/>
-            <a:r>
-              <a:rPr lang="zh-CN" altLang="en-US"/>
-              <a:t>单击此处编辑母版文本样式</a:t>
-            </a:r>
-          </a:p>
-        </p:txBody>
-      </p:sp>
-      <p:sp>
-        <p:nvSpPr>
-          <p:cNvPr id="14" name="Text Placeholder 4"/>
-          <p:cNvSpPr>
-            <a:spLocks noGrp="1"/>
-          </p:cNvSpPr>
-          <p:nvPr>
-            <p:ph type="body" sz="quarter" idx="13"/>
-          </p:nvPr>
-        </p:nvSpPr>
-        <p:spPr>
-          <a:xfrm>
-            <a:off x="7124700" y="4250949"/>
-            <a:ext cx="2932113" cy="576262"/>
-          </a:xfrm>
-        </p:spPr>
-        <p:txBody>
-          <a:bodyPr anchor="b">
-            <a:noAutofit/>
-          </a:bodyPr>
-          <a:lstStyle>
-            <a:lvl1pPr marL="0" indent="0">
-              <a:buNone/>
-              <a:defRPr sz="2400" b="0">
-                <a:solidFill>
-                  <a:schemeClr val="bg2">
-                    <a:lumMod val="40000"/>
-                    <a:lumOff val="60000"/>
-                  </a:schemeClr>
-                </a:solidFill>
-              </a:defRPr>
-            </a:lvl1pPr>
-            <a:lvl2pPr marL="457200" indent="0">
-              <a:buNone/>
-              <a:defRPr sz="2000" b="1"/>
-            </a:lvl2pPr>
-            <a:lvl3pPr marL="914400" indent="0">
-              <a:buNone/>
-              <a:defRPr sz="1800" b="1"/>
-            </a:lvl3pPr>
-            <a:lvl4pPr marL="1371600" indent="0">
-              <a:buNone/>
-              <a:defRPr sz="1600" b="1"/>
-            </a:lvl4pPr>
-            <a:lvl5pPr marL="1828800" indent="0">
-              <a:buNone/>
-              <a:defRPr sz="1600" b="1"/>
-            </a:lvl5pPr>
-            <a:lvl6pPr marL="2286000" indent="0">
-              <a:buNone/>
-              <a:defRPr sz="1600" b="1"/>
-            </a:lvl6pPr>
-            <a:lvl7pPr marL="2743200" indent="0">
-              <a:buNone/>
-              <a:defRPr sz="1600" b="1"/>
-            </a:lvl7pPr>
-            <a:lvl8pPr marL="3200400" indent="0">
-              <a:buNone/>
-              <a:defRPr sz="1600" b="1"/>
-            </a:lvl8pPr>
-            <a:lvl9pPr marL="3657600" indent="0">
-              <a:buNone/>
-              <a:defRPr sz="1600" b="1"/>
-            </a:lvl9pPr>
-          </a:lstStyle>
-          <a:p>
-            <a:pPr lvl="0"/>
-            <a:r>
-              <a:rPr lang="zh-CN" altLang="en-US"/>
-              <a:t>单击此处编辑母版文本样式</a:t>
-            </a:r>
-          </a:p>
-        </p:txBody>
-      </p:sp>
-      <p:sp>
-        <p:nvSpPr>
-          <p:cNvPr id="31" name="Picture Placeholder 2"/>
-          <p:cNvSpPr>
-            <a:spLocks noGrp="1" noChangeAspect="1"/>
-          </p:cNvSpPr>
-          <p:nvPr>
-            <p:ph type="pic" idx="22"/>
-          </p:nvPr>
-        </p:nvSpPr>
-        <p:spPr>
-          <a:xfrm>
-            <a:off x="7124699" y="2209800"/>
-            <a:ext cx="2932113" cy="1524000"/>
-          </a:xfrm>
-          <a:prstGeom prst="roundRect">
-            <a:avLst>
-              <a:gd name="adj" fmla="val 1858"/>
-            </a:avLst>
-          </a:prstGeom>
-          <a:effectLst>
-            <a:outerShdw blurRad="50800" dist="50800" dir="5400000" algn="tl" rotWithShape="0">
-              <a:srgbClr val="000000">
-                <a:alpha val="43000"/>
-              </a:srgbClr>
-            </a:outerShdw>
-          </a:effectLst>
-        </p:spPr>
-        <p:txBody>
-          <a:bodyPr anchor="t">
-            <a:normAutofit/>
-          </a:bodyPr>
-          <a:lstStyle>
-            <a:lvl1pPr marL="0" indent="0" algn="ctr">
-              <a:buNone/>
-              <a:defRPr sz="1600"/>
-            </a:lvl1pPr>
-            <a:lvl2pPr marL="457200" indent="0">
-              <a:buNone/>
-              <a:defRPr sz="1600"/>
-            </a:lvl2pPr>
-            <a:lvl3pPr marL="914400" indent="0">
-              <a:buNone/>
-              <a:defRPr sz="1600"/>
-            </a:lvl3pPr>
-            <a:lvl4pPr marL="1371600" indent="0">
-              <a:buNone/>
-              <a:defRPr sz="1600"/>
-            </a:lvl4pPr>
-            <a:lvl5pPr marL="1828800" indent="0">
-              <a:buNone/>
-              <a:defRPr sz="1600"/>
-            </a:lvl5pPr>
-            <a:lvl6pPr marL="2286000" indent="0">
-              <a:buNone/>
-              <a:defRPr sz="1600"/>
-            </a:lvl6pPr>
-            <a:lvl7pPr marL="2743200" indent="0">
-              <a:buNone/>
-              <a:defRPr sz="1600"/>
-            </a:lvl7pPr>
-            <a:lvl8pPr marL="3200400" indent="0">
-              <a:buNone/>
-              <a:defRPr sz="1600"/>
-            </a:lvl8pPr>
-            <a:lvl9pPr marL="3657600" indent="0">
-              <a:buNone/>
-              <a:defRPr sz="1600"/>
-            </a:lvl9pPr>
-          </a:lstStyle>
-          <a:p>
-            <a:r>
-              <a:rPr lang="zh-CN" altLang="en-US"/>
-              <a:t>单击图标添加图片</a:t>
-            </a:r>
-            <a:endParaRPr lang="en-US" dirty="0"/>
-          </a:p>
-        </p:txBody>
-      </p:sp>
-      <p:sp>
-        <p:nvSpPr>
-          <p:cNvPr id="24" name="Text Placeholder 3"/>
-          <p:cNvSpPr>
-            <a:spLocks noGrp="1"/>
-          </p:cNvSpPr>
-          <p:nvPr>
-            <p:ph type="body" sz="half" idx="20"/>
-          </p:nvPr>
-        </p:nvSpPr>
-        <p:spPr>
-          <a:xfrm>
-            <a:off x="7124575" y="4827208"/>
-            <a:ext cx="2935997" cy="659189"/>
-          </a:xfrm>
-        </p:spPr>
-        <p:txBody>
-          <a:bodyPr anchor="t">
-            <a:normAutofit/>
-          </a:bodyPr>
-          <a:lstStyle>
-            <a:lvl1pPr marL="0" indent="0">
-              <a:buNone/>
-              <a:defRPr sz="1400"/>
-            </a:lvl1pPr>
-            <a:lvl2pPr marL="457200" indent="0">
-              <a:buNone/>
-              <a:defRPr sz="1200"/>
-            </a:lvl2pPr>
-            <a:lvl3pPr marL="914400" indent="0">
-              <a:buNone/>
-              <a:defRPr sz="1000"/>
-            </a:lvl3pPr>
-            <a:lvl4pPr marL="1371600" indent="0">
-              <a:buNone/>
-              <a:defRPr sz="900"/>
-            </a:lvl4pPr>
-            <a:lvl5pPr marL="1828800" indent="0">
-              <a:buNone/>
-              <a:defRPr sz="900"/>
-            </a:lvl5pPr>
-            <a:lvl6pPr marL="2286000" indent="0">
-              <a:buNone/>
-              <a:defRPr sz="900"/>
-            </a:lvl6pPr>
-            <a:lvl7pPr marL="2743200" indent="0">
-              <a:buNone/>
-              <a:defRPr sz="900"/>
-            </a:lvl7pPr>
-            <a:lvl8pPr marL="3200400" indent="0">
-              <a:buNone/>
-              <a:defRPr sz="900"/>
-            </a:lvl8pPr>
-            <a:lvl9pPr marL="3657600" indent="0">
-              <a:buNone/>
-              <a:defRPr sz="900"/>
-            </a:lvl9pPr>
-          </a:lstStyle>
-          <a:p>
-            <a:pPr lvl="0"/>
-            <a:r>
-              <a:rPr lang="zh-CN" altLang="en-US"/>
-              <a:t>单击此处编辑母版文本样式</a:t>
-            </a:r>
-          </a:p>
-        </p:txBody>
-      </p:sp>
-      <p:cxnSp>
-        <p:nvCxnSpPr>
-          <p:cNvPr id="19" name="Straight Connector 18"/>
-          <p:cNvCxnSpPr/>
-          <p:nvPr/>
-        </p:nvCxnSpPr>
-        <p:spPr>
-          <a:xfrm>
-            <a:off x="3726142" y="2133600"/>
-            <a:ext cx="0" cy="3962400"/>
-          </a:xfrm>
-          <a:prstGeom prst="line">
-            <a:avLst/>
-          </a:prstGeom>
-          <a:ln w="12700" cmpd="sng">
-            <a:solidFill>
-              <a:schemeClr val="bg2">
-                <a:lumMod val="40000"/>
-                <a:lumOff val="60000"/>
-                <a:alpha val="40000"/>
-              </a:schemeClr>
-            </a:solidFill>
-          </a:ln>
-        </p:spPr>
-        <p:style>
-          <a:lnRef idx="2">
-            <a:schemeClr val="accent1"/>
-          </a:lnRef>
-          <a:fillRef idx="0">
-            <a:schemeClr val="accent1"/>
-          </a:fillRef>
-          <a:effectRef idx="1">
-            <a:schemeClr val="accent1"/>
-          </a:effectRef>
-          <a:fontRef idx="minor">
-            <a:schemeClr val="tx1"/>
-          </a:fontRef>
-        </p:style>
-      </p:cxnSp>
-      <p:cxnSp>
-        <p:nvCxnSpPr>
-          <p:cNvPr id="20" name="Straight Connector 19"/>
-          <p:cNvCxnSpPr/>
-          <p:nvPr/>
-        </p:nvCxnSpPr>
-        <p:spPr>
-          <a:xfrm>
-            <a:off x="6962227" y="2133600"/>
-            <a:ext cx="0" cy="3966882"/>
-          </a:xfrm>
-          <a:prstGeom prst="line">
-            <a:avLst/>
-          </a:prstGeom>
-          <a:ln w="12700" cmpd="sng">
-            <a:solidFill>
-              <a:schemeClr val="bg2">
-                <a:lumMod val="40000"/>
-                <a:lumOff val="60000"/>
-                <a:alpha val="40000"/>
-              </a:schemeClr>
-            </a:solidFill>
-          </a:ln>
-        </p:spPr>
-        <p:style>
-          <a:lnRef idx="2">
-            <a:schemeClr val="accent1"/>
-          </a:lnRef>
-          <a:fillRef idx="0">
-            <a:schemeClr val="accent1"/>
-          </a:fillRef>
-          <a:effectRef idx="1">
-            <a:schemeClr val="accent1"/>
-          </a:effectRef>
-          <a:fontRef idx="minor">
-            <a:schemeClr val="tx1"/>
-          </a:fontRef>
-        </p:style>
-      </p:cxnSp>
-      <p:sp>
-        <p:nvSpPr>
-          <p:cNvPr id="7" name="Date Placeholder 3"/>
-          <p:cNvSpPr>
-            <a:spLocks noGrp="1"/>
-          </p:cNvSpPr>
-          <p:nvPr>
-            <p:ph type="dt" sz="half" idx="10"/>
-          </p:nvPr>
-        </p:nvSpPr>
-        <p:spPr/>
-        <p:txBody>
-          <a:bodyPr/>
-          <a:lstStyle/>
-          <a:p>
-            <a:fld id="{692AD3C9-44F0-4AE7-B19F-33A7A90EAD82}" type="datetimeFigureOut">
-              <a:rPr lang="zh-CN" altLang="en-US" smtClean="0"/>
-              <a:t>2019/12/6</a:t>
-            </a:fld>
-            <a:endParaRPr lang="zh-CN" altLang="en-US"/>
-          </a:p>
-        </p:txBody>
-      </p:sp>
-      <p:sp>
-        <p:nvSpPr>
-          <p:cNvPr id="4" name="Footer Placeholder 4"/>
-          <p:cNvSpPr>
-            <a:spLocks noGrp="1"/>
-          </p:cNvSpPr>
-          <p:nvPr>
-            <p:ph type="ftr" sz="quarter" idx="11"/>
-          </p:nvPr>
-        </p:nvSpPr>
-        <p:spPr/>
-        <p:txBody>
-          <a:bodyPr/>
-          <a:lstStyle/>
-          <a:p>
-            <a:endParaRPr lang="zh-CN" altLang="en-US"/>
-          </a:p>
-        </p:txBody>
-      </p:sp>
-      <p:sp>
-        <p:nvSpPr>
-          <p:cNvPr id="6" name="Slide Number Placeholder 5"/>
-          <p:cNvSpPr>
-            <a:spLocks noGrp="1"/>
-          </p:cNvSpPr>
-          <p:nvPr>
-            <p:ph type="sldNum" sz="quarter" idx="12"/>
-          </p:nvPr>
-        </p:nvSpPr>
-        <p:spPr/>
-        <p:txBody>
-          <a:bodyPr/>
-          <a:lstStyle/>
-          <a:p>
-            <a:fld id="{C7BF277C-4796-4FC3-A772-27635493D84E}" type="slidenum">
-              <a:rPr lang="zh-CN" altLang="en-US" smtClean="0"/>
-              <a:t>‹#›</a:t>
-            </a:fld>
-            <a:endParaRPr lang="zh-CN" altLang="en-US"/>
-          </a:p>
-        </p:txBody>
-      </p:sp>
-    </p:spTree>
-    <p:extLst>
-      <p:ext uri="{BB962C8B-B14F-4D97-AF65-F5344CB8AC3E}">
-        <p14:creationId xmlns:p14="http://schemas.microsoft.com/office/powerpoint/2010/main" val="932254619"/>
-      </p:ext>
-    </p:extLst>
-  </p:cSld>
-  <p:clrMapOvr>
-    <a:masterClrMapping/>
-  </p:clrMapOvr>
-</p:sldLayout>
-</file>
-
-<file path=ppt/slideLayouts/slideLayout16.xml><?xml version="1.0" encoding="utf-8"?>
-<p:sldLayout xmlns:a="http://schemas.openxmlformats.org/drawingml/2006/main" xmlns:r="http://schemas.openxmlformats.org/officeDocument/2006/relationships" xmlns:p="http://schemas.openxmlformats.org/presentationml/2006/main" type="vertTx" preserve="1">
-  <p:cSld name="标题和竖排文字">
-    <p:spTree>
-      <p:nvGrpSpPr>
-        <p:cNvPr id="1" name=""/>
-        <p:cNvGrpSpPr/>
-        <p:nvPr/>
-      </p:nvGrpSpPr>
-      <p:grpSpPr>
-        <a:xfrm>
-          <a:off x="0" y="0"/>
-          <a:ext cx="0" cy="0"/>
-          <a:chOff x="0" y="0"/>
-          <a:chExt cx="0" cy="0"/>
-        </a:xfrm>
-      </p:grpSpPr>
-      <p:sp>
-        <p:nvSpPr>
-          <p:cNvPr id="2" name="Title 1"/>
-          <p:cNvSpPr>
-            <a:spLocks noGrp="1"/>
-          </p:cNvSpPr>
-          <p:nvPr>
-            <p:ph type="title"/>
-          </p:nvPr>
-        </p:nvSpPr>
-        <p:spPr/>
-        <p:txBody>
-          <a:bodyPr/>
-          <a:lstStyle/>
-          <a:p>
-            <a:r>
-              <a:rPr lang="zh-CN" altLang="en-US"/>
-              <a:t>单击此处编辑母版标题样式</a:t>
-            </a:r>
-            <a:endParaRPr lang="en-US" dirty="0"/>
-          </a:p>
-        </p:txBody>
-      </p:sp>
-      <p:sp>
-        <p:nvSpPr>
-          <p:cNvPr id="3" name="Vertical Text Placeholder 2"/>
-          <p:cNvSpPr>
-            <a:spLocks noGrp="1"/>
-          </p:cNvSpPr>
-          <p:nvPr>
-            <p:ph type="body" orient="vert" idx="1"/>
-          </p:nvPr>
-        </p:nvSpPr>
-        <p:spPr/>
-        <p:txBody>
-          <a:bodyPr vert="eaVert" anchor="t" anchorCtr="0"/>
-          <a:lstStyle/>
-          <a:p>
-            <a:pPr lvl="0"/>
-            <a:r>
-              <a:rPr lang="zh-CN" altLang="en-US"/>
-              <a:t>单击此处编辑母版文本样式</a:t>
-            </a:r>
-          </a:p>
-          <a:p>
-            <a:pPr lvl="1"/>
-            <a:r>
-              <a:rPr lang="zh-CN" altLang="en-US"/>
-              <a:t>二级</a:t>
-            </a:r>
-          </a:p>
-          <a:p>
-            <a:pPr lvl="2"/>
-            <a:r>
-              <a:rPr lang="zh-CN" altLang="en-US"/>
-              <a:t>三级</a:t>
-            </a:r>
-          </a:p>
-          <a:p>
-            <a:pPr lvl="3"/>
-            <a:r>
-              <a:rPr lang="zh-CN" altLang="en-US"/>
-              <a:t>四级</a:t>
-            </a:r>
-          </a:p>
-          <a:p>
-            <a:pPr lvl="4"/>
-            <a:r>
-              <a:rPr lang="zh-CN" altLang="en-US"/>
-              <a:t>五级</a:t>
-            </a:r>
-            <a:endParaRPr lang="en-US" dirty="0"/>
-          </a:p>
-        </p:txBody>
-      </p:sp>
-      <p:sp>
-        <p:nvSpPr>
-          <p:cNvPr id="4" name="Date Placeholder 3"/>
-          <p:cNvSpPr>
-            <a:spLocks noGrp="1"/>
-          </p:cNvSpPr>
-          <p:nvPr>
-            <p:ph type="dt" sz="half" idx="10"/>
-          </p:nvPr>
-        </p:nvSpPr>
-        <p:spPr/>
-        <p:txBody>
-          <a:bodyPr/>
-          <a:lstStyle/>
-          <a:p>
-            <a:fld id="{692AD3C9-44F0-4AE7-B19F-33A7A90EAD82}" type="datetimeFigureOut">
-              <a:rPr lang="zh-CN" altLang="en-US" smtClean="0"/>
-              <a:t>2019/12/6</a:t>
-            </a:fld>
-            <a:endParaRPr lang="zh-CN" altLang="en-US"/>
-          </a:p>
-        </p:txBody>
-      </p:sp>
-      <p:sp>
-        <p:nvSpPr>
-          <p:cNvPr id="5" name="Footer Placeholder 4"/>
-          <p:cNvSpPr>
-            <a:spLocks noGrp="1"/>
-          </p:cNvSpPr>
-          <p:nvPr>
-            <p:ph type="ftr" sz="quarter" idx="11"/>
-          </p:nvPr>
-        </p:nvSpPr>
-        <p:spPr/>
-        <p:txBody>
-          <a:bodyPr/>
-          <a:lstStyle/>
-          <a:p>
-            <a:endParaRPr lang="zh-CN" altLang="en-US"/>
-          </a:p>
-        </p:txBody>
-      </p:sp>
-      <p:sp>
-        <p:nvSpPr>
-          <p:cNvPr id="6" name="Slide Number Placeholder 5"/>
-          <p:cNvSpPr>
-            <a:spLocks noGrp="1"/>
-          </p:cNvSpPr>
-          <p:nvPr>
-            <p:ph type="sldNum" sz="quarter" idx="12"/>
-          </p:nvPr>
-        </p:nvSpPr>
-        <p:spPr/>
-        <p:txBody>
-          <a:bodyPr/>
-          <a:lstStyle/>
-          <a:p>
-            <a:fld id="{C7BF277C-4796-4FC3-A772-27635493D84E}" type="slidenum">
-              <a:rPr lang="zh-CN" altLang="en-US" smtClean="0"/>
-              <a:t>‹#›</a:t>
-            </a:fld>
-            <a:endParaRPr lang="zh-CN" altLang="en-US"/>
-          </a:p>
-        </p:txBody>
-      </p:sp>
-    </p:spTree>
-    <p:extLst>
-      <p:ext uri="{BB962C8B-B14F-4D97-AF65-F5344CB8AC3E}">
-        <p14:creationId xmlns:p14="http://schemas.microsoft.com/office/powerpoint/2010/main" val="730308216"/>
-      </p:ext>
-    </p:extLst>
-  </p:cSld>
-  <p:clrMapOvr>
-    <a:masterClrMapping/>
-  </p:clrMapOvr>
-</p:sldLayout>
-</file>
-
-<file path=ppt/slideLayouts/slideLayout17.xml><?xml version="1.0" encoding="utf-8"?>
-<p:sldLayout xmlns:a="http://schemas.openxmlformats.org/drawingml/2006/main" xmlns:r="http://schemas.openxmlformats.org/officeDocument/2006/relationships" xmlns:p="http://schemas.openxmlformats.org/presentationml/2006/main" type="vertTitleAndTx" preserve="1">
-  <p:cSld name="竖排标题与文本">
-    <p:spTree>
-      <p:nvGrpSpPr>
-        <p:cNvPr id="1" name=""/>
-        <p:cNvGrpSpPr/>
-        <p:nvPr/>
-      </p:nvGrpSpPr>
-      <p:grpSpPr>
-        <a:xfrm>
-          <a:off x="0" y="0"/>
-          <a:ext cx="0" cy="0"/>
-          <a:chOff x="0" y="0"/>
-          <a:chExt cx="0" cy="0"/>
-        </a:xfrm>
-      </p:grpSpPr>
-      <p:sp>
-        <p:nvSpPr>
-          <p:cNvPr id="2" name="Vertical Title 1"/>
-          <p:cNvSpPr>
-            <a:spLocks noGrp="1"/>
-          </p:cNvSpPr>
-          <p:nvPr>
-            <p:ph type="title" orient="vert"/>
-          </p:nvPr>
-        </p:nvSpPr>
-        <p:spPr>
-          <a:xfrm>
-            <a:off x="8304212" y="430213"/>
-            <a:ext cx="1752601" cy="5826125"/>
-          </a:xfrm>
-        </p:spPr>
-        <p:txBody>
-          <a:bodyPr vert="eaVert" anchor="b" anchorCtr="0"/>
-          <a:lstStyle/>
-          <a:p>
-            <a:r>
-              <a:rPr lang="zh-CN" altLang="en-US"/>
-              <a:t>单击此处编辑母版标题样式</a:t>
-            </a:r>
-            <a:endParaRPr lang="en-US" dirty="0"/>
-          </a:p>
-        </p:txBody>
-      </p:sp>
-      <p:sp>
-        <p:nvSpPr>
-          <p:cNvPr id="3" name="Vertical Text Placeholder 2"/>
-          <p:cNvSpPr>
-            <a:spLocks noGrp="1"/>
-          </p:cNvSpPr>
-          <p:nvPr>
-            <p:ph type="body" orient="vert" idx="1"/>
-          </p:nvPr>
-        </p:nvSpPr>
-        <p:spPr>
-          <a:xfrm>
-            <a:off x="652463" y="887414"/>
-            <a:ext cx="7423149" cy="5368924"/>
-          </a:xfrm>
-        </p:spPr>
-        <p:txBody>
-          <a:bodyPr vert="eaVert"/>
-          <a:lstStyle/>
-          <a:p>
-            <a:pPr lvl="0"/>
-            <a:r>
-              <a:rPr lang="zh-CN" altLang="en-US"/>
-              <a:t>单击此处编辑母版文本样式</a:t>
-            </a:r>
-          </a:p>
-          <a:p>
-            <a:pPr lvl="1"/>
-            <a:r>
-              <a:rPr lang="zh-CN" altLang="en-US"/>
-              <a:t>二级</a:t>
-            </a:r>
-          </a:p>
-          <a:p>
-            <a:pPr lvl="2"/>
-            <a:r>
-              <a:rPr lang="zh-CN" altLang="en-US"/>
-              <a:t>三级</a:t>
-            </a:r>
-          </a:p>
-          <a:p>
-            <a:pPr lvl="3"/>
-            <a:r>
-              <a:rPr lang="zh-CN" altLang="en-US"/>
-              <a:t>四级</a:t>
-            </a:r>
-          </a:p>
-          <a:p>
-            <a:pPr lvl="4"/>
-            <a:r>
-              <a:rPr lang="zh-CN" altLang="en-US"/>
-              <a:t>五级</a:t>
-            </a:r>
-            <a:endParaRPr lang="en-US" dirty="0"/>
-          </a:p>
-        </p:txBody>
-      </p:sp>
-      <p:sp>
-        <p:nvSpPr>
-          <p:cNvPr id="4" name="Date Placeholder 3"/>
-          <p:cNvSpPr>
-            <a:spLocks noGrp="1"/>
-          </p:cNvSpPr>
-          <p:nvPr>
-            <p:ph type="dt" sz="half" idx="10"/>
-          </p:nvPr>
-        </p:nvSpPr>
-        <p:spPr/>
-        <p:txBody>
-          <a:bodyPr/>
-          <a:lstStyle/>
-          <a:p>
-            <a:fld id="{692AD3C9-44F0-4AE7-B19F-33A7A90EAD82}" type="datetimeFigureOut">
-              <a:rPr lang="zh-CN" altLang="en-US" smtClean="0"/>
-              <a:t>2019/12/6</a:t>
-            </a:fld>
-            <a:endParaRPr lang="zh-CN" altLang="en-US"/>
-          </a:p>
-        </p:txBody>
-      </p:sp>
-      <p:sp>
-        <p:nvSpPr>
-          <p:cNvPr id="5" name="Footer Placeholder 4"/>
-          <p:cNvSpPr>
-            <a:spLocks noGrp="1"/>
-          </p:cNvSpPr>
-          <p:nvPr>
-            <p:ph type="ftr" sz="quarter" idx="11"/>
-          </p:nvPr>
-        </p:nvSpPr>
-        <p:spPr/>
-        <p:txBody>
-          <a:bodyPr/>
-          <a:lstStyle/>
-          <a:p>
-            <a:endParaRPr lang="zh-CN" altLang="en-US"/>
-          </a:p>
-        </p:txBody>
-      </p:sp>
-      <p:sp>
-        <p:nvSpPr>
-          <p:cNvPr id="6" name="Slide Number Placeholder 5"/>
-          <p:cNvSpPr>
-            <a:spLocks noGrp="1"/>
-          </p:cNvSpPr>
-          <p:nvPr>
-            <p:ph type="sldNum" sz="quarter" idx="12"/>
-          </p:nvPr>
-        </p:nvSpPr>
-        <p:spPr/>
-        <p:txBody>
-          <a:bodyPr/>
-          <a:lstStyle/>
-          <a:p>
-            <a:fld id="{C7BF277C-4796-4FC3-A772-27635493D84E}" type="slidenum">
-              <a:rPr lang="zh-CN" altLang="en-US" smtClean="0"/>
-              <a:t>‹#›</a:t>
-            </a:fld>
-            <a:endParaRPr lang="zh-CN" altLang="en-US"/>
-          </a:p>
-        </p:txBody>
-      </p:sp>
-    </p:spTree>
-    <p:extLst>
-      <p:ext uri="{BB962C8B-B14F-4D97-AF65-F5344CB8AC3E}">
-        <p14:creationId xmlns:p14="http://schemas.microsoft.com/office/powerpoint/2010/main" val="2265861470"/>
-      </p:ext>
-    </p:extLst>
-  </p:cSld>
-  <p:clrMapOvr>
-    <a:masterClrMapping/>
-  </p:clrMapOvr>
-</p:sldLayout>
-</file>
-
-<file path=ppt/slideLayouts/slideLayout2.xml><?xml version="1.0" encoding="utf-8"?>
-<p:sldLayout xmlns:a="http://schemas.openxmlformats.org/drawingml/2006/main" xmlns:r="http://schemas.openxmlformats.org/officeDocument/2006/relationships" xmlns:p="http://schemas.openxmlformats.org/presentationml/2006/main" type="obj" preserve="1">
-  <p:cSld name="标题和内容">
-    <p:spTree>
-      <p:nvGrpSpPr>
-        <p:cNvPr id="1" name=""/>
-        <p:cNvGrpSpPr/>
-        <p:nvPr/>
-      </p:nvGrpSpPr>
-      <p:grpSpPr>
-        <a:xfrm>
-          <a:off x="0" y="0"/>
-          <a:ext cx="0" cy="0"/>
-          <a:chOff x="0" y="0"/>
-          <a:chExt cx="0" cy="0"/>
-        </a:xfrm>
-      </p:grpSpPr>
-      <p:sp>
-        <p:nvSpPr>
-          <p:cNvPr id="2" name="Title 1"/>
-          <p:cNvSpPr>
-            <a:spLocks noGrp="1"/>
-          </p:cNvSpPr>
-          <p:nvPr>
-            <p:ph type="title"/>
-          </p:nvPr>
-        </p:nvSpPr>
-        <p:spPr/>
-        <p:txBody>
-          <a:bodyPr/>
-          <a:lstStyle/>
-          <a:p>
-            <a:r>
-              <a:rPr lang="zh-CN" altLang="en-US"/>
-              <a:t>单击此处编辑母版标题样式</a:t>
-            </a:r>
-            <a:endParaRPr lang="en-US" dirty="0"/>
-          </a:p>
-        </p:txBody>
-      </p:sp>
-      <p:sp>
-        <p:nvSpPr>
-          <p:cNvPr id="3" name="Content Placeholder 2"/>
-          <p:cNvSpPr>
-            <a:spLocks noGrp="1"/>
-          </p:cNvSpPr>
-          <p:nvPr>
-            <p:ph idx="1"/>
-          </p:nvPr>
-        </p:nvSpPr>
-        <p:spPr/>
-        <p:txBody>
-          <a:bodyPr/>
-          <a:lstStyle/>
-          <a:p>
-            <a:pPr lvl="0"/>
-            <a:r>
-              <a:rPr lang="zh-CN" altLang="en-US"/>
-              <a:t>单击此处编辑母版文本样式</a:t>
-            </a:r>
-          </a:p>
-          <a:p>
-            <a:pPr lvl="1"/>
-            <a:r>
-              <a:rPr lang="zh-CN" altLang="en-US"/>
-              <a:t>二级</a:t>
-            </a:r>
-          </a:p>
-          <a:p>
-            <a:pPr lvl="2"/>
-            <a:r>
-              <a:rPr lang="zh-CN" altLang="en-US"/>
-              <a:t>三级</a:t>
-            </a:r>
-          </a:p>
-          <a:p>
-            <a:pPr lvl="3"/>
-            <a:r>
-              <a:rPr lang="zh-CN" altLang="en-US"/>
-              <a:t>四级</a:t>
-            </a:r>
-          </a:p>
-          <a:p>
-            <a:pPr lvl="4"/>
-            <a:r>
-              <a:rPr lang="zh-CN" altLang="en-US"/>
-              <a:t>五级</a:t>
-            </a:r>
-            <a:endParaRPr lang="en-US" dirty="0"/>
-          </a:p>
-        </p:txBody>
-      </p:sp>
-      <p:sp>
-        <p:nvSpPr>
-          <p:cNvPr id="7" name="Date Placeholder 3"/>
-          <p:cNvSpPr>
-            <a:spLocks noGrp="1"/>
-          </p:cNvSpPr>
-          <p:nvPr>
-            <p:ph type="dt" sz="half" idx="10"/>
-          </p:nvPr>
-        </p:nvSpPr>
-        <p:spPr/>
-        <p:txBody>
-          <a:bodyPr/>
-          <a:lstStyle/>
-          <a:p>
-            <a:fld id="{692AD3C9-44F0-4AE7-B19F-33A7A90EAD82}" type="datetimeFigureOut">
-              <a:rPr lang="zh-CN" altLang="en-US" smtClean="0"/>
-              <a:t>2019/12/6</a:t>
-            </a:fld>
-            <a:endParaRPr lang="zh-CN" altLang="en-US"/>
-          </a:p>
-        </p:txBody>
-      </p:sp>
-      <p:sp>
-        <p:nvSpPr>
-          <p:cNvPr id="5" name="Footer Placeholder 4"/>
-          <p:cNvSpPr>
-            <a:spLocks noGrp="1"/>
-          </p:cNvSpPr>
-          <p:nvPr>
-            <p:ph type="ftr" sz="quarter" idx="11"/>
-          </p:nvPr>
-        </p:nvSpPr>
-        <p:spPr/>
-        <p:txBody>
-          <a:bodyPr/>
-          <a:lstStyle/>
-          <a:p>
-            <a:endParaRPr lang="zh-CN" altLang="en-US"/>
-          </a:p>
-        </p:txBody>
-      </p:sp>
-      <p:sp>
-        <p:nvSpPr>
-          <p:cNvPr id="6" name="Slide Number Placeholder 5"/>
-          <p:cNvSpPr>
-            <a:spLocks noGrp="1"/>
-          </p:cNvSpPr>
-          <p:nvPr>
-            <p:ph type="sldNum" sz="quarter" idx="12"/>
-          </p:nvPr>
-        </p:nvSpPr>
-        <p:spPr/>
-        <p:txBody>
-          <a:bodyPr/>
-          <a:lstStyle/>
-          <a:p>
-            <a:fld id="{C7BF277C-4796-4FC3-A772-27635493D84E}" type="slidenum">
-              <a:rPr lang="zh-CN" altLang="en-US" smtClean="0"/>
-              <a:t>‹#›</a:t>
-            </a:fld>
-            <a:endParaRPr lang="zh-CN" altLang="en-US"/>
-          </a:p>
-        </p:txBody>
-      </p:sp>
-    </p:spTree>
-    <p:extLst>
-      <p:ext uri="{BB962C8B-B14F-4D97-AF65-F5344CB8AC3E}">
-        <p14:creationId xmlns:p14="http://schemas.microsoft.com/office/powerpoint/2010/main" val="2196757295"/>
-      </p:ext>
-    </p:extLst>
-  </p:cSld>
-  <p:clrMapOvr>
-    <a:masterClrMapping/>
-  </p:clrMapOvr>
-</p:sldLayout>
-</file>
-
-<file path=ppt/slideLayouts/slideLayout3.xml><?xml version="1.0" encoding="utf-8"?>
-<p:sldLayout xmlns:a="http://schemas.openxmlformats.org/drawingml/2006/main" xmlns:r="http://schemas.openxmlformats.org/officeDocument/2006/relationships" xmlns:p="http://schemas.openxmlformats.org/presentationml/2006/main" type="secHead" preserve="1">
-  <p:cSld name="节标题">
-    <p:spTree>
-      <p:nvGrpSpPr>
-        <p:cNvPr id="1" name=""/>
-        <p:cNvGrpSpPr/>
-        <p:nvPr/>
-      </p:nvGrpSpPr>
-      <p:grpSpPr>
-        <a:xfrm>
-          <a:off x="0" y="0"/>
-          <a:ext cx="0" cy="0"/>
-          <a:chOff x="0" y="0"/>
-          <a:chExt cx="0" cy="0"/>
-        </a:xfrm>
-      </p:grpSpPr>
-      <p:sp>
-        <p:nvSpPr>
-          <p:cNvPr id="2" name="Title 1"/>
-          <p:cNvSpPr>
-            <a:spLocks noGrp="1"/>
-          </p:cNvSpPr>
-          <p:nvPr>
-            <p:ph type="title"/>
-          </p:nvPr>
-        </p:nvSpPr>
-        <p:spPr>
-          <a:xfrm>
-            <a:off x="1154956" y="2861733"/>
-            <a:ext cx="8825657" cy="1915647"/>
-          </a:xfrm>
-        </p:spPr>
-        <p:txBody>
-          <a:bodyPr anchor="b"/>
-          <a:lstStyle>
-            <a:lvl1pPr algn="l">
-              <a:defRPr sz="4000" b="0" cap="none"/>
-            </a:lvl1pPr>
-          </a:lstStyle>
-          <a:p>
-            <a:r>
-              <a:rPr lang="zh-CN" altLang="en-US"/>
-              <a:t>单击此处编辑母版标题样式</a:t>
-            </a:r>
-            <a:endParaRPr lang="en-US" dirty="0"/>
-          </a:p>
-        </p:txBody>
-      </p:sp>
-      <p:sp>
-        <p:nvSpPr>
-          <p:cNvPr id="3" name="Text Placeholder 2"/>
-          <p:cNvSpPr>
-            <a:spLocks noGrp="1"/>
-          </p:cNvSpPr>
-          <p:nvPr>
-            <p:ph type="body" idx="1"/>
-          </p:nvPr>
-        </p:nvSpPr>
-        <p:spPr>
-          <a:xfrm>
-            <a:off x="1154955" y="4777381"/>
-            <a:ext cx="8825658" cy="860400"/>
-          </a:xfrm>
-        </p:spPr>
-        <p:txBody>
-          <a:bodyPr anchor="t"/>
-          <a:lstStyle>
-            <a:lvl1pPr marL="0" indent="0" algn="l">
-              <a:buNone/>
-              <a:defRPr sz="2000" cap="all">
-                <a:solidFill>
-                  <a:schemeClr val="bg2">
-                    <a:lumMod val="40000"/>
-                    <a:lumOff val="60000"/>
-                  </a:schemeClr>
-                </a:solidFill>
-              </a:defRPr>
-            </a:lvl1pPr>
-            <a:lvl2pPr marL="457200" indent="0">
-              <a:buNone/>
-              <a:defRPr sz="1800">
-                <a:solidFill>
-                  <a:schemeClr val="tx1">
-                    <a:tint val="75000"/>
-                  </a:schemeClr>
-                </a:solidFill>
-              </a:defRPr>
-            </a:lvl2pPr>
-            <a:lvl3pPr marL="914400" indent="0">
-              <a:buNone/>
-              <a:defRPr sz="1600">
-                <a:solidFill>
-                  <a:schemeClr val="tx1">
-                    <a:tint val="75000"/>
-                  </a:schemeClr>
-                </a:solidFill>
-              </a:defRPr>
-            </a:lvl3pPr>
-            <a:lvl4pPr marL="1371600" indent="0">
-              <a:buNone/>
-              <a:defRPr sz="1400">
-                <a:solidFill>
-                  <a:schemeClr val="tx1">
-                    <a:tint val="75000"/>
-                  </a:schemeClr>
-                </a:solidFill>
-              </a:defRPr>
-            </a:lvl4pPr>
-            <a:lvl5pPr marL="1828800" indent="0">
-              <a:buNone/>
-              <a:defRPr sz="1400">
-                <a:solidFill>
-                  <a:schemeClr val="tx1">
-                    <a:tint val="75000"/>
-                  </a:schemeClr>
-                </a:solidFill>
-              </a:defRPr>
-            </a:lvl5pPr>
-            <a:lvl6pPr marL="2286000" indent="0">
-              <a:buNone/>
-              <a:defRPr sz="1400">
-                <a:solidFill>
-                  <a:schemeClr val="tx1">
-                    <a:tint val="75000"/>
-                  </a:schemeClr>
-                </a:solidFill>
-              </a:defRPr>
-            </a:lvl6pPr>
-            <a:lvl7pPr marL="2743200" indent="0">
-              <a:buNone/>
-              <a:defRPr sz="1400">
-                <a:solidFill>
-                  <a:schemeClr val="tx1">
-                    <a:tint val="75000"/>
-                  </a:schemeClr>
-                </a:solidFill>
-              </a:defRPr>
-            </a:lvl7pPr>
-            <a:lvl8pPr marL="3200400" indent="0">
-              <a:buNone/>
-              <a:defRPr sz="1400">
-                <a:solidFill>
-                  <a:schemeClr val="tx1">
-                    <a:tint val="75000"/>
-                  </a:schemeClr>
-                </a:solidFill>
-              </a:defRPr>
-            </a:lvl8pPr>
-            <a:lvl9pPr marL="3657600" indent="0">
-              <a:buNone/>
-              <a:defRPr sz="1400">
-                <a:solidFill>
-                  <a:schemeClr val="tx1">
-                    <a:tint val="75000"/>
-                  </a:schemeClr>
-                </a:solidFill>
-              </a:defRPr>
-            </a:lvl9pPr>
-          </a:lstStyle>
-          <a:p>
-            <a:pPr lvl="0"/>
-            <a:r>
-              <a:rPr lang="zh-CN" altLang="en-US"/>
-              <a:t>单击此处编辑母版文本样式</a:t>
-            </a:r>
-          </a:p>
-        </p:txBody>
-      </p:sp>
-      <p:sp>
-        <p:nvSpPr>
-          <p:cNvPr id="4" name="Date Placeholder 3"/>
-          <p:cNvSpPr>
-            <a:spLocks noGrp="1"/>
-          </p:cNvSpPr>
-          <p:nvPr>
-            <p:ph type="dt" sz="half" idx="10"/>
-          </p:nvPr>
-        </p:nvSpPr>
-        <p:spPr/>
-        <p:txBody>
-          <a:bodyPr/>
-          <a:lstStyle/>
-          <a:p>
-            <a:fld id="{692AD3C9-44F0-4AE7-B19F-33A7A90EAD82}" type="datetimeFigureOut">
-              <a:rPr lang="zh-CN" altLang="en-US" smtClean="0"/>
-              <a:t>2019/12/6</a:t>
-            </a:fld>
-            <a:endParaRPr lang="zh-CN" altLang="en-US"/>
-          </a:p>
-        </p:txBody>
-      </p:sp>
-      <p:sp>
-        <p:nvSpPr>
-          <p:cNvPr id="5" name="Footer Placeholder 4"/>
-          <p:cNvSpPr>
-            <a:spLocks noGrp="1"/>
-          </p:cNvSpPr>
-          <p:nvPr>
-            <p:ph type="ftr" sz="quarter" idx="11"/>
-          </p:nvPr>
-        </p:nvSpPr>
-        <p:spPr/>
-        <p:txBody>
-          <a:bodyPr/>
-          <a:lstStyle/>
-          <a:p>
-            <a:endParaRPr lang="zh-CN" altLang="en-US"/>
-          </a:p>
-        </p:txBody>
-      </p:sp>
-      <p:sp>
-        <p:nvSpPr>
-          <p:cNvPr id="6" name="Slide Number Placeholder 5"/>
-          <p:cNvSpPr>
-            <a:spLocks noGrp="1"/>
-          </p:cNvSpPr>
-          <p:nvPr>
-            <p:ph type="sldNum" sz="quarter" idx="12"/>
-          </p:nvPr>
-        </p:nvSpPr>
-        <p:spPr/>
-        <p:txBody>
-          <a:bodyPr/>
-          <a:lstStyle/>
-          <a:p>
-            <a:fld id="{C7BF277C-4796-4FC3-A772-27635493D84E}" type="slidenum">
-              <a:rPr lang="zh-CN" altLang="en-US" smtClean="0"/>
-              <a:t>‹#›</a:t>
-            </a:fld>
-            <a:endParaRPr lang="zh-CN" altLang="en-US"/>
-          </a:p>
-        </p:txBody>
-      </p:sp>
-    </p:spTree>
-    <p:extLst>
-      <p:ext uri="{BB962C8B-B14F-4D97-AF65-F5344CB8AC3E}">
-        <p14:creationId xmlns:p14="http://schemas.microsoft.com/office/powerpoint/2010/main" val="1443903170"/>
-      </p:ext>
-    </p:extLst>
-  </p:cSld>
-  <p:clrMapOvr>
-    <a:masterClrMapping/>
-  </p:clrMapOvr>
-</p:sldLayout>
-</file>
-
-<file path=ppt/slideLayouts/slideLayout4.xml><?xml version="1.0" encoding="utf-8"?>
-<p:sldLayout xmlns:a="http://schemas.openxmlformats.org/drawingml/2006/main" xmlns:r="http://schemas.openxmlformats.org/officeDocument/2006/relationships" xmlns:p="http://schemas.openxmlformats.org/presentationml/2006/main" type="twoObj" preserve="1">
-  <p:cSld name="两栏内容">
-    <p:spTree>
-      <p:nvGrpSpPr>
-        <p:cNvPr id="1" name=""/>
-        <p:cNvGrpSpPr/>
-        <p:nvPr/>
-      </p:nvGrpSpPr>
-      <p:grpSpPr>
-        <a:xfrm>
-          <a:off x="0" y="0"/>
-          <a:ext cx="0" cy="0"/>
-          <a:chOff x="0" y="0"/>
-          <a:chExt cx="0" cy="0"/>
-        </a:xfrm>
-      </p:grpSpPr>
-      <p:sp>
-        <p:nvSpPr>
-          <p:cNvPr id="2" name="Title 1"/>
-          <p:cNvSpPr>
-            <a:spLocks noGrp="1"/>
-          </p:cNvSpPr>
-          <p:nvPr>
-            <p:ph type="title"/>
-          </p:nvPr>
-        </p:nvSpPr>
-        <p:spPr/>
-        <p:txBody>
-          <a:bodyPr/>
-          <a:lstStyle/>
-          <a:p>
-            <a:r>
-              <a:rPr lang="zh-CN" altLang="en-US"/>
-              <a:t>单击此处编辑母版标题样式</a:t>
-            </a:r>
-            <a:endParaRPr lang="en-US" dirty="0"/>
-          </a:p>
-        </p:txBody>
-      </p:sp>
-      <p:sp>
-        <p:nvSpPr>
-          <p:cNvPr id="3" name="Content Placeholder 2"/>
-          <p:cNvSpPr>
-            <a:spLocks noGrp="1"/>
-          </p:cNvSpPr>
-          <p:nvPr>
-            <p:ph sz="half" idx="1"/>
-          </p:nvPr>
-        </p:nvSpPr>
-        <p:spPr>
-          <a:xfrm>
-            <a:off x="1103312" y="2060575"/>
-            <a:ext cx="4396339" cy="4195763"/>
-          </a:xfrm>
-        </p:spPr>
-        <p:txBody>
-          <a:bodyPr>
-            <a:normAutofit/>
-          </a:bodyPr>
-          <a:lstStyle>
-            <a:lvl1pPr>
-              <a:defRPr sz="1800"/>
-            </a:lvl1pPr>
-            <a:lvl2pPr>
-              <a:defRPr sz="1600"/>
-            </a:lvl2pPr>
-            <a:lvl3pPr>
-              <a:defRPr sz="1400"/>
-            </a:lvl3pPr>
-            <a:lvl4pPr>
-              <a:defRPr sz="1200"/>
-            </a:lvl4pPr>
-            <a:lvl5pPr>
-              <a:defRPr sz="1200"/>
-            </a:lvl5pPr>
-            <a:lvl6pPr>
-              <a:defRPr sz="1200"/>
-            </a:lvl6pPr>
-            <a:lvl7pPr>
-              <a:defRPr sz="1200"/>
-            </a:lvl7pPr>
-            <a:lvl8pPr>
-              <a:defRPr sz="1200"/>
-            </a:lvl8pPr>
-            <a:lvl9pPr>
-              <a:defRPr sz="1200"/>
-            </a:lvl9pPr>
-          </a:lstStyle>
-          <a:p>
-            <a:pPr lvl="0"/>
-            <a:r>
-              <a:rPr lang="zh-CN" altLang="en-US"/>
-              <a:t>单击此处编辑母版文本样式</a:t>
-            </a:r>
-          </a:p>
-          <a:p>
-            <a:pPr lvl="1"/>
-            <a:r>
-              <a:rPr lang="zh-CN" altLang="en-US"/>
-              <a:t>二级</a:t>
-            </a:r>
-          </a:p>
-          <a:p>
-            <a:pPr lvl="2"/>
-            <a:r>
-              <a:rPr lang="zh-CN" altLang="en-US"/>
-              <a:t>三级</a:t>
-            </a:r>
-          </a:p>
-          <a:p>
-            <a:pPr lvl="3"/>
-            <a:r>
-              <a:rPr lang="zh-CN" altLang="en-US"/>
-              <a:t>四级</a:t>
-            </a:r>
-          </a:p>
-          <a:p>
-            <a:pPr lvl="4"/>
-            <a:r>
-              <a:rPr lang="zh-CN" altLang="en-US"/>
-              <a:t>五级</a:t>
-            </a:r>
-            <a:endParaRPr lang="en-US" dirty="0"/>
-          </a:p>
-        </p:txBody>
-      </p:sp>
-      <p:sp>
-        <p:nvSpPr>
-          <p:cNvPr id="4" name="Content Placeholder 3"/>
-          <p:cNvSpPr>
-            <a:spLocks noGrp="1"/>
-          </p:cNvSpPr>
-          <p:nvPr>
-            <p:ph sz="half" idx="2"/>
-          </p:nvPr>
-        </p:nvSpPr>
-        <p:spPr>
-          <a:xfrm>
-            <a:off x="5654493" y="2056092"/>
-            <a:ext cx="4396341" cy="4200245"/>
-          </a:xfrm>
-        </p:spPr>
-        <p:txBody>
-          <a:bodyPr>
-            <a:normAutofit/>
-          </a:bodyPr>
-          <a:lstStyle>
-            <a:lvl1pPr>
-              <a:defRPr sz="1800"/>
-            </a:lvl1pPr>
-            <a:lvl2pPr>
-              <a:defRPr sz="1600"/>
-            </a:lvl2pPr>
-            <a:lvl3pPr>
-              <a:defRPr sz="1400"/>
-            </a:lvl3pPr>
-            <a:lvl4pPr>
-              <a:defRPr sz="1200"/>
-            </a:lvl4pPr>
-            <a:lvl5pPr>
-              <a:defRPr sz="1200"/>
-            </a:lvl5pPr>
-            <a:lvl6pPr>
-              <a:defRPr sz="1200"/>
-            </a:lvl6pPr>
-            <a:lvl7pPr>
-              <a:defRPr sz="1200"/>
-            </a:lvl7pPr>
-            <a:lvl8pPr>
-              <a:defRPr sz="1200"/>
-            </a:lvl8pPr>
-            <a:lvl9pPr>
-              <a:defRPr sz="1200"/>
-            </a:lvl9pPr>
-          </a:lstStyle>
-          <a:p>
-            <a:pPr lvl="0"/>
-            <a:r>
-              <a:rPr lang="zh-CN" altLang="en-US"/>
-              <a:t>单击此处编辑母版文本样式</a:t>
-            </a:r>
-          </a:p>
-          <a:p>
-            <a:pPr lvl="1"/>
-            <a:r>
-              <a:rPr lang="zh-CN" altLang="en-US"/>
-              <a:t>二级</a:t>
-            </a:r>
-          </a:p>
-          <a:p>
-            <a:pPr lvl="2"/>
-            <a:r>
-              <a:rPr lang="zh-CN" altLang="en-US"/>
-              <a:t>三级</a:t>
-            </a:r>
-          </a:p>
-          <a:p>
-            <a:pPr lvl="3"/>
-            <a:r>
-              <a:rPr lang="zh-CN" altLang="en-US"/>
-              <a:t>四级</a:t>
-            </a:r>
-          </a:p>
-          <a:p>
-            <a:pPr lvl="4"/>
-            <a:r>
-              <a:rPr lang="zh-CN" altLang="en-US"/>
-              <a:t>五级</a:t>
-            </a:r>
-            <a:endParaRPr lang="en-US" dirty="0"/>
-          </a:p>
-        </p:txBody>
-      </p:sp>
-      <p:sp>
-        <p:nvSpPr>
-          <p:cNvPr id="5" name="Date Placeholder 4"/>
-          <p:cNvSpPr>
-            <a:spLocks noGrp="1"/>
-          </p:cNvSpPr>
-          <p:nvPr>
-            <p:ph type="dt" sz="half" idx="10"/>
-          </p:nvPr>
-        </p:nvSpPr>
-        <p:spPr/>
-        <p:txBody>
-          <a:bodyPr/>
-          <a:lstStyle/>
-          <a:p>
-            <a:fld id="{692AD3C9-44F0-4AE7-B19F-33A7A90EAD82}" type="datetimeFigureOut">
-              <a:rPr lang="zh-CN" altLang="en-US" smtClean="0"/>
-              <a:t>2019/12/6</a:t>
-            </a:fld>
-            <a:endParaRPr lang="zh-CN" altLang="en-US"/>
-          </a:p>
-        </p:txBody>
-      </p:sp>
-      <p:sp>
-        <p:nvSpPr>
-          <p:cNvPr id="6" name="Footer Placeholder 5"/>
-          <p:cNvSpPr>
-            <a:spLocks noGrp="1"/>
-          </p:cNvSpPr>
-          <p:nvPr>
-            <p:ph type="ftr" sz="quarter" idx="11"/>
-          </p:nvPr>
-        </p:nvSpPr>
-        <p:spPr/>
-        <p:txBody>
-          <a:bodyPr/>
-          <a:lstStyle/>
-          <a:p>
-            <a:endParaRPr lang="zh-CN" altLang="en-US"/>
-          </a:p>
-        </p:txBody>
-      </p:sp>
-      <p:sp>
-        <p:nvSpPr>
-          <p:cNvPr id="7" name="Slide Number Placeholder 6"/>
-          <p:cNvSpPr>
-            <a:spLocks noGrp="1"/>
-          </p:cNvSpPr>
-          <p:nvPr>
-            <p:ph type="sldNum" sz="quarter" idx="12"/>
-          </p:nvPr>
-        </p:nvSpPr>
-        <p:spPr/>
-        <p:txBody>
-          <a:bodyPr/>
-          <a:lstStyle/>
-          <a:p>
-            <a:fld id="{C7BF277C-4796-4FC3-A772-27635493D84E}" type="slidenum">
-              <a:rPr lang="zh-CN" altLang="en-US" smtClean="0"/>
-              <a:t>‹#›</a:t>
-            </a:fld>
-            <a:endParaRPr lang="zh-CN" altLang="en-US"/>
-          </a:p>
-        </p:txBody>
-      </p:sp>
-    </p:spTree>
-    <p:extLst>
-      <p:ext uri="{BB962C8B-B14F-4D97-AF65-F5344CB8AC3E}">
-        <p14:creationId xmlns:p14="http://schemas.microsoft.com/office/powerpoint/2010/main" val="3395032587"/>
-      </p:ext>
-    </p:extLst>
-  </p:cSld>
-  <p:clrMapOvr>
-    <a:masterClrMapping/>
-  </p:clrMapOvr>
-</p:sldLayout>
-</file>
-
-<file path=ppt/slideLayouts/slideLayout5.xml><?xml version="1.0" encoding="utf-8"?>
-<p:sldLayout xmlns:a="http://schemas.openxmlformats.org/drawingml/2006/main" xmlns:r="http://schemas.openxmlformats.org/officeDocument/2006/relationships" xmlns:p="http://schemas.openxmlformats.org/presentationml/2006/main" type="twoTxTwoObj" preserve="1">
-  <p:cSld name="比较">
-    <p:spTree>
-      <p:nvGrpSpPr>
-        <p:cNvPr id="1" name=""/>
-        <p:cNvGrpSpPr/>
-        <p:nvPr/>
-      </p:nvGrpSpPr>
-      <p:grpSpPr>
-        <a:xfrm>
-          <a:off x="0" y="0"/>
-          <a:ext cx="0" cy="0"/>
-          <a:chOff x="0" y="0"/>
-          <a:chExt cx="0" cy="0"/>
-        </a:xfrm>
-      </p:grpSpPr>
-      <p:sp>
-        <p:nvSpPr>
-          <p:cNvPr id="2" name="Title 1"/>
-          <p:cNvSpPr>
-            <a:spLocks noGrp="1"/>
-          </p:cNvSpPr>
-          <p:nvPr>
-            <p:ph type="title"/>
-          </p:nvPr>
-        </p:nvSpPr>
-        <p:spPr/>
-        <p:txBody>
-          <a:bodyPr/>
-          <a:lstStyle>
-            <a:lvl1pPr>
-              <a:defRPr/>
-            </a:lvl1pPr>
-          </a:lstStyle>
-          <a:p>
-            <a:r>
-              <a:rPr lang="zh-CN" altLang="en-US"/>
-              <a:t>单击此处编辑母版标题样式</a:t>
-            </a:r>
-            <a:endParaRPr lang="en-US" dirty="0"/>
-          </a:p>
-        </p:txBody>
-      </p:sp>
-      <p:sp>
-        <p:nvSpPr>
-          <p:cNvPr id="3" name="Text Placeholder 2"/>
-          <p:cNvSpPr>
-            <a:spLocks noGrp="1"/>
-          </p:cNvSpPr>
-          <p:nvPr>
-            <p:ph type="body" idx="1"/>
-          </p:nvPr>
-        </p:nvSpPr>
-        <p:spPr>
-          <a:xfrm>
-            <a:off x="1103313" y="1905000"/>
-            <a:ext cx="4396338" cy="576262"/>
-          </a:xfrm>
-        </p:spPr>
-        <p:txBody>
-          <a:bodyPr anchor="b">
-            <a:noAutofit/>
-          </a:bodyPr>
-          <a:lstStyle>
-            <a:lvl1pPr marL="0" indent="0">
-              <a:buNone/>
-              <a:defRPr sz="2400" b="0">
-                <a:solidFill>
-                  <a:schemeClr val="bg2">
-                    <a:lumMod val="40000"/>
-                    <a:lumOff val="60000"/>
-                  </a:schemeClr>
-                </a:solidFill>
-              </a:defRPr>
-            </a:lvl1pPr>
-            <a:lvl2pPr marL="457200" indent="0">
-              <a:buNone/>
-              <a:defRPr sz="2000" b="1"/>
-            </a:lvl2pPr>
-            <a:lvl3pPr marL="914400" indent="0">
-              <a:buNone/>
-              <a:defRPr sz="1800" b="1"/>
-            </a:lvl3pPr>
-            <a:lvl4pPr marL="1371600" indent="0">
-              <a:buNone/>
-              <a:defRPr sz="1600" b="1"/>
-            </a:lvl4pPr>
-            <a:lvl5pPr marL="1828800" indent="0">
-              <a:buNone/>
-              <a:defRPr sz="1600" b="1"/>
-            </a:lvl5pPr>
-            <a:lvl6pPr marL="2286000" indent="0">
-              <a:buNone/>
-              <a:defRPr sz="1600" b="1"/>
-            </a:lvl6pPr>
-            <a:lvl7pPr marL="2743200" indent="0">
-              <a:buNone/>
-              <a:defRPr sz="1600" b="1"/>
-            </a:lvl7pPr>
-            <a:lvl8pPr marL="3200400" indent="0">
-              <a:buNone/>
-              <a:defRPr sz="1600" b="1"/>
-            </a:lvl8pPr>
-            <a:lvl9pPr marL="3657600" indent="0">
-              <a:buNone/>
-              <a:defRPr sz="1600" b="1"/>
-            </a:lvl9pPr>
-          </a:lstStyle>
-          <a:p>
-            <a:pPr lvl="0"/>
-            <a:r>
-              <a:rPr lang="zh-CN" altLang="en-US"/>
-              <a:t>单击此处编辑母版文本样式</a:t>
-            </a:r>
-          </a:p>
-        </p:txBody>
-      </p:sp>
-      <p:sp>
-        <p:nvSpPr>
-          <p:cNvPr id="4" name="Content Placeholder 3"/>
-          <p:cNvSpPr>
-            <a:spLocks noGrp="1"/>
-          </p:cNvSpPr>
-          <p:nvPr>
-            <p:ph sz="half" idx="2"/>
-          </p:nvPr>
-        </p:nvSpPr>
-        <p:spPr>
-          <a:xfrm>
-            <a:off x="1103312" y="2514600"/>
-            <a:ext cx="4396339" cy="3741738"/>
-          </a:xfrm>
-        </p:spPr>
-        <p:txBody>
-          <a:bodyPr>
-            <a:normAutofit/>
-          </a:bodyPr>
-          <a:lstStyle>
-            <a:lvl1pPr>
-              <a:defRPr sz="1800"/>
-            </a:lvl1pPr>
-            <a:lvl2pPr>
-              <a:defRPr sz="1600"/>
-            </a:lvl2pPr>
-            <a:lvl3pPr>
-              <a:defRPr sz="1400"/>
-            </a:lvl3pPr>
-            <a:lvl4pPr>
-              <a:defRPr sz="1200"/>
-            </a:lvl4pPr>
-            <a:lvl5pPr>
-              <a:defRPr sz="1200"/>
-            </a:lvl5pPr>
-            <a:lvl6pPr>
-              <a:defRPr sz="1200"/>
-            </a:lvl6pPr>
-            <a:lvl7pPr>
-              <a:defRPr sz="1200"/>
-            </a:lvl7pPr>
-            <a:lvl8pPr>
-              <a:defRPr sz="1200"/>
-            </a:lvl8pPr>
-            <a:lvl9pPr>
-              <a:defRPr sz="1200"/>
-            </a:lvl9pPr>
-          </a:lstStyle>
-          <a:p>
-            <a:pPr lvl="0"/>
-            <a:r>
-              <a:rPr lang="zh-CN" altLang="en-US"/>
-              <a:t>单击此处编辑母版文本样式</a:t>
-            </a:r>
-          </a:p>
-          <a:p>
-            <a:pPr lvl="1"/>
-            <a:r>
-              <a:rPr lang="zh-CN" altLang="en-US"/>
-              <a:t>二级</a:t>
-            </a:r>
-          </a:p>
-          <a:p>
-            <a:pPr lvl="2"/>
-            <a:r>
-              <a:rPr lang="zh-CN" altLang="en-US"/>
-              <a:t>三级</a:t>
-            </a:r>
-          </a:p>
-          <a:p>
-            <a:pPr lvl="3"/>
-            <a:r>
-              <a:rPr lang="zh-CN" altLang="en-US"/>
-              <a:t>四级</a:t>
-            </a:r>
-          </a:p>
-          <a:p>
-            <a:pPr lvl="4"/>
-            <a:r>
-              <a:rPr lang="zh-CN" altLang="en-US"/>
-              <a:t>五级</a:t>
-            </a:r>
-            <a:endParaRPr lang="en-US" dirty="0"/>
-          </a:p>
-        </p:txBody>
-      </p:sp>
-      <p:sp>
-        <p:nvSpPr>
-          <p:cNvPr id="5" name="Text Placeholder 4"/>
-          <p:cNvSpPr>
-            <a:spLocks noGrp="1"/>
-          </p:cNvSpPr>
-          <p:nvPr>
-            <p:ph type="body" sz="quarter" idx="3"/>
-          </p:nvPr>
-        </p:nvSpPr>
-        <p:spPr>
-          <a:xfrm>
-            <a:off x="5654495" y="1905000"/>
-            <a:ext cx="4396339" cy="576262"/>
-          </a:xfrm>
-        </p:spPr>
-        <p:txBody>
-          <a:bodyPr anchor="b">
-            <a:noAutofit/>
-          </a:bodyPr>
-          <a:lstStyle>
-            <a:lvl1pPr marL="0" indent="0">
-              <a:buNone/>
-              <a:defRPr sz="2400" b="0">
-                <a:solidFill>
-                  <a:schemeClr val="bg2">
-                    <a:lumMod val="40000"/>
-                    <a:lumOff val="60000"/>
-                  </a:schemeClr>
-                </a:solidFill>
-              </a:defRPr>
-            </a:lvl1pPr>
-            <a:lvl2pPr marL="457200" indent="0">
-              <a:buNone/>
-              <a:defRPr sz="2000" b="1"/>
-            </a:lvl2pPr>
-            <a:lvl3pPr marL="914400" indent="0">
-              <a:buNone/>
-              <a:defRPr sz="1800" b="1"/>
-            </a:lvl3pPr>
-            <a:lvl4pPr marL="1371600" indent="0">
-              <a:buNone/>
-              <a:defRPr sz="1600" b="1"/>
-            </a:lvl4pPr>
-            <a:lvl5pPr marL="1828800" indent="0">
-              <a:buNone/>
-              <a:defRPr sz="1600" b="1"/>
-            </a:lvl5pPr>
-            <a:lvl6pPr marL="2286000" indent="0">
-              <a:buNone/>
-              <a:defRPr sz="1600" b="1"/>
-            </a:lvl6pPr>
-            <a:lvl7pPr marL="2743200" indent="0">
-              <a:buNone/>
-              <a:defRPr sz="1600" b="1"/>
-            </a:lvl7pPr>
-            <a:lvl8pPr marL="3200400" indent="0">
-              <a:buNone/>
-              <a:defRPr sz="1600" b="1"/>
-            </a:lvl8pPr>
-            <a:lvl9pPr marL="3657600" indent="0">
-              <a:buNone/>
-              <a:defRPr sz="1600" b="1"/>
-            </a:lvl9pPr>
-          </a:lstStyle>
-          <a:p>
-            <a:pPr lvl="0"/>
-            <a:r>
-              <a:rPr lang="zh-CN" altLang="en-US"/>
-              <a:t>单击此处编辑母版文本样式</a:t>
-            </a:r>
-          </a:p>
-        </p:txBody>
-      </p:sp>
-      <p:sp>
-        <p:nvSpPr>
-          <p:cNvPr id="6" name="Content Placeholder 5"/>
-          <p:cNvSpPr>
-            <a:spLocks noGrp="1"/>
-          </p:cNvSpPr>
-          <p:nvPr>
-            <p:ph sz="quarter" idx="4"/>
-          </p:nvPr>
-        </p:nvSpPr>
-        <p:spPr>
-          <a:xfrm>
-            <a:off x="5654495" y="2514600"/>
-            <a:ext cx="4396339" cy="3741738"/>
-          </a:xfrm>
-        </p:spPr>
-        <p:txBody>
-          <a:bodyPr>
-            <a:normAutofit/>
-          </a:bodyPr>
-          <a:lstStyle>
-            <a:lvl1pPr>
-              <a:defRPr sz="1800"/>
-            </a:lvl1pPr>
-            <a:lvl2pPr>
-              <a:defRPr sz="1600"/>
-            </a:lvl2pPr>
-            <a:lvl3pPr>
-              <a:defRPr sz="1400"/>
-            </a:lvl3pPr>
-            <a:lvl4pPr>
-              <a:defRPr sz="1200"/>
-            </a:lvl4pPr>
-            <a:lvl5pPr>
-              <a:defRPr sz="1200"/>
-            </a:lvl5pPr>
-            <a:lvl6pPr>
-              <a:defRPr sz="1200"/>
-            </a:lvl6pPr>
-            <a:lvl7pPr>
-              <a:defRPr sz="1200"/>
-            </a:lvl7pPr>
-            <a:lvl8pPr>
-              <a:defRPr sz="1200"/>
-            </a:lvl8pPr>
-            <a:lvl9pPr>
-              <a:defRPr sz="1200"/>
-            </a:lvl9pPr>
-          </a:lstStyle>
-          <a:p>
-            <a:pPr lvl="0"/>
-            <a:r>
-              <a:rPr lang="zh-CN" altLang="en-US"/>
-              <a:t>单击此处编辑母版文本样式</a:t>
-            </a:r>
-          </a:p>
-          <a:p>
-            <a:pPr lvl="1"/>
-            <a:r>
-              <a:rPr lang="zh-CN" altLang="en-US"/>
-              <a:t>二级</a:t>
-            </a:r>
-          </a:p>
-          <a:p>
-            <a:pPr lvl="2"/>
-            <a:r>
-              <a:rPr lang="zh-CN" altLang="en-US"/>
-              <a:t>三级</a:t>
-            </a:r>
-          </a:p>
-          <a:p>
-            <a:pPr lvl="3"/>
-            <a:r>
-              <a:rPr lang="zh-CN" altLang="en-US"/>
-              <a:t>四级</a:t>
-            </a:r>
-          </a:p>
-          <a:p>
-            <a:pPr lvl="4"/>
-            <a:r>
-              <a:rPr lang="zh-CN" altLang="en-US"/>
-              <a:t>五级</a:t>
-            </a:r>
-            <a:endParaRPr lang="en-US" dirty="0"/>
-          </a:p>
-        </p:txBody>
-      </p:sp>
-      <p:sp>
-        <p:nvSpPr>
-          <p:cNvPr id="7" name="Date Placeholder 6"/>
-          <p:cNvSpPr>
-            <a:spLocks noGrp="1"/>
-          </p:cNvSpPr>
-          <p:nvPr>
-            <p:ph type="dt" sz="half" idx="10"/>
-          </p:nvPr>
-        </p:nvSpPr>
-        <p:spPr/>
-        <p:txBody>
-          <a:bodyPr/>
-          <a:lstStyle/>
-          <a:p>
-            <a:fld id="{692AD3C9-44F0-4AE7-B19F-33A7A90EAD82}" type="datetimeFigureOut">
-              <a:rPr lang="zh-CN" altLang="en-US" smtClean="0"/>
-              <a:t>2019/12/6</a:t>
-            </a:fld>
-            <a:endParaRPr lang="zh-CN" altLang="en-US"/>
-          </a:p>
-        </p:txBody>
-      </p:sp>
-      <p:sp>
-        <p:nvSpPr>
-          <p:cNvPr id="8" name="Footer Placeholder 7"/>
-          <p:cNvSpPr>
-            <a:spLocks noGrp="1"/>
-          </p:cNvSpPr>
-          <p:nvPr>
-            <p:ph type="ftr" sz="quarter" idx="11"/>
-          </p:nvPr>
-        </p:nvSpPr>
-        <p:spPr/>
-        <p:txBody>
-          <a:bodyPr/>
-          <a:lstStyle/>
-          <a:p>
-            <a:endParaRPr lang="zh-CN" altLang="en-US"/>
-          </a:p>
-        </p:txBody>
-      </p:sp>
-      <p:sp>
-        <p:nvSpPr>
-          <p:cNvPr id="9" name="Slide Number Placeholder 8"/>
-          <p:cNvSpPr>
-            <a:spLocks noGrp="1"/>
-          </p:cNvSpPr>
-          <p:nvPr>
-            <p:ph type="sldNum" sz="quarter" idx="12"/>
-          </p:nvPr>
-        </p:nvSpPr>
-        <p:spPr/>
-        <p:txBody>
-          <a:bodyPr/>
-          <a:lstStyle/>
-          <a:p>
-            <a:fld id="{C7BF277C-4796-4FC3-A772-27635493D84E}" type="slidenum">
-              <a:rPr lang="zh-CN" altLang="en-US" smtClean="0"/>
-              <a:t>‹#›</a:t>
-            </a:fld>
-            <a:endParaRPr lang="zh-CN" altLang="en-US"/>
-          </a:p>
-        </p:txBody>
-      </p:sp>
-    </p:spTree>
-    <p:extLst>
-      <p:ext uri="{BB962C8B-B14F-4D97-AF65-F5344CB8AC3E}">
-        <p14:creationId xmlns:p14="http://schemas.microsoft.com/office/powerpoint/2010/main" val="3421651994"/>
+        <p14:creationId xmlns:p14="http://schemas.microsoft.com/office/powerpoint/2010/main" val="3797284393"/>
       </p:ext>
     </p:extLst>
   </p:cSld>
@@ -4463,7 +1924,13 @@
       </p:grpSpPr>
       <p:sp>
         <p:nvSpPr>
-          <p:cNvPr id="2" name="Title 1"/>
+          <p:cNvPr id="2" name="标题 1">
+            <a:extLst>
+              <a:ext uri="{FF2B5EF4-FFF2-40B4-BE49-F238E27FC236}">
+                <a16:creationId xmlns:a16="http://schemas.microsoft.com/office/drawing/2014/main" id="{7223CCB1-EAA6-4DAD-B19A-EAED3EA96616}"/>
+              </a:ext>
+            </a:extLst>
+          </p:cNvPr>
           <p:cNvSpPr>
             <a:spLocks noGrp="1"/>
           </p:cNvSpPr>
@@ -4480,13 +1947,18 @@
               <a:rPr lang="zh-CN" altLang="en-US"/>
               <a:t>单击此处编辑母版标题样式</a:t>
             </a:r>
-            <a:endParaRPr lang="en-US" dirty="0"/>
           </a:p>
         </p:txBody>
       </p:sp>
       <p:sp>
         <p:nvSpPr>
-          <p:cNvPr id="7" name="Date Placeholder 2"/>
+          <p:cNvPr id="3" name="日期占位符 2">
+            <a:extLst>
+              <a:ext uri="{FF2B5EF4-FFF2-40B4-BE49-F238E27FC236}">
+                <a16:creationId xmlns:a16="http://schemas.microsoft.com/office/drawing/2014/main" id="{FA89ADC7-2EFC-4758-9223-DDBB2B63C16F}"/>
+              </a:ext>
+            </a:extLst>
+          </p:cNvPr>
           <p:cNvSpPr>
             <a:spLocks noGrp="1"/>
           </p:cNvSpPr>
@@ -4509,7 +1981,13 @@
       </p:sp>
       <p:sp>
         <p:nvSpPr>
-          <p:cNvPr id="5" name="Footer Placeholder 3"/>
+          <p:cNvPr id="4" name="页脚占位符 3">
+            <a:extLst>
+              <a:ext uri="{FF2B5EF4-FFF2-40B4-BE49-F238E27FC236}">
+                <a16:creationId xmlns:a16="http://schemas.microsoft.com/office/drawing/2014/main" id="{6EAC0DBF-8688-4EB2-B44F-D842FAAA5EB6}"/>
+              </a:ext>
+            </a:extLst>
+          </p:cNvPr>
           <p:cNvSpPr>
             <a:spLocks noGrp="1"/>
           </p:cNvSpPr>
@@ -4528,7 +2006,13 @@
       </p:sp>
       <p:sp>
         <p:nvSpPr>
-          <p:cNvPr id="6" name="Slide Number Placeholder 4"/>
+          <p:cNvPr id="5" name="灯片编号占位符 4">
+            <a:extLst>
+              <a:ext uri="{FF2B5EF4-FFF2-40B4-BE49-F238E27FC236}">
+                <a16:creationId xmlns:a16="http://schemas.microsoft.com/office/drawing/2014/main" id="{108EA8A0-7D9D-4421-AE5C-BCAE96F62EA7}"/>
+              </a:ext>
+            </a:extLst>
+          </p:cNvPr>
           <p:cNvSpPr>
             <a:spLocks noGrp="1"/>
           </p:cNvSpPr>
@@ -4552,7 +2036,7 @@
     </p:spTree>
     <p:extLst>
       <p:ext uri="{BB962C8B-B14F-4D97-AF65-F5344CB8AC3E}">
-        <p14:creationId xmlns:p14="http://schemas.microsoft.com/office/powerpoint/2010/main" val="26353151"/>
+        <p14:creationId xmlns:p14="http://schemas.microsoft.com/office/powerpoint/2010/main" val="1808375737"/>
       </p:ext>
     </p:extLst>
   </p:cSld>
@@ -4581,7 +2065,13 @@
       </p:grpSpPr>
       <p:sp>
         <p:nvSpPr>
-          <p:cNvPr id="7" name="Date Placeholder 1"/>
+          <p:cNvPr id="2" name="日期占位符 1">
+            <a:extLst>
+              <a:ext uri="{FF2B5EF4-FFF2-40B4-BE49-F238E27FC236}">
+                <a16:creationId xmlns:a16="http://schemas.microsoft.com/office/drawing/2014/main" id="{EDBD195B-54C3-4ABB-9703-78D1F993E4BC}"/>
+              </a:ext>
+            </a:extLst>
+          </p:cNvPr>
           <p:cNvSpPr>
             <a:spLocks noGrp="1"/>
           </p:cNvSpPr>
@@ -4604,7 +2094,13 @@
       </p:sp>
       <p:sp>
         <p:nvSpPr>
-          <p:cNvPr id="5" name="Footer Placeholder 2"/>
+          <p:cNvPr id="3" name="页脚占位符 2">
+            <a:extLst>
+              <a:ext uri="{FF2B5EF4-FFF2-40B4-BE49-F238E27FC236}">
+                <a16:creationId xmlns:a16="http://schemas.microsoft.com/office/drawing/2014/main" id="{16031DF4-7AE2-46FD-B0F2-F685314922A4}"/>
+              </a:ext>
+            </a:extLst>
+          </p:cNvPr>
           <p:cNvSpPr>
             <a:spLocks noGrp="1"/>
           </p:cNvSpPr>
@@ -4623,7 +2119,13 @@
       </p:sp>
       <p:sp>
         <p:nvSpPr>
-          <p:cNvPr id="6" name="Slide Number Placeholder 3"/>
+          <p:cNvPr id="4" name="灯片编号占位符 3">
+            <a:extLst>
+              <a:ext uri="{FF2B5EF4-FFF2-40B4-BE49-F238E27FC236}">
+                <a16:creationId xmlns:a16="http://schemas.microsoft.com/office/drawing/2014/main" id="{186DD8EE-F48C-4506-834F-11ECAA2A5079}"/>
+              </a:ext>
+            </a:extLst>
+          </p:cNvPr>
           <p:cNvSpPr>
             <a:spLocks noGrp="1"/>
           </p:cNvSpPr>
@@ -4647,7 +2149,7 @@
     </p:spTree>
     <p:extLst>
       <p:ext uri="{BB962C8B-B14F-4D97-AF65-F5344CB8AC3E}">
-        <p14:creationId xmlns:p14="http://schemas.microsoft.com/office/powerpoint/2010/main" val="1755267322"/>
+        <p14:creationId xmlns:p14="http://schemas.microsoft.com/office/powerpoint/2010/main" val="3408176831"/>
       </p:ext>
     </p:extLst>
   </p:cSld>
@@ -4676,7 +2178,13 @@
       </p:grpSpPr>
       <p:sp>
         <p:nvSpPr>
-          <p:cNvPr id="2" name="Title 1"/>
+          <p:cNvPr id="2" name="标题 1">
+            <a:extLst>
+              <a:ext uri="{FF2B5EF4-FFF2-40B4-BE49-F238E27FC236}">
+                <a16:creationId xmlns:a16="http://schemas.microsoft.com/office/drawing/2014/main" id="{3FB9C77A-073B-461C-935A-8A19771C96E4}"/>
+              </a:ext>
+            </a:extLst>
+          </p:cNvPr>
           <p:cNvSpPr>
             <a:spLocks noGrp="1"/>
           </p:cNvSpPr>
@@ -4686,15 +2194,15 @@
         </p:nvSpPr>
         <p:spPr>
           <a:xfrm>
-            <a:off x="1154953" y="1447800"/>
-            <a:ext cx="3401064" cy="1447800"/>
+            <a:off x="839788" y="457200"/>
+            <a:ext cx="3932237" cy="1600200"/>
           </a:xfrm>
         </p:spPr>
         <p:txBody>
           <a:bodyPr anchor="b"/>
           <a:lstStyle>
-            <a:lvl1pPr algn="l">
-              <a:defRPr sz="2400" b="0"/>
+            <a:lvl1pPr>
+              <a:defRPr sz="3200"/>
             </a:lvl1pPr>
           </a:lstStyle>
           <a:p>
@@ -4702,13 +2210,18 @@
               <a:rPr lang="zh-CN" altLang="en-US"/>
               <a:t>单击此处编辑母版标题样式</a:t>
             </a:r>
-            <a:endParaRPr lang="en-US" dirty="0"/>
           </a:p>
         </p:txBody>
       </p:sp>
       <p:sp>
         <p:nvSpPr>
-          <p:cNvPr id="3" name="Content Placeholder 2"/>
+          <p:cNvPr id="3" name="内容占位符 2">
+            <a:extLst>
+              <a:ext uri="{FF2B5EF4-FFF2-40B4-BE49-F238E27FC236}">
+                <a16:creationId xmlns:a16="http://schemas.microsoft.com/office/drawing/2014/main" id="{997B9A5E-5996-4D72-960C-52D0A582A135}"/>
+              </a:ext>
+            </a:extLst>
+          </p:cNvPr>
           <p:cNvSpPr>
             <a:spLocks noGrp="1"/>
           </p:cNvSpPr>
@@ -4718,41 +2231,39 @@
         </p:nvSpPr>
         <p:spPr>
           <a:xfrm>
-            <a:off x="4784616" y="1447800"/>
-            <a:ext cx="5195997" cy="4572000"/>
+            <a:off x="5183188" y="987425"/>
+            <a:ext cx="6172200" cy="4873625"/>
           </a:xfrm>
         </p:spPr>
         <p:txBody>
-          <a:bodyPr anchor="ctr">
-            <a:normAutofit/>
-          </a:bodyPr>
+          <a:bodyPr/>
           <a:lstStyle>
             <a:lvl1pPr>
-              <a:defRPr sz="2000"/>
+              <a:defRPr sz="3200"/>
             </a:lvl1pPr>
             <a:lvl2pPr>
-              <a:defRPr sz="1800"/>
+              <a:defRPr sz="2800"/>
             </a:lvl2pPr>
             <a:lvl3pPr>
-              <a:defRPr sz="1600"/>
+              <a:defRPr sz="2400"/>
             </a:lvl3pPr>
             <a:lvl4pPr>
-              <a:defRPr sz="1400"/>
+              <a:defRPr sz="2000"/>
             </a:lvl4pPr>
             <a:lvl5pPr>
-              <a:defRPr sz="1400"/>
+              <a:defRPr sz="2000"/>
             </a:lvl5pPr>
             <a:lvl6pPr>
-              <a:defRPr sz="1400"/>
+              <a:defRPr sz="2000"/>
             </a:lvl6pPr>
             <a:lvl7pPr>
-              <a:defRPr sz="1400"/>
+              <a:defRPr sz="2000"/>
             </a:lvl7pPr>
             <a:lvl8pPr>
-              <a:defRPr sz="1400"/>
+              <a:defRPr sz="2000"/>
             </a:lvl8pPr>
             <a:lvl9pPr>
-              <a:defRPr sz="1400"/>
+              <a:defRPr sz="2000"/>
             </a:lvl9pPr>
           </a:lstStyle>
           <a:p>
@@ -4789,13 +2300,18 @@
               <a:rPr lang="zh-CN" altLang="en-US"/>
               <a:t>五级</a:t>
             </a:r>
-            <a:endParaRPr lang="en-US" dirty="0"/>
           </a:p>
         </p:txBody>
       </p:sp>
       <p:sp>
         <p:nvSpPr>
-          <p:cNvPr id="4" name="Text Placeholder 3"/>
+          <p:cNvPr id="4" name="文本占位符 3">
+            <a:extLst>
+              <a:ext uri="{FF2B5EF4-FFF2-40B4-BE49-F238E27FC236}">
+                <a16:creationId xmlns:a16="http://schemas.microsoft.com/office/drawing/2014/main" id="{76FD5FEE-5B5D-4837-B125-E07054B9496D}"/>
+              </a:ext>
+            </a:extLst>
+          </p:cNvPr>
           <p:cNvSpPr>
             <a:spLocks noGrp="1"/>
           </p:cNvSpPr>
@@ -4805,8 +2321,8 @@
         </p:nvSpPr>
         <p:spPr>
           <a:xfrm>
-            <a:off x="1154953" y="3129280"/>
-            <a:ext cx="3401063" cy="2895599"/>
+            <a:off x="839788" y="2057400"/>
+            <a:ext cx="3932237" cy="3811588"/>
           </a:xfrm>
         </p:spPr>
         <p:txBody>
@@ -4814,39 +2330,39 @@
           <a:lstStyle>
             <a:lvl1pPr marL="0" indent="0">
               <a:buNone/>
-              <a:defRPr sz="1400"/>
+              <a:defRPr sz="1600"/>
             </a:lvl1pPr>
             <a:lvl2pPr marL="457200" indent="0">
               <a:buNone/>
-              <a:defRPr sz="1200"/>
+              <a:defRPr sz="1400"/>
             </a:lvl2pPr>
             <a:lvl3pPr marL="914400" indent="0">
               <a:buNone/>
-              <a:defRPr sz="1000"/>
+              <a:defRPr sz="1200"/>
             </a:lvl3pPr>
             <a:lvl4pPr marL="1371600" indent="0">
               <a:buNone/>
-              <a:defRPr sz="900"/>
+              <a:defRPr sz="1000"/>
             </a:lvl4pPr>
             <a:lvl5pPr marL="1828800" indent="0">
               <a:buNone/>
-              <a:defRPr sz="900"/>
+              <a:defRPr sz="1000"/>
             </a:lvl5pPr>
             <a:lvl6pPr marL="2286000" indent="0">
               <a:buNone/>
-              <a:defRPr sz="900"/>
+              <a:defRPr sz="1000"/>
             </a:lvl6pPr>
             <a:lvl7pPr marL="2743200" indent="0">
               <a:buNone/>
-              <a:defRPr sz="900"/>
+              <a:defRPr sz="1000"/>
             </a:lvl7pPr>
             <a:lvl8pPr marL="3200400" indent="0">
               <a:buNone/>
-              <a:defRPr sz="900"/>
+              <a:defRPr sz="1000"/>
             </a:lvl8pPr>
             <a:lvl9pPr marL="3657600" indent="0">
               <a:buNone/>
-              <a:defRPr sz="900"/>
+              <a:defRPr sz="1000"/>
             </a:lvl9pPr>
           </a:lstStyle>
           <a:p>
@@ -4860,7 +2376,13 @@
       </p:sp>
       <p:sp>
         <p:nvSpPr>
-          <p:cNvPr id="7" name="Date Placeholder 4"/>
+          <p:cNvPr id="5" name="日期占位符 4">
+            <a:extLst>
+              <a:ext uri="{FF2B5EF4-FFF2-40B4-BE49-F238E27FC236}">
+                <a16:creationId xmlns:a16="http://schemas.microsoft.com/office/drawing/2014/main" id="{BE36C05C-DEFC-4218-86F6-891B57185AC9}"/>
+              </a:ext>
+            </a:extLst>
+          </p:cNvPr>
           <p:cNvSpPr>
             <a:spLocks noGrp="1"/>
           </p:cNvSpPr>
@@ -4883,7 +2405,13 @@
       </p:sp>
       <p:sp>
         <p:nvSpPr>
-          <p:cNvPr id="5" name="Footer Placeholder 5"/>
+          <p:cNvPr id="6" name="页脚占位符 5">
+            <a:extLst>
+              <a:ext uri="{FF2B5EF4-FFF2-40B4-BE49-F238E27FC236}">
+                <a16:creationId xmlns:a16="http://schemas.microsoft.com/office/drawing/2014/main" id="{5D89C5F3-20A1-485A-988B-55FB0BB8FE01}"/>
+              </a:ext>
+            </a:extLst>
+          </p:cNvPr>
           <p:cNvSpPr>
             <a:spLocks noGrp="1"/>
           </p:cNvSpPr>
@@ -4902,7 +2430,13 @@
       </p:sp>
       <p:sp>
         <p:nvSpPr>
-          <p:cNvPr id="6" name="Slide Number Placeholder 6"/>
+          <p:cNvPr id="7" name="灯片编号占位符 6">
+            <a:extLst>
+              <a:ext uri="{FF2B5EF4-FFF2-40B4-BE49-F238E27FC236}">
+                <a16:creationId xmlns:a16="http://schemas.microsoft.com/office/drawing/2014/main" id="{09B45E25-03D3-407A-8D77-002C60650A3C}"/>
+              </a:ext>
+            </a:extLst>
+          </p:cNvPr>
           <p:cNvSpPr>
             <a:spLocks noGrp="1"/>
           </p:cNvSpPr>
@@ -4926,7 +2460,7 @@
     </p:spTree>
     <p:extLst>
       <p:ext uri="{BB962C8B-B14F-4D97-AF65-F5344CB8AC3E}">
-        <p14:creationId xmlns:p14="http://schemas.microsoft.com/office/powerpoint/2010/main" val="1208239401"/>
+        <p14:creationId xmlns:p14="http://schemas.microsoft.com/office/powerpoint/2010/main" val="2082489740"/>
       </p:ext>
     </p:extLst>
   </p:cSld>
@@ -4955,7 +2489,13 @@
       </p:grpSpPr>
       <p:sp>
         <p:nvSpPr>
-          <p:cNvPr id="2" name="Title 1"/>
+          <p:cNvPr id="2" name="标题 1">
+            <a:extLst>
+              <a:ext uri="{FF2B5EF4-FFF2-40B4-BE49-F238E27FC236}">
+                <a16:creationId xmlns:a16="http://schemas.microsoft.com/office/drawing/2014/main" id="{CA9E98AB-1EC4-4868-99E5-0180EC07B2BB}"/>
+              </a:ext>
+            </a:extLst>
+          </p:cNvPr>
           <p:cNvSpPr>
             <a:spLocks noGrp="1"/>
           </p:cNvSpPr>
@@ -4965,17 +2505,15 @@
         </p:nvSpPr>
         <p:spPr>
           <a:xfrm>
-            <a:off x="1153907" y="1854192"/>
-            <a:ext cx="5092906" cy="1574808"/>
+            <a:off x="839788" y="457200"/>
+            <a:ext cx="3932237" cy="1600200"/>
           </a:xfrm>
         </p:spPr>
         <p:txBody>
-          <a:bodyPr anchor="b">
-            <a:normAutofit/>
-          </a:bodyPr>
+          <a:bodyPr anchor="b"/>
           <a:lstStyle>
-            <a:lvl1pPr algn="l">
-              <a:defRPr sz="3600" b="0"/>
+            <a:lvl1pPr>
+              <a:defRPr sz="3200"/>
             </a:lvl1pPr>
           </a:lstStyle>
           <a:p>
@@ -4983,15 +2521,20 @@
               <a:rPr lang="zh-CN" altLang="en-US"/>
               <a:t>单击此处编辑母版标题样式</a:t>
             </a:r>
-            <a:endParaRPr lang="en-US" dirty="0"/>
           </a:p>
         </p:txBody>
       </p:sp>
       <p:sp>
         <p:nvSpPr>
-          <p:cNvPr id="3" name="Picture Placeholder 2"/>
+          <p:cNvPr id="3" name="图片占位符 2">
+            <a:extLst>
+              <a:ext uri="{FF2B5EF4-FFF2-40B4-BE49-F238E27FC236}">
+                <a16:creationId xmlns:a16="http://schemas.microsoft.com/office/drawing/2014/main" id="{B883E7AC-717B-4FDD-ACAA-6B47210FC294}"/>
+              </a:ext>
+            </a:extLst>
+          </p:cNvPr>
           <p:cNvSpPr>
-            <a:spLocks noGrp="1" noChangeAspect="1"/>
+            <a:spLocks noGrp="1"/>
           </p:cNvSpPr>
           <p:nvPr>
             <p:ph type="pic" idx="1"/>
@@ -4999,76 +2542,64 @@
         </p:nvSpPr>
         <p:spPr>
           <a:xfrm>
-            <a:off x="6949546" y="1143000"/>
-            <a:ext cx="3200400" cy="4572000"/>
+            <a:off x="5183188" y="987425"/>
+            <a:ext cx="6172200" cy="4873625"/>
           </a:xfrm>
-          <a:prstGeom prst="roundRect">
-            <a:avLst>
-              <a:gd name="adj" fmla="val 1858"/>
-            </a:avLst>
-          </a:prstGeom>
-          <a:effectLst>
-            <a:outerShdw blurRad="50800" dist="50800" dir="5400000" algn="tl" rotWithShape="0">
-              <a:srgbClr val="000000">
-                <a:alpha val="43000"/>
-              </a:srgbClr>
-            </a:outerShdw>
-          </a:effectLst>
         </p:spPr>
         <p:txBody>
-          <a:bodyPr anchor="t">
-            <a:normAutofit/>
-          </a:bodyPr>
+          <a:bodyPr/>
           <a:lstStyle>
-            <a:lvl1pPr marL="0" indent="0" algn="ctr">
+            <a:lvl1pPr marL="0" indent="0">
               <a:buNone/>
-              <a:defRPr sz="1600"/>
+              <a:defRPr sz="3200"/>
             </a:lvl1pPr>
             <a:lvl2pPr marL="457200" indent="0">
               <a:buNone/>
-              <a:defRPr sz="1600"/>
+              <a:defRPr sz="2800"/>
             </a:lvl2pPr>
             <a:lvl3pPr marL="914400" indent="0">
               <a:buNone/>
-              <a:defRPr sz="1600"/>
+              <a:defRPr sz="2400"/>
             </a:lvl3pPr>
             <a:lvl4pPr marL="1371600" indent="0">
               <a:buNone/>
-              <a:defRPr sz="1600"/>
+              <a:defRPr sz="2000"/>
             </a:lvl4pPr>
             <a:lvl5pPr marL="1828800" indent="0">
               <a:buNone/>
-              <a:defRPr sz="1600"/>
+              <a:defRPr sz="2000"/>
             </a:lvl5pPr>
             <a:lvl6pPr marL="2286000" indent="0">
               <a:buNone/>
-              <a:defRPr sz="1600"/>
+              <a:defRPr sz="2000"/>
             </a:lvl6pPr>
             <a:lvl7pPr marL="2743200" indent="0">
               <a:buNone/>
-              <a:defRPr sz="1600"/>
+              <a:defRPr sz="2000"/>
             </a:lvl7pPr>
             <a:lvl8pPr marL="3200400" indent="0">
               <a:buNone/>
-              <a:defRPr sz="1600"/>
+              <a:defRPr sz="2000"/>
             </a:lvl8pPr>
             <a:lvl9pPr marL="3657600" indent="0">
               <a:buNone/>
-              <a:defRPr sz="1600"/>
+              <a:defRPr sz="2000"/>
             </a:lvl9pPr>
           </a:lstStyle>
           <a:p>
-            <a:r>
-              <a:rPr lang="zh-CN" altLang="en-US"/>
-              <a:t>单击图标添加图片</a:t>
-            </a:r>
-            <a:endParaRPr lang="en-US" dirty="0"/>
+            <a:endParaRPr lang="zh-CN" altLang="en-US"/>
           </a:p>
         </p:txBody>
       </p:sp>
       <p:sp>
         <p:nvSpPr>
-          <p:cNvPr id="4" name="Text Placeholder 3"/>
+          <p:cNvPr id="4" name="文本占位符 3">
+            <a:extLst>
+              <a:ext uri="{FF2B5EF4-FFF2-40B4-BE49-F238E27FC236}">
+                <a16:creationId xmlns:a16="http://schemas.microsoft.com/office/drawing/2014/main" id="{3568836B-99C7-4340-B4A5-9BB1A0DA0EF8}"/>
+              </a:ext>
+            </a:extLst>
+          </p:cNvPr>
           <p:cNvSpPr>
             <a:spLocks noGrp="1"/>
           </p:cNvSpPr>
@@ -5078,50 +2609,48 @@
         </p:nvSpPr>
         <p:spPr>
           <a:xfrm>
-            <a:off x="1154954" y="3657600"/>
-            <a:ext cx="5084979" cy="1371600"/>
+            <a:off x="839788" y="2057400"/>
+            <a:ext cx="3932237" cy="3811588"/>
           </a:xfrm>
         </p:spPr>
         <p:txBody>
-          <a:bodyPr>
-            <a:normAutofit/>
-          </a:bodyPr>
+          <a:bodyPr/>
           <a:lstStyle>
             <a:lvl1pPr marL="0" indent="0">
               <a:buNone/>
-              <a:defRPr sz="1400"/>
+              <a:defRPr sz="1600"/>
             </a:lvl1pPr>
             <a:lvl2pPr marL="457200" indent="0">
               <a:buNone/>
-              <a:defRPr sz="1200"/>
+              <a:defRPr sz="1400"/>
             </a:lvl2pPr>
             <a:lvl3pPr marL="914400" indent="0">
               <a:buNone/>
-              <a:defRPr sz="1000"/>
+              <a:defRPr sz="1200"/>
             </a:lvl3pPr>
             <a:lvl4pPr marL="1371600" indent="0">
               <a:buNone/>
-              <a:defRPr sz="900"/>
+              <a:defRPr sz="1000"/>
             </a:lvl4pPr>
             <a:lvl5pPr marL="1828800" indent="0">
               <a:buNone/>
-              <a:defRPr sz="900"/>
+              <a:defRPr sz="1000"/>
             </a:lvl5pPr>
             <a:lvl6pPr marL="2286000" indent="0">
               <a:buNone/>
-              <a:defRPr sz="900"/>
+              <a:defRPr sz="1000"/>
             </a:lvl6pPr>
             <a:lvl7pPr marL="2743200" indent="0">
               <a:buNone/>
-              <a:defRPr sz="900"/>
+              <a:defRPr sz="1000"/>
             </a:lvl7pPr>
             <a:lvl8pPr marL="3200400" indent="0">
               <a:buNone/>
-              <a:defRPr sz="900"/>
+              <a:defRPr sz="1000"/>
             </a:lvl8pPr>
             <a:lvl9pPr marL="3657600" indent="0">
               <a:buNone/>
-              <a:defRPr sz="900"/>
+              <a:defRPr sz="1000"/>
             </a:lvl9pPr>
           </a:lstStyle>
           <a:p>
@@ -5135,7 +2664,13 @@
       </p:sp>
       <p:sp>
         <p:nvSpPr>
-          <p:cNvPr id="5" name="Date Placeholder 4"/>
+          <p:cNvPr id="5" name="日期占位符 4">
+            <a:extLst>
+              <a:ext uri="{FF2B5EF4-FFF2-40B4-BE49-F238E27FC236}">
+                <a16:creationId xmlns:a16="http://schemas.microsoft.com/office/drawing/2014/main" id="{FFE68521-7AFF-47B8-B2C9-6664230D05B0}"/>
+              </a:ext>
+            </a:extLst>
+          </p:cNvPr>
           <p:cNvSpPr>
             <a:spLocks noGrp="1"/>
           </p:cNvSpPr>
@@ -5158,7 +2693,13 @@
       </p:sp>
       <p:sp>
         <p:nvSpPr>
-          <p:cNvPr id="6" name="Footer Placeholder 5"/>
+          <p:cNvPr id="6" name="页脚占位符 5">
+            <a:extLst>
+              <a:ext uri="{FF2B5EF4-FFF2-40B4-BE49-F238E27FC236}">
+                <a16:creationId xmlns:a16="http://schemas.microsoft.com/office/drawing/2014/main" id="{276A0CA4-8635-4BCD-A7FD-278C43B1ED04}"/>
+              </a:ext>
+            </a:extLst>
+          </p:cNvPr>
           <p:cNvSpPr>
             <a:spLocks noGrp="1"/>
           </p:cNvSpPr>
@@ -5177,7 +2718,13 @@
       </p:sp>
       <p:sp>
         <p:nvSpPr>
-          <p:cNvPr id="7" name="Slide Number Placeholder 6"/>
+          <p:cNvPr id="7" name="灯片编号占位符 6">
+            <a:extLst>
+              <a:ext uri="{FF2B5EF4-FFF2-40B4-BE49-F238E27FC236}">
+                <a16:creationId xmlns:a16="http://schemas.microsoft.com/office/drawing/2014/main" id="{B41B21FB-144E-42C3-A346-5372BFDB984A}"/>
+              </a:ext>
+            </a:extLst>
+          </p:cNvPr>
           <p:cNvSpPr>
             <a:spLocks noGrp="1"/>
           </p:cNvSpPr>
@@ -5201,7 +2748,7 @@
     </p:spTree>
     <p:extLst>
       <p:ext uri="{BB962C8B-B14F-4D97-AF65-F5344CB8AC3E}">
-        <p14:creationId xmlns:p14="http://schemas.microsoft.com/office/powerpoint/2010/main" val="3557465694"/>
+        <p14:creationId xmlns:p14="http://schemas.microsoft.com/office/powerpoint/2010/main" val="3070615158"/>
       </p:ext>
     </p:extLst>
   </p:cSld>
@@ -5215,8 +2762,8 @@
 <p:sldMaster xmlns:a="http://schemas.openxmlformats.org/drawingml/2006/main" xmlns:r="http://schemas.openxmlformats.org/officeDocument/2006/relationships" xmlns:p="http://schemas.openxmlformats.org/presentationml/2006/main">
   <p:cSld>
     <p:bg>
-      <p:bgRef idx="1003">
-        <a:schemeClr val="bg2"/>
+      <p:bgRef idx="1001">
+        <a:schemeClr val="bg1"/>
       </p:bgRef>
     </p:bg>
     <p:spTree>
@@ -5233,224 +2780,15 @@
           <a:chExt cx="0" cy="0"/>
         </a:xfrm>
       </p:grpSpPr>
-      <p:pic>
-        <p:nvPicPr>
-          <p:cNvPr id="8" name="Picture 7"/>
-          <p:cNvPicPr>
-            <a:picLocks noChangeAspect="1"/>
-          </p:cNvPicPr>
-          <p:nvPr/>
-        </p:nvPicPr>
-        <p:blipFill rotWithShape="1">
-          <a:blip r:embed="rId19">
+      <p:sp>
+        <p:nvSpPr>
+          <p:cNvPr id="2" name="标题占位符 1">
             <a:extLst>
-              <a:ext uri="{28A0092B-C50C-407E-A947-70E740481C1C}">
-                <a14:useLocalDpi xmlns:a14="http://schemas.microsoft.com/office/drawing/2010/main" val="0"/>
+              <a:ext uri="{FF2B5EF4-FFF2-40B4-BE49-F238E27FC236}">
+                <a16:creationId xmlns:a16="http://schemas.microsoft.com/office/drawing/2014/main" id="{B310D9E7-7AF1-4456-9E83-8E5A1BCC65FF}"/>
               </a:ext>
             </a:extLst>
-          </a:blip>
-          <a:srcRect l="3613"/>
-          <a:stretch/>
-        </p:blipFill>
-        <p:spPr>
-          <a:xfrm>
-            <a:off x="0" y="2669685"/>
-            <a:ext cx="4037012" cy="4188315"/>
-          </a:xfrm>
-          <a:prstGeom prst="rect">
-            <a:avLst/>
-          </a:prstGeom>
-        </p:spPr>
-      </p:pic>
-      <p:pic>
-        <p:nvPicPr>
-          <p:cNvPr id="7" name="Picture 6"/>
-          <p:cNvPicPr>
-            <a:picLocks noChangeAspect="1"/>
-          </p:cNvPicPr>
-          <p:nvPr/>
-        </p:nvPicPr>
-        <p:blipFill rotWithShape="1">
-          <a:blip r:embed="rId20">
-            <a:extLst>
-              <a:ext uri="{28A0092B-C50C-407E-A947-70E740481C1C}">
-                <a14:useLocalDpi xmlns:a14="http://schemas.microsoft.com/office/drawing/2010/main" val="0"/>
-              </a:ext>
-            </a:extLst>
-          </a:blip>
-          <a:srcRect l="35640"/>
-          <a:stretch/>
-        </p:blipFill>
-        <p:spPr>
-          <a:xfrm>
-            <a:off x="0" y="2892347"/>
-            <a:ext cx="1522412" cy="2365453"/>
-          </a:xfrm>
-          <a:prstGeom prst="rect">
-            <a:avLst/>
-          </a:prstGeom>
-        </p:spPr>
-      </p:pic>
-      <p:sp>
-        <p:nvSpPr>
-          <p:cNvPr id="16" name="Oval 15"/>
-          <p:cNvSpPr/>
-          <p:nvPr/>
-        </p:nvSpPr>
-        <p:spPr>
-          <a:xfrm>
-            <a:off x="8609012" y="1676400"/>
-            <a:ext cx="2819400" cy="2819400"/>
-          </a:xfrm>
-          <a:prstGeom prst="ellipse">
-            <a:avLst/>
-          </a:prstGeom>
-          <a:gradFill flip="none" rotWithShape="1">
-            <a:gsLst>
-              <a:gs pos="0">
-                <a:schemeClr val="bg2">
-                  <a:lumMod val="60000"/>
-                  <a:lumOff val="40000"/>
-                  <a:alpha val="7000"/>
-                </a:schemeClr>
-              </a:gs>
-              <a:gs pos="69000">
-                <a:schemeClr val="bg2">
-                  <a:lumMod val="60000"/>
-                  <a:lumOff val="40000"/>
-                  <a:alpha val="0"/>
-                </a:schemeClr>
-              </a:gs>
-              <a:gs pos="36000">
-                <a:schemeClr val="bg2">
-                  <a:lumMod val="60000"/>
-                  <a:lumOff val="40000"/>
-                  <a:alpha val="6000"/>
-                </a:schemeClr>
-              </a:gs>
-            </a:gsLst>
-            <a:path path="circle">
-              <a:fillToRect l="50000" t="50000" r="50000" b="50000"/>
-            </a:path>
-            <a:tileRect/>
-          </a:gradFill>
-          <a:ln>
-            <a:noFill/>
-          </a:ln>
-          <a:effectLst/>
-        </p:spPr>
-        <p:style>
-          <a:lnRef idx="1">
-            <a:schemeClr val="accent1"/>
-          </a:lnRef>
-          <a:fillRef idx="3">
-            <a:schemeClr val="accent1"/>
-          </a:fillRef>
-          <a:effectRef idx="2">
-            <a:schemeClr val="accent1"/>
-          </a:effectRef>
-          <a:fontRef idx="minor">
-            <a:schemeClr val="lt1"/>
-          </a:fontRef>
-        </p:style>
-      </p:sp>
-      <p:pic>
-        <p:nvPicPr>
-          <p:cNvPr id="9" name="Picture 8"/>
-          <p:cNvPicPr>
-            <a:picLocks noChangeAspect="1"/>
-          </p:cNvPicPr>
-          <p:nvPr/>
-        </p:nvPicPr>
-        <p:blipFill rotWithShape="1">
-          <a:blip r:embed="rId21">
-            <a:extLst>
-              <a:ext uri="{28A0092B-C50C-407E-A947-70E740481C1C}">
-                <a14:useLocalDpi xmlns:a14="http://schemas.microsoft.com/office/drawing/2010/main" val="0"/>
-              </a:ext>
-            </a:extLst>
-          </a:blip>
-          <a:srcRect t="28813"/>
-          <a:stretch/>
-        </p:blipFill>
-        <p:spPr>
-          <a:xfrm>
-            <a:off x="7999412" y="0"/>
-            <a:ext cx="1603387" cy="1141407"/>
-          </a:xfrm>
-          <a:prstGeom prst="rect">
-            <a:avLst/>
-          </a:prstGeom>
-        </p:spPr>
-      </p:pic>
-      <p:pic>
-        <p:nvPicPr>
-          <p:cNvPr id="10" name="Picture 9"/>
-          <p:cNvPicPr>
-            <a:picLocks noChangeAspect="1"/>
-          </p:cNvPicPr>
-          <p:nvPr/>
-        </p:nvPicPr>
-        <p:blipFill rotWithShape="1">
-          <a:blip r:embed="rId22">
-            <a:extLst>
-              <a:ext uri="{28A0092B-C50C-407E-A947-70E740481C1C}">
-                <a14:useLocalDpi xmlns:a14="http://schemas.microsoft.com/office/drawing/2010/main" val="0"/>
-              </a:ext>
-            </a:extLst>
-          </a:blip>
-          <a:srcRect b="23320"/>
-          <a:stretch/>
-        </p:blipFill>
-        <p:spPr>
-          <a:xfrm>
-            <a:off x="8605878" y="6096000"/>
-            <a:ext cx="993734" cy="762000"/>
-          </a:xfrm>
-          <a:prstGeom prst="rect">
-            <a:avLst/>
-          </a:prstGeom>
-        </p:spPr>
-      </p:pic>
-      <p:sp>
-        <p:nvSpPr>
-          <p:cNvPr id="14" name="Rectangle 13"/>
-          <p:cNvSpPr/>
-          <p:nvPr/>
-        </p:nvSpPr>
-        <p:spPr>
-          <a:xfrm>
-            <a:off x="10437812" y="0"/>
-            <a:ext cx="685800" cy="1143000"/>
-          </a:xfrm>
-          <a:prstGeom prst="rect">
-            <a:avLst/>
-          </a:prstGeom>
-          <a:solidFill>
-            <a:schemeClr val="accent1"/>
-          </a:solidFill>
-          <a:ln>
-            <a:noFill/>
-          </a:ln>
-        </p:spPr>
-        <p:style>
-          <a:lnRef idx="1">
-            <a:schemeClr val="accent1"/>
-          </a:lnRef>
-          <a:fillRef idx="3">
-            <a:schemeClr val="accent1"/>
-          </a:fillRef>
-          <a:effectRef idx="2">
-            <a:schemeClr val="accent1"/>
-          </a:effectRef>
-          <a:fontRef idx="minor">
-            <a:schemeClr val="lt1"/>
-          </a:fontRef>
-        </p:style>
-      </p:sp>
-      <p:sp>
-        <p:nvSpPr>
-          <p:cNvPr id="2" name="Title Placeholder 1"/>
+          </p:cNvPr>
           <p:cNvSpPr>
             <a:spLocks noGrp="1"/>
           </p:cNvSpPr>
@@ -5460,16 +2798,16 @@
         </p:nvSpPr>
         <p:spPr>
           <a:xfrm>
-            <a:off x="646111" y="452718"/>
-            <a:ext cx="9404723" cy="1400530"/>
+            <a:off x="838200" y="365125"/>
+            <a:ext cx="10515600" cy="1325563"/>
           </a:xfrm>
           <a:prstGeom prst="rect">
             <a:avLst/>
           </a:prstGeom>
         </p:spPr>
         <p:txBody>
-          <a:bodyPr vert="horz" lIns="91440" tIns="45720" rIns="91440" bIns="45720" rtlCol="0" anchor="t">
-            <a:noAutofit/>
+          <a:bodyPr vert="horz" lIns="91440" tIns="45720" rIns="91440" bIns="45720" rtlCol="0" anchor="ctr">
+            <a:normAutofit/>
           </a:bodyPr>
           <a:lstStyle/>
           <a:p>
@@ -5477,13 +2815,18 @@
               <a:rPr lang="zh-CN" altLang="en-US"/>
               <a:t>单击此处编辑母版标题样式</a:t>
             </a:r>
-            <a:endParaRPr lang="en-US" dirty="0"/>
           </a:p>
         </p:txBody>
       </p:sp>
       <p:sp>
         <p:nvSpPr>
-          <p:cNvPr id="3" name="Text Placeholder 2"/>
+          <p:cNvPr id="3" name="文本占位符 2">
+            <a:extLst>
+              <a:ext uri="{FF2B5EF4-FFF2-40B4-BE49-F238E27FC236}">
+                <a16:creationId xmlns:a16="http://schemas.microsoft.com/office/drawing/2014/main" id="{AF985EB6-6D75-4BB7-9CE3-5EF786CF9110}"/>
+              </a:ext>
+            </a:extLst>
+          </p:cNvPr>
           <p:cNvSpPr>
             <a:spLocks noGrp="1"/>
           </p:cNvSpPr>
@@ -5493,8 +2836,8 @@
         </p:nvSpPr>
         <p:spPr>
           <a:xfrm>
-            <a:off x="1103312" y="2052918"/>
-            <a:ext cx="8946541" cy="4195481"/>
+            <a:off x="838200" y="1825625"/>
+            <a:ext cx="10515600" cy="4351338"/>
           </a:xfrm>
           <a:prstGeom prst="rect">
             <a:avLst/>
@@ -5539,13 +2882,18 @@
               <a:rPr lang="zh-CN" altLang="en-US"/>
               <a:t>五级</a:t>
             </a:r>
-            <a:endParaRPr lang="en-US" dirty="0"/>
           </a:p>
         </p:txBody>
       </p:sp>
       <p:sp>
         <p:nvSpPr>
-          <p:cNvPr id="4" name="Date Placeholder 3"/>
+          <p:cNvPr id="4" name="日期占位符 3">
+            <a:extLst>
+              <a:ext uri="{FF2B5EF4-FFF2-40B4-BE49-F238E27FC236}">
+                <a16:creationId xmlns:a16="http://schemas.microsoft.com/office/drawing/2014/main" id="{E9B225EE-3781-467D-A547-1228193D3DC8}"/>
+              </a:ext>
+            </a:extLst>
+          </p:cNvPr>
           <p:cNvSpPr>
             <a:spLocks noGrp="1"/>
           </p:cNvSpPr>
@@ -5554,23 +2902,22 @@
           </p:nvPr>
         </p:nvSpPr>
         <p:spPr>
-          <a:xfrm rot="5400000">
-            <a:off x="10155639" y="1790701"/>
-            <a:ext cx="990599" cy="304799"/>
+          <a:xfrm>
+            <a:off x="838200" y="6356350"/>
+            <a:ext cx="2743200" cy="365125"/>
           </a:xfrm>
           <a:prstGeom prst="rect">
             <a:avLst/>
           </a:prstGeom>
         </p:spPr>
         <p:txBody>
-          <a:bodyPr vert="horz" lIns="91440" tIns="45720" rIns="91440" bIns="45720" rtlCol="0" anchor="t"/>
+          <a:bodyPr vert="horz" lIns="91440" tIns="45720" rIns="91440" bIns="45720" rtlCol="0" anchor="ctr"/>
           <a:lstStyle>
             <a:lvl1pPr algn="l">
-              <a:defRPr sz="1100" b="0" i="0">
+              <a:defRPr sz="1200">
                 <a:solidFill>
                   <a:schemeClr val="tx1">
                     <a:tint val="75000"/>
-                    <a:alpha val="60000"/>
                   </a:schemeClr>
                 </a:solidFill>
               </a:defRPr>
@@ -5587,7 +2934,13 @@
       </p:sp>
       <p:sp>
         <p:nvSpPr>
-          <p:cNvPr id="5" name="Footer Placeholder 4"/>
+          <p:cNvPr id="5" name="页脚占位符 4">
+            <a:extLst>
+              <a:ext uri="{FF2B5EF4-FFF2-40B4-BE49-F238E27FC236}">
+                <a16:creationId xmlns:a16="http://schemas.microsoft.com/office/drawing/2014/main" id="{CB384DFB-D3F0-4FEA-BA98-8B413ACF293D}"/>
+              </a:ext>
+            </a:extLst>
+          </p:cNvPr>
           <p:cNvSpPr>
             <a:spLocks noGrp="1"/>
           </p:cNvSpPr>
@@ -5596,57 +2949,19 @@
           </p:nvPr>
         </p:nvSpPr>
         <p:spPr>
-          <a:xfrm rot="5400000">
-            <a:off x="8951573" y="3225297"/>
-            <a:ext cx="3859795" cy="304801"/>
+          <a:xfrm>
+            <a:off x="4038600" y="6356350"/>
+            <a:ext cx="4114800" cy="365125"/>
           </a:xfrm>
           <a:prstGeom prst="rect">
             <a:avLst/>
           </a:prstGeom>
         </p:spPr>
         <p:txBody>
-          <a:bodyPr vert="horz" lIns="91440" tIns="45720" rIns="91440" bIns="45720" rtlCol="0" anchor="b"/>
-          <a:lstStyle>
-            <a:lvl1pPr algn="l">
-              <a:defRPr sz="1100" b="0" i="0">
-                <a:solidFill>
-                  <a:schemeClr val="tx1">
-                    <a:tint val="75000"/>
-                    <a:alpha val="60000"/>
-                  </a:schemeClr>
-                </a:solidFill>
-              </a:defRPr>
-            </a:lvl1pPr>
-          </a:lstStyle>
-          <a:p>
-            <a:endParaRPr lang="zh-CN" altLang="en-US"/>
-          </a:p>
-        </p:txBody>
-      </p:sp>
-      <p:sp>
-        <p:nvSpPr>
-          <p:cNvPr id="6" name="Slide Number Placeholder 5"/>
-          <p:cNvSpPr>
-            <a:spLocks noGrp="1"/>
-          </p:cNvSpPr>
-          <p:nvPr>
-            <p:ph type="sldNum" sz="quarter" idx="4"/>
-          </p:nvPr>
-        </p:nvSpPr>
-        <p:spPr bwMode="gray">
-          <a:xfrm>
-            <a:off x="10352540" y="295729"/>
-            <a:ext cx="838199" cy="767687"/>
-          </a:xfrm>
-          <a:prstGeom prst="rect">
-            <a:avLst/>
-          </a:prstGeom>
-        </p:spPr>
-        <p:txBody>
-          <a:bodyPr vert="horz" lIns="91440" tIns="45720" rIns="91440" bIns="45720" rtlCol="0" anchor="b"/>
+          <a:bodyPr vert="horz" lIns="91440" tIns="45720" rIns="91440" bIns="45720" rtlCol="0" anchor="ctr"/>
           <a:lstStyle>
             <a:lvl1pPr algn="ctr">
-              <a:defRPr sz="2800" b="0" i="0">
+              <a:defRPr sz="1200">
                 <a:solidFill>
                   <a:schemeClr val="tx1">
                     <a:tint val="75000"/>
@@ -5656,6 +2971,49 @@
             </a:lvl1pPr>
           </a:lstStyle>
           <a:p>
+            <a:endParaRPr lang="zh-CN" altLang="en-US"/>
+          </a:p>
+        </p:txBody>
+      </p:sp>
+      <p:sp>
+        <p:nvSpPr>
+          <p:cNvPr id="6" name="灯片编号占位符 5">
+            <a:extLst>
+              <a:ext uri="{FF2B5EF4-FFF2-40B4-BE49-F238E27FC236}">
+                <a16:creationId xmlns:a16="http://schemas.microsoft.com/office/drawing/2014/main" id="{B3DA3011-D7BB-4C89-A75E-8E135A2014B7}"/>
+              </a:ext>
+            </a:extLst>
+          </p:cNvPr>
+          <p:cNvSpPr>
+            <a:spLocks noGrp="1"/>
+          </p:cNvSpPr>
+          <p:nvPr>
+            <p:ph type="sldNum" sz="quarter" idx="4"/>
+          </p:nvPr>
+        </p:nvSpPr>
+        <p:spPr>
+          <a:xfrm>
+            <a:off x="8610600" y="6356350"/>
+            <a:ext cx="2743200" cy="365125"/>
+          </a:xfrm>
+          <a:prstGeom prst="rect">
+            <a:avLst/>
+          </a:prstGeom>
+        </p:spPr>
+        <p:txBody>
+          <a:bodyPr vert="horz" lIns="91440" tIns="45720" rIns="91440" bIns="45720" rtlCol="0" anchor="ctr"/>
+          <a:lstStyle>
+            <a:lvl1pPr algn="r">
+              <a:defRPr sz="1200">
+                <a:solidFill>
+                  <a:schemeClr val="tx1">
+                    <a:tint val="75000"/>
+                  </a:schemeClr>
+                </a:solidFill>
+              </a:defRPr>
+            </a:lvl1pPr>
+          </a:lstStyle>
+          <a:p>
             <a:fld id="{C7BF277C-4796-4FC3-A772-27635493D84E}" type="slidenum">
               <a:rPr lang="zh-CN" altLang="en-US" smtClean="0"/>
               <a:t>‹#›</a:t>
@@ -5667,121 +3025,35 @@
     </p:spTree>
     <p:extLst>
       <p:ext uri="{BB962C8B-B14F-4D97-AF65-F5344CB8AC3E}">
-        <p14:creationId xmlns:p14="http://schemas.microsoft.com/office/powerpoint/2010/main" val="1312734824"/>
+        <p14:creationId xmlns:p14="http://schemas.microsoft.com/office/powerpoint/2010/main" val="3938994616"/>
       </p:ext>
     </p:extLst>
   </p:cSld>
-  <p:clrMap bg1="dk1" tx1="lt1" bg2="dk2" tx2="lt2" accent1="accent1" accent2="accent2" accent3="accent3" accent4="accent4" accent5="accent5" accent6="accent6" hlink="hlink" folHlink="folHlink"/>
+  <p:clrMap bg1="lt1" tx1="dk1" bg2="lt2" tx2="dk2" accent1="accent1" accent2="accent2" accent3="accent3" accent4="accent4" accent5="accent5" accent6="accent6" hlink="hlink" folHlink="folHlink"/>
   <p:sldLayoutIdLst>
-    <p:sldLayoutId id="2147483745" r:id="rId1"/>
-    <p:sldLayoutId id="2147483746" r:id="rId2"/>
-    <p:sldLayoutId id="2147483747" r:id="rId3"/>
-    <p:sldLayoutId id="2147483748" r:id="rId4"/>
-    <p:sldLayoutId id="2147483749" r:id="rId5"/>
-    <p:sldLayoutId id="2147483750" r:id="rId6"/>
-    <p:sldLayoutId id="2147483751" r:id="rId7"/>
-    <p:sldLayoutId id="2147483752" r:id="rId8"/>
-    <p:sldLayoutId id="2147483753" r:id="rId9"/>
-    <p:sldLayoutId id="2147483754" r:id="rId10"/>
-    <p:sldLayoutId id="2147483755" r:id="rId11"/>
-    <p:sldLayoutId id="2147483756" r:id="rId12"/>
-    <p:sldLayoutId id="2147483757" r:id="rId13"/>
-    <p:sldLayoutId id="2147483758" r:id="rId14"/>
-    <p:sldLayoutId id="2147483759" r:id="rId15"/>
-    <p:sldLayoutId id="2147483760" r:id="rId16"/>
-    <p:sldLayoutId id="2147483761" r:id="rId17"/>
+    <p:sldLayoutId id="2147483649" r:id="rId1"/>
+    <p:sldLayoutId id="2147483650" r:id="rId2"/>
+    <p:sldLayoutId id="2147483651" r:id="rId3"/>
+    <p:sldLayoutId id="2147483652" r:id="rId4"/>
+    <p:sldLayoutId id="2147483653" r:id="rId5"/>
+    <p:sldLayoutId id="2147483654" r:id="rId6"/>
+    <p:sldLayoutId id="2147483655" r:id="rId7"/>
+    <p:sldLayoutId id="2147483656" r:id="rId8"/>
+    <p:sldLayoutId id="2147483657" r:id="rId9"/>
+    <p:sldLayoutId id="2147483658" r:id="rId10"/>
+    <p:sldLayoutId id="2147483659" r:id="rId11"/>
   </p:sldLayoutIdLst>
   <p:txStyles>
     <p:titleStyle>
-      <a:lvl1pPr algn="l" defTabSz="457200" rtl="0" eaLnBrk="1" latinLnBrk="0" hangingPunct="1">
+      <a:lvl1pPr algn="l" defTabSz="914400" rtl="0" eaLnBrk="1" latinLnBrk="0" hangingPunct="1">
+        <a:lnSpc>
+          <a:spcPct val="90000"/>
+        </a:lnSpc>
         <a:spcBef>
           <a:spcPct val="0"/>
         </a:spcBef>
         <a:buNone/>
-        <a:defRPr sz="4200" b="0" i="0" kern="1200">
-          <a:solidFill>
-            <a:schemeClr val="tx2"/>
-          </a:solidFill>
-          <a:latin typeface="+mj-lt"/>
-          <a:ea typeface="+mj-ea"/>
-          <a:cs typeface="+mj-cs"/>
-        </a:defRPr>
-      </a:lvl1pPr>
-      <a:lvl2pPr eaLnBrk="1" hangingPunct="1">
-        <a:defRPr>
-          <a:solidFill>
-            <a:schemeClr val="tx2"/>
-          </a:solidFill>
-        </a:defRPr>
-      </a:lvl2pPr>
-      <a:lvl3pPr eaLnBrk="1" hangingPunct="1">
-        <a:defRPr>
-          <a:solidFill>
-            <a:schemeClr val="tx2"/>
-          </a:solidFill>
-        </a:defRPr>
-      </a:lvl3pPr>
-      <a:lvl4pPr eaLnBrk="1" hangingPunct="1">
-        <a:defRPr>
-          <a:solidFill>
-            <a:schemeClr val="tx2"/>
-          </a:solidFill>
-        </a:defRPr>
-      </a:lvl4pPr>
-      <a:lvl5pPr eaLnBrk="1" hangingPunct="1">
-        <a:defRPr>
-          <a:solidFill>
-            <a:schemeClr val="tx2"/>
-          </a:solidFill>
-        </a:defRPr>
-      </a:lvl5pPr>
-      <a:lvl6pPr eaLnBrk="1" hangingPunct="1">
-        <a:defRPr>
-          <a:solidFill>
-            <a:schemeClr val="tx2"/>
-          </a:solidFill>
-        </a:defRPr>
-      </a:lvl6pPr>
-      <a:lvl7pPr eaLnBrk="1" hangingPunct="1">
-        <a:defRPr>
-          <a:solidFill>
-            <a:schemeClr val="tx2"/>
-          </a:solidFill>
-        </a:defRPr>
-      </a:lvl7pPr>
-      <a:lvl8pPr eaLnBrk="1" hangingPunct="1">
-        <a:defRPr>
-          <a:solidFill>
-            <a:schemeClr val="tx2"/>
-          </a:solidFill>
-        </a:defRPr>
-      </a:lvl8pPr>
-      <a:lvl9pPr eaLnBrk="1" hangingPunct="1">
-        <a:defRPr>
-          <a:solidFill>
-            <a:schemeClr val="tx2"/>
-          </a:solidFill>
-        </a:defRPr>
-      </a:lvl9pPr>
-    </p:titleStyle>
-    <p:bodyStyle>
-      <a:lvl1pPr marL="342900" indent="-342900" algn="l" defTabSz="457200" rtl="0" eaLnBrk="1" latinLnBrk="0" hangingPunct="1">
-        <a:spcBef>
-          <a:spcPts val="1000"/>
-        </a:spcBef>
-        <a:spcAft>
-          <a:spcPts val="0"/>
-        </a:spcAft>
-        <a:buClr>
-          <a:schemeClr val="bg2">
-            <a:lumMod val="40000"/>
-            <a:lumOff val="60000"/>
-          </a:schemeClr>
-        </a:buClr>
-        <a:buSzPct val="80000"/>
-        <a:buFont typeface="Wingdings 3" charset="2"/>
-        <a:buChar char=""/>
-        <a:defRPr sz="2000" b="0" i="0" kern="1200">
+        <a:defRPr sz="4400" kern="1200">
           <a:solidFill>
             <a:schemeClr val="tx1"/>
           </a:solidFill>
@@ -5790,212 +3062,176 @@
           <a:cs typeface="+mj-cs"/>
         </a:defRPr>
       </a:lvl1pPr>
-      <a:lvl2pPr marL="742950" indent="-285750" algn="l" defTabSz="457200" rtl="0" eaLnBrk="1" latinLnBrk="0" hangingPunct="1">
+    </p:titleStyle>
+    <p:bodyStyle>
+      <a:lvl1pPr marL="228600" indent="-228600" algn="l" defTabSz="914400" rtl="0" eaLnBrk="1" latinLnBrk="0" hangingPunct="1">
+        <a:lnSpc>
+          <a:spcPct val="90000"/>
+        </a:lnSpc>
         <a:spcBef>
           <a:spcPts val="1000"/>
         </a:spcBef>
-        <a:spcAft>
-          <a:spcPts val="0"/>
-        </a:spcAft>
-        <a:buClr>
-          <a:schemeClr val="bg2">
-            <a:lumMod val="40000"/>
-            <a:lumOff val="60000"/>
-          </a:schemeClr>
-        </a:buClr>
-        <a:buSzPct val="80000"/>
-        <a:buFont typeface="Wingdings 3" charset="2"/>
-        <a:buChar char=""/>
-        <a:defRPr sz="1800" b="0" i="0" kern="1200">
+        <a:buFont typeface="Arial" panose="020B0604020202020204" pitchFamily="34" charset="0"/>
+        <a:buChar char="•"/>
+        <a:defRPr sz="2800" kern="1200">
           <a:solidFill>
             <a:schemeClr val="tx1"/>
           </a:solidFill>
-          <a:latin typeface="+mj-lt"/>
-          <a:ea typeface="+mj-ea"/>
-          <a:cs typeface="+mj-cs"/>
+          <a:latin typeface="+mn-lt"/>
+          <a:ea typeface="+mn-ea"/>
+          <a:cs typeface="+mn-cs"/>
         </a:defRPr>
-      </a:lvl2pPr>
-      <a:lvl3pPr marL="1143000" indent="-228600" algn="l" defTabSz="457200" rtl="0" eaLnBrk="1" latinLnBrk="0" hangingPunct="1">
+      </a:lvl1pPr>
+      <a:lvl2pPr marL="685800" indent="-228600" algn="l" defTabSz="914400" rtl="0" eaLnBrk="1" latinLnBrk="0" hangingPunct="1">
+        <a:lnSpc>
+          <a:spcPct val="90000"/>
+        </a:lnSpc>
         <a:spcBef>
-          <a:spcPts val="1000"/>
+          <a:spcPts val="500"/>
         </a:spcBef>
-        <a:spcAft>
-          <a:spcPts val="0"/>
-        </a:spcAft>
-        <a:buClr>
-          <a:schemeClr val="bg2">
-            <a:lumMod val="40000"/>
-            <a:lumOff val="60000"/>
-          </a:schemeClr>
-        </a:buClr>
-        <a:buSzPct val="80000"/>
-        <a:buFont typeface="Wingdings 3" charset="2"/>
-        <a:buChar char=""/>
-        <a:defRPr sz="1600" b="0" i="0" kern="1200">
+        <a:buFont typeface="Arial" panose="020B0604020202020204" pitchFamily="34" charset="0"/>
+        <a:buChar char="•"/>
+        <a:defRPr sz="2400" kern="1200">
           <a:solidFill>
             <a:schemeClr val="tx1"/>
           </a:solidFill>
-          <a:latin typeface="+mj-lt"/>
-          <a:ea typeface="+mj-ea"/>
-          <a:cs typeface="+mj-cs"/>
+          <a:latin typeface="+mn-lt"/>
+          <a:ea typeface="+mn-ea"/>
+          <a:cs typeface="+mn-cs"/>
         </a:defRPr>
-      </a:lvl3pPr>
-      <a:lvl4pPr marL="1600200" indent="-228600" algn="l" defTabSz="457200" rtl="0" eaLnBrk="1" latinLnBrk="0" hangingPunct="1">
+      </a:lvl2pPr>
+      <a:lvl3pPr marL="1143000" indent="-228600" algn="l" defTabSz="914400" rtl="0" eaLnBrk="1" latinLnBrk="0" hangingPunct="1">
+        <a:lnSpc>
+          <a:spcPct val="90000"/>
+        </a:lnSpc>
         <a:spcBef>
-          <a:spcPts val="1000"/>
+          <a:spcPts val="500"/>
         </a:spcBef>
-        <a:spcAft>
-          <a:spcPts val="0"/>
-        </a:spcAft>
-        <a:buClr>
-          <a:schemeClr val="bg2">
-            <a:lumMod val="40000"/>
-            <a:lumOff val="60000"/>
-          </a:schemeClr>
-        </a:buClr>
-        <a:buSzPct val="80000"/>
-        <a:buFont typeface="Wingdings 3" charset="2"/>
-        <a:buChar char=""/>
-        <a:defRPr sz="1400" b="0" i="0" kern="1200">
+        <a:buFont typeface="Arial" panose="020B0604020202020204" pitchFamily="34" charset="0"/>
+        <a:buChar char="•"/>
+        <a:defRPr sz="2000" kern="1200">
           <a:solidFill>
             <a:schemeClr val="tx1"/>
           </a:solidFill>
-          <a:latin typeface="+mj-lt"/>
-          <a:ea typeface="+mj-ea"/>
-          <a:cs typeface="+mj-cs"/>
+          <a:latin typeface="+mn-lt"/>
+          <a:ea typeface="+mn-ea"/>
+          <a:cs typeface="+mn-cs"/>
         </a:defRPr>
-      </a:lvl4pPr>
-      <a:lvl5pPr marL="2057400" indent="-228600" algn="l" defTabSz="457200" rtl="0" eaLnBrk="1" latinLnBrk="0" hangingPunct="1">
+      </a:lvl3pPr>
+      <a:lvl4pPr marL="1600200" indent="-228600" algn="l" defTabSz="914400" rtl="0" eaLnBrk="1" latinLnBrk="0" hangingPunct="1">
+        <a:lnSpc>
+          <a:spcPct val="90000"/>
+        </a:lnSpc>
         <a:spcBef>
-          <a:spcPts val="1000"/>
+          <a:spcPts val="500"/>
         </a:spcBef>
-        <a:spcAft>
-          <a:spcPts val="0"/>
-        </a:spcAft>
-        <a:buClr>
-          <a:schemeClr val="bg2">
-            <a:lumMod val="40000"/>
-            <a:lumOff val="60000"/>
-          </a:schemeClr>
-        </a:buClr>
-        <a:buSzPct val="80000"/>
-        <a:buFont typeface="Wingdings 3" charset="2"/>
-        <a:buChar char=""/>
-        <a:defRPr sz="1400" b="0" i="0" kern="1200">
+        <a:buFont typeface="Arial" panose="020B0604020202020204" pitchFamily="34" charset="0"/>
+        <a:buChar char="•"/>
+        <a:defRPr sz="1800" kern="1200">
           <a:solidFill>
             <a:schemeClr val="tx1"/>
           </a:solidFill>
-          <a:latin typeface="+mj-lt"/>
-          <a:ea typeface="+mj-ea"/>
-          <a:cs typeface="+mj-cs"/>
+          <a:latin typeface="+mn-lt"/>
+          <a:ea typeface="+mn-ea"/>
+          <a:cs typeface="+mn-cs"/>
         </a:defRPr>
-      </a:lvl5pPr>
-      <a:lvl6pPr marL="2506000" indent="-228600" algn="l" defTabSz="457200" rtl="0" eaLnBrk="1" latinLnBrk="0" hangingPunct="1">
+      </a:lvl4pPr>
+      <a:lvl5pPr marL="2057400" indent="-228600" algn="l" defTabSz="914400" rtl="0" eaLnBrk="1" latinLnBrk="0" hangingPunct="1">
+        <a:lnSpc>
+          <a:spcPct val="90000"/>
+        </a:lnSpc>
         <a:spcBef>
-          <a:spcPts val="1000"/>
+          <a:spcPts val="500"/>
         </a:spcBef>
-        <a:spcAft>
-          <a:spcPts val="0"/>
-        </a:spcAft>
-        <a:buClr>
-          <a:schemeClr val="bg2">
-            <a:lumMod val="40000"/>
-            <a:lumOff val="60000"/>
-          </a:schemeClr>
-        </a:buClr>
-        <a:buSzPct val="80000"/>
-        <a:buFont typeface="Wingdings 3" charset="2"/>
-        <a:buChar char=""/>
-        <a:defRPr sz="1400" b="0" i="0" kern="1200">
+        <a:buFont typeface="Arial" panose="020B0604020202020204" pitchFamily="34" charset="0"/>
+        <a:buChar char="•"/>
+        <a:defRPr sz="1800" kern="1200">
           <a:solidFill>
             <a:schemeClr val="tx1"/>
           </a:solidFill>
-          <a:latin typeface="+mj-lt"/>
-          <a:ea typeface="+mj-ea"/>
-          <a:cs typeface="+mj-cs"/>
+          <a:latin typeface="+mn-lt"/>
+          <a:ea typeface="+mn-ea"/>
+          <a:cs typeface="+mn-cs"/>
         </a:defRPr>
-      </a:lvl6pPr>
-      <a:lvl7pPr marL="2971800" indent="-228600" algn="l" defTabSz="457200" rtl="0" eaLnBrk="1" latinLnBrk="0" hangingPunct="1">
+      </a:lvl5pPr>
+      <a:lvl6pPr marL="2514600" indent="-228600" algn="l" defTabSz="914400" rtl="0" eaLnBrk="1" latinLnBrk="0" hangingPunct="1">
+        <a:lnSpc>
+          <a:spcPct val="90000"/>
+        </a:lnSpc>
         <a:spcBef>
-          <a:spcPts val="1000"/>
+          <a:spcPts val="500"/>
         </a:spcBef>
-        <a:spcAft>
-          <a:spcPts val="0"/>
-        </a:spcAft>
-        <a:buClr>
-          <a:schemeClr val="bg2">
-            <a:lumMod val="40000"/>
-            <a:lumOff val="60000"/>
-          </a:schemeClr>
-        </a:buClr>
-        <a:buSzPct val="80000"/>
-        <a:buFont typeface="Wingdings 3" charset="2"/>
-        <a:buChar char=""/>
-        <a:defRPr sz="1400" b="0" i="0" kern="1200">
+        <a:buFont typeface="Arial" panose="020B0604020202020204" pitchFamily="34" charset="0"/>
+        <a:buChar char="•"/>
+        <a:defRPr sz="1800" kern="1200">
           <a:solidFill>
             <a:schemeClr val="tx1"/>
           </a:solidFill>
-          <a:latin typeface="+mj-lt"/>
-          <a:ea typeface="+mj-ea"/>
-          <a:cs typeface="+mj-cs"/>
+          <a:latin typeface="+mn-lt"/>
+          <a:ea typeface="+mn-ea"/>
+          <a:cs typeface="+mn-cs"/>
         </a:defRPr>
-      </a:lvl7pPr>
-      <a:lvl8pPr marL="3429000" indent="-228600" algn="l" defTabSz="457200" rtl="0" eaLnBrk="1" latinLnBrk="0" hangingPunct="1">
+      </a:lvl6pPr>
+      <a:lvl7pPr marL="2971800" indent="-228600" algn="l" defTabSz="914400" rtl="0" eaLnBrk="1" latinLnBrk="0" hangingPunct="1">
+        <a:lnSpc>
+          <a:spcPct val="90000"/>
+        </a:lnSpc>
         <a:spcBef>
-          <a:spcPts val="1000"/>
+          <a:spcPts val="500"/>
         </a:spcBef>
-        <a:spcAft>
-          <a:spcPts val="0"/>
-        </a:spcAft>
-        <a:buClr>
-          <a:schemeClr val="bg2">
-            <a:lumMod val="40000"/>
-            <a:lumOff val="60000"/>
-          </a:schemeClr>
-        </a:buClr>
-        <a:buSzPct val="80000"/>
-        <a:buFont typeface="Wingdings 3" charset="2"/>
-        <a:buChar char=""/>
-        <a:defRPr sz="1400" b="0" i="0" kern="1200">
+        <a:buFont typeface="Arial" panose="020B0604020202020204" pitchFamily="34" charset="0"/>
+        <a:buChar char="•"/>
+        <a:defRPr sz="1800" kern="1200">
           <a:solidFill>
             <a:schemeClr val="tx1"/>
           </a:solidFill>
-          <a:latin typeface="+mj-lt"/>
-          <a:ea typeface="+mj-ea"/>
-          <a:cs typeface="+mj-cs"/>
+          <a:latin typeface="+mn-lt"/>
+          <a:ea typeface="+mn-ea"/>
+          <a:cs typeface="+mn-cs"/>
         </a:defRPr>
-      </a:lvl8pPr>
-      <a:lvl9pPr marL="3886200" indent="-228600" algn="l" defTabSz="457200" rtl="0" eaLnBrk="1" latinLnBrk="0" hangingPunct="1">
+      </a:lvl7pPr>
+      <a:lvl8pPr marL="3429000" indent="-228600" algn="l" defTabSz="914400" rtl="0" eaLnBrk="1" latinLnBrk="0" hangingPunct="1">
+        <a:lnSpc>
+          <a:spcPct val="90000"/>
+        </a:lnSpc>
         <a:spcBef>
-          <a:spcPts val="1000"/>
+          <a:spcPts val="500"/>
         </a:spcBef>
-        <a:spcAft>
-          <a:spcPts val="0"/>
-        </a:spcAft>
-        <a:buClr>
-          <a:schemeClr val="bg2">
-            <a:lumMod val="40000"/>
-            <a:lumOff val="60000"/>
-          </a:schemeClr>
-        </a:buClr>
-        <a:buSzPct val="80000"/>
-        <a:buFont typeface="Wingdings 3" charset="2"/>
-        <a:buChar char=""/>
-        <a:defRPr sz="1400" b="0" i="0" kern="1200">
+        <a:buFont typeface="Arial" panose="020B0604020202020204" pitchFamily="34" charset="0"/>
+        <a:buChar char="•"/>
+        <a:defRPr sz="1800" kern="1200">
           <a:solidFill>
             <a:schemeClr val="tx1"/>
           </a:solidFill>
-          <a:latin typeface="+mj-lt"/>
-          <a:ea typeface="+mj-ea"/>
-          <a:cs typeface="+mj-cs"/>
+          <a:latin typeface="+mn-lt"/>
+          <a:ea typeface="+mn-ea"/>
+          <a:cs typeface="+mn-cs"/>
+        </a:defRPr>
+      </a:lvl8pPr>
+      <a:lvl9pPr marL="3886200" indent="-228600" algn="l" defTabSz="914400" rtl="0" eaLnBrk="1" latinLnBrk="0" hangingPunct="1">
+        <a:lnSpc>
+          <a:spcPct val="90000"/>
+        </a:lnSpc>
+        <a:spcBef>
+          <a:spcPts val="500"/>
+        </a:spcBef>
+        <a:buFont typeface="Arial" panose="020B0604020202020204" pitchFamily="34" charset="0"/>
+        <a:buChar char="•"/>
+        <a:defRPr sz="1800" kern="1200">
+          <a:solidFill>
+            <a:schemeClr val="tx1"/>
+          </a:solidFill>
+          <a:latin typeface="+mn-lt"/>
+          <a:ea typeface="+mn-ea"/>
+          <a:cs typeface="+mn-cs"/>
         </a:defRPr>
       </a:lvl9pPr>
     </p:bodyStyle>
     <p:otherStyle>
       <a:defPPr>
-        <a:defRPr lang="en-US"/>
+        <a:defRPr lang="zh-CN"/>
       </a:defPPr>
-      <a:lvl1pPr marL="0" algn="l" defTabSz="457200" rtl="0" eaLnBrk="1" latinLnBrk="0" hangingPunct="1">
+      <a:lvl1pPr marL="0" algn="l" defTabSz="914400" rtl="0" eaLnBrk="1" latinLnBrk="0" hangingPunct="1">
         <a:defRPr sz="1800" kern="1200">
           <a:solidFill>
             <a:schemeClr val="tx1"/>
@@ -6005,7 +3241,7 @@
           <a:cs typeface="+mn-cs"/>
         </a:defRPr>
       </a:lvl1pPr>
-      <a:lvl2pPr marL="457200" algn="l" defTabSz="457200" rtl="0" eaLnBrk="1" latinLnBrk="0" hangingPunct="1">
+      <a:lvl2pPr marL="457200" algn="l" defTabSz="914400" rtl="0" eaLnBrk="1" latinLnBrk="0" hangingPunct="1">
         <a:defRPr sz="1800" kern="1200">
           <a:solidFill>
             <a:schemeClr val="tx1"/>
@@ -6015,7 +3251,7 @@
           <a:cs typeface="+mn-cs"/>
         </a:defRPr>
       </a:lvl2pPr>
-      <a:lvl3pPr marL="914400" algn="l" defTabSz="457200" rtl="0" eaLnBrk="1" latinLnBrk="0" hangingPunct="1">
+      <a:lvl3pPr marL="914400" algn="l" defTabSz="914400" rtl="0" eaLnBrk="1" latinLnBrk="0" hangingPunct="1">
         <a:defRPr sz="1800" kern="1200">
           <a:solidFill>
             <a:schemeClr val="tx1"/>
@@ -6025,7 +3261,7 @@
           <a:cs typeface="+mn-cs"/>
         </a:defRPr>
       </a:lvl3pPr>
-      <a:lvl4pPr marL="1371600" algn="l" defTabSz="457200" rtl="0" eaLnBrk="1" latinLnBrk="0" hangingPunct="1">
+      <a:lvl4pPr marL="1371600" algn="l" defTabSz="914400" rtl="0" eaLnBrk="1" latinLnBrk="0" hangingPunct="1">
         <a:defRPr sz="1800" kern="1200">
           <a:solidFill>
             <a:schemeClr val="tx1"/>
@@ -6035,7 +3271,7 @@
           <a:cs typeface="+mn-cs"/>
         </a:defRPr>
       </a:lvl4pPr>
-      <a:lvl5pPr marL="1828800" algn="l" defTabSz="457200" rtl="0" eaLnBrk="1" latinLnBrk="0" hangingPunct="1">
+      <a:lvl5pPr marL="1828800" algn="l" defTabSz="914400" rtl="0" eaLnBrk="1" latinLnBrk="0" hangingPunct="1">
         <a:defRPr sz="1800" kern="1200">
           <a:solidFill>
             <a:schemeClr val="tx1"/>
@@ -6045,7 +3281,7 @@
           <a:cs typeface="+mn-cs"/>
         </a:defRPr>
       </a:lvl5pPr>
-      <a:lvl6pPr marL="2286000" algn="l" defTabSz="457200" rtl="0" eaLnBrk="1" latinLnBrk="0" hangingPunct="1">
+      <a:lvl6pPr marL="2286000" algn="l" defTabSz="914400" rtl="0" eaLnBrk="1" latinLnBrk="0" hangingPunct="1">
         <a:defRPr sz="1800" kern="1200">
           <a:solidFill>
             <a:schemeClr val="tx1"/>
@@ -6055,7 +3291,7 @@
           <a:cs typeface="+mn-cs"/>
         </a:defRPr>
       </a:lvl6pPr>
-      <a:lvl7pPr marL="2743200" algn="l" defTabSz="457200" rtl="0" eaLnBrk="1" latinLnBrk="0" hangingPunct="1">
+      <a:lvl7pPr marL="2743200" algn="l" defTabSz="914400" rtl="0" eaLnBrk="1" latinLnBrk="0" hangingPunct="1">
         <a:defRPr sz="1800" kern="1200">
           <a:solidFill>
             <a:schemeClr val="tx1"/>
@@ -6065,7 +3301,7 @@
           <a:cs typeface="+mn-cs"/>
         </a:defRPr>
       </a:lvl7pPr>
-      <a:lvl8pPr marL="3200400" algn="l" defTabSz="457200" rtl="0" eaLnBrk="1" latinLnBrk="0" hangingPunct="1">
+      <a:lvl8pPr marL="3200400" algn="l" defTabSz="914400" rtl="0" eaLnBrk="1" latinLnBrk="0" hangingPunct="1">
         <a:defRPr sz="1800" kern="1200">
           <a:solidFill>
             <a:schemeClr val="tx1"/>
@@ -6075,7 +3311,7 @@
           <a:cs typeface="+mn-cs"/>
         </a:defRPr>
       </a:lvl8pPr>
-      <a:lvl9pPr marL="3657600" algn="l" defTabSz="457200" rtl="0" eaLnBrk="1" latinLnBrk="0" hangingPunct="1">
+      <a:lvl9pPr marL="3657600" algn="l" defTabSz="914400" rtl="0" eaLnBrk="1" latinLnBrk="0" hangingPunct="1">
         <a:defRPr sz="1800" kern="1200">
           <a:solidFill>
             <a:schemeClr val="tx1"/>
@@ -6161,53 +3397,78 @@
             <p:ph type="subTitle" idx="1"/>
           </p:nvPr>
         </p:nvSpPr>
-        <p:spPr>
-          <a:xfrm>
-            <a:off x="2450355" y="3205754"/>
-            <a:ext cx="8825658" cy="2356845"/>
-          </a:xfrm>
-        </p:spPr>
+        <p:spPr/>
         <p:txBody>
-          <a:bodyPr/>
+          <a:bodyPr>
+            <a:normAutofit lnSpcReduction="10000"/>
+          </a:bodyPr>
           <a:lstStyle/>
           <a:p>
+            <a:pPr algn="l"/>
             <a:r>
               <a:rPr lang="zh-CN" altLang="en-US" dirty="0"/>
               <a:t>敖添祺 </a:t>
             </a:r>
             <a:r>
               <a:rPr lang="en-US" altLang="zh-CN" dirty="0"/>
-              <a:t>25%</a:t>
-            </a:r>
-          </a:p>
-          <a:p>
+              <a:t>25% </a:t>
+            </a:r>
+            <a:r>
+              <a:rPr lang="zh-CN" altLang="en-US" dirty="0"/>
+              <a:t>仿真、计算</a:t>
+            </a:r>
+          </a:p>
+          <a:p>
+            <a:pPr algn="l"/>
             <a:r>
               <a:rPr lang="zh-CN" altLang="en-US" dirty="0"/>
               <a:t>查添翼 </a:t>
             </a:r>
             <a:r>
               <a:rPr lang="en-US" altLang="zh-CN" dirty="0"/>
-              <a:t>25%</a:t>
-            </a:r>
-          </a:p>
-          <a:p>
+              <a:t>25% </a:t>
+            </a:r>
+            <a:r>
+              <a:rPr lang="zh-CN" altLang="en-US" dirty="0"/>
+              <a:t>仿真、</a:t>
+            </a:r>
+            <a:r>
+              <a:rPr lang="en-US" altLang="zh-CN" dirty="0" err="1"/>
+              <a:t>Matlab</a:t>
+            </a:r>
+            <a:r>
+              <a:rPr lang="zh-CN" altLang="en-US" dirty="0"/>
+              <a:t>编程求解</a:t>
+            </a:r>
+          </a:p>
+          <a:p>
+            <a:pPr algn="l"/>
             <a:r>
               <a:rPr lang="zh-CN" altLang="en-US" dirty="0"/>
               <a:t>王铁陈 </a:t>
             </a:r>
             <a:r>
               <a:rPr lang="en-US" altLang="zh-CN" dirty="0"/>
-              <a:t>25%</a:t>
-            </a:r>
-          </a:p>
-          <a:p>
+              <a:t>25% </a:t>
+            </a:r>
+            <a:r>
+              <a:rPr lang="zh-CN" altLang="en-US" dirty="0"/>
+              <a:t>报告撰写</a:t>
+            </a:r>
+          </a:p>
+          <a:p>
+            <a:pPr algn="l"/>
             <a:r>
               <a:rPr lang="zh-CN" altLang="en-US" dirty="0"/>
               <a:t>周放     </a:t>
             </a:r>
             <a:r>
               <a:rPr lang="en-US" altLang="zh-CN" dirty="0"/>
-              <a:t>25%</a:t>
+              <a:t>25% PPT</a:t>
+            </a:r>
+            <a:r>
+              <a:rPr lang="zh-CN" altLang="en-US" dirty="0"/>
+              <a:t>制作</a:t>
             </a:r>
           </a:p>
           <a:p>
@@ -6231,35 +3492,6 @@
 <file path=ppt/slides/slide10.xml><?xml version="1.0" encoding="utf-8"?>
 <p:sld xmlns:a="http://schemas.openxmlformats.org/drawingml/2006/main" xmlns:r="http://schemas.openxmlformats.org/officeDocument/2006/relationships" xmlns:p="http://schemas.openxmlformats.org/presentationml/2006/main">
   <p:cSld>
-    <p:bg>
-      <p:bgPr>
-        <a:blipFill dpi="0" rotWithShape="1">
-          <a:blip r:embed="rId2">
-            <a:alphaModFix amt="0"/>
-            <a:duotone>
-              <a:schemeClr val="bg2">
-                <a:shade val="69000"/>
-                <a:hueMod val="108000"/>
-                <a:satMod val="164000"/>
-                <a:lumMod val="74000"/>
-              </a:schemeClr>
-              <a:schemeClr val="bg2">
-                <a:tint val="96000"/>
-                <a:hueMod val="88000"/>
-                <a:satMod val="140000"/>
-                <a:lumMod val="132000"/>
-              </a:schemeClr>
-            </a:duotone>
-            <a:lum/>
-          </a:blip>
-          <a:srcRect/>
-          <a:stretch>
-            <a:fillRect/>
-          </a:stretch>
-        </a:blipFill>
-        <a:effectLst/>
-      </p:bgPr>
-    </p:bg>
     <p:spTree>
       <p:nvGrpSpPr>
         <p:cNvPr id="1" name=""/>
@@ -6304,9 +3536,6 @@
           <a:p>
             <a:r>
               <a:rPr lang="zh-CN" altLang="en-US" sz="4000" b="1" dirty="0">
-                <a:solidFill>
-                  <a:schemeClr val="bg2"/>
-                </a:solidFill>
                 <a:latin typeface="楷体" panose="02010609060101010101" pitchFamily="49" charset="-122"/>
                 <a:ea typeface="楷体" panose="02010609060101010101" pitchFamily="49" charset="-122"/>
               </a:rPr>
@@ -6351,52 +3580,12 @@
           </a:p>
         </p:txBody>
       </p:sp>
-      <p:sp>
-        <p:nvSpPr>
-          <p:cNvPr id="6" name="文本框 5">
+      <p:pic>
+        <p:nvPicPr>
+          <p:cNvPr id="5" name="图片 4">
             <a:extLst>
               <a:ext uri="{FF2B5EF4-FFF2-40B4-BE49-F238E27FC236}">
-                <a16:creationId xmlns:a16="http://schemas.microsoft.com/office/drawing/2014/main" id="{2C3E6385-6B4B-419A-A314-172EA8055DDE}"/>
-              </a:ext>
-            </a:extLst>
-          </p:cNvPr>
-          <p:cNvSpPr txBox="1"/>
-          <p:nvPr/>
-        </p:nvSpPr>
-        <p:spPr>
-          <a:xfrm>
-            <a:off x="5830348" y="6488668"/>
-            <a:ext cx="1669410" cy="369332"/>
-          </a:xfrm>
-          <a:prstGeom prst="rect">
-            <a:avLst/>
-          </a:prstGeom>
-          <a:noFill/>
-        </p:spPr>
-        <p:txBody>
-          <a:bodyPr wrap="square" rtlCol="0">
-            <a:spAutoFit/>
-          </a:bodyPr>
-          <a:lstStyle/>
-          <a:p>
-            <a:r>
-              <a:rPr lang="zh-CN" altLang="en-US" dirty="0"/>
-              <a:t>图</a:t>
-            </a:r>
-            <a:r>
-              <a:rPr lang="en-US" altLang="zh-CN" dirty="0"/>
-              <a:t>3</a:t>
-            </a:r>
-            <a:endParaRPr lang="zh-CN" altLang="en-US" dirty="0"/>
-          </a:p>
-        </p:txBody>
-      </p:sp>
-      <p:pic>
-        <p:nvPicPr>
-          <p:cNvPr id="8" name="图片 7">
-            <a:extLst>
-              <a:ext uri="{FF2B5EF4-FFF2-40B4-BE49-F238E27FC236}">
-                <a16:creationId xmlns:a16="http://schemas.microsoft.com/office/drawing/2014/main" id="{2E367AAA-DA6E-49FB-927E-D5EF58B863E2}"/>
+                <a16:creationId xmlns:a16="http://schemas.microsoft.com/office/drawing/2014/main" id="{C3B0CF9C-B479-4CE3-A869-8B521F02DA35}"/>
               </a:ext>
             </a:extLst>
           </p:cNvPr>
@@ -6406,7 +3595,7 @@
           <p:nvPr/>
         </p:nvPicPr>
         <p:blipFill>
-          <a:blip r:embed="rId3"/>
+          <a:blip r:embed="rId2"/>
           <a:stretch>
             <a:fillRect/>
           </a:stretch>
@@ -6542,7 +3731,7 @@
           <p:nvPr/>
         </p:nvPicPr>
         <p:blipFill>
-          <a:blip r:embed="rId2"/>
+          <a:blip r:embed="rId3"/>
           <a:stretch>
             <a:fillRect/>
           </a:stretch>
@@ -6550,53 +3739,13 @@
         <p:spPr>
           <a:xfrm>
             <a:off x="1282823" y="1718430"/>
-            <a:ext cx="9253749" cy="4856059"/>
+            <a:ext cx="9604269" cy="5040000"/>
           </a:xfrm>
           <a:prstGeom prst="rect">
             <a:avLst/>
           </a:prstGeom>
         </p:spPr>
       </p:pic>
-      <p:sp>
-        <p:nvSpPr>
-          <p:cNvPr id="6" name="文本框 5">
-            <a:extLst>
-              <a:ext uri="{FF2B5EF4-FFF2-40B4-BE49-F238E27FC236}">
-                <a16:creationId xmlns:a16="http://schemas.microsoft.com/office/drawing/2014/main" id="{6A15E460-D33F-40C2-ADC9-60C0CE0E24F4}"/>
-              </a:ext>
-            </a:extLst>
-          </p:cNvPr>
-          <p:cNvSpPr txBox="1"/>
-          <p:nvPr/>
-        </p:nvSpPr>
-        <p:spPr>
-          <a:xfrm>
-            <a:off x="5830348" y="6488668"/>
-            <a:ext cx="1669410" cy="369332"/>
-          </a:xfrm>
-          <a:prstGeom prst="rect">
-            <a:avLst/>
-          </a:prstGeom>
-          <a:noFill/>
-        </p:spPr>
-        <p:txBody>
-          <a:bodyPr wrap="square" rtlCol="0">
-            <a:spAutoFit/>
-          </a:bodyPr>
-          <a:lstStyle/>
-          <a:p>
-            <a:r>
-              <a:rPr lang="zh-CN" altLang="en-US" dirty="0"/>
-              <a:t>图</a:t>
-            </a:r>
-            <a:r>
-              <a:rPr lang="en-US" altLang="zh-CN" dirty="0"/>
-              <a:t>4</a:t>
-            </a:r>
-            <a:endParaRPr lang="zh-CN" altLang="en-US" dirty="0"/>
-          </a:p>
-        </p:txBody>
-      </p:sp>
     </p:spTree>
     <p:extLst>
       <p:ext uri="{BB962C8B-B14F-4D97-AF65-F5344CB8AC3E}">
@@ -6703,10 +3852,10 @@
       </p:sp>
       <p:pic>
         <p:nvPicPr>
-          <p:cNvPr id="8" name="图片 7">
+          <p:cNvPr id="9" name="图片 8">
             <a:extLst>
               <a:ext uri="{FF2B5EF4-FFF2-40B4-BE49-F238E27FC236}">
-                <a16:creationId xmlns:a16="http://schemas.microsoft.com/office/drawing/2014/main" id="{6A7C1819-CDA1-4E84-8116-475AA1577D3A}"/>
+                <a16:creationId xmlns:a16="http://schemas.microsoft.com/office/drawing/2014/main" id="{CE8DF3AA-D1AC-42F5-8BD4-AFDD9620F8EF}"/>
               </a:ext>
             </a:extLst>
           </p:cNvPr>
@@ -6716,61 +3865,21 @@
           <p:nvPr/>
         </p:nvPicPr>
         <p:blipFill>
-          <a:blip r:embed="rId2"/>
+          <a:blip r:embed="rId3"/>
           <a:stretch>
             <a:fillRect/>
           </a:stretch>
         </p:blipFill>
         <p:spPr>
           <a:xfrm>
-            <a:off x="623073" y="1530000"/>
-            <a:ext cx="10414550" cy="5040000"/>
+            <a:off x="309600" y="1530000"/>
+            <a:ext cx="10943150" cy="5040000"/>
           </a:xfrm>
           <a:prstGeom prst="rect">
             <a:avLst/>
           </a:prstGeom>
         </p:spPr>
       </p:pic>
-      <p:sp>
-        <p:nvSpPr>
-          <p:cNvPr id="5" name="文本框 4">
-            <a:extLst>
-              <a:ext uri="{FF2B5EF4-FFF2-40B4-BE49-F238E27FC236}">
-                <a16:creationId xmlns:a16="http://schemas.microsoft.com/office/drawing/2014/main" id="{9D22AAAC-708E-45AC-9ABC-280919BB4A62}"/>
-              </a:ext>
-            </a:extLst>
-          </p:cNvPr>
-          <p:cNvSpPr txBox="1"/>
-          <p:nvPr/>
-        </p:nvSpPr>
-        <p:spPr>
-          <a:xfrm>
-            <a:off x="5830348" y="6488668"/>
-            <a:ext cx="1669410" cy="369332"/>
-          </a:xfrm>
-          <a:prstGeom prst="rect">
-            <a:avLst/>
-          </a:prstGeom>
-          <a:noFill/>
-        </p:spPr>
-        <p:txBody>
-          <a:bodyPr wrap="square" rtlCol="0">
-            <a:spAutoFit/>
-          </a:bodyPr>
-          <a:lstStyle/>
-          <a:p>
-            <a:r>
-              <a:rPr lang="zh-CN" altLang="en-US" dirty="0"/>
-              <a:t>图</a:t>
-            </a:r>
-            <a:r>
-              <a:rPr lang="en-US" altLang="zh-CN" dirty="0"/>
-              <a:t>5</a:t>
-            </a:r>
-            <a:endParaRPr lang="zh-CN" altLang="en-US" dirty="0"/>
-          </a:p>
-        </p:txBody>
-      </p:sp>
     </p:spTree>
     <p:extLst>
       <p:ext uri="{BB962C8B-B14F-4D97-AF65-F5344CB8AC3E}">
@@ -6877,10 +3986,10 @@
       </p:sp>
       <p:pic>
         <p:nvPicPr>
-          <p:cNvPr id="8" name="图片 7">
+          <p:cNvPr id="6" name="图片 5">
             <a:extLst>
               <a:ext uri="{FF2B5EF4-FFF2-40B4-BE49-F238E27FC236}">
-                <a16:creationId xmlns:a16="http://schemas.microsoft.com/office/drawing/2014/main" id="{6A7C1819-CDA1-4E84-8116-475AA1577D3A}"/>
+                <a16:creationId xmlns:a16="http://schemas.microsoft.com/office/drawing/2014/main" id="{32E15689-2C86-4518-81EE-1FE126ECD2D8}"/>
               </a:ext>
             </a:extLst>
           </p:cNvPr>
@@ -6890,15 +3999,15 @@
           <p:nvPr/>
         </p:nvPicPr>
         <p:blipFill>
-          <a:blip r:embed="rId2"/>
+          <a:blip r:embed="rId3"/>
           <a:stretch>
             <a:fillRect/>
           </a:stretch>
         </p:blipFill>
         <p:spPr>
           <a:xfrm>
-            <a:off x="465410" y="1530000"/>
-            <a:ext cx="10729875" cy="5040000"/>
+            <a:off x="309600" y="1602232"/>
+            <a:ext cx="10943150" cy="5040000"/>
           </a:xfrm>
           <a:prstGeom prst="rect">
             <a:avLst/>
@@ -6907,10 +4016,10 @@
       </p:pic>
       <p:sp>
         <p:nvSpPr>
-          <p:cNvPr id="5" name="文本框 4">
+          <p:cNvPr id="7" name="文本框 6">
             <a:extLst>
               <a:ext uri="{FF2B5EF4-FFF2-40B4-BE49-F238E27FC236}">
-                <a16:creationId xmlns:a16="http://schemas.microsoft.com/office/drawing/2014/main" id="{D96B1A0E-E6F2-4A09-B738-579DEE6FB7D2}"/>
+                <a16:creationId xmlns:a16="http://schemas.microsoft.com/office/drawing/2014/main" id="{8BA60ABB-BE79-4C9B-9E12-893F41930953}"/>
               </a:ext>
             </a:extLst>
           </p:cNvPr>
@@ -6919,13 +4028,15 @@
         </p:nvSpPr>
         <p:spPr>
           <a:xfrm>
-            <a:off x="5830348" y="6488668"/>
-            <a:ext cx="1669410" cy="369332"/>
+            <a:off x="6230470" y="1670076"/>
+            <a:ext cx="959224" cy="307777"/>
           </a:xfrm>
           <a:prstGeom prst="rect">
             <a:avLst/>
           </a:prstGeom>
-          <a:noFill/>
+          <a:solidFill>
+            <a:schemeClr val="bg1"/>
+          </a:solidFill>
         </p:spPr>
         <p:txBody>
           <a:bodyPr wrap="square" rtlCol="0">
@@ -6934,54 +4045,9 @@
           <a:lstStyle/>
           <a:p>
             <a:r>
-              <a:rPr lang="zh-CN" altLang="en-US" dirty="0"/>
-              <a:t>图</a:t>
-            </a:r>
-            <a:r>
-              <a:rPr lang="en-US" altLang="zh-CN" dirty="0"/>
-              <a:t>6</a:t>
-            </a:r>
-            <a:endParaRPr lang="zh-CN" altLang="en-US" dirty="0"/>
-          </a:p>
-        </p:txBody>
-      </p:sp>
-      <p:sp>
-        <p:nvSpPr>
-          <p:cNvPr id="4" name="文本框 3">
-            <a:extLst>
-              <a:ext uri="{FF2B5EF4-FFF2-40B4-BE49-F238E27FC236}">
-                <a16:creationId xmlns:a16="http://schemas.microsoft.com/office/drawing/2014/main" id="{02E9F233-A0BB-498E-A543-2357C04E3EC9}"/>
-              </a:ext>
-            </a:extLst>
-          </p:cNvPr>
-          <p:cNvSpPr txBox="1"/>
-          <p:nvPr/>
-        </p:nvSpPr>
-        <p:spPr>
-          <a:xfrm>
-            <a:off x="8498047" y="1614104"/>
-            <a:ext cx="1669409" cy="307777"/>
-          </a:xfrm>
-          <a:prstGeom prst="rect">
-            <a:avLst/>
-          </a:prstGeom>
-          <a:noFill/>
-        </p:spPr>
-        <p:txBody>
-          <a:bodyPr wrap="square" rtlCol="0">
-            <a:spAutoFit/>
-          </a:bodyPr>
-          <a:lstStyle/>
-          <a:p>
-            <a:r>
-              <a:rPr lang="zh-CN" altLang="en-US" sz="1400" dirty="0"/>
-              <a:t>相对介电常数 </a:t>
-            </a:r>
-            <a:r>
-              <a:rPr lang="en-US" altLang="zh-CN" sz="1400" dirty="0"/>
-              <a:t>1.05</a:t>
-            </a:r>
-            <a:endParaRPr lang="zh-CN" altLang="en-US" sz="1400" dirty="0"/>
+              <a:rPr lang="zh-CN" altLang="en-US" sz="1400" b="1" dirty="0"/>
+              <a:t>扰动体积</a:t>
+            </a:r>
           </a:p>
         </p:txBody>
       </p:sp>
@@ -7001,34 +4067,6 @@
 <file path=ppt/slides/slide14.xml><?xml version="1.0" encoding="utf-8"?>
 <p:sld xmlns:a="http://schemas.openxmlformats.org/drawingml/2006/main" xmlns:r="http://schemas.openxmlformats.org/officeDocument/2006/relationships" xmlns:p="http://schemas.openxmlformats.org/presentationml/2006/main">
   <p:cSld>
-    <p:bg>
-      <p:bgPr>
-        <a:blipFill dpi="0" rotWithShape="1">
-          <a:blip r:embed="rId2">
-            <a:duotone>
-              <a:schemeClr val="bg2">
-                <a:shade val="69000"/>
-                <a:hueMod val="108000"/>
-                <a:satMod val="164000"/>
-                <a:lumMod val="74000"/>
-              </a:schemeClr>
-              <a:schemeClr val="bg2">
-                <a:tint val="96000"/>
-                <a:hueMod val="88000"/>
-                <a:satMod val="140000"/>
-                <a:lumMod val="132000"/>
-              </a:schemeClr>
-            </a:duotone>
-            <a:lum/>
-          </a:blip>
-          <a:srcRect/>
-          <a:stretch>
-            <a:fillRect/>
-          </a:stretch>
-        </a:blipFill>
-        <a:effectLst/>
-      </p:bgPr>
-    </p:bg>
     <p:spTree>
       <p:nvGrpSpPr>
         <p:cNvPr id="1" name=""/>
@@ -7109,122 +4147,45 @@
           <a:p>
             <a:r>
               <a:rPr lang="zh-CN" altLang="en-US" dirty="0"/>
-              <a:t>分析介电常数实部误差在</a:t>
-            </a:r>
-            <a:r>
-              <a:rPr lang="en-US" altLang="zh-CN" dirty="0"/>
-              <a:t>1%</a:t>
-            </a:r>
-            <a:r>
-              <a:rPr lang="zh-CN" altLang="en-US" dirty="0"/>
-              <a:t>以内的微扰条件</a:t>
-            </a:r>
-            <a:endParaRPr lang="en-US" altLang="zh-CN" dirty="0"/>
-          </a:p>
-          <a:p>
-            <a:pPr marL="0" indent="0">
-              <a:buNone/>
-            </a:pPr>
-            <a:r>
-              <a:rPr lang="zh-CN" altLang="en-US" sz="2000" dirty="0">
-                <a:latin typeface="+mn-ea"/>
-              </a:rPr>
-              <a:t>由前面图</a:t>
-            </a:r>
-            <a:r>
-              <a:rPr lang="en-US" altLang="zh-CN" sz="2000" dirty="0">
-                <a:latin typeface="+mn-ea"/>
-              </a:rPr>
-              <a:t>3</a:t>
-            </a:r>
-            <a:r>
-              <a:rPr lang="zh-CN" altLang="en-US" sz="2000" dirty="0">
-                <a:latin typeface="+mn-ea"/>
-              </a:rPr>
-              <a:t>和图</a:t>
-            </a:r>
-            <a:r>
-              <a:rPr lang="en-US" altLang="zh-CN" sz="2000" dirty="0">
-                <a:latin typeface="+mn-ea"/>
-              </a:rPr>
-              <a:t>6</a:t>
-            </a:r>
-            <a:r>
-              <a:rPr lang="zh-CN" altLang="en-US" sz="2000" dirty="0">
-                <a:latin typeface="+mn-ea"/>
-              </a:rPr>
-              <a:t>可得，在相对介电常数变化小于</a:t>
-            </a:r>
-            <a:r>
-              <a:rPr lang="en-US" altLang="zh-CN" sz="2000" dirty="0">
-                <a:latin typeface="+mn-ea"/>
-              </a:rPr>
-              <a:t>1.2</a:t>
-            </a:r>
-            <a:r>
-              <a:rPr lang="zh-CN" altLang="en-US" sz="2000" dirty="0">
-                <a:latin typeface="+mn-ea"/>
-              </a:rPr>
-              <a:t>或体积变化小于</a:t>
-            </a:r>
-            <a:r>
-              <a:rPr lang="en-US" altLang="zh-CN" sz="2000" dirty="0">
-                <a:latin typeface="+mn-ea"/>
-              </a:rPr>
-              <a:t>0.7mm</a:t>
-            </a:r>
-            <a:r>
-              <a:rPr lang="en-US" altLang="zh-CN" sz="2000" baseline="30000" dirty="0">
-                <a:latin typeface="+mn-ea"/>
-              </a:rPr>
-              <a:t>3</a:t>
-            </a:r>
-            <a:r>
-              <a:rPr lang="zh-CN" altLang="en-US" sz="2000" dirty="0">
-                <a:latin typeface="+mn-ea"/>
-              </a:rPr>
-              <a:t>（相对介电常数</a:t>
-            </a:r>
-            <a:r>
-              <a:rPr lang="en-US" altLang="zh-CN" sz="2000" dirty="0">
-                <a:latin typeface="+mn-ea"/>
-              </a:rPr>
-              <a:t>1.05</a:t>
-            </a:r>
-            <a:r>
-              <a:rPr lang="zh-CN" altLang="en-US" sz="2000" dirty="0">
-                <a:latin typeface="+mn-ea"/>
-              </a:rPr>
-              <a:t>）时，介质材料介电常数实部误差在</a:t>
-            </a:r>
-            <a:r>
-              <a:rPr lang="en-US" altLang="zh-CN" sz="2000" dirty="0">
-                <a:latin typeface="+mn-ea"/>
-              </a:rPr>
-              <a:t>1%</a:t>
-            </a:r>
-            <a:r>
-              <a:rPr lang="zh-CN" altLang="en-US" sz="2000" dirty="0">
-                <a:latin typeface="+mn-ea"/>
-              </a:rPr>
-              <a:t>以内。</a:t>
-            </a:r>
-            <a:endParaRPr lang="en-US" altLang="zh-CN" sz="2000" dirty="0">
-              <a:latin typeface="+mn-ea"/>
-            </a:endParaRPr>
-          </a:p>
-          <a:p>
-            <a:pPr marL="0" indent="0">
-              <a:buNone/>
-            </a:pPr>
-            <a:endParaRPr lang="zh-CN" altLang="en-US" dirty="0"/>
+              <a:t>求得损耗角正切绝对误差随损耗角正切变化</a:t>
+            </a:r>
           </a:p>
         </p:txBody>
       </p:sp>
+      <p:pic>
+        <p:nvPicPr>
+          <p:cNvPr id="6" name="图片 5">
+            <a:extLst>
+              <a:ext uri="{FF2B5EF4-FFF2-40B4-BE49-F238E27FC236}">
+                <a16:creationId xmlns:a16="http://schemas.microsoft.com/office/drawing/2014/main" id="{E36470FB-2C3F-448B-A902-9958DA7E7C82}"/>
+              </a:ext>
+            </a:extLst>
+          </p:cNvPr>
+          <p:cNvPicPr>
+            <a:picLocks noChangeAspect="1"/>
+          </p:cNvPicPr>
+          <p:nvPr/>
+        </p:nvPicPr>
+        <p:blipFill>
+          <a:blip r:embed="rId2"/>
+          <a:stretch>
+            <a:fillRect/>
+          </a:stretch>
+        </p:blipFill>
+        <p:spPr>
+          <a:xfrm>
+            <a:off x="309600" y="1530000"/>
+            <a:ext cx="10943150" cy="5040000"/>
+          </a:xfrm>
+          <a:prstGeom prst="rect">
+            <a:avLst/>
+          </a:prstGeom>
+        </p:spPr>
+      </p:pic>
     </p:spTree>
     <p:extLst>
       <p:ext uri="{BB962C8B-B14F-4D97-AF65-F5344CB8AC3E}">
-        <p14:creationId xmlns:p14="http://schemas.microsoft.com/office/powerpoint/2010/main" val="3977441641"/>
+        <p14:creationId xmlns:p14="http://schemas.microsoft.com/office/powerpoint/2010/main" val="2694430483"/>
       </p:ext>
     </p:extLst>
   </p:cSld>
@@ -7317,61 +4278,45 @@
           <a:p>
             <a:r>
               <a:rPr lang="zh-CN" altLang="en-US" dirty="0"/>
-              <a:t>不同损耗的介质对损耗角正切求解精度的影响</a:t>
-            </a:r>
-            <a:endParaRPr lang="en-US" altLang="zh-CN" dirty="0"/>
-          </a:p>
-          <a:p>
-            <a:pPr lvl="1"/>
-            <a:r>
-              <a:rPr lang="zh-CN" altLang="en-US" dirty="0"/>
-              <a:t>求得损耗角正切绝对误差随损耗角正切增大而增大</a:t>
-            </a:r>
-            <a:endParaRPr lang="en-US" altLang="zh-CN" dirty="0"/>
-          </a:p>
-          <a:p>
-            <a:pPr lvl="1"/>
-            <a:r>
-              <a:rPr lang="zh-CN" altLang="en-US" dirty="0"/>
-              <a:t>求得损耗角正切相对误差随损耗角正切增大而增大</a:t>
-            </a:r>
-            <a:endParaRPr lang="en-US" altLang="zh-CN" dirty="0"/>
-          </a:p>
-          <a:p>
-            <a:r>
-              <a:rPr lang="zh-CN" altLang="en-US" dirty="0"/>
-              <a:t>可能的原因</a:t>
-            </a:r>
-          </a:p>
-          <a:p>
-            <a:pPr lvl="1"/>
-            <a:r>
-              <a:rPr lang="zh-CN" altLang="en-US" dirty="0"/>
-              <a:t>极端情况：插入导体</a:t>
-            </a:r>
-            <a:endParaRPr lang="en-US" altLang="zh-CN" dirty="0"/>
-          </a:p>
-          <a:p>
-            <a:pPr lvl="1"/>
-            <a:r>
-              <a:rPr lang="zh-CN" altLang="en-US" dirty="0"/>
-              <a:t>更大的损耗对场分布的影响更大</a:t>
-            </a:r>
-            <a:endParaRPr lang="en-US" altLang="zh-CN" dirty="0"/>
-          </a:p>
-          <a:p>
-            <a:pPr lvl="1"/>
-            <a:r>
-              <a:rPr lang="zh-CN" altLang="en-US" dirty="0"/>
-              <a:t>绝对误差受正切角损耗值自身大小影响</a:t>
+              <a:t>求得损耗角正切相对误差随损耗角正切变化</a:t>
             </a:r>
           </a:p>
         </p:txBody>
       </p:sp>
+      <p:pic>
+        <p:nvPicPr>
+          <p:cNvPr id="5" name="图片 4">
+            <a:extLst>
+              <a:ext uri="{FF2B5EF4-FFF2-40B4-BE49-F238E27FC236}">
+                <a16:creationId xmlns:a16="http://schemas.microsoft.com/office/drawing/2014/main" id="{FAEE7DA0-47E8-4A14-8A65-C4B340FD38D7}"/>
+              </a:ext>
+            </a:extLst>
+          </p:cNvPr>
+          <p:cNvPicPr>
+            <a:picLocks noChangeAspect="1"/>
+          </p:cNvPicPr>
+          <p:nvPr/>
+        </p:nvPicPr>
+        <p:blipFill>
+          <a:blip r:embed="rId2"/>
+          <a:stretch>
+            <a:fillRect/>
+          </a:stretch>
+        </p:blipFill>
+        <p:spPr>
+          <a:xfrm>
+            <a:off x="309600" y="1530000"/>
+            <a:ext cx="10943150" cy="5040000"/>
+          </a:xfrm>
+          <a:prstGeom prst="rect">
+            <a:avLst/>
+          </a:prstGeom>
+        </p:spPr>
+      </p:pic>
     </p:spTree>
     <p:extLst>
       <p:ext uri="{BB962C8B-B14F-4D97-AF65-F5344CB8AC3E}">
-        <p14:creationId xmlns:p14="http://schemas.microsoft.com/office/powerpoint/2010/main" val="2694430483"/>
+        <p14:creationId xmlns:p14="http://schemas.microsoft.com/office/powerpoint/2010/main" val="2364606816"/>
       </p:ext>
     </p:extLst>
   </p:cSld>
@@ -7382,6 +4327,211 @@
 </file>
 
 <file path=ppt/slides/slide16.xml><?xml version="1.0" encoding="utf-8"?>
+<p:sld xmlns:a="http://schemas.openxmlformats.org/drawingml/2006/main" xmlns:r="http://schemas.openxmlformats.org/officeDocument/2006/relationships" xmlns:p="http://schemas.openxmlformats.org/presentationml/2006/main">
+  <p:cSld>
+    <p:spTree>
+      <p:nvGrpSpPr>
+        <p:cNvPr id="1" name=""/>
+        <p:cNvGrpSpPr/>
+        <p:nvPr/>
+      </p:nvGrpSpPr>
+      <p:grpSpPr>
+        <a:xfrm>
+          <a:off x="0" y="0"/>
+          <a:ext cx="0" cy="0"/>
+          <a:chOff x="0" y="0"/>
+          <a:chExt cx="0" cy="0"/>
+        </a:xfrm>
+      </p:grpSpPr>
+      <p:sp>
+        <p:nvSpPr>
+          <p:cNvPr id="2" name="标题 1">
+            <a:extLst>
+              <a:ext uri="{FF2B5EF4-FFF2-40B4-BE49-F238E27FC236}">
+                <a16:creationId xmlns:a16="http://schemas.microsoft.com/office/drawing/2014/main" id="{5C7FB163-DF39-4671-9B17-CAD430E46F87}"/>
+              </a:ext>
+            </a:extLst>
+          </p:cNvPr>
+          <p:cNvSpPr>
+            <a:spLocks noGrp="1"/>
+          </p:cNvSpPr>
+          <p:nvPr>
+            <p:ph type="title"/>
+          </p:nvPr>
+        </p:nvSpPr>
+        <p:spPr>
+          <a:xfrm>
+            <a:off x="838200" y="0"/>
+            <a:ext cx="10515600" cy="1325563"/>
+          </a:xfrm>
+        </p:spPr>
+        <p:txBody>
+          <a:bodyPr>
+            <a:normAutofit/>
+          </a:bodyPr>
+          <a:lstStyle/>
+          <a:p>
+            <a:r>
+              <a:rPr lang="zh-CN" altLang="en-US" sz="4000" b="1" dirty="0">
+                <a:latin typeface="楷体" panose="02010609060101010101" pitchFamily="49" charset="-122"/>
+                <a:ea typeface="楷体" panose="02010609060101010101" pitchFamily="49" charset="-122"/>
+              </a:rPr>
+              <a:t>介质参数求解误差分析</a:t>
+            </a:r>
+          </a:p>
+        </p:txBody>
+      </p:sp>
+      <p:sp>
+        <p:nvSpPr>
+          <p:cNvPr id="3" name="内容占位符 2">
+            <a:extLst>
+              <a:ext uri="{FF2B5EF4-FFF2-40B4-BE49-F238E27FC236}">
+                <a16:creationId xmlns:a16="http://schemas.microsoft.com/office/drawing/2014/main" id="{972DC4F2-AD9D-4716-9998-9D2346420414}"/>
+              </a:ext>
+            </a:extLst>
+          </p:cNvPr>
+          <p:cNvSpPr>
+            <a:spLocks noGrp="1"/>
+          </p:cNvSpPr>
+          <p:nvPr>
+            <p:ph idx="1"/>
+          </p:nvPr>
+        </p:nvSpPr>
+        <p:spPr>
+          <a:xfrm>
+            <a:off x="838200" y="1253331"/>
+            <a:ext cx="10515600" cy="4351338"/>
+          </a:xfrm>
+        </p:spPr>
+        <p:txBody>
+          <a:bodyPr/>
+          <a:lstStyle/>
+          <a:p>
+            <a:r>
+              <a:rPr lang="zh-CN" altLang="en-US" dirty="0"/>
+              <a:t>不同损耗的介质对损耗角正切求解精度的影响</a:t>
+            </a:r>
+            <a:endParaRPr lang="en-US" altLang="zh-CN" dirty="0"/>
+          </a:p>
+          <a:p>
+            <a:pPr lvl="1"/>
+            <a:r>
+              <a:rPr lang="zh-CN" altLang="en-US" dirty="0"/>
+              <a:t>求得损耗角正切绝对误差随损耗角正切增大而增大</a:t>
+            </a:r>
+            <a:endParaRPr lang="en-US" altLang="zh-CN" dirty="0"/>
+          </a:p>
+          <a:p>
+            <a:pPr lvl="1"/>
+            <a:r>
+              <a:rPr lang="zh-CN" altLang="en-US" dirty="0"/>
+              <a:t>求得损耗角正切相对误差随损耗角正切增大而增大</a:t>
+            </a:r>
+            <a:endParaRPr lang="en-US" altLang="zh-CN" dirty="0"/>
+          </a:p>
+          <a:p>
+            <a:r>
+              <a:rPr lang="zh-CN" altLang="en-US" dirty="0"/>
+              <a:t>可能的原因</a:t>
+            </a:r>
+          </a:p>
+          <a:p>
+            <a:pPr lvl="1"/>
+            <a:r>
+              <a:rPr lang="zh-CN" altLang="en-US" dirty="0"/>
+              <a:t>极端情况：插入导体</a:t>
+            </a:r>
+            <a:endParaRPr lang="en-US" altLang="zh-CN" dirty="0"/>
+          </a:p>
+          <a:p>
+            <a:pPr lvl="1"/>
+            <a:r>
+              <a:rPr lang="zh-CN" altLang="en-US" dirty="0"/>
+              <a:t>更大的损耗对场分布的影响更大</a:t>
+            </a:r>
+            <a:endParaRPr lang="en-US" altLang="zh-CN" dirty="0"/>
+          </a:p>
+          <a:p>
+            <a:pPr lvl="1"/>
+            <a:r>
+              <a:rPr lang="zh-CN" altLang="en-US" dirty="0"/>
+              <a:t>绝对误差受正切角损耗值自身大小影响</a:t>
+            </a:r>
+            <a:endParaRPr lang="en-US" altLang="zh-CN" dirty="0"/>
+          </a:p>
+          <a:p>
+            <a:r>
+              <a:rPr lang="zh-CN" altLang="en-US" dirty="0"/>
+              <a:t>损耗角正切误差来自</a:t>
+            </a:r>
+            <a:r>
+              <a:rPr lang="en-US" altLang="zh-CN" dirty="0"/>
+              <a:t>Q</a:t>
+            </a:r>
+            <a:r>
+              <a:rPr lang="zh-CN" altLang="en-US" dirty="0"/>
+              <a:t>值误差</a:t>
+            </a:r>
+            <a:endParaRPr lang="en-US" altLang="zh-CN" dirty="0"/>
+          </a:p>
+          <a:p>
+            <a:r>
+              <a:rPr lang="zh-CN" altLang="en-US" dirty="0"/>
+              <a:t>介电常数实部误差来自频率实部误差</a:t>
+            </a:r>
+          </a:p>
+        </p:txBody>
+      </p:sp>
+      <p:pic>
+        <p:nvPicPr>
+          <p:cNvPr id="5" name="图片 4">
+            <a:extLst>
+              <a:ext uri="{FF2B5EF4-FFF2-40B4-BE49-F238E27FC236}">
+                <a16:creationId xmlns:a16="http://schemas.microsoft.com/office/drawing/2014/main" id="{8A00228E-AE50-4BC8-9ABA-5861CCFA1426}"/>
+              </a:ext>
+            </a:extLst>
+          </p:cNvPr>
+          <p:cNvPicPr>
+            <a:picLocks noChangeAspect="1"/>
+          </p:cNvPicPr>
+          <p:nvPr/>
+        </p:nvPicPr>
+        <p:blipFill>
+          <a:blip r:embed="rId2">
+            <a:extLst>
+              <a:ext uri="{28A0092B-C50C-407E-A947-70E740481C1C}">
+                <a14:useLocalDpi xmlns:a14="http://schemas.microsoft.com/office/drawing/2010/main" val="0"/>
+              </a:ext>
+            </a:extLst>
+          </a:blip>
+          <a:stretch>
+            <a:fillRect/>
+          </a:stretch>
+        </p:blipFill>
+        <p:spPr>
+          <a:xfrm>
+            <a:off x="7081471" y="2823099"/>
+            <a:ext cx="4832363" cy="2592362"/>
+          </a:xfrm>
+          <a:prstGeom prst="rect">
+            <a:avLst/>
+          </a:prstGeom>
+        </p:spPr>
+      </p:pic>
+    </p:spTree>
+    <p:extLst>
+      <p:ext uri="{BB962C8B-B14F-4D97-AF65-F5344CB8AC3E}">
+        <p14:creationId xmlns:p14="http://schemas.microsoft.com/office/powerpoint/2010/main" val="1239333806"/>
+      </p:ext>
+    </p:extLst>
+  </p:cSld>
+  <p:clrMapOvr>
+    <a:masterClrMapping/>
+  </p:clrMapOvr>
+</p:sld>
+</file>
+
+<file path=ppt/slides/slide17.xml><?xml version="1.0" encoding="utf-8"?>
 <p:sld xmlns:a="http://schemas.openxmlformats.org/drawingml/2006/main" xmlns:r="http://schemas.openxmlformats.org/officeDocument/2006/relationships" xmlns:p="http://schemas.openxmlformats.org/presentationml/2006/main">
   <p:cSld>
     <p:spTree>
@@ -10871,7 +8021,7 @@
 </p:sld>
 </file>
 
-<file path=ppt/slides/slide17.xml><?xml version="1.0" encoding="utf-8"?>
+<file path=ppt/slides/slide18.xml><?xml version="1.0" encoding="utf-8"?>
 <p:sld xmlns:a="http://schemas.openxmlformats.org/drawingml/2006/main" xmlns:r="http://schemas.openxmlformats.org/officeDocument/2006/relationships" xmlns:p="http://schemas.openxmlformats.org/presentationml/2006/main">
   <p:cSld>
     <p:spTree>
@@ -11050,6 +8200,10 @@
               <a:t>实际介质存在各向异性</a:t>
             </a:r>
             <a:endParaRPr lang="en-US" altLang="zh-CN" dirty="0"/>
+          </a:p>
+          <a:p>
+            <a:pPr lvl="1"/>
+            <a:endParaRPr lang="zh-CN" altLang="en-US" dirty="0"/>
           </a:p>
         </p:txBody>
       </p:sp>
@@ -11107,7 +8261,7 @@
         </p:spPr>
         <p:txBody>
           <a:bodyPr>
-            <a:normAutofit/>
+            <a:normAutofit lnSpcReduction="10000"/>
           </a:bodyPr>
           <a:lstStyle/>
           <a:p>
@@ -11376,8 +8530,8 @@
           </a:p>
         </p:txBody>
       </p:sp>
-      <mc:AlternateContent xmlns:mc="http://schemas.openxmlformats.org/markup-compatibility/2006" xmlns:a14="http://schemas.microsoft.com/office/drawing/2010/main">
-        <mc:Choice Requires="a14">
+      <mc:AlternateContent xmlns:mc="http://schemas.openxmlformats.org/markup-compatibility/2006">
+        <mc:Choice xmlns:a14="http://schemas.microsoft.com/office/drawing/2010/main" Requires="a14">
           <p:sp>
             <p:nvSpPr>
               <p:cNvPr id="4" name="内容占位符 3">
@@ -11784,7 +8938,7 @@
                     <a:ea typeface="宋体" panose="02010600030101010101" pitchFamily="2" charset="-122"/>
                     <a:cs typeface="Times New Roman" panose="02020603050405020304" pitchFamily="18" charset="0"/>
                   </a:rPr>
-                  <a:t>TE110</a:t>
+                  <a:t>TM110</a:t>
                 </a:r>
                 <a:r>
                   <a:rPr lang="zh-CN" altLang="zh-CN" sz="2000" kern="100" dirty="0">
@@ -12585,7 +9739,7 @@
             </p:txBody>
           </p:sp>
         </mc:Choice>
-        <mc:Fallback xmlns="">
+        <mc:Fallback>
           <p:sp>
             <p:nvSpPr>
               <p:cNvPr id="4" name="内容占位符 3">
@@ -12928,7 +10082,7 @@
                 <a:latin typeface="仿宋" panose="02010609060101010101" pitchFamily="49" charset="-122"/>
                 <a:ea typeface="仿宋" panose="02010609060101010101" pitchFamily="49" charset="-122"/>
               </a:rPr>
-              <a:t>TE110</a:t>
+              <a:t>TM110</a:t>
             </a:r>
           </a:p>
           <a:p>
@@ -13010,54 +10164,6 @@
               </a:rPr>
               <a:t>谐振腔设计</a:t>
             </a:r>
-          </a:p>
-        </p:txBody>
-      </p:sp>
-      <p:sp>
-        <p:nvSpPr>
-          <p:cNvPr id="12" name="内容占位符 2">
-            <a:extLst>
-              <a:ext uri="{FF2B5EF4-FFF2-40B4-BE49-F238E27FC236}">
-                <a16:creationId xmlns:a16="http://schemas.microsoft.com/office/drawing/2014/main" id="{87BA3D16-774D-4E91-9C0F-B60961242A8F}"/>
-              </a:ext>
-            </a:extLst>
-          </p:cNvPr>
-          <p:cNvSpPr>
-            <a:spLocks noGrp="1"/>
-          </p:cNvSpPr>
-          <p:nvPr>
-            <p:ph idx="1"/>
-          </p:nvPr>
-        </p:nvSpPr>
-        <p:spPr>
-          <a:xfrm>
-            <a:off x="838200" y="1325563"/>
-            <a:ext cx="1528549" cy="508149"/>
-          </a:xfrm>
-        </p:spPr>
-        <p:txBody>
-          <a:bodyPr>
-            <a:noAutofit/>
-          </a:bodyPr>
-          <a:lstStyle/>
-          <a:p>
-            <a:pPr marL="0" indent="0">
-              <a:lnSpc>
-                <a:spcPct val="120000"/>
-              </a:lnSpc>
-              <a:buNone/>
-            </a:pPr>
-            <a:r>
-              <a:rPr lang="zh-CN" altLang="en-US" sz="2000" dirty="0">
-                <a:latin typeface="宋体" panose="02010600030101010101" pitchFamily="2" charset="-122"/>
-                <a:ea typeface="宋体" panose="02010600030101010101" pitchFamily="2" charset="-122"/>
-              </a:rPr>
-              <a:t>电场透视图</a:t>
-            </a:r>
-            <a:endParaRPr lang="en-US" altLang="zh-CN" sz="2000" dirty="0">
-              <a:latin typeface="宋体" panose="02010600030101010101" pitchFamily="2" charset="-122"/>
-              <a:ea typeface="宋体" panose="02010600030101010101" pitchFamily="2" charset="-122"/>
-            </a:endParaRPr>
           </a:p>
         </p:txBody>
       </p:sp>
@@ -13133,6 +10239,54 @@
           </a:prstGeom>
         </p:spPr>
       </p:pic>
+      <p:sp>
+        <p:nvSpPr>
+          <p:cNvPr id="12" name="内容占位符 2">
+            <a:extLst>
+              <a:ext uri="{FF2B5EF4-FFF2-40B4-BE49-F238E27FC236}">
+                <a16:creationId xmlns:a16="http://schemas.microsoft.com/office/drawing/2014/main" id="{87BA3D16-774D-4E91-9C0F-B60961242A8F}"/>
+              </a:ext>
+            </a:extLst>
+          </p:cNvPr>
+          <p:cNvSpPr>
+            <a:spLocks noGrp="1"/>
+          </p:cNvSpPr>
+          <p:nvPr>
+            <p:ph idx="1"/>
+          </p:nvPr>
+        </p:nvSpPr>
+        <p:spPr>
+          <a:xfrm>
+            <a:off x="838200" y="1325563"/>
+            <a:ext cx="1528549" cy="508149"/>
+          </a:xfrm>
+        </p:spPr>
+        <p:txBody>
+          <a:bodyPr>
+            <a:noAutofit/>
+          </a:bodyPr>
+          <a:lstStyle/>
+          <a:p>
+            <a:pPr marL="0" indent="0">
+              <a:lnSpc>
+                <a:spcPct val="120000"/>
+              </a:lnSpc>
+              <a:buNone/>
+            </a:pPr>
+            <a:r>
+              <a:rPr lang="zh-CN" altLang="en-US" sz="2000" dirty="0">
+                <a:latin typeface="宋体" panose="02010600030101010101" pitchFamily="2" charset="-122"/>
+                <a:ea typeface="宋体" panose="02010600030101010101" pitchFamily="2" charset="-122"/>
+              </a:rPr>
+              <a:t>电场透视图</a:t>
+            </a:r>
+            <a:endParaRPr lang="en-US" altLang="zh-CN" sz="2000" dirty="0">
+              <a:latin typeface="宋体" panose="02010600030101010101" pitchFamily="2" charset="-122"/>
+              <a:ea typeface="宋体" panose="02010600030101010101" pitchFamily="2" charset="-122"/>
+            </a:endParaRPr>
+          </a:p>
+        </p:txBody>
+      </p:sp>
       <p:sp>
         <p:nvSpPr>
           <p:cNvPr id="13" name="内容占位符 2">
@@ -15505,34 +12659,6 @@
 <file path=ppt/slides/slide7.xml><?xml version="1.0" encoding="utf-8"?>
 <p:sld xmlns:a="http://schemas.openxmlformats.org/drawingml/2006/main" xmlns:r="http://schemas.openxmlformats.org/officeDocument/2006/relationships" xmlns:p="http://schemas.openxmlformats.org/presentationml/2006/main">
   <p:cSld>
-    <p:bg>
-      <p:bgPr>
-        <a:blipFill dpi="0" rotWithShape="1">
-          <a:blip r:embed="rId2">
-            <a:duotone>
-              <a:schemeClr val="bg2">
-                <a:shade val="69000"/>
-                <a:hueMod val="108000"/>
-                <a:satMod val="164000"/>
-                <a:lumMod val="74000"/>
-              </a:schemeClr>
-              <a:schemeClr val="bg2">
-                <a:tint val="96000"/>
-                <a:hueMod val="88000"/>
-                <a:satMod val="140000"/>
-                <a:lumMod val="132000"/>
-              </a:schemeClr>
-            </a:duotone>
-            <a:lum/>
-          </a:blip>
-          <a:srcRect/>
-          <a:stretch>
-            <a:fillRect/>
-          </a:stretch>
-        </a:blipFill>
-        <a:effectLst/>
-      </p:bgPr>
-    </p:bg>
     <p:spTree>
       <p:nvGrpSpPr>
         <p:cNvPr id="1" name=""/>
@@ -15585,8 +12711,8 @@
           </a:p>
         </p:txBody>
       </p:sp>
-      <mc:AlternateContent xmlns:mc="http://schemas.openxmlformats.org/markup-compatibility/2006">
-        <mc:Choice xmlns:a14="http://schemas.microsoft.com/office/drawing/2010/main" Requires="a14">
+      <mc:AlternateContent xmlns:mc="http://schemas.openxmlformats.org/markup-compatibility/2006" xmlns:a14="http://schemas.microsoft.com/office/drawing/2010/main">
+        <mc:Choice Requires="a14">
           <p:sp>
             <p:nvSpPr>
               <p:cNvPr id="3" name="内容占位符 2">
@@ -16473,7 +13599,7 @@
             </p:txBody>
           </p:sp>
         </mc:Choice>
-        <mc:Fallback>
+        <mc:Fallback xmlns="">
           <p:sp>
             <p:nvSpPr>
               <p:cNvPr id="3" name="内容占位符 2">
@@ -16496,9 +13622,9 @@
                 <a:ext cx="5102753" cy="4338736"/>
               </a:xfrm>
               <a:blipFill>
-                <a:blip r:embed="rId3"/>
+                <a:blip r:embed="rId2"/>
                 <a:stretch>
-                  <a:fillRect l="-1314" t="-702" r="-1195"/>
+                  <a:fillRect l="-1314" t="-1404" r="-239"/>
                 </a:stretch>
               </a:blipFill>
             </p:spPr>
@@ -17368,7 +14494,7 @@
                 <a:avLst/>
               </a:prstGeom>
               <a:blipFill>
-                <a:blip r:embed="rId4"/>
+                <a:blip r:embed="rId3"/>
                 <a:stretch>
                   <a:fillRect l="-1100" t="-972" r="-500"/>
                 </a:stretch>
@@ -17405,35 +14531,6 @@
 <file path=ppt/slides/slide8.xml><?xml version="1.0" encoding="utf-8"?>
 <p:sld xmlns:a="http://schemas.openxmlformats.org/drawingml/2006/main" xmlns:r="http://schemas.openxmlformats.org/officeDocument/2006/relationships" xmlns:p="http://schemas.openxmlformats.org/presentationml/2006/main">
   <p:cSld>
-    <p:bg>
-      <p:bgPr>
-        <a:blipFill dpi="0" rotWithShape="1">
-          <a:blip r:embed="rId2">
-            <a:alphaModFix amt="0"/>
-            <a:duotone>
-              <a:schemeClr val="bg2">
-                <a:shade val="69000"/>
-                <a:hueMod val="108000"/>
-                <a:satMod val="164000"/>
-                <a:lumMod val="74000"/>
-              </a:schemeClr>
-              <a:schemeClr val="bg2">
-                <a:tint val="96000"/>
-                <a:hueMod val="88000"/>
-                <a:satMod val="140000"/>
-                <a:lumMod val="132000"/>
-              </a:schemeClr>
-            </a:duotone>
-            <a:lum/>
-          </a:blip>
-          <a:srcRect/>
-          <a:stretch>
-            <a:fillRect/>
-          </a:stretch>
-        </a:blipFill>
-        <a:effectLst/>
-      </p:bgPr>
-    </p:bg>
     <p:spTree>
       <p:nvGrpSpPr>
         <p:cNvPr id="1" name=""/>
@@ -17478,9 +14575,6 @@
           <a:p>
             <a:r>
               <a:rPr lang="zh-CN" altLang="en-US" sz="4000" b="1" dirty="0">
-                <a:solidFill>
-                  <a:schemeClr val="bg2"/>
-                </a:solidFill>
                 <a:latin typeface="楷体" panose="02010609060101010101" pitchFamily="49" charset="-122"/>
                 <a:ea typeface="楷体" panose="02010609060101010101" pitchFamily="49" charset="-122"/>
               </a:rPr>
@@ -17537,7 +14631,7 @@
           <p:nvPr/>
         </p:nvPicPr>
         <p:blipFill>
-          <a:blip r:embed="rId3"/>
+          <a:blip r:embed="rId2"/>
           <a:stretch>
             <a:fillRect/>
           </a:stretch>
@@ -17552,46 +14646,6 @@
           </a:prstGeom>
         </p:spPr>
       </p:pic>
-      <p:sp>
-        <p:nvSpPr>
-          <p:cNvPr id="4" name="文本框 3">
-            <a:extLst>
-              <a:ext uri="{FF2B5EF4-FFF2-40B4-BE49-F238E27FC236}">
-                <a16:creationId xmlns:a16="http://schemas.microsoft.com/office/drawing/2014/main" id="{607E50DA-B116-46CE-809D-FBA427D36ACB}"/>
-              </a:ext>
-            </a:extLst>
-          </p:cNvPr>
-          <p:cNvSpPr txBox="1"/>
-          <p:nvPr/>
-        </p:nvSpPr>
-        <p:spPr>
-          <a:xfrm>
-            <a:off x="5830348" y="6488668"/>
-            <a:ext cx="1669410" cy="369332"/>
-          </a:xfrm>
-          <a:prstGeom prst="rect">
-            <a:avLst/>
-          </a:prstGeom>
-          <a:noFill/>
-        </p:spPr>
-        <p:txBody>
-          <a:bodyPr wrap="square" rtlCol="0">
-            <a:spAutoFit/>
-          </a:bodyPr>
-          <a:lstStyle/>
-          <a:p>
-            <a:r>
-              <a:rPr lang="zh-CN" altLang="en-US" dirty="0"/>
-              <a:t>图</a:t>
-            </a:r>
-            <a:r>
-              <a:rPr lang="en-US" altLang="zh-CN" dirty="0"/>
-              <a:t>1</a:t>
-            </a:r>
-            <a:endParaRPr lang="zh-CN" altLang="en-US" dirty="0"/>
-          </a:p>
-        </p:txBody>
-      </p:sp>
     </p:spTree>
     <p:extLst>
       <p:ext uri="{BB962C8B-B14F-4D97-AF65-F5344CB8AC3E}">
@@ -17608,35 +14662,6 @@
 <file path=ppt/slides/slide9.xml><?xml version="1.0" encoding="utf-8"?>
 <p:sld xmlns:a="http://schemas.openxmlformats.org/drawingml/2006/main" xmlns:r="http://schemas.openxmlformats.org/officeDocument/2006/relationships" xmlns:p="http://schemas.openxmlformats.org/presentationml/2006/main">
   <p:cSld>
-    <p:bg>
-      <p:bgPr>
-        <a:blipFill dpi="0" rotWithShape="1">
-          <a:blip r:embed="rId2">
-            <a:alphaModFix amt="0"/>
-            <a:duotone>
-              <a:schemeClr val="bg2">
-                <a:shade val="69000"/>
-                <a:hueMod val="108000"/>
-                <a:satMod val="164000"/>
-                <a:lumMod val="74000"/>
-              </a:schemeClr>
-              <a:schemeClr val="bg2">
-                <a:tint val="96000"/>
-                <a:hueMod val="88000"/>
-                <a:satMod val="140000"/>
-                <a:lumMod val="132000"/>
-              </a:schemeClr>
-            </a:duotone>
-            <a:lum/>
-          </a:blip>
-          <a:srcRect/>
-          <a:stretch>
-            <a:fillRect/>
-          </a:stretch>
-        </a:blipFill>
-        <a:effectLst/>
-      </p:bgPr>
-    </p:bg>
     <p:spTree>
       <p:nvGrpSpPr>
         <p:cNvPr id="1" name=""/>
@@ -17681,9 +14706,6 @@
           <a:p>
             <a:r>
               <a:rPr lang="zh-CN" altLang="en-US" sz="4000" b="1" dirty="0">
-                <a:solidFill>
-                  <a:schemeClr val="bg2"/>
-                </a:solidFill>
                 <a:latin typeface="楷体" panose="02010609060101010101" pitchFamily="49" charset="-122"/>
                 <a:ea typeface="楷体" panose="02010609060101010101" pitchFamily="49" charset="-122"/>
               </a:rPr>
@@ -17743,16 +14765,14 @@
           <p:nvPr/>
         </p:nvPicPr>
         <p:blipFill>
-          <a:blip r:embed="rId3">
-            <a:lum contrast="10000"/>
-          </a:blip>
+          <a:blip r:embed="rId2"/>
           <a:stretch>
             <a:fillRect/>
           </a:stretch>
         </p:blipFill>
         <p:spPr>
           <a:xfrm>
-            <a:off x="282143" y="1529037"/>
+            <a:off x="310718" y="1529037"/>
             <a:ext cx="10943149" cy="5040000"/>
           </a:xfrm>
           <a:prstGeom prst="rect">
@@ -17760,46 +14780,6 @@
           </a:prstGeom>
         </p:spPr>
       </p:pic>
-      <p:sp>
-        <p:nvSpPr>
-          <p:cNvPr id="6" name="文本框 5">
-            <a:extLst>
-              <a:ext uri="{FF2B5EF4-FFF2-40B4-BE49-F238E27FC236}">
-                <a16:creationId xmlns:a16="http://schemas.microsoft.com/office/drawing/2014/main" id="{F70DF0C0-51F7-44BC-8ADD-C0EFC97747FA}"/>
-              </a:ext>
-            </a:extLst>
-          </p:cNvPr>
-          <p:cNvSpPr txBox="1"/>
-          <p:nvPr/>
-        </p:nvSpPr>
-        <p:spPr>
-          <a:xfrm>
-            <a:off x="5821959" y="6488668"/>
-            <a:ext cx="1669410" cy="369332"/>
-          </a:xfrm>
-          <a:prstGeom prst="rect">
-            <a:avLst/>
-          </a:prstGeom>
-          <a:noFill/>
-        </p:spPr>
-        <p:txBody>
-          <a:bodyPr wrap="square" rtlCol="0">
-            <a:spAutoFit/>
-          </a:bodyPr>
-          <a:lstStyle/>
-          <a:p>
-            <a:r>
-              <a:rPr lang="zh-CN" altLang="en-US" dirty="0"/>
-              <a:t>图</a:t>
-            </a:r>
-            <a:r>
-              <a:rPr lang="en-US" altLang="zh-CN" dirty="0"/>
-              <a:t>2</a:t>
-            </a:r>
-            <a:endParaRPr lang="zh-CN" altLang="en-US" dirty="0"/>
-          </a:p>
-        </p:txBody>
-      </p:sp>
     </p:spTree>
     <p:extLst>
       <p:ext uri="{BB962C8B-B14F-4D97-AF65-F5344CB8AC3E}">
@@ -17814,9 +14794,9 @@
 </file>
 
 <file path=ppt/theme/theme1.xml><?xml version="1.0" encoding="utf-8"?>
-<a:theme xmlns:a="http://schemas.openxmlformats.org/drawingml/2006/main" name="离子">
+<a:theme xmlns:a="http://schemas.openxmlformats.org/drawingml/2006/main" name="Office 主题​​">
   <a:themeElements>
-    <a:clrScheme name="离子">
+    <a:clrScheme name="Office">
       <a:dk1>
         <a:sysClr val="windowText" lastClr="000000"/>
       </a:dk1>
@@ -17824,44 +14804,44 @@
         <a:sysClr val="window" lastClr="FFFFFF"/>
       </a:lt1>
       <a:dk2>
-        <a:srgbClr val="1E5155"/>
+        <a:srgbClr val="44546A"/>
       </a:dk2>
       <a:lt2>
-        <a:srgbClr val="EBEBEB"/>
+        <a:srgbClr val="E7E6E6"/>
       </a:lt2>
       <a:accent1>
-        <a:srgbClr val="B01513"/>
+        <a:srgbClr val="4472C4"/>
       </a:accent1>
       <a:accent2>
-        <a:srgbClr val="EA6312"/>
+        <a:srgbClr val="ED7D31"/>
       </a:accent2>
       <a:accent3>
-        <a:srgbClr val="E6B729"/>
+        <a:srgbClr val="A5A5A5"/>
       </a:accent3>
       <a:accent4>
-        <a:srgbClr val="6AAC90"/>
+        <a:srgbClr val="FFC000"/>
       </a:accent4>
       <a:accent5>
-        <a:srgbClr val="54849A"/>
+        <a:srgbClr val="5B9BD5"/>
       </a:accent5>
       <a:accent6>
-        <a:srgbClr val="9E5E9B"/>
+        <a:srgbClr val="70AD47"/>
       </a:accent6>
       <a:hlink>
-        <a:srgbClr val="58C1BA"/>
+        <a:srgbClr val="0563C1"/>
       </a:hlink>
       <a:folHlink>
-        <a:srgbClr val="9DFFCB"/>
+        <a:srgbClr val="954F72"/>
       </a:folHlink>
     </a:clrScheme>
-    <a:fontScheme name="离子">
+    <a:fontScheme name="Office">
       <a:majorFont>
-        <a:latin typeface="Century Gothic" panose="020B0502020202020204"/>
+        <a:latin typeface="等线 Light" panose="020F0302020204030204"/>
         <a:ea typeface=""/>
         <a:cs typeface=""/>
-        <a:font script="Jpan" typeface="メイリオ"/>
+        <a:font script="Jpan" typeface="游ゴシック Light"/>
         <a:font script="Hang" typeface="맑은 고딕"/>
-        <a:font script="Hans" typeface="宋体"/>
+        <a:font script="Hans" typeface="等线 Light"/>
         <a:font script="Hant" typeface="新細明體"/>
         <a:font script="Arab" typeface="Times New Roman"/>
         <a:font script="Hebr" typeface="Times New Roman"/>
@@ -17889,14 +14869,31 @@
         <a:font script="Viet" typeface="Times New Roman"/>
         <a:font script="Uigh" typeface="Microsoft Uighur"/>
         <a:font script="Geor" typeface="Sylfaen"/>
+        <a:font script="Armn" typeface="Arial"/>
+        <a:font script="Bugi" typeface="Leelawadee UI"/>
+        <a:font script="Bopo" typeface="Microsoft JhengHei"/>
+        <a:font script="Java" typeface="Javanese Text"/>
+        <a:font script="Lisu" typeface="Segoe UI"/>
+        <a:font script="Mymr" typeface="Myanmar Text"/>
+        <a:font script="Nkoo" typeface="Ebrima"/>
+        <a:font script="Olck" typeface="Nirmala UI"/>
+        <a:font script="Osma" typeface="Ebrima"/>
+        <a:font script="Phag" typeface="Phagspa"/>
+        <a:font script="Syrn" typeface="Estrangelo Edessa"/>
+        <a:font script="Syrj" typeface="Estrangelo Edessa"/>
+        <a:font script="Syre" typeface="Estrangelo Edessa"/>
+        <a:font script="Sora" typeface="Nirmala UI"/>
+        <a:font script="Tale" typeface="Microsoft Tai Le"/>
+        <a:font script="Talu" typeface="Microsoft New Tai Lue"/>
+        <a:font script="Tfng" typeface="Ebrima"/>
       </a:majorFont>
       <a:minorFont>
-        <a:latin typeface="Century Gothic" panose="020B0502020202020204"/>
+        <a:latin typeface="等线" panose="020F0502020204030204"/>
         <a:ea typeface=""/>
         <a:cs typeface=""/>
-        <a:font script="Jpan" typeface="メイリオ"/>
+        <a:font script="Jpan" typeface="游ゴシック"/>
         <a:font script="Hang" typeface="맑은 고딕"/>
-        <a:font script="Hans" typeface="宋体"/>
+        <a:font script="Hans" typeface="等线"/>
         <a:font script="Hant" typeface="新細明體"/>
         <a:font script="Arab" typeface="Arial"/>
         <a:font script="Hebr" typeface="Arial"/>
@@ -17924,9 +14921,26 @@
         <a:font script="Viet" typeface="Arial"/>
         <a:font script="Uigh" typeface="Microsoft Uighur"/>
         <a:font script="Geor" typeface="Sylfaen"/>
+        <a:font script="Armn" typeface="Arial"/>
+        <a:font script="Bugi" typeface="Leelawadee UI"/>
+        <a:font script="Bopo" typeface="Microsoft JhengHei"/>
+        <a:font script="Java" typeface="Javanese Text"/>
+        <a:font script="Lisu" typeface="Segoe UI"/>
+        <a:font script="Mymr" typeface="Myanmar Text"/>
+        <a:font script="Nkoo" typeface="Ebrima"/>
+        <a:font script="Olck" typeface="Nirmala UI"/>
+        <a:font script="Osma" typeface="Ebrima"/>
+        <a:font script="Phag" typeface="Phagspa"/>
+        <a:font script="Syrn" typeface="Estrangelo Edessa"/>
+        <a:font script="Syrj" typeface="Estrangelo Edessa"/>
+        <a:font script="Syre" typeface="Estrangelo Edessa"/>
+        <a:font script="Sora" typeface="Nirmala UI"/>
+        <a:font script="Tale" typeface="Microsoft Tai Le"/>
+        <a:font script="Talu" typeface="Microsoft New Tai Lue"/>
+        <a:font script="Tfng" typeface="Ebrima"/>
       </a:minorFont>
     </a:fontScheme>
-    <a:fmtScheme name="离子">
+    <a:fmtScheme name="Office">
       <a:fillStyleLst>
         <a:solidFill>
           <a:schemeClr val="phClr"/>
@@ -17935,15 +14949,23 @@
           <a:gsLst>
             <a:gs pos="0">
               <a:schemeClr val="phClr">
-                <a:tint val="64000"/>
-                <a:lumMod val="118000"/>
+                <a:lumMod val="110000"/>
+                <a:satMod val="105000"/>
+                <a:tint val="67000"/>
+              </a:schemeClr>
+            </a:gs>
+            <a:gs pos="50000">
+              <a:schemeClr val="phClr">
+                <a:lumMod val="105000"/>
+                <a:satMod val="103000"/>
+                <a:tint val="73000"/>
               </a:schemeClr>
             </a:gs>
             <a:gs pos="100000">
               <a:schemeClr val="phClr">
-                <a:tint val="92000"/>
-                <a:alpha val="100000"/>
-                <a:lumMod val="110000"/>
+                <a:lumMod val="105000"/>
+                <a:satMod val="109000"/>
+                <a:tint val="81000"/>
               </a:schemeClr>
             </a:gs>
           </a:gsLst>
@@ -17953,14 +14975,23 @@
           <a:gsLst>
             <a:gs pos="0">
               <a:schemeClr val="phClr">
-                <a:tint val="98000"/>
-                <a:lumMod val="114000"/>
+                <a:satMod val="103000"/>
+                <a:lumMod val="102000"/>
+                <a:tint val="94000"/>
+              </a:schemeClr>
+            </a:gs>
+            <a:gs pos="50000">
+              <a:schemeClr val="phClr">
+                <a:satMod val="110000"/>
+                <a:lumMod val="100000"/>
+                <a:shade val="100000"/>
               </a:schemeClr>
             </a:gs>
             <a:gs pos="100000">
               <a:schemeClr val="phClr">
-                <a:shade val="90000"/>
-                <a:lumMod val="84000"/>
+                <a:lumMod val="99000"/>
+                <a:satMod val="120000"/>
+                <a:shade val="78000"/>
               </a:schemeClr>
             </a:gs>
           </a:gsLst>
@@ -17968,23 +14999,26 @@
         </a:gradFill>
       </a:fillStyleLst>
       <a:lnStyleLst>
-        <a:ln w="9525" cap="rnd" cmpd="sng" algn="ctr">
+        <a:ln w="6350" cap="flat" cmpd="sng" algn="ctr">
           <a:solidFill>
             <a:schemeClr val="phClr"/>
           </a:solidFill>
           <a:prstDash val="solid"/>
+          <a:miter lim="800000"/>
         </a:ln>
-        <a:ln w="19050" cap="rnd" cmpd="sng" algn="ctr">
+        <a:ln w="12700" cap="flat" cmpd="sng" algn="ctr">
           <a:solidFill>
             <a:schemeClr val="phClr"/>
           </a:solidFill>
           <a:prstDash val="solid"/>
+          <a:miter lim="800000"/>
         </a:ln>
-        <a:ln w="28575" cap="rnd" cmpd="sng" algn="ctr">
+        <a:ln w="19050" cap="flat" cmpd="sng" algn="ctr">
           <a:solidFill>
             <a:schemeClr val="phClr"/>
           </a:solidFill>
           <a:prstDash val="solid"/>
+          <a:miter lim="800000"/>
         </a:ln>
       </a:lnStyleLst>
       <a:effectStyleLst>
@@ -17992,80 +15026,55 @@
           <a:effectLst/>
         </a:effectStyle>
         <a:effectStyle>
+          <a:effectLst/>
+        </a:effectStyle>
+        <a:effectStyle>
           <a:effectLst>
-            <a:outerShdw blurRad="38100" dist="25400" dir="5400000" rotWithShape="0">
+            <a:outerShdw blurRad="57150" dist="19050" dir="5400000" algn="ctr" rotWithShape="0">
               <a:srgbClr val="000000">
-                <a:alpha val="45000"/>
+                <a:alpha val="63000"/>
               </a:srgbClr>
             </a:outerShdw>
           </a:effectLst>
-        </a:effectStyle>
-        <a:effectStyle>
-          <a:effectLst>
-            <a:outerShdw blurRad="63500" dist="38100" dir="5400000" rotWithShape="0">
-              <a:srgbClr val="000000">
-                <a:alpha val="60000"/>
-              </a:srgbClr>
-            </a:outerShdw>
-          </a:effectLst>
-          <a:scene3d>
-            <a:camera prst="orthographicFront">
-              <a:rot lat="0" lon="0" rev="0"/>
-            </a:camera>
-            <a:lightRig rig="threePt" dir="tl"/>
-          </a:scene3d>
-          <a:sp3d prstMaterial="plastic">
-            <a:bevelT w="0" h="0"/>
-          </a:sp3d>
         </a:effectStyle>
       </a:effectStyleLst>
       <a:bgFillStyleLst>
         <a:solidFill>
           <a:schemeClr val="phClr"/>
         </a:solidFill>
+        <a:solidFill>
+          <a:schemeClr val="phClr">
+            <a:tint val="95000"/>
+            <a:satMod val="170000"/>
+          </a:schemeClr>
+        </a:solidFill>
         <a:gradFill rotWithShape="1">
           <a:gsLst>
             <a:gs pos="0">
               <a:schemeClr val="phClr">
-                <a:tint val="97000"/>
-                <a:hueMod val="88000"/>
+                <a:tint val="93000"/>
+                <a:satMod val="150000"/>
+                <a:shade val="98000"/>
+                <a:lumMod val="102000"/>
+              </a:schemeClr>
+            </a:gs>
+            <a:gs pos="50000">
+              <a:schemeClr val="phClr">
+                <a:tint val="98000"/>
                 <a:satMod val="130000"/>
-                <a:lumMod val="124000"/>
+                <a:shade val="90000"/>
+                <a:lumMod val="103000"/>
               </a:schemeClr>
             </a:gs>
             <a:gs pos="100000">
               <a:schemeClr val="phClr">
-                <a:tint val="96000"/>
-                <a:shade val="88000"/>
-                <a:hueMod val="108000"/>
-                <a:satMod val="164000"/>
-                <a:lumMod val="76000"/>
+                <a:shade val="63000"/>
+                <a:satMod val="120000"/>
               </a:schemeClr>
             </a:gs>
           </a:gsLst>
-          <a:path path="circle">
-            <a:fillToRect l="45000" t="65000" r="125000" b="100000"/>
-          </a:path>
+          <a:lin ang="5400000" scaled="0"/>
         </a:gradFill>
-        <a:blipFill rotWithShape="1">
-          <a:blip xmlns:r="http://schemas.openxmlformats.org/officeDocument/2006/relationships" r:embed="rId1">
-            <a:duotone>
-              <a:schemeClr val="phClr">
-                <a:shade val="69000"/>
-                <a:hueMod val="108000"/>
-                <a:satMod val="164000"/>
-                <a:lumMod val="74000"/>
-              </a:schemeClr>
-              <a:schemeClr val="phClr">
-                <a:tint val="96000"/>
-                <a:hueMod val="88000"/>
-                <a:satMod val="140000"/>
-                <a:lumMod val="132000"/>
-              </a:schemeClr>
-            </a:duotone>
-          </a:blip>
-          <a:stretch/>
-        </a:blipFill>
       </a:bgFillStyleLst>
     </a:fmtScheme>
   </a:themeElements>
@@ -18073,8 +15082,137 @@
   <a:extraClrSchemeLst/>
   <a:extLst>
     <a:ext uri="{05A4C25C-085E-4340-85A3-A5531E510DB2}">
-      <thm15:themeFamily xmlns:thm15="http://schemas.microsoft.com/office/thememl/2012/main" name="Ion" id="{B8441ADB-2E43-4AF7-B97A-BD870242C6A8}" vid="{292E63A9-BB86-4E3D-B92A-7223C6510D2E}"/>
+      <thm15:themeFamily xmlns:thm15="http://schemas.microsoft.com/office/thememl/2012/main" name="Office Theme" id="{62F939B6-93AF-4DB8-9C6B-D6C7DFDC589F}" vid="{4A3C46E8-61CC-4603-A589-7422A47A8E4A}"/>
     </a:ext>
   </a:extLst>
 </a:theme>
+</file>
+
+<file path=ppt/theme/themeOverride1.xml><?xml version="1.0" encoding="utf-8"?>
+<a:themeOverride xmlns:a="http://schemas.openxmlformats.org/drawingml/2006/main">
+  <a:clrScheme name="Office">
+    <a:dk1>
+      <a:sysClr val="windowText" lastClr="000000"/>
+    </a:dk1>
+    <a:lt1>
+      <a:sysClr val="window" lastClr="FFFFFF"/>
+    </a:lt1>
+    <a:dk2>
+      <a:srgbClr val="44546A"/>
+    </a:dk2>
+    <a:lt2>
+      <a:srgbClr val="E7E6E6"/>
+    </a:lt2>
+    <a:accent1>
+      <a:srgbClr val="4472C4"/>
+    </a:accent1>
+    <a:accent2>
+      <a:srgbClr val="ED7D31"/>
+    </a:accent2>
+    <a:accent3>
+      <a:srgbClr val="A5A5A5"/>
+    </a:accent3>
+    <a:accent4>
+      <a:srgbClr val="FFC000"/>
+    </a:accent4>
+    <a:accent5>
+      <a:srgbClr val="5B9BD5"/>
+    </a:accent5>
+    <a:accent6>
+      <a:srgbClr val="70AD47"/>
+    </a:accent6>
+    <a:hlink>
+      <a:srgbClr val="0563C1"/>
+    </a:hlink>
+    <a:folHlink>
+      <a:srgbClr val="954F72"/>
+    </a:folHlink>
+  </a:clrScheme>
+</a:themeOverride>
+</file>
+
+<file path=ppt/theme/themeOverride2.xml><?xml version="1.0" encoding="utf-8"?>
+<a:themeOverride xmlns:a="http://schemas.openxmlformats.org/drawingml/2006/main">
+  <a:clrScheme name="Office">
+    <a:dk1>
+      <a:sysClr val="windowText" lastClr="000000"/>
+    </a:dk1>
+    <a:lt1>
+      <a:sysClr val="window" lastClr="FFFFFF"/>
+    </a:lt1>
+    <a:dk2>
+      <a:srgbClr val="44546A"/>
+    </a:dk2>
+    <a:lt2>
+      <a:srgbClr val="E7E6E6"/>
+    </a:lt2>
+    <a:accent1>
+      <a:srgbClr val="4472C4"/>
+    </a:accent1>
+    <a:accent2>
+      <a:srgbClr val="ED7D31"/>
+    </a:accent2>
+    <a:accent3>
+      <a:srgbClr val="A5A5A5"/>
+    </a:accent3>
+    <a:accent4>
+      <a:srgbClr val="FFC000"/>
+    </a:accent4>
+    <a:accent5>
+      <a:srgbClr val="5B9BD5"/>
+    </a:accent5>
+    <a:accent6>
+      <a:srgbClr val="70AD47"/>
+    </a:accent6>
+    <a:hlink>
+      <a:srgbClr val="0563C1"/>
+    </a:hlink>
+    <a:folHlink>
+      <a:srgbClr val="954F72"/>
+    </a:folHlink>
+  </a:clrScheme>
+</a:themeOverride>
+</file>
+
+<file path=ppt/theme/themeOverride3.xml><?xml version="1.0" encoding="utf-8"?>
+<a:themeOverride xmlns:a="http://schemas.openxmlformats.org/drawingml/2006/main">
+  <a:clrScheme name="Office">
+    <a:dk1>
+      <a:sysClr val="windowText" lastClr="000000"/>
+    </a:dk1>
+    <a:lt1>
+      <a:sysClr val="window" lastClr="FFFFFF"/>
+    </a:lt1>
+    <a:dk2>
+      <a:srgbClr val="44546A"/>
+    </a:dk2>
+    <a:lt2>
+      <a:srgbClr val="E7E6E6"/>
+    </a:lt2>
+    <a:accent1>
+      <a:srgbClr val="4472C4"/>
+    </a:accent1>
+    <a:accent2>
+      <a:srgbClr val="ED7D31"/>
+    </a:accent2>
+    <a:accent3>
+      <a:srgbClr val="A5A5A5"/>
+    </a:accent3>
+    <a:accent4>
+      <a:srgbClr val="FFC000"/>
+    </a:accent4>
+    <a:accent5>
+      <a:srgbClr val="5B9BD5"/>
+    </a:accent5>
+    <a:accent6>
+      <a:srgbClr val="70AD47"/>
+    </a:accent6>
+    <a:hlink>
+      <a:srgbClr val="0563C1"/>
+    </a:hlink>
+    <a:folHlink>
+      <a:srgbClr val="954F72"/>
+    </a:folHlink>
+  </a:clrScheme>
+</a:themeOverride>
 </file>
--- a/微波谐振腔.pptx
+++ b/微波谐振腔.pptx
@@ -8,21 +8,22 @@
     <p:sldId id="256" r:id="rId2"/>
     <p:sldId id="257" r:id="rId3"/>
     <p:sldId id="269" r:id="rId4"/>
-    <p:sldId id="271" r:id="rId5"/>
-    <p:sldId id="261" r:id="rId6"/>
-    <p:sldId id="262" r:id="rId7"/>
-    <p:sldId id="259" r:id="rId8"/>
-    <p:sldId id="263" r:id="rId9"/>
-    <p:sldId id="266" r:id="rId10"/>
-    <p:sldId id="274" r:id="rId11"/>
-    <p:sldId id="264" r:id="rId12"/>
-    <p:sldId id="265" r:id="rId13"/>
-    <p:sldId id="275" r:id="rId14"/>
-    <p:sldId id="273" r:id="rId15"/>
-    <p:sldId id="276" r:id="rId16"/>
-    <p:sldId id="278" r:id="rId17"/>
-    <p:sldId id="268" r:id="rId18"/>
-    <p:sldId id="272" r:id="rId19"/>
+    <p:sldId id="279" r:id="rId5"/>
+    <p:sldId id="271" r:id="rId6"/>
+    <p:sldId id="261" r:id="rId7"/>
+    <p:sldId id="262" r:id="rId8"/>
+    <p:sldId id="259" r:id="rId9"/>
+    <p:sldId id="263" r:id="rId10"/>
+    <p:sldId id="266" r:id="rId11"/>
+    <p:sldId id="274" r:id="rId12"/>
+    <p:sldId id="264" r:id="rId13"/>
+    <p:sldId id="265" r:id="rId14"/>
+    <p:sldId id="275" r:id="rId15"/>
+    <p:sldId id="273" r:id="rId16"/>
+    <p:sldId id="276" r:id="rId17"/>
+    <p:sldId id="278" r:id="rId18"/>
+    <p:sldId id="268" r:id="rId19"/>
+    <p:sldId id="272" r:id="rId20"/>
   </p:sldIdLst>
   <p:sldSz cx="12192000" cy="6858000"/>
   <p:notesSz cx="6858000" cy="9144000"/>
@@ -3572,6 +3573,140 @@
           <a:p>
             <a:r>
               <a:rPr lang="zh-CN" altLang="en-US" dirty="0"/>
+              <a:t>求得介电常数实部绝对误差随介电常数变化</a:t>
+            </a:r>
+          </a:p>
+          <a:p>
+            <a:endParaRPr lang="zh-CN" altLang="en-US" dirty="0"/>
+          </a:p>
+        </p:txBody>
+      </p:sp>
+      <p:pic>
+        <p:nvPicPr>
+          <p:cNvPr id="5" name="图片 4">
+            <a:extLst>
+              <a:ext uri="{FF2B5EF4-FFF2-40B4-BE49-F238E27FC236}">
+                <a16:creationId xmlns:a16="http://schemas.microsoft.com/office/drawing/2014/main" id="{5C2B53C0-2122-48A4-B13A-5E5D22D8901E}"/>
+              </a:ext>
+            </a:extLst>
+          </p:cNvPr>
+          <p:cNvPicPr>
+            <a:picLocks noChangeAspect="1"/>
+          </p:cNvPicPr>
+          <p:nvPr/>
+        </p:nvPicPr>
+        <p:blipFill>
+          <a:blip r:embed="rId2"/>
+          <a:stretch>
+            <a:fillRect/>
+          </a:stretch>
+        </p:blipFill>
+        <p:spPr>
+          <a:xfrm>
+            <a:off x="310718" y="1529037"/>
+            <a:ext cx="10943149" cy="5040000"/>
+          </a:xfrm>
+          <a:prstGeom prst="rect">
+            <a:avLst/>
+          </a:prstGeom>
+        </p:spPr>
+      </p:pic>
+    </p:spTree>
+    <p:extLst>
+      <p:ext uri="{BB962C8B-B14F-4D97-AF65-F5344CB8AC3E}">
+        <p14:creationId xmlns:p14="http://schemas.microsoft.com/office/powerpoint/2010/main" val="592610939"/>
+      </p:ext>
+    </p:extLst>
+  </p:cSld>
+  <p:clrMapOvr>
+    <a:masterClrMapping/>
+  </p:clrMapOvr>
+</p:sld>
+</file>
+
+<file path=ppt/slides/slide11.xml><?xml version="1.0" encoding="utf-8"?>
+<p:sld xmlns:a="http://schemas.openxmlformats.org/drawingml/2006/main" xmlns:r="http://schemas.openxmlformats.org/officeDocument/2006/relationships" xmlns:p="http://schemas.openxmlformats.org/presentationml/2006/main">
+  <p:cSld>
+    <p:spTree>
+      <p:nvGrpSpPr>
+        <p:cNvPr id="1" name=""/>
+        <p:cNvGrpSpPr/>
+        <p:nvPr/>
+      </p:nvGrpSpPr>
+      <p:grpSpPr>
+        <a:xfrm>
+          <a:off x="0" y="0"/>
+          <a:ext cx="0" cy="0"/>
+          <a:chOff x="0" y="0"/>
+          <a:chExt cx="0" cy="0"/>
+        </a:xfrm>
+      </p:grpSpPr>
+      <p:sp>
+        <p:nvSpPr>
+          <p:cNvPr id="2" name="标题 1">
+            <a:extLst>
+              <a:ext uri="{FF2B5EF4-FFF2-40B4-BE49-F238E27FC236}">
+                <a16:creationId xmlns:a16="http://schemas.microsoft.com/office/drawing/2014/main" id="{01C96EAD-1CC4-4BED-B217-B0EC9792A025}"/>
+              </a:ext>
+            </a:extLst>
+          </p:cNvPr>
+          <p:cNvSpPr>
+            <a:spLocks noGrp="1"/>
+          </p:cNvSpPr>
+          <p:nvPr>
+            <p:ph type="title"/>
+          </p:nvPr>
+        </p:nvSpPr>
+        <p:spPr>
+          <a:xfrm>
+            <a:off x="838200" y="0"/>
+            <a:ext cx="10515600" cy="1325563"/>
+          </a:xfrm>
+        </p:spPr>
+        <p:txBody>
+          <a:bodyPr>
+            <a:normAutofit/>
+          </a:bodyPr>
+          <a:lstStyle/>
+          <a:p>
+            <a:r>
+              <a:rPr lang="zh-CN" altLang="en-US" sz="4000" b="1" dirty="0">
+                <a:latin typeface="楷体" panose="02010609060101010101" pitchFamily="49" charset="-122"/>
+                <a:ea typeface="楷体" panose="02010609060101010101" pitchFamily="49" charset="-122"/>
+              </a:rPr>
+              <a:t>介质参数求解误差分析</a:t>
+            </a:r>
+          </a:p>
+        </p:txBody>
+      </p:sp>
+      <p:sp>
+        <p:nvSpPr>
+          <p:cNvPr id="3" name="内容占位符 2">
+            <a:extLst>
+              <a:ext uri="{FF2B5EF4-FFF2-40B4-BE49-F238E27FC236}">
+                <a16:creationId xmlns:a16="http://schemas.microsoft.com/office/drawing/2014/main" id="{C7660EE8-3893-440E-9236-4B3C8EF73FE1}"/>
+              </a:ext>
+            </a:extLst>
+          </p:cNvPr>
+          <p:cNvSpPr>
+            <a:spLocks noGrp="1"/>
+          </p:cNvSpPr>
+          <p:nvPr>
+            <p:ph idx="1"/>
+          </p:nvPr>
+        </p:nvSpPr>
+        <p:spPr>
+          <a:xfrm>
+            <a:off x="838200" y="1253331"/>
+            <a:ext cx="10515600" cy="4351338"/>
+          </a:xfrm>
+        </p:spPr>
+        <p:txBody>
+          <a:bodyPr/>
+          <a:lstStyle/>
+          <a:p>
+            <a:r>
+              <a:rPr lang="zh-CN" altLang="en-US" dirty="0"/>
               <a:t>求得介电常数实部相对误差随介电常数变化</a:t>
             </a:r>
           </a:p>
@@ -3623,7 +3758,7 @@
 </p:sld>
 </file>
 
-<file path=ppt/slides/slide11.xml><?xml version="1.0" encoding="utf-8"?>
+<file path=ppt/slides/slide12.xml><?xml version="1.0" encoding="utf-8"?>
 <p:sld xmlns:a="http://schemas.openxmlformats.org/drawingml/2006/main" xmlns:r="http://schemas.openxmlformats.org/officeDocument/2006/relationships" xmlns:p="http://schemas.openxmlformats.org/presentationml/2006/main">
   <p:cSld>
     <p:bg>
@@ -3759,7 +3894,7 @@
 </p:sld>
 </file>
 
-<file path=ppt/slides/slide12.xml><?xml version="1.0" encoding="utf-8"?>
+<file path=ppt/slides/slide13.xml><?xml version="1.0" encoding="utf-8"?>
 <p:sld xmlns:a="http://schemas.openxmlformats.org/drawingml/2006/main" xmlns:r="http://schemas.openxmlformats.org/officeDocument/2006/relationships" xmlns:p="http://schemas.openxmlformats.org/presentationml/2006/main">
   <p:cSld>
     <p:bg>
@@ -3893,7 +4028,7 @@
 </p:sld>
 </file>
 
-<file path=ppt/slides/slide13.xml><?xml version="1.0" encoding="utf-8"?>
+<file path=ppt/slides/slide14.xml><?xml version="1.0" encoding="utf-8"?>
 <p:sld xmlns:a="http://schemas.openxmlformats.org/drawingml/2006/main" xmlns:r="http://schemas.openxmlformats.org/officeDocument/2006/relationships" xmlns:p="http://schemas.openxmlformats.org/presentationml/2006/main">
   <p:cSld>
     <p:bg>
@@ -4064,137 +4199,6 @@
 </p:sld>
 </file>
 
-<file path=ppt/slides/slide14.xml><?xml version="1.0" encoding="utf-8"?>
-<p:sld xmlns:a="http://schemas.openxmlformats.org/drawingml/2006/main" xmlns:r="http://schemas.openxmlformats.org/officeDocument/2006/relationships" xmlns:p="http://schemas.openxmlformats.org/presentationml/2006/main">
-  <p:cSld>
-    <p:spTree>
-      <p:nvGrpSpPr>
-        <p:cNvPr id="1" name=""/>
-        <p:cNvGrpSpPr/>
-        <p:nvPr/>
-      </p:nvGrpSpPr>
-      <p:grpSpPr>
-        <a:xfrm>
-          <a:off x="0" y="0"/>
-          <a:ext cx="0" cy="0"/>
-          <a:chOff x="0" y="0"/>
-          <a:chExt cx="0" cy="0"/>
-        </a:xfrm>
-      </p:grpSpPr>
-      <p:sp>
-        <p:nvSpPr>
-          <p:cNvPr id="2" name="标题 1">
-            <a:extLst>
-              <a:ext uri="{FF2B5EF4-FFF2-40B4-BE49-F238E27FC236}">
-                <a16:creationId xmlns:a16="http://schemas.microsoft.com/office/drawing/2014/main" id="{5C7FB163-DF39-4671-9B17-CAD430E46F87}"/>
-              </a:ext>
-            </a:extLst>
-          </p:cNvPr>
-          <p:cNvSpPr>
-            <a:spLocks noGrp="1"/>
-          </p:cNvSpPr>
-          <p:nvPr>
-            <p:ph type="title"/>
-          </p:nvPr>
-        </p:nvSpPr>
-        <p:spPr>
-          <a:xfrm>
-            <a:off x="838200" y="0"/>
-            <a:ext cx="10515600" cy="1325563"/>
-          </a:xfrm>
-        </p:spPr>
-        <p:txBody>
-          <a:bodyPr>
-            <a:normAutofit/>
-          </a:bodyPr>
-          <a:lstStyle/>
-          <a:p>
-            <a:r>
-              <a:rPr lang="zh-CN" altLang="en-US" sz="4000" b="1" dirty="0">
-                <a:latin typeface="楷体" panose="02010609060101010101" pitchFamily="49" charset="-122"/>
-                <a:ea typeface="楷体" panose="02010609060101010101" pitchFamily="49" charset="-122"/>
-              </a:rPr>
-              <a:t>介质参数求解误差分析</a:t>
-            </a:r>
-          </a:p>
-        </p:txBody>
-      </p:sp>
-      <p:sp>
-        <p:nvSpPr>
-          <p:cNvPr id="3" name="内容占位符 2">
-            <a:extLst>
-              <a:ext uri="{FF2B5EF4-FFF2-40B4-BE49-F238E27FC236}">
-                <a16:creationId xmlns:a16="http://schemas.microsoft.com/office/drawing/2014/main" id="{972DC4F2-AD9D-4716-9998-9D2346420414}"/>
-              </a:ext>
-            </a:extLst>
-          </p:cNvPr>
-          <p:cNvSpPr>
-            <a:spLocks noGrp="1"/>
-          </p:cNvSpPr>
-          <p:nvPr>
-            <p:ph idx="1"/>
-          </p:nvPr>
-        </p:nvSpPr>
-        <p:spPr>
-          <a:xfrm>
-            <a:off x="838200" y="1253331"/>
-            <a:ext cx="10515600" cy="4351338"/>
-          </a:xfrm>
-        </p:spPr>
-        <p:txBody>
-          <a:bodyPr/>
-          <a:lstStyle/>
-          <a:p>
-            <a:r>
-              <a:rPr lang="zh-CN" altLang="en-US" dirty="0"/>
-              <a:t>求得损耗角正切绝对误差随损耗角正切变化</a:t>
-            </a:r>
-          </a:p>
-        </p:txBody>
-      </p:sp>
-      <p:pic>
-        <p:nvPicPr>
-          <p:cNvPr id="6" name="图片 5">
-            <a:extLst>
-              <a:ext uri="{FF2B5EF4-FFF2-40B4-BE49-F238E27FC236}">
-                <a16:creationId xmlns:a16="http://schemas.microsoft.com/office/drawing/2014/main" id="{E36470FB-2C3F-448B-A902-9958DA7E7C82}"/>
-              </a:ext>
-            </a:extLst>
-          </p:cNvPr>
-          <p:cNvPicPr>
-            <a:picLocks noChangeAspect="1"/>
-          </p:cNvPicPr>
-          <p:nvPr/>
-        </p:nvPicPr>
-        <p:blipFill>
-          <a:blip r:embed="rId2"/>
-          <a:stretch>
-            <a:fillRect/>
-          </a:stretch>
-        </p:blipFill>
-        <p:spPr>
-          <a:xfrm>
-            <a:off x="309600" y="1530000"/>
-            <a:ext cx="10943150" cy="5040000"/>
-          </a:xfrm>
-          <a:prstGeom prst="rect">
-            <a:avLst/>
-          </a:prstGeom>
-        </p:spPr>
-      </p:pic>
-    </p:spTree>
-    <p:extLst>
-      <p:ext uri="{BB962C8B-B14F-4D97-AF65-F5344CB8AC3E}">
-        <p14:creationId xmlns:p14="http://schemas.microsoft.com/office/powerpoint/2010/main" val="2694430483"/>
-      </p:ext>
-    </p:extLst>
-  </p:cSld>
-  <p:clrMapOvr>
-    <a:masterClrMapping/>
-  </p:clrMapOvr>
-</p:sld>
-</file>
-
 <file path=ppt/slides/slide15.xml><?xml version="1.0" encoding="utf-8"?>
 <p:sld xmlns:a="http://schemas.openxmlformats.org/drawingml/2006/main" xmlns:r="http://schemas.openxmlformats.org/officeDocument/2006/relationships" xmlns:p="http://schemas.openxmlformats.org/presentationml/2006/main">
   <p:cSld>
@@ -4278,17 +4282,17 @@
           <a:p>
             <a:r>
               <a:rPr lang="zh-CN" altLang="en-US" dirty="0"/>
-              <a:t>求得损耗角正切相对误差随损耗角正切变化</a:t>
+              <a:t>求得损耗角正切绝对误差随损耗角正切变化</a:t>
             </a:r>
           </a:p>
         </p:txBody>
       </p:sp>
       <p:pic>
         <p:nvPicPr>
-          <p:cNvPr id="5" name="图片 4">
+          <p:cNvPr id="6" name="图片 5">
             <a:extLst>
               <a:ext uri="{FF2B5EF4-FFF2-40B4-BE49-F238E27FC236}">
-                <a16:creationId xmlns:a16="http://schemas.microsoft.com/office/drawing/2014/main" id="{FAEE7DA0-47E8-4A14-8A65-C4B340FD38D7}"/>
+                <a16:creationId xmlns:a16="http://schemas.microsoft.com/office/drawing/2014/main" id="{E36470FB-2C3F-448B-A902-9958DA7E7C82}"/>
               </a:ext>
             </a:extLst>
           </p:cNvPr>
@@ -4316,7 +4320,7 @@
     </p:spTree>
     <p:extLst>
       <p:ext uri="{BB962C8B-B14F-4D97-AF65-F5344CB8AC3E}">
-        <p14:creationId xmlns:p14="http://schemas.microsoft.com/office/powerpoint/2010/main" val="2364606816"/>
+        <p14:creationId xmlns:p14="http://schemas.microsoft.com/office/powerpoint/2010/main" val="2694430483"/>
       </p:ext>
     </p:extLst>
   </p:cSld>
@@ -4409,6 +4413,137 @@
           <a:p>
             <a:r>
               <a:rPr lang="zh-CN" altLang="en-US" dirty="0"/>
+              <a:t>求得损耗角正切相对误差随损耗角正切变化</a:t>
+            </a:r>
+          </a:p>
+        </p:txBody>
+      </p:sp>
+      <p:pic>
+        <p:nvPicPr>
+          <p:cNvPr id="5" name="图片 4">
+            <a:extLst>
+              <a:ext uri="{FF2B5EF4-FFF2-40B4-BE49-F238E27FC236}">
+                <a16:creationId xmlns:a16="http://schemas.microsoft.com/office/drawing/2014/main" id="{FAEE7DA0-47E8-4A14-8A65-C4B340FD38D7}"/>
+              </a:ext>
+            </a:extLst>
+          </p:cNvPr>
+          <p:cNvPicPr>
+            <a:picLocks noChangeAspect="1"/>
+          </p:cNvPicPr>
+          <p:nvPr/>
+        </p:nvPicPr>
+        <p:blipFill>
+          <a:blip r:embed="rId2"/>
+          <a:stretch>
+            <a:fillRect/>
+          </a:stretch>
+        </p:blipFill>
+        <p:spPr>
+          <a:xfrm>
+            <a:off x="309600" y="1530000"/>
+            <a:ext cx="10943150" cy="5040000"/>
+          </a:xfrm>
+          <a:prstGeom prst="rect">
+            <a:avLst/>
+          </a:prstGeom>
+        </p:spPr>
+      </p:pic>
+    </p:spTree>
+    <p:extLst>
+      <p:ext uri="{BB962C8B-B14F-4D97-AF65-F5344CB8AC3E}">
+        <p14:creationId xmlns:p14="http://schemas.microsoft.com/office/powerpoint/2010/main" val="2364606816"/>
+      </p:ext>
+    </p:extLst>
+  </p:cSld>
+  <p:clrMapOvr>
+    <a:masterClrMapping/>
+  </p:clrMapOvr>
+</p:sld>
+</file>
+
+<file path=ppt/slides/slide17.xml><?xml version="1.0" encoding="utf-8"?>
+<p:sld xmlns:a="http://schemas.openxmlformats.org/drawingml/2006/main" xmlns:r="http://schemas.openxmlformats.org/officeDocument/2006/relationships" xmlns:p="http://schemas.openxmlformats.org/presentationml/2006/main">
+  <p:cSld>
+    <p:spTree>
+      <p:nvGrpSpPr>
+        <p:cNvPr id="1" name=""/>
+        <p:cNvGrpSpPr/>
+        <p:nvPr/>
+      </p:nvGrpSpPr>
+      <p:grpSpPr>
+        <a:xfrm>
+          <a:off x="0" y="0"/>
+          <a:ext cx="0" cy="0"/>
+          <a:chOff x="0" y="0"/>
+          <a:chExt cx="0" cy="0"/>
+        </a:xfrm>
+      </p:grpSpPr>
+      <p:sp>
+        <p:nvSpPr>
+          <p:cNvPr id="2" name="标题 1">
+            <a:extLst>
+              <a:ext uri="{FF2B5EF4-FFF2-40B4-BE49-F238E27FC236}">
+                <a16:creationId xmlns:a16="http://schemas.microsoft.com/office/drawing/2014/main" id="{5C7FB163-DF39-4671-9B17-CAD430E46F87}"/>
+              </a:ext>
+            </a:extLst>
+          </p:cNvPr>
+          <p:cNvSpPr>
+            <a:spLocks noGrp="1"/>
+          </p:cNvSpPr>
+          <p:nvPr>
+            <p:ph type="title"/>
+          </p:nvPr>
+        </p:nvSpPr>
+        <p:spPr>
+          <a:xfrm>
+            <a:off x="838200" y="0"/>
+            <a:ext cx="10515600" cy="1325563"/>
+          </a:xfrm>
+        </p:spPr>
+        <p:txBody>
+          <a:bodyPr>
+            <a:normAutofit/>
+          </a:bodyPr>
+          <a:lstStyle/>
+          <a:p>
+            <a:r>
+              <a:rPr lang="zh-CN" altLang="en-US" sz="4000" b="1" dirty="0">
+                <a:latin typeface="楷体" panose="02010609060101010101" pitchFamily="49" charset="-122"/>
+                <a:ea typeface="楷体" panose="02010609060101010101" pitchFamily="49" charset="-122"/>
+              </a:rPr>
+              <a:t>介质参数求解误差分析</a:t>
+            </a:r>
+          </a:p>
+        </p:txBody>
+      </p:sp>
+      <p:sp>
+        <p:nvSpPr>
+          <p:cNvPr id="3" name="内容占位符 2">
+            <a:extLst>
+              <a:ext uri="{FF2B5EF4-FFF2-40B4-BE49-F238E27FC236}">
+                <a16:creationId xmlns:a16="http://schemas.microsoft.com/office/drawing/2014/main" id="{972DC4F2-AD9D-4716-9998-9D2346420414}"/>
+              </a:ext>
+            </a:extLst>
+          </p:cNvPr>
+          <p:cNvSpPr>
+            <a:spLocks noGrp="1"/>
+          </p:cNvSpPr>
+          <p:nvPr>
+            <p:ph idx="1"/>
+          </p:nvPr>
+        </p:nvSpPr>
+        <p:spPr>
+          <a:xfrm>
+            <a:off x="838200" y="1253331"/>
+            <a:ext cx="10515600" cy="4351338"/>
+          </a:xfrm>
+        </p:spPr>
+        <p:txBody>
+          <a:bodyPr/>
+          <a:lstStyle/>
+          <a:p>
+            <a:r>
+              <a:rPr lang="zh-CN" altLang="en-US" dirty="0"/>
               <a:t>不同损耗的介质对损耗角正切求解精度的影响</a:t>
             </a:r>
             <a:endParaRPr lang="en-US" altLang="zh-CN" dirty="0"/>
@@ -4531,7 +4666,7 @@
 </p:sld>
 </file>
 
-<file path=ppt/slides/slide17.xml><?xml version="1.0" encoding="utf-8"?>
+<file path=ppt/slides/slide18.xml><?xml version="1.0" encoding="utf-8"?>
 <p:sld xmlns:a="http://schemas.openxmlformats.org/drawingml/2006/main" xmlns:r="http://schemas.openxmlformats.org/officeDocument/2006/relationships" xmlns:p="http://schemas.openxmlformats.org/presentationml/2006/main">
   <p:cSld>
     <p:spTree>
@@ -8021,7 +8156,7 @@
 </p:sld>
 </file>
 
-<file path=ppt/slides/slide18.xml><?xml version="1.0" encoding="utf-8"?>
+<file path=ppt/slides/slide19.xml><?xml version="1.0" encoding="utf-8"?>
 <p:sld xmlns:a="http://schemas.openxmlformats.org/drawingml/2006/main" xmlns:r="http://schemas.openxmlformats.org/officeDocument/2006/relationships" xmlns:p="http://schemas.openxmlformats.org/presentationml/2006/main">
   <p:cSld>
     <p:spTree>
@@ -9729,7 +9864,7 @@
                     <a:latin typeface="Times New Roman" panose="02020603050405020304" pitchFamily="18" charset="0"/>
                     <a:ea typeface="宋体" panose="02010600030101010101" pitchFamily="2" charset="-122"/>
                   </a:rPr>
-                  <a:t>	Q = 8637</a:t>
+                  <a:t>	Q = 8633</a:t>
                 </a:r>
                 <a:endParaRPr lang="zh-CN" altLang="en-US" sz="2000" dirty="0">
                   <a:latin typeface="Times New Roman" panose="02020603050405020304" pitchFamily="18" charset="0"/>
@@ -10167,6 +10302,866 @@
           </a:p>
         </p:txBody>
       </p:sp>
+      <p:sp>
+        <p:nvSpPr>
+          <p:cNvPr id="4" name="内容占位符 3">
+            <a:extLst>
+              <a:ext uri="{FF2B5EF4-FFF2-40B4-BE49-F238E27FC236}">
+                <a16:creationId xmlns:a16="http://schemas.microsoft.com/office/drawing/2014/main" id="{EA641940-FE06-4EF0-B82C-9836AB1F6C24}"/>
+              </a:ext>
+            </a:extLst>
+          </p:cNvPr>
+          <p:cNvSpPr>
+            <a:spLocks noGrp="1"/>
+          </p:cNvSpPr>
+          <p:nvPr>
+            <p:ph idx="1"/>
+          </p:nvPr>
+        </p:nvSpPr>
+        <p:spPr>
+          <a:xfrm>
+            <a:off x="838200" y="1192279"/>
+            <a:ext cx="7039062" cy="5033237"/>
+          </a:xfrm>
+          <a:prstGeom prst="rect">
+            <a:avLst/>
+          </a:prstGeom>
+        </p:spPr>
+        <p:txBody>
+          <a:bodyPr wrap="square">
+            <a:spAutoFit/>
+          </a:bodyPr>
+          <a:lstStyle/>
+          <a:p>
+            <a:pPr marL="0" indent="0">
+              <a:buNone/>
+            </a:pPr>
+            <a:r>
+              <a:rPr lang="zh-CN" altLang="en-US" sz="2000" kern="100" dirty="0">
+                <a:latin typeface="Times New Roman" panose="02020603050405020304" pitchFamily="18" charset="0"/>
+                <a:ea typeface="宋体" panose="02010600030101010101" pitchFamily="2" charset="-122"/>
+                <a:cs typeface="Times New Roman" panose="02020603050405020304" pitchFamily="18" charset="0"/>
+              </a:rPr>
+              <a:t>优化后</a:t>
+            </a:r>
+            <a:r>
+              <a:rPr lang="zh-CN" altLang="en-US" sz="2000" kern="100" dirty="0">
+                <a:solidFill>
+                  <a:schemeClr val="tx1"/>
+                </a:solidFill>
+                <a:latin typeface="Times New Roman" panose="02020603050405020304" pitchFamily="18" charset="0"/>
+                <a:ea typeface="宋体" panose="02010600030101010101" pitchFamily="2" charset="-122"/>
+                <a:cs typeface="Times New Roman" panose="02020603050405020304" pitchFamily="18" charset="0"/>
+              </a:rPr>
+              <a:t>仿真得</a:t>
+            </a:r>
+            <a:endParaRPr lang="en-US" altLang="zh-CN" sz="2000" dirty="0">
+              <a:solidFill>
+                <a:schemeClr val="tx1"/>
+              </a:solidFill>
+              <a:latin typeface="Times New Roman" panose="02020603050405020304" pitchFamily="18" charset="0"/>
+              <a:ea typeface="宋体" panose="02010600030101010101" pitchFamily="2" charset="-122"/>
+            </a:endParaRPr>
+          </a:p>
+          <a:p>
+            <a:pPr marL="0" indent="0">
+              <a:lnSpc>
+                <a:spcPct val="150000"/>
+              </a:lnSpc>
+              <a:buNone/>
+            </a:pPr>
+            <a:r>
+              <a:rPr lang="en-US" altLang="zh-CN" sz="2000" dirty="0">
+                <a:latin typeface="Times New Roman" panose="02020603050405020304" pitchFamily="18" charset="0"/>
+                <a:ea typeface="宋体" panose="02010600030101010101" pitchFamily="2" charset="-122"/>
+              </a:rPr>
+              <a:t>1. </a:t>
+            </a:r>
+            <a:r>
+              <a:rPr lang="zh-CN" altLang="en-US" sz="2000" dirty="0">
+                <a:latin typeface="Times New Roman" panose="02020603050405020304" pitchFamily="18" charset="0"/>
+                <a:ea typeface="宋体" panose="02010600030101010101" pitchFamily="2" charset="-122"/>
+              </a:rPr>
+              <a:t>谐振频率</a:t>
+            </a:r>
+            <a:r>
+              <a:rPr lang="en-US" altLang="zh-CN" sz="2000" dirty="0">
+                <a:latin typeface="Times New Roman" panose="02020603050405020304" pitchFamily="18" charset="0"/>
+                <a:ea typeface="宋体" panose="02010600030101010101" pitchFamily="2" charset="-122"/>
+              </a:rPr>
+              <a:t>		F  = 16.163 GHz</a:t>
+            </a:r>
+          </a:p>
+          <a:p>
+            <a:pPr marL="0" indent="0">
+              <a:lnSpc>
+                <a:spcPct val="150000"/>
+              </a:lnSpc>
+              <a:buNone/>
+            </a:pPr>
+            <a:r>
+              <a:rPr lang="en-US" altLang="zh-CN" sz="2000" dirty="0">
+                <a:latin typeface="Times New Roman" panose="02020603050405020304" pitchFamily="18" charset="0"/>
+                <a:ea typeface="宋体" panose="02010600030101010101" pitchFamily="2" charset="-122"/>
+              </a:rPr>
+              <a:t>2. </a:t>
+            </a:r>
+            <a:r>
+              <a:rPr lang="zh-CN" altLang="en-US" sz="2000" dirty="0">
+                <a:latin typeface="Times New Roman" panose="02020603050405020304" pitchFamily="18" charset="0"/>
+                <a:ea typeface="宋体" panose="02010600030101010101" pitchFamily="2" charset="-122"/>
+              </a:rPr>
+              <a:t>无载品质因数 </a:t>
+            </a:r>
+            <a:r>
+              <a:rPr lang="en-US" altLang="zh-CN" sz="2000" dirty="0">
+                <a:latin typeface="Times New Roman" panose="02020603050405020304" pitchFamily="18" charset="0"/>
+                <a:ea typeface="宋体" panose="02010600030101010101" pitchFamily="2" charset="-122"/>
+              </a:rPr>
+              <a:t>	Q = 8637</a:t>
+            </a:r>
+          </a:p>
+          <a:p>
+            <a:pPr marL="0" indent="0">
+              <a:lnSpc>
+                <a:spcPct val="150000"/>
+              </a:lnSpc>
+              <a:buNone/>
+            </a:pPr>
+            <a:r>
+              <a:rPr lang="zh-CN" altLang="en-US" sz="2000" dirty="0">
+                <a:latin typeface="Times New Roman" panose="02020603050405020304" pitchFamily="18" charset="0"/>
+                <a:ea typeface="宋体" panose="02010600030101010101" pitchFamily="2" charset="-122"/>
+              </a:rPr>
+              <a:t>优化后尺寸</a:t>
+            </a:r>
+            <a:endParaRPr lang="en-US" altLang="zh-CN" sz="2000" dirty="0">
+              <a:latin typeface="Times New Roman" panose="02020603050405020304" pitchFamily="18" charset="0"/>
+              <a:ea typeface="宋体" panose="02010600030101010101" pitchFamily="2" charset="-122"/>
+            </a:endParaRPr>
+          </a:p>
+          <a:p>
+            <a:pPr marL="0" indent="0">
+              <a:lnSpc>
+                <a:spcPct val="150000"/>
+              </a:lnSpc>
+              <a:buNone/>
+            </a:pPr>
+            <a:r>
+              <a:rPr lang="en-US" altLang="zh-CN" sz="2000" kern="100" dirty="0">
+                <a:latin typeface="Times New Roman" panose="02020603050405020304" pitchFamily="18" charset="0"/>
+                <a:ea typeface="宋体" panose="02010600030101010101" pitchFamily="2" charset="-122"/>
+                <a:cs typeface="Times New Roman" panose="02020603050405020304" pitchFamily="18" charset="0"/>
+              </a:rPr>
+              <a:t>a	=	22.825mm</a:t>
+            </a:r>
+          </a:p>
+          <a:p>
+            <a:pPr marL="0" indent="0">
+              <a:lnSpc>
+                <a:spcPct val="150000"/>
+              </a:lnSpc>
+              <a:buNone/>
+            </a:pPr>
+            <a:r>
+              <a:rPr lang="en-US" altLang="zh-CN" sz="2000" kern="100" dirty="0">
+                <a:latin typeface="Times New Roman" panose="02020603050405020304" pitchFamily="18" charset="0"/>
+                <a:ea typeface="宋体" panose="02010600030101010101" pitchFamily="2" charset="-122"/>
+                <a:cs typeface="Times New Roman" panose="02020603050405020304" pitchFamily="18" charset="0"/>
+              </a:rPr>
+              <a:t>b	=	10.160mm</a:t>
+            </a:r>
+          </a:p>
+          <a:p>
+            <a:pPr marL="0" indent="0">
+              <a:lnSpc>
+                <a:spcPct val="150000"/>
+              </a:lnSpc>
+              <a:buNone/>
+            </a:pPr>
+            <a:r>
+              <a:rPr lang="en-US" altLang="zh-CN" sz="2000" kern="100" dirty="0">
+                <a:latin typeface="Times New Roman" panose="02020603050405020304" pitchFamily="18" charset="0"/>
+                <a:ea typeface="宋体" panose="02010600030101010101" pitchFamily="2" charset="-122"/>
+                <a:cs typeface="Times New Roman" panose="02020603050405020304" pitchFamily="18" charset="0"/>
+              </a:rPr>
+              <a:t>l	=	22.860mm</a:t>
+            </a:r>
+          </a:p>
+          <a:p>
+            <a:pPr marL="0" indent="0">
+              <a:lnSpc>
+                <a:spcPct val="150000"/>
+              </a:lnSpc>
+              <a:buNone/>
+            </a:pPr>
+            <a:r>
+              <a:rPr lang="zh-CN" altLang="en-US" sz="2000" kern="100" dirty="0">
+                <a:latin typeface="Times New Roman" panose="02020603050405020304" pitchFamily="18" charset="0"/>
+                <a:ea typeface="宋体" panose="02010600030101010101" pitchFamily="2" charset="-122"/>
+                <a:cs typeface="Times New Roman" panose="02020603050405020304" pitchFamily="18" charset="0"/>
+              </a:rPr>
+              <a:t>加入微扰</a:t>
+            </a:r>
+            <a:endParaRPr lang="en-US" altLang="zh-CN" sz="2000" kern="100" dirty="0">
+              <a:latin typeface="Times New Roman" panose="02020603050405020304" pitchFamily="18" charset="0"/>
+              <a:ea typeface="宋体" panose="02010600030101010101" pitchFamily="2" charset="-122"/>
+              <a:cs typeface="Times New Roman" panose="02020603050405020304" pitchFamily="18" charset="0"/>
+            </a:endParaRPr>
+          </a:p>
+          <a:p>
+            <a:pPr marL="0" indent="0">
+              <a:lnSpc>
+                <a:spcPct val="150000"/>
+              </a:lnSpc>
+              <a:buNone/>
+            </a:pPr>
+            <a:r>
+              <a:rPr lang="en-US" altLang="zh-CN" sz="2000" dirty="0">
+                <a:latin typeface="Times New Roman" panose="02020603050405020304" pitchFamily="18" charset="0"/>
+                <a:ea typeface="宋体" panose="02010600030101010101" pitchFamily="2" charset="-122"/>
+              </a:rPr>
+              <a:t>XOY</a:t>
+            </a:r>
+            <a:r>
+              <a:rPr lang="zh-CN" altLang="en-US" sz="2000" dirty="0">
+                <a:latin typeface="Times New Roman" panose="02020603050405020304" pitchFamily="18" charset="0"/>
+                <a:ea typeface="宋体" panose="02010600030101010101" pitchFamily="2" charset="-122"/>
+              </a:rPr>
+              <a:t>平面中心处放入介质圆柱</a:t>
+            </a:r>
+          </a:p>
+        </p:txBody>
+      </p:sp>
+      <p:sp>
+        <p:nvSpPr>
+          <p:cNvPr id="5" name="内容占位符 2">
+            <a:extLst>
+              <a:ext uri="{FF2B5EF4-FFF2-40B4-BE49-F238E27FC236}">
+                <a16:creationId xmlns:a16="http://schemas.microsoft.com/office/drawing/2014/main" id="{6C613FF5-53B7-43E6-B9BF-436C5753D248}"/>
+              </a:ext>
+            </a:extLst>
+          </p:cNvPr>
+          <p:cNvSpPr txBox="1">
+            <a:spLocks/>
+          </p:cNvSpPr>
+          <p:nvPr/>
+        </p:nvSpPr>
+        <p:spPr>
+          <a:xfrm>
+            <a:off x="6481893" y="1192279"/>
+            <a:ext cx="6267276" cy="2310860"/>
+          </a:xfrm>
+          <a:prstGeom prst="rect">
+            <a:avLst/>
+          </a:prstGeom>
+        </p:spPr>
+        <p:txBody>
+          <a:bodyPr vert="horz" lIns="91440" tIns="45720" rIns="91440" bIns="45720" rtlCol="0">
+            <a:normAutofit/>
+          </a:bodyPr>
+          <a:lstStyle>
+            <a:lvl1pPr marL="228600" indent="-228600" algn="l" defTabSz="914400" rtl="0" eaLnBrk="1" latinLnBrk="0" hangingPunct="1">
+              <a:lnSpc>
+                <a:spcPct val="90000"/>
+              </a:lnSpc>
+              <a:spcBef>
+                <a:spcPts val="1000"/>
+              </a:spcBef>
+              <a:buFont typeface="Arial" panose="020B0604020202020204" pitchFamily="34" charset="0"/>
+              <a:buChar char="•"/>
+              <a:defRPr sz="2800" kern="1200">
+                <a:solidFill>
+                  <a:schemeClr val="tx1"/>
+                </a:solidFill>
+                <a:latin typeface="+mn-lt"/>
+                <a:ea typeface="+mn-ea"/>
+                <a:cs typeface="+mn-cs"/>
+              </a:defRPr>
+            </a:lvl1pPr>
+            <a:lvl2pPr marL="685800" indent="-228600" algn="l" defTabSz="914400" rtl="0" eaLnBrk="1" latinLnBrk="0" hangingPunct="1">
+              <a:lnSpc>
+                <a:spcPct val="90000"/>
+              </a:lnSpc>
+              <a:spcBef>
+                <a:spcPts val="500"/>
+              </a:spcBef>
+              <a:buFont typeface="Arial" panose="020B0604020202020204" pitchFamily="34" charset="0"/>
+              <a:buChar char="•"/>
+              <a:defRPr sz="2400" kern="1200">
+                <a:solidFill>
+                  <a:schemeClr val="tx1"/>
+                </a:solidFill>
+                <a:latin typeface="+mn-lt"/>
+                <a:ea typeface="+mn-ea"/>
+                <a:cs typeface="+mn-cs"/>
+              </a:defRPr>
+            </a:lvl2pPr>
+            <a:lvl3pPr marL="1143000" indent="-228600" algn="l" defTabSz="914400" rtl="0" eaLnBrk="1" latinLnBrk="0" hangingPunct="1">
+              <a:lnSpc>
+                <a:spcPct val="90000"/>
+              </a:lnSpc>
+              <a:spcBef>
+                <a:spcPts val="500"/>
+              </a:spcBef>
+              <a:buFont typeface="Arial" panose="020B0604020202020204" pitchFamily="34" charset="0"/>
+              <a:buChar char="•"/>
+              <a:defRPr sz="2000" kern="1200">
+                <a:solidFill>
+                  <a:schemeClr val="tx1"/>
+                </a:solidFill>
+                <a:latin typeface="+mn-lt"/>
+                <a:ea typeface="+mn-ea"/>
+                <a:cs typeface="+mn-cs"/>
+              </a:defRPr>
+            </a:lvl3pPr>
+            <a:lvl4pPr marL="1600200" indent="-228600" algn="l" defTabSz="914400" rtl="0" eaLnBrk="1" latinLnBrk="0" hangingPunct="1">
+              <a:lnSpc>
+                <a:spcPct val="90000"/>
+              </a:lnSpc>
+              <a:spcBef>
+                <a:spcPts val="500"/>
+              </a:spcBef>
+              <a:buFont typeface="Arial" panose="020B0604020202020204" pitchFamily="34" charset="0"/>
+              <a:buChar char="•"/>
+              <a:defRPr sz="1800" kern="1200">
+                <a:solidFill>
+                  <a:schemeClr val="tx1"/>
+                </a:solidFill>
+                <a:latin typeface="+mn-lt"/>
+                <a:ea typeface="+mn-ea"/>
+                <a:cs typeface="+mn-cs"/>
+              </a:defRPr>
+            </a:lvl4pPr>
+            <a:lvl5pPr marL="2057400" indent="-228600" algn="l" defTabSz="914400" rtl="0" eaLnBrk="1" latinLnBrk="0" hangingPunct="1">
+              <a:lnSpc>
+                <a:spcPct val="90000"/>
+              </a:lnSpc>
+              <a:spcBef>
+                <a:spcPts val="500"/>
+              </a:spcBef>
+              <a:buFont typeface="Arial" panose="020B0604020202020204" pitchFamily="34" charset="0"/>
+              <a:buChar char="•"/>
+              <a:defRPr sz="1800" kern="1200">
+                <a:solidFill>
+                  <a:schemeClr val="tx1"/>
+                </a:solidFill>
+                <a:latin typeface="+mn-lt"/>
+                <a:ea typeface="+mn-ea"/>
+                <a:cs typeface="+mn-cs"/>
+              </a:defRPr>
+            </a:lvl5pPr>
+            <a:lvl6pPr marL="2514600" indent="-228600" algn="l" defTabSz="914400" rtl="0" eaLnBrk="1" latinLnBrk="0" hangingPunct="1">
+              <a:lnSpc>
+                <a:spcPct val="90000"/>
+              </a:lnSpc>
+              <a:spcBef>
+                <a:spcPts val="500"/>
+              </a:spcBef>
+              <a:buFont typeface="Arial" panose="020B0604020202020204" pitchFamily="34" charset="0"/>
+              <a:buChar char="•"/>
+              <a:defRPr sz="1800" kern="1200">
+                <a:solidFill>
+                  <a:schemeClr val="tx1"/>
+                </a:solidFill>
+                <a:latin typeface="+mn-lt"/>
+                <a:ea typeface="+mn-ea"/>
+                <a:cs typeface="+mn-cs"/>
+              </a:defRPr>
+            </a:lvl6pPr>
+            <a:lvl7pPr marL="2971800" indent="-228600" algn="l" defTabSz="914400" rtl="0" eaLnBrk="1" latinLnBrk="0" hangingPunct="1">
+              <a:lnSpc>
+                <a:spcPct val="90000"/>
+              </a:lnSpc>
+              <a:spcBef>
+                <a:spcPts val="500"/>
+              </a:spcBef>
+              <a:buFont typeface="Arial" panose="020B0604020202020204" pitchFamily="34" charset="0"/>
+              <a:buChar char="•"/>
+              <a:defRPr sz="1800" kern="1200">
+                <a:solidFill>
+                  <a:schemeClr val="tx1"/>
+                </a:solidFill>
+                <a:latin typeface="+mn-lt"/>
+                <a:ea typeface="+mn-ea"/>
+                <a:cs typeface="+mn-cs"/>
+              </a:defRPr>
+            </a:lvl7pPr>
+            <a:lvl8pPr marL="3429000" indent="-228600" algn="l" defTabSz="914400" rtl="0" eaLnBrk="1" latinLnBrk="0" hangingPunct="1">
+              <a:lnSpc>
+                <a:spcPct val="90000"/>
+              </a:lnSpc>
+              <a:spcBef>
+                <a:spcPts val="500"/>
+              </a:spcBef>
+              <a:buFont typeface="Arial" panose="020B0604020202020204" pitchFamily="34" charset="0"/>
+              <a:buChar char="•"/>
+              <a:defRPr sz="1800" kern="1200">
+                <a:solidFill>
+                  <a:schemeClr val="tx1"/>
+                </a:solidFill>
+                <a:latin typeface="+mn-lt"/>
+                <a:ea typeface="+mn-ea"/>
+                <a:cs typeface="+mn-cs"/>
+              </a:defRPr>
+            </a:lvl8pPr>
+            <a:lvl9pPr marL="3886200" indent="-228600" algn="l" defTabSz="914400" rtl="0" eaLnBrk="1" latinLnBrk="0" hangingPunct="1">
+              <a:lnSpc>
+                <a:spcPct val="90000"/>
+              </a:lnSpc>
+              <a:spcBef>
+                <a:spcPts val="500"/>
+              </a:spcBef>
+              <a:buFont typeface="Arial" panose="020B0604020202020204" pitchFamily="34" charset="0"/>
+              <a:buChar char="•"/>
+              <a:defRPr sz="1800" kern="1200">
+                <a:solidFill>
+                  <a:schemeClr val="tx1"/>
+                </a:solidFill>
+                <a:latin typeface="+mn-lt"/>
+                <a:ea typeface="+mn-ea"/>
+                <a:cs typeface="+mn-cs"/>
+              </a:defRPr>
+            </a:lvl9pPr>
+          </a:lstStyle>
+          <a:p>
+            <a:pPr marL="228600" marR="0" lvl="0" indent="-228600" algn="l" defTabSz="914400" rtl="0" eaLnBrk="1" fontAlgn="auto" latinLnBrk="0" hangingPunct="1">
+              <a:lnSpc>
+                <a:spcPct val="150000"/>
+              </a:lnSpc>
+              <a:spcBef>
+                <a:spcPts val="1000"/>
+              </a:spcBef>
+              <a:spcAft>
+                <a:spcPts val="0"/>
+              </a:spcAft>
+              <a:buClrTx/>
+              <a:buSzTx/>
+              <a:buFont typeface="Arial" panose="020B0604020202020204" pitchFamily="34" charset="0"/>
+              <a:buChar char="•"/>
+              <a:tabLst/>
+              <a:defRPr/>
+            </a:pPr>
+            <a:r>
+              <a:rPr kumimoji="0" lang="zh-CN" altLang="en-US" sz="2000" b="0" i="0" u="none" strike="noStrike" kern="1200" cap="none" spc="0" normalizeH="0" baseline="0" noProof="0" dirty="0">
+                <a:ln>
+                  <a:noFill/>
+                </a:ln>
+                <a:solidFill>
+                  <a:prstClr val="black"/>
+                </a:solidFill>
+                <a:effectLst/>
+                <a:uLnTx/>
+                <a:uFillTx/>
+                <a:latin typeface="仿宋" panose="02010609060101010101" pitchFamily="49" charset="-122"/>
+                <a:ea typeface="仿宋" panose="02010609060101010101" pitchFamily="49" charset="-122"/>
+                <a:cs typeface="+mn-cs"/>
+              </a:rPr>
+              <a:t>腔体结构 铜制矩形谐振腔</a:t>
+            </a:r>
+            <a:endParaRPr kumimoji="0" lang="en-US" altLang="zh-CN" sz="2000" b="0" i="0" u="none" strike="noStrike" kern="1200" cap="none" spc="0" normalizeH="0" baseline="0" noProof="0" dirty="0">
+              <a:ln>
+                <a:noFill/>
+              </a:ln>
+              <a:solidFill>
+                <a:prstClr val="black"/>
+              </a:solidFill>
+              <a:effectLst/>
+              <a:uLnTx/>
+              <a:uFillTx/>
+              <a:latin typeface="仿宋" panose="02010609060101010101" pitchFamily="49" charset="-122"/>
+              <a:ea typeface="仿宋" panose="02010609060101010101" pitchFamily="49" charset="-122"/>
+              <a:cs typeface="+mn-cs"/>
+            </a:endParaRPr>
+          </a:p>
+          <a:p>
+            <a:pPr marL="228600" marR="0" lvl="0" indent="-228600" algn="l" defTabSz="914400" rtl="0" eaLnBrk="1" fontAlgn="auto" latinLnBrk="0" hangingPunct="1">
+              <a:lnSpc>
+                <a:spcPct val="150000"/>
+              </a:lnSpc>
+              <a:spcBef>
+                <a:spcPts val="1000"/>
+              </a:spcBef>
+              <a:spcAft>
+                <a:spcPts val="0"/>
+              </a:spcAft>
+              <a:buClrTx/>
+              <a:buSzTx/>
+              <a:buFont typeface="Arial" panose="020B0604020202020204" pitchFamily="34" charset="0"/>
+              <a:buChar char="•"/>
+              <a:tabLst/>
+              <a:defRPr/>
+            </a:pPr>
+            <a:r>
+              <a:rPr kumimoji="0" lang="zh-CN" altLang="en-US" sz="2000" b="0" i="0" u="none" strike="noStrike" kern="1200" cap="none" spc="0" normalizeH="0" baseline="0" noProof="0" dirty="0">
+                <a:ln>
+                  <a:noFill/>
+                </a:ln>
+                <a:solidFill>
+                  <a:prstClr val="black"/>
+                </a:solidFill>
+                <a:effectLst/>
+                <a:uLnTx/>
+                <a:uFillTx/>
+                <a:latin typeface="仿宋" panose="02010609060101010101" pitchFamily="49" charset="-122"/>
+                <a:ea typeface="仿宋" panose="02010609060101010101" pitchFamily="49" charset="-122"/>
+                <a:cs typeface="+mn-cs"/>
+              </a:rPr>
+              <a:t>激励方式 同轴线探针激励</a:t>
+            </a:r>
+            <a:endParaRPr kumimoji="0" lang="en-US" altLang="zh-CN" sz="2000" b="0" i="0" u="none" strike="noStrike" kern="1200" cap="none" spc="0" normalizeH="0" baseline="0" noProof="0" dirty="0">
+              <a:ln>
+                <a:noFill/>
+              </a:ln>
+              <a:solidFill>
+                <a:prstClr val="black"/>
+              </a:solidFill>
+              <a:effectLst/>
+              <a:uLnTx/>
+              <a:uFillTx/>
+              <a:latin typeface="仿宋" panose="02010609060101010101" pitchFamily="49" charset="-122"/>
+              <a:ea typeface="仿宋" panose="02010609060101010101" pitchFamily="49" charset="-122"/>
+              <a:cs typeface="+mn-cs"/>
+            </a:endParaRPr>
+          </a:p>
+          <a:p>
+            <a:pPr marL="228600" marR="0" lvl="0" indent="-228600" algn="l" defTabSz="914400" rtl="0" eaLnBrk="1" fontAlgn="auto" latinLnBrk="0" hangingPunct="1">
+              <a:lnSpc>
+                <a:spcPct val="150000"/>
+              </a:lnSpc>
+              <a:spcBef>
+                <a:spcPts val="1000"/>
+              </a:spcBef>
+              <a:spcAft>
+                <a:spcPts val="0"/>
+              </a:spcAft>
+              <a:buClrTx/>
+              <a:buSzTx/>
+              <a:buFont typeface="Arial" panose="020B0604020202020204" pitchFamily="34" charset="0"/>
+              <a:buChar char="•"/>
+              <a:tabLst/>
+              <a:defRPr/>
+            </a:pPr>
+            <a:r>
+              <a:rPr kumimoji="0" lang="zh-CN" altLang="en-US" sz="2000" b="0" i="0" u="none" strike="noStrike" kern="1200" cap="none" spc="0" normalizeH="0" baseline="0" noProof="0" dirty="0">
+                <a:ln>
+                  <a:noFill/>
+                </a:ln>
+                <a:solidFill>
+                  <a:prstClr val="black"/>
+                </a:solidFill>
+                <a:effectLst/>
+                <a:uLnTx/>
+                <a:uFillTx/>
+                <a:latin typeface="仿宋" panose="02010609060101010101" pitchFamily="49" charset="-122"/>
+                <a:ea typeface="仿宋" panose="02010609060101010101" pitchFamily="49" charset="-122"/>
+                <a:cs typeface="+mn-cs"/>
+              </a:rPr>
+              <a:t>设计谐振频率：</a:t>
+            </a:r>
+            <a:r>
+              <a:rPr kumimoji="0" lang="en-US" altLang="zh-CN" sz="2000" b="0" i="0" u="none" strike="noStrike" kern="1200" cap="none" spc="0" normalizeH="0" baseline="0" noProof="0" dirty="0">
+                <a:ln>
+                  <a:noFill/>
+                </a:ln>
+                <a:solidFill>
+                  <a:prstClr val="black"/>
+                </a:solidFill>
+                <a:effectLst/>
+                <a:uLnTx/>
+                <a:uFillTx/>
+                <a:latin typeface="仿宋" panose="02010609060101010101" pitchFamily="49" charset="-122"/>
+                <a:ea typeface="仿宋" panose="02010609060101010101" pitchFamily="49" charset="-122"/>
+                <a:cs typeface="+mn-cs"/>
+              </a:rPr>
+              <a:t>16.16GHz</a:t>
+            </a:r>
+          </a:p>
+          <a:p>
+            <a:pPr marL="228600" marR="0" lvl="0" indent="-228600" algn="l" defTabSz="914400" rtl="0" eaLnBrk="1" fontAlgn="auto" latinLnBrk="0" hangingPunct="1">
+              <a:lnSpc>
+                <a:spcPct val="150000"/>
+              </a:lnSpc>
+              <a:spcBef>
+                <a:spcPts val="1000"/>
+              </a:spcBef>
+              <a:spcAft>
+                <a:spcPts val="0"/>
+              </a:spcAft>
+              <a:buClrTx/>
+              <a:buSzTx/>
+              <a:buFont typeface="Arial" panose="020B0604020202020204" pitchFamily="34" charset="0"/>
+              <a:buChar char="•"/>
+              <a:tabLst/>
+              <a:defRPr/>
+            </a:pPr>
+            <a:r>
+              <a:rPr kumimoji="0" lang="zh-CN" altLang="en-US" sz="2000" b="0" i="0" u="none" strike="noStrike" kern="1200" cap="none" spc="0" normalizeH="0" baseline="0" noProof="0" dirty="0">
+                <a:ln>
+                  <a:noFill/>
+                </a:ln>
+                <a:solidFill>
+                  <a:prstClr val="black"/>
+                </a:solidFill>
+                <a:effectLst/>
+                <a:uLnTx/>
+                <a:uFillTx/>
+                <a:latin typeface="仿宋" panose="02010609060101010101" pitchFamily="49" charset="-122"/>
+                <a:ea typeface="仿宋" panose="02010609060101010101" pitchFamily="49" charset="-122"/>
+                <a:cs typeface="+mn-cs"/>
+              </a:rPr>
+              <a:t>工作模式：</a:t>
+            </a:r>
+            <a:r>
+              <a:rPr kumimoji="0" lang="en-US" altLang="zh-CN" sz="2000" b="0" i="0" u="none" strike="noStrike" kern="1200" cap="none" spc="0" normalizeH="0" baseline="0" noProof="0" dirty="0">
+                <a:ln>
+                  <a:noFill/>
+                </a:ln>
+                <a:solidFill>
+                  <a:prstClr val="black"/>
+                </a:solidFill>
+                <a:effectLst/>
+                <a:uLnTx/>
+                <a:uFillTx/>
+                <a:latin typeface="仿宋" panose="02010609060101010101" pitchFamily="49" charset="-122"/>
+                <a:ea typeface="仿宋" panose="02010609060101010101" pitchFamily="49" charset="-122"/>
+                <a:cs typeface="+mn-cs"/>
+              </a:rPr>
+              <a:t>TM110</a:t>
+            </a:r>
+          </a:p>
+          <a:p>
+            <a:pPr marL="228600" marR="0" lvl="0" indent="-228600" algn="l" defTabSz="914400" rtl="0" eaLnBrk="1" fontAlgn="auto" latinLnBrk="0" hangingPunct="1">
+              <a:lnSpc>
+                <a:spcPct val="90000"/>
+              </a:lnSpc>
+              <a:spcBef>
+                <a:spcPts val="1000"/>
+              </a:spcBef>
+              <a:spcAft>
+                <a:spcPts val="0"/>
+              </a:spcAft>
+              <a:buClrTx/>
+              <a:buSzTx/>
+              <a:buFont typeface="Arial" panose="020B0604020202020204" pitchFamily="34" charset="0"/>
+              <a:buChar char="•"/>
+              <a:tabLst/>
+              <a:defRPr/>
+            </a:pPr>
+            <a:endParaRPr kumimoji="0" lang="en-US" altLang="zh-CN" sz="2000" b="0" i="0" u="none" strike="noStrike" kern="1200" cap="none" spc="0" normalizeH="0" baseline="0" noProof="0" dirty="0">
+              <a:ln>
+                <a:noFill/>
+              </a:ln>
+              <a:solidFill>
+                <a:prstClr val="black"/>
+              </a:solidFill>
+              <a:effectLst/>
+              <a:uLnTx/>
+              <a:uFillTx/>
+              <a:latin typeface="等线" panose="020F0502020204030204"/>
+              <a:ea typeface="等线" panose="02010600030101010101" pitchFamily="2" charset="-122"/>
+              <a:cs typeface="+mn-cs"/>
+            </a:endParaRPr>
+          </a:p>
+          <a:p>
+            <a:pPr marL="228600" marR="0" lvl="0" indent="-228600" algn="l" defTabSz="914400" rtl="0" eaLnBrk="1" fontAlgn="auto" latinLnBrk="0" hangingPunct="1">
+              <a:lnSpc>
+                <a:spcPct val="90000"/>
+              </a:lnSpc>
+              <a:spcBef>
+                <a:spcPts val="1000"/>
+              </a:spcBef>
+              <a:spcAft>
+                <a:spcPts val="0"/>
+              </a:spcAft>
+              <a:buClrTx/>
+              <a:buSzTx/>
+              <a:buFont typeface="Arial" panose="020B0604020202020204" pitchFamily="34" charset="0"/>
+              <a:buChar char="•"/>
+              <a:tabLst/>
+              <a:defRPr/>
+            </a:pPr>
+            <a:endParaRPr kumimoji="0" lang="en-US" altLang="zh-CN" sz="2000" b="0" i="0" u="none" strike="noStrike" kern="1200" cap="none" spc="0" normalizeH="0" baseline="0" noProof="0" dirty="0">
+              <a:ln>
+                <a:noFill/>
+              </a:ln>
+              <a:solidFill>
+                <a:prstClr val="black"/>
+              </a:solidFill>
+              <a:effectLst/>
+              <a:uLnTx/>
+              <a:uFillTx/>
+              <a:latin typeface="等线" panose="020F0502020204030204"/>
+              <a:ea typeface="等线" panose="02010600030101010101" pitchFamily="2" charset="-122"/>
+              <a:cs typeface="+mn-cs"/>
+            </a:endParaRPr>
+          </a:p>
+          <a:p>
+            <a:pPr marL="228600" marR="0" lvl="0" indent="-228600" algn="l" defTabSz="914400" rtl="0" eaLnBrk="1" fontAlgn="auto" latinLnBrk="0" hangingPunct="1">
+              <a:lnSpc>
+                <a:spcPct val="90000"/>
+              </a:lnSpc>
+              <a:spcBef>
+                <a:spcPts val="1000"/>
+              </a:spcBef>
+              <a:spcAft>
+                <a:spcPts val="0"/>
+              </a:spcAft>
+              <a:buClrTx/>
+              <a:buSzTx/>
+              <a:buFont typeface="Arial" panose="020B0604020202020204" pitchFamily="34" charset="0"/>
+              <a:buChar char="•"/>
+              <a:tabLst/>
+              <a:defRPr/>
+            </a:pPr>
+            <a:endParaRPr kumimoji="0" lang="en-US" altLang="zh-CN" sz="2000" b="0" i="0" u="none" strike="noStrike" kern="1200" cap="none" spc="0" normalizeH="0" baseline="0" noProof="0" dirty="0">
+              <a:ln>
+                <a:noFill/>
+              </a:ln>
+              <a:solidFill>
+                <a:prstClr val="black"/>
+              </a:solidFill>
+              <a:effectLst/>
+              <a:uLnTx/>
+              <a:uFillTx/>
+              <a:latin typeface="等线" panose="020F0502020204030204"/>
+              <a:ea typeface="等线" panose="02010600030101010101" pitchFamily="2" charset="-122"/>
+              <a:cs typeface="+mn-cs"/>
+            </a:endParaRPr>
+          </a:p>
+          <a:p>
+            <a:pPr marL="228600" marR="0" lvl="0" indent="-228600" algn="l" defTabSz="914400" rtl="0" eaLnBrk="1" fontAlgn="auto" latinLnBrk="0" hangingPunct="1">
+              <a:lnSpc>
+                <a:spcPct val="90000"/>
+              </a:lnSpc>
+              <a:spcBef>
+                <a:spcPts val="1000"/>
+              </a:spcBef>
+              <a:spcAft>
+                <a:spcPts val="0"/>
+              </a:spcAft>
+              <a:buClrTx/>
+              <a:buSzTx/>
+              <a:buFont typeface="Arial" panose="020B0604020202020204" pitchFamily="34" charset="0"/>
+              <a:buChar char="•"/>
+              <a:tabLst/>
+              <a:defRPr/>
+            </a:pPr>
+            <a:endParaRPr kumimoji="0" lang="zh-CN" altLang="en-US" sz="2000" b="0" i="0" u="none" strike="noStrike" kern="1200" cap="none" spc="0" normalizeH="0" baseline="0" noProof="0" dirty="0">
+              <a:ln>
+                <a:noFill/>
+              </a:ln>
+              <a:solidFill>
+                <a:prstClr val="black"/>
+              </a:solidFill>
+              <a:effectLst/>
+              <a:uLnTx/>
+              <a:uFillTx/>
+              <a:latin typeface="等线" panose="020F0502020204030204"/>
+              <a:ea typeface="等线" panose="02010600030101010101" pitchFamily="2" charset="-122"/>
+              <a:cs typeface="+mn-cs"/>
+            </a:endParaRPr>
+          </a:p>
+        </p:txBody>
+      </p:sp>
+      <p:pic>
+        <p:nvPicPr>
+          <p:cNvPr id="6" name="图片 5">
+            <a:extLst>
+              <a:ext uri="{FF2B5EF4-FFF2-40B4-BE49-F238E27FC236}">
+                <a16:creationId xmlns:a16="http://schemas.microsoft.com/office/drawing/2014/main" id="{EE600726-A284-43B7-B07C-1FE1F44D2D38}"/>
+              </a:ext>
+            </a:extLst>
+          </p:cNvPr>
+          <p:cNvPicPr>
+            <a:picLocks noChangeAspect="1"/>
+          </p:cNvPicPr>
+          <p:nvPr/>
+        </p:nvPicPr>
+        <p:blipFill>
+          <a:blip r:embed="rId2"/>
+          <a:stretch>
+            <a:fillRect/>
+          </a:stretch>
+        </p:blipFill>
+        <p:spPr>
+          <a:xfrm>
+            <a:off x="6481893" y="3481397"/>
+            <a:ext cx="5137569" cy="3288682"/>
+          </a:xfrm>
+          <a:prstGeom prst="rect">
+            <a:avLst/>
+          </a:prstGeom>
+        </p:spPr>
+      </p:pic>
+    </p:spTree>
+    <p:extLst>
+      <p:ext uri="{BB962C8B-B14F-4D97-AF65-F5344CB8AC3E}">
+        <p14:creationId xmlns:p14="http://schemas.microsoft.com/office/powerpoint/2010/main" val="562200327"/>
+      </p:ext>
+    </p:extLst>
+  </p:cSld>
+  <p:clrMapOvr>
+    <a:masterClrMapping/>
+  </p:clrMapOvr>
+</p:sld>
+</file>
+
+<file path=ppt/slides/slide5.xml><?xml version="1.0" encoding="utf-8"?>
+<p:sld xmlns:a="http://schemas.openxmlformats.org/drawingml/2006/main" xmlns:r="http://schemas.openxmlformats.org/officeDocument/2006/relationships" xmlns:p="http://schemas.openxmlformats.org/presentationml/2006/main">
+  <p:cSld>
+    <p:spTree>
+      <p:nvGrpSpPr>
+        <p:cNvPr id="1" name=""/>
+        <p:cNvGrpSpPr/>
+        <p:nvPr/>
+      </p:nvGrpSpPr>
+      <p:grpSpPr>
+        <a:xfrm>
+          <a:off x="0" y="0"/>
+          <a:ext cx="0" cy="0"/>
+          <a:chOff x="0" y="0"/>
+          <a:chExt cx="0" cy="0"/>
+        </a:xfrm>
+      </p:grpSpPr>
+      <p:sp>
+        <p:nvSpPr>
+          <p:cNvPr id="2" name="标题 1">
+            <a:extLst>
+              <a:ext uri="{FF2B5EF4-FFF2-40B4-BE49-F238E27FC236}">
+                <a16:creationId xmlns:a16="http://schemas.microsoft.com/office/drawing/2014/main" id="{ECE721D9-7744-4AE9-9A7A-2EA0F7B29C12}"/>
+              </a:ext>
+            </a:extLst>
+          </p:cNvPr>
+          <p:cNvSpPr>
+            <a:spLocks noGrp="1"/>
+          </p:cNvSpPr>
+          <p:nvPr>
+            <p:ph type="title"/>
+          </p:nvPr>
+        </p:nvSpPr>
+        <p:spPr>
+          <a:xfrm>
+            <a:off x="838200" y="0"/>
+            <a:ext cx="10515600" cy="1325563"/>
+          </a:xfrm>
+        </p:spPr>
+        <p:txBody>
+          <a:bodyPr>
+            <a:normAutofit/>
+          </a:bodyPr>
+          <a:lstStyle/>
+          <a:p>
+            <a:r>
+              <a:rPr lang="zh-CN" altLang="en-US" sz="4000" b="1" dirty="0">
+                <a:latin typeface="楷体" panose="02010609060101010101" pitchFamily="49" charset="-122"/>
+                <a:ea typeface="楷体" panose="02010609060101010101" pitchFamily="49" charset="-122"/>
+              </a:rPr>
+              <a:t>谐振腔设计</a:t>
+            </a:r>
+          </a:p>
+        </p:txBody>
+      </p:sp>
       <p:pic>
         <p:nvPicPr>
           <p:cNvPr id="9" name="图片 8">
@@ -10513,7 +11508,7 @@
 </p:sld>
 </file>
 
-<file path=ppt/slides/slide5.xml><?xml version="1.0" encoding="utf-8"?>
+<file path=ppt/slides/slide6.xml><?xml version="1.0" encoding="utf-8"?>
 <p:sld xmlns:a="http://schemas.openxmlformats.org/drawingml/2006/main" xmlns:r="http://schemas.openxmlformats.org/officeDocument/2006/relationships" xmlns:p="http://schemas.openxmlformats.org/presentationml/2006/main">
   <p:cSld>
     <p:spTree>
@@ -10867,7 +11862,7 @@
 </p:sld>
 </file>
 
-<file path=ppt/slides/slide6.xml><?xml version="1.0" encoding="utf-8"?>
+<file path=ppt/slides/slide7.xml><?xml version="1.0" encoding="utf-8"?>
 <p:sld xmlns:a="http://schemas.openxmlformats.org/drawingml/2006/main" xmlns:r="http://schemas.openxmlformats.org/officeDocument/2006/relationships" xmlns:p="http://schemas.openxmlformats.org/presentationml/2006/main">
   <p:cSld>
     <p:spTree>
@@ -12656,7 +13651,7 @@
 </p:sld>
 </file>
 
-<file path=ppt/slides/slide7.xml><?xml version="1.0" encoding="utf-8"?>
+<file path=ppt/slides/slide8.xml><?xml version="1.0" encoding="utf-8"?>
 <p:sld xmlns:a="http://schemas.openxmlformats.org/drawingml/2006/main" xmlns:r="http://schemas.openxmlformats.org/officeDocument/2006/relationships" xmlns:p="http://schemas.openxmlformats.org/presentationml/2006/main">
   <p:cSld>
     <p:spTree>
@@ -14528,7 +15523,7 @@
 </p:sld>
 </file>
 
-<file path=ppt/slides/slide8.xml><?xml version="1.0" encoding="utf-8"?>
+<file path=ppt/slides/slide9.xml><?xml version="1.0" encoding="utf-8"?>
 <p:sld xmlns:a="http://schemas.openxmlformats.org/drawingml/2006/main" xmlns:r="http://schemas.openxmlformats.org/officeDocument/2006/relationships" xmlns:p="http://schemas.openxmlformats.org/presentationml/2006/main">
   <p:cSld>
     <p:spTree>
@@ -14650,140 +15645,6 @@
     <p:extLst>
       <p:ext uri="{BB962C8B-B14F-4D97-AF65-F5344CB8AC3E}">
         <p14:creationId xmlns:p14="http://schemas.microsoft.com/office/powerpoint/2010/main" val="1109113317"/>
-      </p:ext>
-    </p:extLst>
-  </p:cSld>
-  <p:clrMapOvr>
-    <a:masterClrMapping/>
-  </p:clrMapOvr>
-</p:sld>
-</file>
-
-<file path=ppt/slides/slide9.xml><?xml version="1.0" encoding="utf-8"?>
-<p:sld xmlns:a="http://schemas.openxmlformats.org/drawingml/2006/main" xmlns:r="http://schemas.openxmlformats.org/officeDocument/2006/relationships" xmlns:p="http://schemas.openxmlformats.org/presentationml/2006/main">
-  <p:cSld>
-    <p:spTree>
-      <p:nvGrpSpPr>
-        <p:cNvPr id="1" name=""/>
-        <p:cNvGrpSpPr/>
-        <p:nvPr/>
-      </p:nvGrpSpPr>
-      <p:grpSpPr>
-        <a:xfrm>
-          <a:off x="0" y="0"/>
-          <a:ext cx="0" cy="0"/>
-          <a:chOff x="0" y="0"/>
-          <a:chExt cx="0" cy="0"/>
-        </a:xfrm>
-      </p:grpSpPr>
-      <p:sp>
-        <p:nvSpPr>
-          <p:cNvPr id="2" name="标题 1">
-            <a:extLst>
-              <a:ext uri="{FF2B5EF4-FFF2-40B4-BE49-F238E27FC236}">
-                <a16:creationId xmlns:a16="http://schemas.microsoft.com/office/drawing/2014/main" id="{01C96EAD-1CC4-4BED-B217-B0EC9792A025}"/>
-              </a:ext>
-            </a:extLst>
-          </p:cNvPr>
-          <p:cNvSpPr>
-            <a:spLocks noGrp="1"/>
-          </p:cNvSpPr>
-          <p:nvPr>
-            <p:ph type="title"/>
-          </p:nvPr>
-        </p:nvSpPr>
-        <p:spPr>
-          <a:xfrm>
-            <a:off x="838200" y="0"/>
-            <a:ext cx="10515600" cy="1325563"/>
-          </a:xfrm>
-        </p:spPr>
-        <p:txBody>
-          <a:bodyPr>
-            <a:normAutofit/>
-          </a:bodyPr>
-          <a:lstStyle/>
-          <a:p>
-            <a:r>
-              <a:rPr lang="zh-CN" altLang="en-US" sz="4000" b="1" dirty="0">
-                <a:latin typeface="楷体" panose="02010609060101010101" pitchFamily="49" charset="-122"/>
-                <a:ea typeface="楷体" panose="02010609060101010101" pitchFamily="49" charset="-122"/>
-              </a:rPr>
-              <a:t>介质参数求解误差分析</a:t>
-            </a:r>
-          </a:p>
-        </p:txBody>
-      </p:sp>
-      <p:sp>
-        <p:nvSpPr>
-          <p:cNvPr id="3" name="内容占位符 2">
-            <a:extLst>
-              <a:ext uri="{FF2B5EF4-FFF2-40B4-BE49-F238E27FC236}">
-                <a16:creationId xmlns:a16="http://schemas.microsoft.com/office/drawing/2014/main" id="{C7660EE8-3893-440E-9236-4B3C8EF73FE1}"/>
-              </a:ext>
-            </a:extLst>
-          </p:cNvPr>
-          <p:cNvSpPr>
-            <a:spLocks noGrp="1"/>
-          </p:cNvSpPr>
-          <p:nvPr>
-            <p:ph idx="1"/>
-          </p:nvPr>
-        </p:nvSpPr>
-        <p:spPr>
-          <a:xfrm>
-            <a:off x="838200" y="1253331"/>
-            <a:ext cx="10515600" cy="4351338"/>
-          </a:xfrm>
-        </p:spPr>
-        <p:txBody>
-          <a:bodyPr/>
-          <a:lstStyle/>
-          <a:p>
-            <a:r>
-              <a:rPr lang="zh-CN" altLang="en-US" dirty="0"/>
-              <a:t>求得介电常数实部绝对误差随介电常数变化</a:t>
-            </a:r>
-          </a:p>
-          <a:p>
-            <a:endParaRPr lang="zh-CN" altLang="en-US" dirty="0"/>
-          </a:p>
-        </p:txBody>
-      </p:sp>
-      <p:pic>
-        <p:nvPicPr>
-          <p:cNvPr id="5" name="图片 4">
-            <a:extLst>
-              <a:ext uri="{FF2B5EF4-FFF2-40B4-BE49-F238E27FC236}">
-                <a16:creationId xmlns:a16="http://schemas.microsoft.com/office/drawing/2014/main" id="{5C2B53C0-2122-48A4-B13A-5E5D22D8901E}"/>
-              </a:ext>
-            </a:extLst>
-          </p:cNvPr>
-          <p:cNvPicPr>
-            <a:picLocks noChangeAspect="1"/>
-          </p:cNvPicPr>
-          <p:nvPr/>
-        </p:nvPicPr>
-        <p:blipFill>
-          <a:blip r:embed="rId2"/>
-          <a:stretch>
-            <a:fillRect/>
-          </a:stretch>
-        </p:blipFill>
-        <p:spPr>
-          <a:xfrm>
-            <a:off x="310718" y="1529037"/>
-            <a:ext cx="10943149" cy="5040000"/>
-          </a:xfrm>
-          <a:prstGeom prst="rect">
-            <a:avLst/>
-          </a:prstGeom>
-        </p:spPr>
-      </p:pic>
-    </p:spTree>
-    <p:extLst>
-      <p:ext uri="{BB962C8B-B14F-4D97-AF65-F5344CB8AC3E}">
-        <p14:creationId xmlns:p14="http://schemas.microsoft.com/office/powerpoint/2010/main" val="592610939"/>
       </p:ext>
     </p:extLst>
   </p:cSld>

--- a/微波谐振腔.pptx
+++ b/微波谐振腔.pptx
@@ -4719,8 +4719,8 @@
           </a:p>
         </p:txBody>
       </p:sp>
-      <mc:AlternateContent xmlns:mc="http://schemas.openxmlformats.org/markup-compatibility/2006" xmlns:a14="http://schemas.microsoft.com/office/drawing/2010/main">
-        <mc:Choice Requires="a14">
+      <mc:AlternateContent xmlns:mc="http://schemas.openxmlformats.org/markup-compatibility/2006">
+        <mc:Choice xmlns:a14="http://schemas.microsoft.com/office/drawing/2010/main" Requires="a14">
           <p:sp>
             <p:nvSpPr>
               <p:cNvPr id="3" name="内容占位符 2">
@@ -4988,7 +4988,10 @@
                             <m:t>(△</m:t>
                           </m:r>
                           <m:r>
-                            <a:rPr lang="en-US" altLang="zh-CN" sz="2500" i="1" kern="100">
+                            <m:rPr>
+                              <m:sty m:val="p"/>
+                            </m:rPr>
+                            <a:rPr lang="el-GR" altLang="zh-CN" sz="2500" i="1" kern="100" smtClean="0">
                               <a:solidFill>
                                 <a:schemeClr val="tx1"/>
                               </a:solidFill>
@@ -4996,7 +4999,7 @@
                               <a:ea typeface="宋体" panose="02010600030101010101" pitchFamily="2" charset="-122"/>
                               <a:cs typeface="Times New Roman" panose="02020603050405020304" pitchFamily="18" charset="0"/>
                             </a:rPr>
-                            <m:t>𝜖</m:t>
+                            <m:t>ε</m:t>
                           </m:r>
                           <m:r>
                             <a:rPr lang="en-US" altLang="zh-CN" sz="2500" i="1" kern="100">
@@ -5279,7 +5282,10 @@
                                 <m:t>(</m:t>
                               </m:r>
                               <m:r>
-                                <a:rPr lang="en-US" altLang="zh-CN" sz="2500" i="1" kern="100">
+                                <m:rPr>
+                                  <m:sty m:val="p"/>
+                                </m:rPr>
+                                <a:rPr lang="el-GR" altLang="zh-CN" sz="2500" i="1" kern="100" smtClean="0">
                                   <a:solidFill>
                                     <a:schemeClr val="tx1"/>
                                   </a:solidFill>
@@ -5287,7 +5293,7 @@
                                   <a:ea typeface="宋体" panose="02010600030101010101" pitchFamily="2" charset="-122"/>
                                   <a:cs typeface="Times New Roman" panose="02020603050405020304" pitchFamily="18" charset="0"/>
                                 </a:rPr>
-                                <m:t>𝜖</m:t>
+                                <m:t>ε</m:t>
                               </m:r>
                               <m:sSup>
                                 <m:sSupPr>
@@ -5668,7 +5674,10 @@
                       <m:t>△</m:t>
                     </m:r>
                     <m:r>
-                      <a:rPr lang="en-US" altLang="zh-CN" sz="2500" i="1" kern="100">
+                      <m:rPr>
+                        <m:sty m:val="p"/>
+                      </m:rPr>
+                      <a:rPr lang="el-GR" altLang="zh-CN" sz="2500" i="1" kern="100" smtClean="0">
                         <a:solidFill>
                           <a:schemeClr val="tx1"/>
                         </a:solidFill>
@@ -5676,7 +5685,7 @@
                         <a:ea typeface="宋体" panose="02010600030101010101" pitchFamily="2" charset="-122"/>
                         <a:cs typeface="Times New Roman" panose="02020603050405020304" pitchFamily="18" charset="0"/>
                       </a:rPr>
-                      <m:t>𝜖</m:t>
+                      <m:t>ε</m:t>
                     </m:r>
                     <m:r>
                       <a:rPr lang="en-US" altLang="zh-CN" sz="2500" i="1" kern="100">
@@ -5704,7 +5713,10 @@
                       </m:sSubPr>
                       <m:e>
                         <m:r>
-                          <a:rPr lang="en-US" altLang="zh-CN" sz="2500" i="1" kern="100">
+                          <m:rPr>
+                            <m:sty m:val="p"/>
+                          </m:rPr>
+                          <a:rPr lang="el-GR" altLang="zh-CN" sz="2500" i="1" kern="100" smtClean="0">
                             <a:solidFill>
                               <a:schemeClr val="tx1"/>
                             </a:solidFill>
@@ -5712,7 +5724,7 @@
                             <a:ea typeface="宋体" panose="02010600030101010101" pitchFamily="2" charset="-122"/>
                             <a:cs typeface="Times New Roman" panose="02020603050405020304" pitchFamily="18" charset="0"/>
                           </a:rPr>
-                          <m:t>𝜖</m:t>
+                          <m:t>ε</m:t>
                         </m:r>
                       </m:e>
                       <m:sub>
@@ -5755,7 +5767,10 @@
                       </m:sSubPr>
                       <m:e>
                         <m:r>
-                          <a:rPr lang="en-US" altLang="zh-CN" sz="2500" i="1" kern="100">
+                          <m:rPr>
+                            <m:sty m:val="p"/>
+                          </m:rPr>
+                          <a:rPr lang="el-GR" altLang="zh-CN" sz="2500" i="1" kern="100" smtClean="0">
                             <a:solidFill>
                               <a:schemeClr val="tx1"/>
                             </a:solidFill>
@@ -5763,7 +5778,7 @@
                             <a:ea typeface="宋体" panose="02010600030101010101" pitchFamily="2" charset="-122"/>
                             <a:cs typeface="Times New Roman" panose="02020603050405020304" pitchFamily="18" charset="0"/>
                           </a:rPr>
-                          <m:t>𝜖</m:t>
+                          <m:t>ε</m:t>
                         </m:r>
                       </m:e>
                       <m:sub>
@@ -6023,7 +6038,10 @@
                                 </m:sSubPr>
                                 <m:e>
                                   <m:r>
-                                    <a:rPr lang="en-US" altLang="zh-CN" sz="2500" i="1" kern="100">
+                                    <m:rPr>
+                                      <m:sty m:val="p"/>
+                                    </m:rPr>
+                                    <a:rPr lang="el-GR" altLang="zh-CN" sz="2500" i="1" kern="100" smtClean="0">
                                       <a:solidFill>
                                         <a:schemeClr val="tx1"/>
                                       </a:solidFill>
@@ -6031,7 +6049,7 @@
                                       <a:ea typeface="宋体" panose="02010600030101010101" pitchFamily="2" charset="-122"/>
                                       <a:cs typeface="Times New Roman" panose="02020603050405020304" pitchFamily="18" charset="0"/>
                                     </a:rPr>
-                                    <m:t>𝜖</m:t>
+                                    <m:t>ε</m:t>
                                   </m:r>
                                 </m:e>
                                 <m:sub>
@@ -6074,7 +6092,10 @@
                                 </m:sSubPr>
                                 <m:e>
                                   <m:r>
-                                    <a:rPr lang="en-US" altLang="zh-CN" sz="2500" i="1" kern="100">
+                                    <m:rPr>
+                                      <m:sty m:val="p"/>
+                                    </m:rPr>
+                                    <a:rPr lang="el-GR" altLang="zh-CN" sz="2500" i="1" kern="100" smtClean="0">
                                       <a:solidFill>
                                         <a:schemeClr val="tx1"/>
                                       </a:solidFill>
@@ -6082,7 +6103,7 @@
                                       <a:ea typeface="宋体" panose="02010600030101010101" pitchFamily="2" charset="-122"/>
                                       <a:cs typeface="Times New Roman" panose="02020603050405020304" pitchFamily="18" charset="0"/>
                                     </a:rPr>
-                                    <m:t>𝜖</m:t>
+                                    <m:t>ε</m:t>
                                   </m:r>
                                 </m:e>
                                 <m:sub>
@@ -6279,7 +6300,10 @@
                                 </m:sSubPr>
                                 <m:e>
                                   <m:r>
-                                    <a:rPr lang="en-US" altLang="zh-CN" sz="2500" i="1" kern="100">
+                                    <m:rPr>
+                                      <m:sty m:val="p"/>
+                                    </m:rPr>
+                                    <a:rPr lang="el-GR" altLang="zh-CN" sz="2500" i="1" kern="100" smtClean="0">
                                       <a:solidFill>
                                         <a:schemeClr val="tx1"/>
                                       </a:solidFill>
@@ -6287,7 +6311,7 @@
                                       <a:ea typeface="宋体" panose="02010600030101010101" pitchFamily="2" charset="-122"/>
                                       <a:cs typeface="Times New Roman" panose="02020603050405020304" pitchFamily="18" charset="0"/>
                                     </a:rPr>
-                                    <m:t>𝜖</m:t>
+                                    <m:t>ε</m:t>
                                   </m:r>
                                 </m:e>
                                 <m:sub>
@@ -6522,7 +6546,10 @@
                       </m:sSubPr>
                       <m:e>
                         <m:r>
-                          <a:rPr lang="en-US" altLang="zh-CN" sz="2500" i="1" kern="100">
+                          <m:rPr>
+                            <m:sty m:val="p"/>
+                          </m:rPr>
+                          <a:rPr lang="el-GR" altLang="zh-CN" sz="2500" i="1" kern="100" smtClean="0">
                             <a:solidFill>
                               <a:schemeClr val="tx1"/>
                             </a:solidFill>
@@ -6530,7 +6557,7 @@
                             <a:ea typeface="宋体" panose="02010600030101010101" pitchFamily="2" charset="-122"/>
                             <a:cs typeface="Times New Roman" panose="02020603050405020304" pitchFamily="18" charset="0"/>
                           </a:rPr>
-                          <m:t>𝜖</m:t>
+                          <m:t>ε</m:t>
                         </m:r>
                       </m:e>
                       <m:sub>
@@ -6573,7 +6600,10 @@
                       </m:sSubPr>
                       <m:e>
                         <m:r>
-                          <a:rPr lang="en-US" altLang="zh-CN" sz="2500" i="1" kern="100">
+                          <m:rPr>
+                            <m:sty m:val="p"/>
+                          </m:rPr>
+                          <a:rPr lang="el-GR" altLang="zh-CN" sz="2500" i="1" kern="100" smtClean="0">
                             <a:solidFill>
                               <a:schemeClr val="tx1"/>
                             </a:solidFill>
@@ -6581,7 +6611,7 @@
                             <a:ea typeface="宋体" panose="02010600030101010101" pitchFamily="2" charset="-122"/>
                             <a:cs typeface="Times New Roman" panose="02020603050405020304" pitchFamily="18" charset="0"/>
                           </a:rPr>
-                          <m:t>𝜖</m:t>
+                          <m:t>ε</m:t>
                         </m:r>
                       </m:e>
                       <m:sub>
@@ -6613,7 +6643,10 @@
                       </m:sSubPr>
                       <m:e>
                         <m:r>
-                          <a:rPr lang="en-US" altLang="zh-CN" sz="2500" i="1" kern="100">
+                          <m:rPr>
+                            <m:sty m:val="p"/>
+                          </m:rPr>
+                          <a:rPr lang="el-GR" altLang="zh-CN" sz="2500" i="1" kern="100" smtClean="0">
                             <a:solidFill>
                               <a:schemeClr val="tx1"/>
                             </a:solidFill>
@@ -6621,7 +6654,7 @@
                             <a:ea typeface="宋体" panose="02010600030101010101" pitchFamily="2" charset="-122"/>
                             <a:cs typeface="Times New Roman" panose="02020603050405020304" pitchFamily="18" charset="0"/>
                           </a:rPr>
-                          <m:t>𝜖</m:t>
+                          <m:t>ε</m:t>
                         </m:r>
                       </m:e>
                       <m:sub>
@@ -6702,7 +6735,10 @@
                         </m:sSubPr>
                         <m:e>
                           <m:r>
-                            <a:rPr lang="en-US" altLang="zh-CN" sz="2500" i="1" kern="100">
+                            <m:rPr>
+                              <m:sty m:val="p"/>
+                            </m:rPr>
+                            <a:rPr lang="el-GR" altLang="zh-CN" sz="2500" i="1" kern="100" smtClean="0">
                               <a:solidFill>
                                 <a:schemeClr val="tx1"/>
                               </a:solidFill>
@@ -6710,7 +6746,7 @@
                               <a:ea typeface="宋体" panose="02010600030101010101" pitchFamily="2" charset="-122"/>
                               <a:cs typeface="Times New Roman" panose="02020603050405020304" pitchFamily="18" charset="0"/>
                             </a:rPr>
-                            <m:t>𝜖</m:t>
+                            <m:t>ε</m:t>
                           </m:r>
                         </m:e>
                         <m:sub>
@@ -6780,7 +6816,10 @@
                             </m:sSubPr>
                             <m:e>
                               <m:r>
-                                <a:rPr lang="en-US" altLang="zh-CN" sz="2500" i="1" kern="100">
+                                <m:rPr>
+                                  <m:sty m:val="p"/>
+                                </m:rPr>
+                                <a:rPr lang="el-GR" altLang="zh-CN" sz="2500" i="1" kern="100" smtClean="0">
                                   <a:solidFill>
                                     <a:schemeClr val="tx1"/>
                                   </a:solidFill>
@@ -6788,7 +6827,7 @@
                                   <a:ea typeface="宋体" panose="02010600030101010101" pitchFamily="2" charset="-122"/>
                                   <a:cs typeface="Times New Roman" panose="02020603050405020304" pitchFamily="18" charset="0"/>
                                 </a:rPr>
-                                <m:t>𝜖</m:t>
+                                <m:t>ε</m:t>
                               </m:r>
                             </m:e>
                             <m:sub>
@@ -6979,7 +7018,10 @@
                                 </m:sSubPr>
                                 <m:e>
                                   <m:r>
-                                    <a:rPr lang="en-US" altLang="zh-CN" sz="2500" i="1" kern="100">
+                                    <m:rPr>
+                                      <m:sty m:val="p"/>
+                                    </m:rPr>
+                                    <a:rPr lang="el-GR" altLang="zh-CN" sz="2500" i="1" kern="100" smtClean="0">
                                       <a:solidFill>
                                         <a:schemeClr val="tx1"/>
                                       </a:solidFill>
@@ -6987,7 +7029,7 @@
                                       <a:ea typeface="宋体" panose="02010600030101010101" pitchFamily="2" charset="-122"/>
                                       <a:cs typeface="Times New Roman" panose="02020603050405020304" pitchFamily="18" charset="0"/>
                                     </a:rPr>
-                                    <m:t>𝜖</m:t>
+                                    <m:t>ε</m:t>
                                   </m:r>
                                 </m:e>
                                 <m:sub>
@@ -7745,7 +7787,10 @@
                       </m:sSubPr>
                       <m:e>
                         <m:r>
-                          <a:rPr lang="en-US" altLang="zh-CN" sz="2500" i="1" kern="100">
+                          <m:rPr>
+                            <m:sty m:val="p"/>
+                          </m:rPr>
+                          <a:rPr lang="el-GR" altLang="zh-CN" sz="2500" i="1" kern="100" smtClean="0">
                             <a:solidFill>
                               <a:schemeClr val="tx1"/>
                             </a:solidFill>
@@ -7753,7 +7798,7 @@
                             <a:ea typeface="宋体" panose="02010600030101010101" pitchFamily="2" charset="-122"/>
                             <a:cs typeface="Times New Roman" panose="02020603050405020304" pitchFamily="18" charset="0"/>
                           </a:rPr>
-                          <m:t>𝜖</m:t>
+                          <m:t>ε</m:t>
                         </m:r>
                       </m:e>
                       <m:sub>
@@ -8099,7 +8144,7 @@
             </p:txBody>
           </p:sp>
         </mc:Choice>
-        <mc:Fallback xmlns="">
+        <mc:Fallback>
           <p:sp>
             <p:nvSpPr>
               <p:cNvPr id="3" name="内容占位符 2">
@@ -8665,8 +8710,8 @@
           </a:p>
         </p:txBody>
       </p:sp>
-      <mc:AlternateContent xmlns:mc="http://schemas.openxmlformats.org/markup-compatibility/2006">
-        <mc:Choice xmlns:a14="http://schemas.microsoft.com/office/drawing/2010/main" Requires="a14">
+      <mc:AlternateContent xmlns:mc="http://schemas.openxmlformats.org/markup-compatibility/2006" xmlns:a14="http://schemas.microsoft.com/office/drawing/2010/main">
+        <mc:Choice Requires="a14">
           <p:sp>
             <p:nvSpPr>
               <p:cNvPr id="4" name="内容占位符 3">
@@ -9874,7 +9919,7 @@
             </p:txBody>
           </p:sp>
         </mc:Choice>
-        <mc:Fallback>
+        <mc:Fallback xmlns="">
           <p:sp>
             <p:nvSpPr>
               <p:cNvPr id="4" name="内容占位符 3">
